--- a/Thesis/Disputation/PowerPointPresentation/New_Dispo_HFU_Design.pptx
+++ b/Thesis/Disputation/PowerPointPresentation/New_Dispo_HFU_Design.pptx
@@ -2015,6 +2015,50 @@
               <a:rPr lang="de-DE" dirty="0"/>
               <a:t>Das Sensorkoordinatensytem S in px, ist an die Sensorelemente des Sensors angepasst</a:t>
             </a:r>
+          </a:p>
+          <a:p>
+            <a:pPr marL="171450" indent="-171450">
+              <a:buFont typeface="Arial" panose="020B0604020202020204" pitchFamily="34" charset="0"/>
+              <a:buChar char="•"/>
+            </a:pPr>
+            <a:endParaRPr lang="de-DE" dirty="0"/>
+          </a:p>
+          <a:p>
+            <a:pPr marL="171450" indent="-171450">
+              <a:buFont typeface="Arial" panose="020B0604020202020204" pitchFamily="34" charset="0"/>
+              <a:buChar char="•"/>
+            </a:pPr>
+            <a:r>
+              <a:rPr lang="de-DE" dirty="0"/>
+              <a:t>Eigenschaften des Sensorkoordiantensystems:</a:t>
+            </a:r>
+          </a:p>
+          <a:p>
+            <a:pPr marL="628650" lvl="1" indent="-171450">
+              <a:buFont typeface="Arial" panose="020B0604020202020204" pitchFamily="34" charset="0"/>
+              <a:buChar char="•"/>
+            </a:pPr>
+            <a:r>
+              <a:rPr lang="de-DE" dirty="0"/>
+              <a:t>Passt sich an die Pixel des Sensors an </a:t>
+            </a:r>
+          </a:p>
+          <a:p>
+            <a:pPr marL="628650" lvl="1" indent="-171450">
+              <a:buFont typeface="Arial" panose="020B0604020202020204" pitchFamily="34" charset="0"/>
+              <a:buChar char="•"/>
+            </a:pPr>
+            <a:r>
+              <a:rPr lang="de-DE" dirty="0"/>
+              <a:t>Bei Auflösungsänderung werden kombinieren sich dei Sensorelemente zu einem neuen Pixel </a:t>
+            </a:r>
+            <a:r>
+              <a:rPr lang="de-DE" dirty="0">
+                <a:sym typeface="Wingdings" panose="05000000000000000000" pitchFamily="2" charset="2"/>
+              </a:rPr>
+              <a:t> Sensorkoordinatensystem passt sich an. Der rest bleibt gleich</a:t>
+            </a:r>
+            <a:endParaRPr lang="de-DE" dirty="0"/>
           </a:p>
           <a:p>
             <a:pPr marL="171450" indent="-171450">
@@ -8849,186 +8893,228 @@
           </a:prstGeom>
         </p:spPr>
       </p:pic>
-      <p:sp>
-        <p:nvSpPr>
-          <p:cNvPr id="4" name="Rectangle: Rounded Corners 3">
+      <p:grpSp>
+        <p:nvGrpSpPr>
+          <p:cNvPr id="20" name="Group 19">
             <a:extLst>
               <a:ext uri="{FF2B5EF4-FFF2-40B4-BE49-F238E27FC236}">
-                <a16:creationId xmlns:a16="http://schemas.microsoft.com/office/drawing/2014/main" id="{BD4FFEEB-305E-45A8-83D6-AFB31F3B6EF0}"/>
+                <a16:creationId xmlns:a16="http://schemas.microsoft.com/office/drawing/2014/main" id="{EA433C6F-F7CC-489C-B0A4-BFAFC3326E53}"/>
               </a:ext>
             </a:extLst>
           </p:cNvPr>
-          <p:cNvSpPr/>
+          <p:cNvGrpSpPr/>
           <p:nvPr/>
-        </p:nvSpPr>
-        <p:spPr bwMode="auto">
+        </p:nvGrpSpPr>
+        <p:grpSpPr>
           <a:xfrm>
-            <a:off x="231238" y="1754918"/>
+            <a:off x="231238" y="1787883"/>
             <a:ext cx="8681524" cy="3348164"/>
+            <a:chOff x="231238" y="1765024"/>
+            <a:chExt cx="8681524" cy="3348164"/>
           </a:xfrm>
-          <a:prstGeom prst="roundRect">
-            <a:avLst/>
-          </a:prstGeom>
-          <a:solidFill>
-            <a:schemeClr val="bg1"/>
-          </a:solidFill>
-          <a:ln>
+        </p:grpSpPr>
+        <p:sp>
+          <p:nvSpPr>
+            <p:cNvPr id="4" name="Rectangle: Rounded Corners 3">
+              <a:extLst>
+                <a:ext uri="{FF2B5EF4-FFF2-40B4-BE49-F238E27FC236}">
+                  <a16:creationId xmlns:a16="http://schemas.microsoft.com/office/drawing/2014/main" id="{BD4FFEEB-305E-45A8-83D6-AFB31F3B6EF0}"/>
+                </a:ext>
+              </a:extLst>
+            </p:cNvPr>
+            <p:cNvSpPr/>
+            <p:nvPr/>
+          </p:nvSpPr>
+          <p:spPr bwMode="auto">
+            <a:xfrm>
+              <a:off x="231238" y="1765024"/>
+              <a:ext cx="8681524" cy="3348164"/>
+            </a:xfrm>
+            <a:prstGeom prst="roundRect">
+              <a:avLst/>
+            </a:prstGeom>
             <a:solidFill>
-              <a:schemeClr val="accent2"/>
+              <a:schemeClr val="bg1"/>
             </a:solidFill>
-          </a:ln>
-          <a:effectLst/>
-          <a:extLst/>
-        </p:spPr>
-        <p:txBody>
-          <a:bodyPr vert="horz" wrap="square" lIns="0" tIns="0" rIns="0" bIns="0" numCol="1" rtlCol="0" anchor="t" anchorCtr="0" compatLnSpc="1">
-            <a:prstTxWarp prst="textNoShape">
-              <a:avLst/>
-            </a:prstTxWarp>
-          </a:bodyPr>
-          <a:lstStyle/>
-          <a:p>
-            <a:pPr marL="342900" marR="0" indent="-342900" algn="l" defTabSz="914400" rtl="0" eaLnBrk="0" fontAlgn="base" latinLnBrk="0" hangingPunct="0">
-              <a:lnSpc>
-                <a:spcPct val="80000"/>
-              </a:lnSpc>
-              <a:spcBef>
-                <a:spcPct val="50000"/>
-              </a:spcBef>
-              <a:spcAft>
-                <a:spcPct val="0"/>
-              </a:spcAft>
-              <a:buClrTx/>
-              <a:buSzTx/>
-              <a:buFontTx/>
-              <a:buNone/>
-              <a:tabLst/>
-            </a:pPr>
-            <a:r>
-              <a:rPr kumimoji="0" lang="de-DE" sz="1100" b="0" i="0" u="sng" strike="noStrike" cap="none" normalizeH="0" baseline="0" dirty="0">
-                <a:ln>
-                  <a:noFill/>
-                </a:ln>
-                <a:solidFill>
-                  <a:schemeClr val="bg1"/>
-                </a:solidFill>
-                <a:effectLst/>
-                <a:latin typeface="Arial Narrow" pitchFamily="-112" charset="0"/>
-                <a:ea typeface="ＭＳ Ｐゴシック" pitchFamily="-112" charset="-128"/>
-              </a:rPr>
-              <a:t>Hello </a:t>
-            </a:r>
-          </a:p>
-        </p:txBody>
-      </p:sp>
-      <p:pic>
-        <p:nvPicPr>
-          <p:cNvPr id="16" name="Picture 15">
-            <a:extLst>
-              <a:ext uri="{FF2B5EF4-FFF2-40B4-BE49-F238E27FC236}">
-                <a16:creationId xmlns:a16="http://schemas.microsoft.com/office/drawing/2014/main" id="{C324E22E-87E1-4B80-8189-25C4D7F74957}"/>
-              </a:ext>
-            </a:extLst>
-          </p:cNvPr>
-          <p:cNvPicPr>
-            <a:picLocks noChangeAspect="1"/>
-          </p:cNvPicPr>
-          <p:nvPr/>
-        </p:nvPicPr>
-        <p:blipFill>
-          <a:blip r:embed="rId6">
-            <a:extLst>
-              <a:ext uri="{28A0092B-C50C-407E-A947-70E740481C1C}">
-                <a14:useLocalDpi xmlns:a14="http://schemas.microsoft.com/office/drawing/2010/main" val="0"/>
-              </a:ext>
-            </a:extLst>
-          </a:blip>
-          <a:stretch>
-            <a:fillRect/>
-          </a:stretch>
-        </p:blipFill>
-        <p:spPr>
-          <a:xfrm>
-            <a:off x="3250108" y="2524974"/>
-            <a:ext cx="1944142" cy="1054053"/>
-          </a:xfrm>
-          <a:prstGeom prst="rect">
-            <a:avLst/>
-          </a:prstGeom>
-        </p:spPr>
-      </p:pic>
-      <p:pic>
-        <p:nvPicPr>
-          <p:cNvPr id="13" name="Picture 12">
-            <a:extLst>
-              <a:ext uri="{FF2B5EF4-FFF2-40B4-BE49-F238E27FC236}">
-                <a16:creationId xmlns:a16="http://schemas.microsoft.com/office/drawing/2014/main" id="{B9C88F19-B502-4489-B2C4-2C7E0F584B33}"/>
-              </a:ext>
-            </a:extLst>
-          </p:cNvPr>
-          <p:cNvPicPr>
-            <a:picLocks noChangeAspect="1"/>
-          </p:cNvPicPr>
-          <p:nvPr/>
-        </p:nvPicPr>
-        <p:blipFill>
-          <a:blip r:embed="rId7">
-            <a:extLst>
-              <a:ext uri="{28A0092B-C50C-407E-A947-70E740481C1C}">
-                <a14:useLocalDpi xmlns:a14="http://schemas.microsoft.com/office/drawing/2010/main" val="0"/>
-              </a:ext>
-            </a:extLst>
-          </a:blip>
-          <a:stretch>
-            <a:fillRect/>
-          </a:stretch>
-        </p:blipFill>
-        <p:spPr>
-          <a:xfrm>
-            <a:off x="2563489" y="3751320"/>
-            <a:ext cx="3108345" cy="1080120"/>
-          </a:xfrm>
-          <a:prstGeom prst="rect">
-            <a:avLst/>
-          </a:prstGeom>
-        </p:spPr>
-      </p:pic>
-      <p:pic>
-        <p:nvPicPr>
-          <p:cNvPr id="6" name="Picture 5">
-            <a:extLst>
-              <a:ext uri="{FF2B5EF4-FFF2-40B4-BE49-F238E27FC236}">
-                <a16:creationId xmlns:a16="http://schemas.microsoft.com/office/drawing/2014/main" id="{EDAE1EB4-A9DD-4CB6-9D1D-C11A89DB1FF1}"/>
-              </a:ext>
-            </a:extLst>
-          </p:cNvPr>
-          <p:cNvPicPr>
-            <a:picLocks noChangeAspect="1"/>
-          </p:cNvPicPr>
-          <p:nvPr/>
-        </p:nvPicPr>
-        <p:blipFill>
-          <a:blip r:embed="rId8">
-            <a:extLst>
-              <a:ext uri="{28A0092B-C50C-407E-A947-70E740481C1C}">
-                <a14:useLocalDpi xmlns:a14="http://schemas.microsoft.com/office/drawing/2010/main" val="0"/>
-              </a:ext>
-            </a:extLst>
-          </a:blip>
-          <a:stretch>
-            <a:fillRect/>
-          </a:stretch>
-        </p:blipFill>
-        <p:spPr>
-          <a:xfrm>
-            <a:off x="3170150" y="2047750"/>
-            <a:ext cx="2190476" cy="266667"/>
-          </a:xfrm>
-          <a:prstGeom prst="rect">
-            <a:avLst/>
-          </a:prstGeom>
-        </p:spPr>
-      </p:pic>
+            <a:ln>
+              <a:solidFill>
+                <a:schemeClr val="accent2"/>
+              </a:solidFill>
+            </a:ln>
+            <a:effectLst/>
+            <a:extLst/>
+          </p:spPr>
+          <p:txBody>
+            <a:bodyPr vert="horz" wrap="square" lIns="0" tIns="0" rIns="0" bIns="0" numCol="1" rtlCol="0" anchor="t" anchorCtr="0" compatLnSpc="1">
+              <a:prstTxWarp prst="textNoShape">
+                <a:avLst/>
+              </a:prstTxWarp>
+            </a:bodyPr>
+            <a:lstStyle/>
+            <a:p>
+              <a:pPr marL="342900" marR="0" indent="-342900" algn="l" defTabSz="914400" rtl="0" eaLnBrk="0" fontAlgn="base" latinLnBrk="0" hangingPunct="0">
+                <a:lnSpc>
+                  <a:spcPct val="80000"/>
+                </a:lnSpc>
+                <a:spcBef>
+                  <a:spcPct val="50000"/>
+                </a:spcBef>
+                <a:spcAft>
+                  <a:spcPct val="0"/>
+                </a:spcAft>
+                <a:buClrTx/>
+                <a:buSzTx/>
+                <a:buFontTx/>
+                <a:buNone/>
+                <a:tabLst/>
+              </a:pPr>
+              <a:r>
+                <a:rPr kumimoji="0" lang="de-DE" sz="1100" b="0" i="0" u="sng" strike="noStrike" cap="none" normalizeH="0" baseline="0" dirty="0">
+                  <a:ln>
+                    <a:noFill/>
+                  </a:ln>
+                  <a:solidFill>
+                    <a:schemeClr val="bg1"/>
+                  </a:solidFill>
+                  <a:effectLst/>
+                  <a:latin typeface="Arial Narrow" pitchFamily="-112" charset="0"/>
+                  <a:ea typeface="ＭＳ Ｐゴシック" pitchFamily="-112" charset="-128"/>
+                </a:rPr>
+                <a:t>Hello </a:t>
+              </a:r>
+            </a:p>
+          </p:txBody>
+        </p:sp>
+        <p:grpSp>
+          <p:nvGrpSpPr>
+            <p:cNvPr id="19" name="Group 18">
+              <a:extLst>
+                <a:ext uri="{FF2B5EF4-FFF2-40B4-BE49-F238E27FC236}">
+                  <a16:creationId xmlns:a16="http://schemas.microsoft.com/office/drawing/2014/main" id="{7B0244A8-EED8-4F2C-B6E4-2454CFEB9A7B}"/>
+                </a:ext>
+              </a:extLst>
+            </p:cNvPr>
+            <p:cNvGrpSpPr/>
+            <p:nvPr/>
+          </p:nvGrpSpPr>
+          <p:grpSpPr>
+            <a:xfrm>
+              <a:off x="2098721" y="2047750"/>
+              <a:ext cx="4333333" cy="2783690"/>
+              <a:chOff x="2098721" y="2047750"/>
+              <a:chExt cx="4333333" cy="2783690"/>
+            </a:xfrm>
+          </p:grpSpPr>
+          <p:pic>
+            <p:nvPicPr>
+              <p:cNvPr id="13" name="Picture 12">
+                <a:extLst>
+                  <a:ext uri="{FF2B5EF4-FFF2-40B4-BE49-F238E27FC236}">
+                    <a16:creationId xmlns:a16="http://schemas.microsoft.com/office/drawing/2014/main" id="{B9C88F19-B502-4489-B2C4-2C7E0F584B33}"/>
+                  </a:ext>
+                </a:extLst>
+              </p:cNvPr>
+              <p:cNvPicPr>
+                <a:picLocks noChangeAspect="1"/>
+              </p:cNvPicPr>
+              <p:nvPr/>
+            </p:nvPicPr>
+            <p:blipFill>
+              <a:blip r:embed="rId6">
+                <a:extLst>
+                  <a:ext uri="{28A0092B-C50C-407E-A947-70E740481C1C}">
+                    <a14:useLocalDpi xmlns:a14="http://schemas.microsoft.com/office/drawing/2010/main" val="0"/>
+                  </a:ext>
+                </a:extLst>
+              </a:blip>
+              <a:stretch>
+                <a:fillRect/>
+              </a:stretch>
+            </p:blipFill>
+            <p:spPr>
+              <a:xfrm>
+                <a:off x="2563489" y="3751320"/>
+                <a:ext cx="3108345" cy="1080120"/>
+              </a:xfrm>
+              <a:prstGeom prst="rect">
+                <a:avLst/>
+              </a:prstGeom>
+            </p:spPr>
+          </p:pic>
+          <p:pic>
+            <p:nvPicPr>
+              <p:cNvPr id="6" name="Picture 5">
+                <a:extLst>
+                  <a:ext uri="{FF2B5EF4-FFF2-40B4-BE49-F238E27FC236}">
+                    <a16:creationId xmlns:a16="http://schemas.microsoft.com/office/drawing/2014/main" id="{EDAE1EB4-A9DD-4CB6-9D1D-C11A89DB1FF1}"/>
+                  </a:ext>
+                </a:extLst>
+              </p:cNvPr>
+              <p:cNvPicPr>
+                <a:picLocks noChangeAspect="1"/>
+              </p:cNvPicPr>
+              <p:nvPr/>
+            </p:nvPicPr>
+            <p:blipFill>
+              <a:blip r:embed="rId7">
+                <a:extLst>
+                  <a:ext uri="{28A0092B-C50C-407E-A947-70E740481C1C}">
+                    <a14:useLocalDpi xmlns:a14="http://schemas.microsoft.com/office/drawing/2010/main" val="0"/>
+                  </a:ext>
+                </a:extLst>
+              </a:blip>
+              <a:stretch>
+                <a:fillRect/>
+              </a:stretch>
+            </p:blipFill>
+            <p:spPr>
+              <a:xfrm>
+                <a:off x="3170150" y="2047750"/>
+                <a:ext cx="2190476" cy="266667"/>
+              </a:xfrm>
+              <a:prstGeom prst="rect">
+                <a:avLst/>
+              </a:prstGeom>
+            </p:spPr>
+          </p:pic>
+          <p:pic>
+            <p:nvPicPr>
+              <p:cNvPr id="18" name="Picture 17">
+                <a:extLst>
+                  <a:ext uri="{FF2B5EF4-FFF2-40B4-BE49-F238E27FC236}">
+                    <a16:creationId xmlns:a16="http://schemas.microsoft.com/office/drawing/2014/main" id="{DC0FE96D-614A-429F-A917-7AEA7BED5CB5}"/>
+                  </a:ext>
+                </a:extLst>
+              </p:cNvPr>
+              <p:cNvPicPr>
+                <a:picLocks noChangeAspect="1"/>
+              </p:cNvPicPr>
+              <p:nvPr/>
+            </p:nvPicPr>
+            <p:blipFill>
+              <a:blip r:embed="rId8">
+                <a:extLst>
+                  <a:ext uri="{28A0092B-C50C-407E-A947-70E740481C1C}">
+                    <a14:useLocalDpi xmlns:a14="http://schemas.microsoft.com/office/drawing/2010/main" val="0"/>
+                  </a:ext>
+                </a:extLst>
+              </a:blip>
+              <a:stretch>
+                <a:fillRect/>
+              </a:stretch>
+            </p:blipFill>
+            <p:spPr>
+              <a:xfrm>
+                <a:off x="2098721" y="2509033"/>
+                <a:ext cx="4333333" cy="1152381"/>
+              </a:xfrm>
+              <a:prstGeom prst="rect">
+                <a:avLst/>
+              </a:prstGeom>
+            </p:spPr>
+          </p:pic>
+        </p:grpSp>
+      </p:grpSp>
     </p:spTree>
     <p:extLst>
       <p:ext uri="{BB962C8B-B14F-4D97-AF65-F5344CB8AC3E}">
@@ -9039,6 +9125,81 @@
   <p:clrMapOvr>
     <a:masterClrMapping/>
   </p:clrMapOvr>
+  <p:timing>
+    <p:tnLst>
+      <p:par>
+        <p:cTn id="1" dur="indefinite" restart="never" nodeType="tmRoot">
+          <p:childTnLst>
+            <p:seq concurrent="1" nextAc="seek">
+              <p:cTn id="2" dur="indefinite" nodeType="mainSeq">
+                <p:childTnLst>
+                  <p:par>
+                    <p:cTn id="3" fill="hold">
+                      <p:stCondLst>
+                        <p:cond delay="indefinite"/>
+                      </p:stCondLst>
+                      <p:childTnLst>
+                        <p:par>
+                          <p:cTn id="4" fill="hold">
+                            <p:stCondLst>
+                              <p:cond delay="0"/>
+                            </p:stCondLst>
+                            <p:childTnLst>
+                              <p:par>
+                                <p:cTn id="5" presetID="1" presetClass="entr" presetSubtype="0" fill="hold" nodeType="clickEffect">
+                                  <p:stCondLst>
+                                    <p:cond delay="0"/>
+                                  </p:stCondLst>
+                                  <p:childTnLst>
+                                    <p:set>
+                                      <p:cBhvr>
+                                        <p:cTn id="6" dur="1" fill="hold">
+                                          <p:stCondLst>
+                                            <p:cond delay="0"/>
+                                          </p:stCondLst>
+                                        </p:cTn>
+                                        <p:tgtEl>
+                                          <p:spTgt spid="20"/>
+                                        </p:tgtEl>
+                                        <p:attrNameLst>
+                                          <p:attrName>style.visibility</p:attrName>
+                                        </p:attrNameLst>
+                                      </p:cBhvr>
+                                      <p:to>
+                                        <p:strVal val="visible"/>
+                                      </p:to>
+                                    </p:set>
+                                  </p:childTnLst>
+                                </p:cTn>
+                              </p:par>
+                            </p:childTnLst>
+                          </p:cTn>
+                        </p:par>
+                      </p:childTnLst>
+                    </p:cTn>
+                  </p:par>
+                </p:childTnLst>
+              </p:cTn>
+              <p:prevCondLst>
+                <p:cond evt="onPrev" delay="0">
+                  <p:tgtEl>
+                    <p:sldTgt/>
+                  </p:tgtEl>
+                </p:cond>
+              </p:prevCondLst>
+              <p:nextCondLst>
+                <p:cond evt="onNext" delay="0">
+                  <p:tgtEl>
+                    <p:sldTgt/>
+                  </p:tgtEl>
+                </p:cond>
+              </p:nextCondLst>
+            </p:seq>
+          </p:childTnLst>
+        </p:cTn>
+      </p:par>
+    </p:tnLst>
+  </p:timing>
 </p:sld>
 </file>
 
@@ -9086,31 +9247,6 @@
       </p:sp>
       <p:sp>
         <p:nvSpPr>
-          <p:cNvPr id="15" name="Content Placeholder 14">
-            <a:extLst>
-              <a:ext uri="{FF2B5EF4-FFF2-40B4-BE49-F238E27FC236}">
-                <a16:creationId xmlns:a16="http://schemas.microsoft.com/office/drawing/2014/main" id="{8C2E98DE-0644-4CDA-B8EC-1C4E40E7B845}"/>
-              </a:ext>
-            </a:extLst>
-          </p:cNvPr>
-          <p:cNvSpPr>
-            <a:spLocks noGrp="1"/>
-          </p:cNvSpPr>
-          <p:nvPr>
-            <p:ph idx="1"/>
-          </p:nvPr>
-        </p:nvSpPr>
-        <p:spPr/>
-        <p:txBody>
-          <a:bodyPr/>
-          <a:lstStyle/>
-          <a:p>
-            <a:endParaRPr lang="de-DE" dirty="0"/>
-          </a:p>
-        </p:txBody>
-      </p:sp>
-      <p:sp>
-        <p:nvSpPr>
           <p:cNvPr id="15367" name="Foliennummernplatzhalter 3"/>
           <p:cNvSpPr>
             <a:spLocks noGrp="1"/>
@@ -9205,6 +9341,78 @@
           </a:p>
         </p:txBody>
       </p:sp>
+      <p:pic>
+        <p:nvPicPr>
+          <p:cNvPr id="8" name="Picture 7">
+            <a:extLst>
+              <a:ext uri="{FF2B5EF4-FFF2-40B4-BE49-F238E27FC236}">
+                <a16:creationId xmlns:a16="http://schemas.microsoft.com/office/drawing/2014/main" id="{B459E15F-2D84-44D1-8C77-9B481E83578C}"/>
+              </a:ext>
+            </a:extLst>
+          </p:cNvPr>
+          <p:cNvPicPr>
+            <a:picLocks noChangeAspect="1"/>
+          </p:cNvPicPr>
+          <p:nvPr/>
+        </p:nvPicPr>
+        <p:blipFill>
+          <a:blip r:embed="rId3">
+            <a:extLst>
+              <a:ext uri="{28A0092B-C50C-407E-A947-70E740481C1C}">
+                <a14:useLocalDpi xmlns:a14="http://schemas.microsoft.com/office/drawing/2010/main" val="0"/>
+              </a:ext>
+            </a:extLst>
+          </a:blip>
+          <a:stretch>
+            <a:fillRect/>
+          </a:stretch>
+        </p:blipFill>
+        <p:spPr>
+          <a:xfrm>
+            <a:off x="-1620688" y="1922930"/>
+            <a:ext cx="6624736" cy="2618535"/>
+          </a:xfrm>
+          <a:prstGeom prst="rect">
+            <a:avLst/>
+          </a:prstGeom>
+        </p:spPr>
+      </p:pic>
+      <p:pic>
+        <p:nvPicPr>
+          <p:cNvPr id="11" name="Picture 10">
+            <a:extLst>
+              <a:ext uri="{FF2B5EF4-FFF2-40B4-BE49-F238E27FC236}">
+                <a16:creationId xmlns:a16="http://schemas.microsoft.com/office/drawing/2014/main" id="{45863D30-2D7B-407D-B54E-003B989605DB}"/>
+              </a:ext>
+            </a:extLst>
+          </p:cNvPr>
+          <p:cNvPicPr>
+            <a:picLocks noChangeAspect="1"/>
+          </p:cNvPicPr>
+          <p:nvPr/>
+        </p:nvPicPr>
+        <p:blipFill>
+          <a:blip r:embed="rId4">
+            <a:extLst>
+              <a:ext uri="{28A0092B-C50C-407E-A947-70E740481C1C}">
+                <a14:useLocalDpi xmlns:a14="http://schemas.microsoft.com/office/drawing/2010/main" val="0"/>
+              </a:ext>
+            </a:extLst>
+          </a:blip>
+          <a:stretch>
+            <a:fillRect/>
+          </a:stretch>
+        </p:blipFill>
+        <p:spPr>
+          <a:xfrm>
+            <a:off x="3779912" y="972818"/>
+            <a:ext cx="6983014" cy="4518757"/>
+          </a:xfrm>
+          <a:prstGeom prst="rect">
+            <a:avLst/>
+          </a:prstGeom>
+        </p:spPr>
+      </p:pic>
     </p:spTree>
     <p:extLst>
       <p:ext uri="{BB962C8B-B14F-4D97-AF65-F5344CB8AC3E}">
@@ -9262,31 +9470,6 @@
       </p:sp>
       <p:sp>
         <p:nvSpPr>
-          <p:cNvPr id="15" name="Content Placeholder 14">
-            <a:extLst>
-              <a:ext uri="{FF2B5EF4-FFF2-40B4-BE49-F238E27FC236}">
-                <a16:creationId xmlns:a16="http://schemas.microsoft.com/office/drawing/2014/main" id="{8C2E98DE-0644-4CDA-B8EC-1C4E40E7B845}"/>
-              </a:ext>
-            </a:extLst>
-          </p:cNvPr>
-          <p:cNvSpPr>
-            <a:spLocks noGrp="1"/>
-          </p:cNvSpPr>
-          <p:nvPr>
-            <p:ph idx="1"/>
-          </p:nvPr>
-        </p:nvSpPr>
-        <p:spPr/>
-        <p:txBody>
-          <a:bodyPr/>
-          <a:lstStyle/>
-          <a:p>
-            <a:endParaRPr lang="de-DE" dirty="0"/>
-          </a:p>
-        </p:txBody>
-      </p:sp>
-      <p:sp>
-        <p:nvSpPr>
           <p:cNvPr id="15367" name="Foliennummernplatzhalter 3"/>
           <p:cNvSpPr>
             <a:spLocks noGrp="1"/>
@@ -9377,6 +9560,45 @@
             <a:r>
               <a:rPr lang="de-DE" dirty="0"/>
               <a:t>04.07.18</a:t>
+            </a:r>
+          </a:p>
+        </p:txBody>
+      </p:sp>
+      <p:sp>
+        <p:nvSpPr>
+          <p:cNvPr id="8" name="Content Placeholder 14">
+            <a:extLst>
+              <a:ext uri="{FF2B5EF4-FFF2-40B4-BE49-F238E27FC236}">
+                <a16:creationId xmlns:a16="http://schemas.microsoft.com/office/drawing/2014/main" id="{A61DC50C-652A-4635-8D22-466D77EF35D8}"/>
+              </a:ext>
+            </a:extLst>
+          </p:cNvPr>
+          <p:cNvSpPr>
+            <a:spLocks noGrp="1"/>
+          </p:cNvSpPr>
+          <p:nvPr>
+            <p:ph idx="1"/>
+          </p:nvPr>
+        </p:nvSpPr>
+        <p:spPr>
+          <a:xfrm>
+            <a:off x="471488" y="1574006"/>
+            <a:ext cx="8351837" cy="4038600"/>
+          </a:xfrm>
+        </p:spPr>
+        <p:txBody>
+          <a:bodyPr/>
+          <a:lstStyle/>
+          <a:p>
+            <a:r>
+              <a:rPr lang="de-DE" dirty="0"/>
+              <a:t>Fundamentalmatrix und essentielle matrix herleiten </a:t>
+            </a:r>
+          </a:p>
+          <a:p>
+            <a:r>
+              <a:rPr lang="de-DE" dirty="0"/>
+              <a:t>Abbildungsvorschrift aber wie mach ich das am besten? Muss kurz und verstädnflich sein</a:t>
             </a:r>
           </a:p>
         </p:txBody>

--- a/Thesis/Disputation/PowerPointPresentation/New_Dispo_HFU_Design.pptx
+++ b/Thesis/Disputation/PowerPointPresentation/New_Dispo_HFU_Design.pptx
@@ -2288,7 +2288,209 @@
           <a:bodyPr/>
           <a:lstStyle/>
           <a:p>
-            <a:endParaRPr lang="de-DE">
+            <a:pPr marL="171450" indent="-171450">
+              <a:buFont typeface="Arial" panose="020B0604020202020204" pitchFamily="34" charset="0"/>
+              <a:buChar char="•"/>
+            </a:pPr>
+            <a:r>
+              <a:rPr lang="de-DE" dirty="0"/>
+              <a:t>Für Bilder von komplexeren, dreidimensionalen Objekten, bei denen die Punkte auf verschiedenen Ebenen im Raum liegen kann auf geometrische Bedingugnen zurückgegriffen werden um die Abbildungsvorschriften zwischen den Bildern auszunutzen und die Kameraparameter beider Kameras zu bestimmen.</a:t>
+            </a:r>
+          </a:p>
+          <a:p>
+            <a:pPr marL="171450" indent="-171450">
+              <a:buFont typeface="Arial" panose="020B0604020202020204" pitchFamily="34" charset="0"/>
+              <a:buChar char="•"/>
+            </a:pPr>
+            <a:endParaRPr lang="de-DE" dirty="0"/>
+          </a:p>
+          <a:p>
+            <a:pPr marL="171450" indent="-171450">
+              <a:buFont typeface="Arial" panose="020B0604020202020204" pitchFamily="34" charset="0"/>
+              <a:buChar char="•"/>
+            </a:pPr>
+            <a:r>
+              <a:rPr lang="de-DE" dirty="0"/>
+              <a:t>Es werden hier einigegeometrische Definitionen eingeführt, um die danach folgende mathematische Herleitung genauer zu verstehen.</a:t>
+            </a:r>
+          </a:p>
+          <a:p>
+            <a:pPr marL="171450" indent="-171450">
+              <a:buFont typeface="Arial" panose="020B0604020202020204" pitchFamily="34" charset="0"/>
+              <a:buChar char="•"/>
+            </a:pPr>
+            <a:r>
+              <a:rPr lang="de-DE" dirty="0"/>
+              <a:t>M ist ein 3D-Objektpunkt im Raum</a:t>
+            </a:r>
+          </a:p>
+          <a:p>
+            <a:pPr marL="171450" indent="-171450">
+              <a:buFont typeface="Arial" panose="020B0604020202020204" pitchFamily="34" charset="0"/>
+              <a:buChar char="•"/>
+            </a:pPr>
+            <a:r>
+              <a:rPr lang="de-DE" dirty="0"/>
+              <a:t>m_tau und m‘_tau‘ sind die jeweiligen Projektionen von M auf den Bildebenen. </a:t>
+            </a:r>
+          </a:p>
+          <a:p>
+            <a:pPr marL="171450" indent="-171450">
+              <a:buFont typeface="Arial" panose="020B0604020202020204" pitchFamily="34" charset="0"/>
+              <a:buChar char="•"/>
+            </a:pPr>
+            <a:endParaRPr lang="de-DE" dirty="0"/>
+          </a:p>
+          <a:p>
+            <a:pPr marL="171450" indent="-171450">
+              <a:buFont typeface="Arial" panose="020B0604020202020204" pitchFamily="34" charset="0"/>
+              <a:buChar char="•"/>
+            </a:pPr>
+            <a:r>
+              <a:rPr lang="de-DE" dirty="0"/>
+              <a:t>Die oben beschriebene Gleichung definiert das Dreieck welches die sogenannte Epipolarebene aufspannt.</a:t>
+            </a:r>
+          </a:p>
+          <a:p>
+            <a:pPr marL="171450" indent="-171450">
+              <a:buFont typeface="Arial" panose="020B0604020202020204" pitchFamily="34" charset="0"/>
+              <a:buChar char="•"/>
+            </a:pPr>
+            <a:r>
+              <a:rPr lang="de-DE" dirty="0"/>
+              <a:t>Die Schnittpunkte der Basislinie welche die Kamerzentren C und C‘ verbindet, mit der jeweiligen BildebeneI und I‘ werden als Epipole e und e‘ bezeichnet</a:t>
+            </a:r>
+          </a:p>
+          <a:p>
+            <a:pPr marL="171450" indent="-171450">
+              <a:buFont typeface="Arial" panose="020B0604020202020204" pitchFamily="34" charset="0"/>
+              <a:buChar char="•"/>
+            </a:pPr>
+            <a:r>
+              <a:rPr lang="de-DE" dirty="0"/>
+              <a:t>Die Schnittgerade der Epipolarebene mit I und I‘ bilden die sogenannten Epipolarlinien l und l‘</a:t>
+            </a:r>
+          </a:p>
+          <a:p>
+            <a:pPr marL="171450" indent="-171450">
+              <a:buFont typeface="Arial" panose="020B0604020202020204" pitchFamily="34" charset="0"/>
+              <a:buChar char="•"/>
+            </a:pPr>
+            <a:endParaRPr lang="de-DE" dirty="0"/>
+          </a:p>
+          <a:p>
+            <a:pPr marL="171450" indent="-171450">
+              <a:buFont typeface="Arial" panose="020B0604020202020204" pitchFamily="34" charset="0"/>
+              <a:buChar char="•"/>
+            </a:pPr>
+            <a:r>
+              <a:rPr lang="de-DE" dirty="0"/>
+              <a:t>NÄCHSTES BILD</a:t>
+            </a:r>
+          </a:p>
+          <a:p>
+            <a:pPr marL="171450" indent="-171450">
+              <a:buFont typeface="Arial" panose="020B0604020202020204" pitchFamily="34" charset="0"/>
+              <a:buChar char="•"/>
+            </a:pPr>
+            <a:endParaRPr lang="de-DE" dirty="0"/>
+          </a:p>
+          <a:p>
+            <a:pPr marL="171450" marR="0" lvl="0" indent="-171450" algn="l" defTabSz="914400" rtl="0" eaLnBrk="0" fontAlgn="base" latinLnBrk="0" hangingPunct="0">
+              <a:lnSpc>
+                <a:spcPct val="100000"/>
+              </a:lnSpc>
+              <a:spcBef>
+                <a:spcPct val="30000"/>
+              </a:spcBef>
+              <a:spcAft>
+                <a:spcPct val="0"/>
+              </a:spcAft>
+              <a:buClrTx/>
+              <a:buSzTx/>
+              <a:buFont typeface="Arial" panose="020B0604020202020204" pitchFamily="34" charset="0"/>
+              <a:buChar char="•"/>
+              <a:tabLst/>
+              <a:defRPr/>
+            </a:pPr>
+            <a:r>
+              <a:rPr lang="de-DE" sz="1200" b="0" i="0" u="none" strike="noStrike" kern="1200" baseline="0" dirty="0">
+                <a:solidFill>
+                  <a:schemeClr val="tx1"/>
+                </a:solidFill>
+                <a:latin typeface="Arial" charset="0"/>
+                <a:ea typeface="ＭＳ Ｐゴシック" pitchFamily="-112" charset="-128"/>
+                <a:cs typeface="+mn-cs"/>
+              </a:rPr>
+              <a:t>Ein Bildpunkt mi auf der Bildebene I wird zuerst auf die Gerade, die durch mi und C geht abgebildet. Die Gerade stellt alle moglichen Ursprungspunkte zu mi dar. Dies ist durch die drei moglichen Punkte M1,M2, M3 dargestellt. Jeder dieser Punkte wird nun wiederum auf I projiziert. Die so entstandenen Punkte liegen alle auf der Epipolarlinie l‘</a:t>
+            </a:r>
+          </a:p>
+          <a:p>
+            <a:pPr marL="171450" marR="0" lvl="0" indent="-171450" algn="l" defTabSz="914400" rtl="0" eaLnBrk="0" fontAlgn="base" latinLnBrk="0" hangingPunct="0">
+              <a:lnSpc>
+                <a:spcPct val="100000"/>
+              </a:lnSpc>
+              <a:spcBef>
+                <a:spcPct val="30000"/>
+              </a:spcBef>
+              <a:spcAft>
+                <a:spcPct val="0"/>
+              </a:spcAft>
+              <a:buClrTx/>
+              <a:buSzTx/>
+              <a:buFont typeface="Arial" panose="020B0604020202020204" pitchFamily="34" charset="0"/>
+              <a:buChar char="•"/>
+              <a:tabLst/>
+              <a:defRPr/>
+            </a:pPr>
+            <a:endParaRPr lang="de-DE" sz="1200" b="0" i="0" u="none" strike="noStrike" kern="1200" baseline="0" dirty="0">
+              <a:solidFill>
+                <a:schemeClr val="tx1"/>
+              </a:solidFill>
+              <a:latin typeface="Arial" charset="0"/>
+              <a:ea typeface="ＭＳ Ｐゴシック" pitchFamily="-112" charset="-128"/>
+              <a:cs typeface="+mn-cs"/>
+            </a:endParaRPr>
+          </a:p>
+          <a:p>
+            <a:pPr marL="171450" marR="0" lvl="0" indent="-171450" algn="l" defTabSz="914400" rtl="0" eaLnBrk="0" fontAlgn="base" latinLnBrk="0" hangingPunct="0">
+              <a:lnSpc>
+                <a:spcPct val="100000"/>
+              </a:lnSpc>
+              <a:spcBef>
+                <a:spcPct val="30000"/>
+              </a:spcBef>
+              <a:spcAft>
+                <a:spcPct val="0"/>
+              </a:spcAft>
+              <a:buClrTx/>
+              <a:buSzTx/>
+              <a:buFont typeface="Arial" panose="020B0604020202020204" pitchFamily="34" charset="0"/>
+              <a:buChar char="•"/>
+              <a:tabLst/>
+              <a:defRPr/>
+            </a:pPr>
+            <a:r>
+              <a:rPr lang="de-DE" sz="1200" b="0" i="0" u="none" strike="noStrike" kern="1200" baseline="0" dirty="0">
+                <a:solidFill>
+                  <a:schemeClr val="tx1"/>
+                </a:solidFill>
+                <a:latin typeface="Arial" charset="0"/>
+                <a:ea typeface="ＭＳ Ｐゴシック" pitchFamily="-112" charset="-128"/>
+                <a:cs typeface="+mn-cs"/>
+              </a:rPr>
+              <a:t>Die Abbildungsvorschrift welche die Projktion eines Punktes auf eine Linie beschreibt kann in der Fundamentalmatrix und der essentiellen Matrix zusammengefasst werden</a:t>
+            </a:r>
+          </a:p>
+          <a:p>
+            <a:pPr marL="171450" indent="-171450">
+              <a:buFont typeface="Arial" panose="020B0604020202020204" pitchFamily="34" charset="0"/>
+              <a:buChar char="•"/>
+            </a:pPr>
+            <a:endParaRPr lang="de-DE" dirty="0"/>
+          </a:p>
+          <a:p>
+            <a:endParaRPr lang="de-DE" dirty="0">
               <a:ea typeface="ＭＳ Ｐゴシック" pitchFamily="34" charset="-128"/>
             </a:endParaRPr>
           </a:p>
@@ -9115,6 +9317,42 @@
           </p:pic>
         </p:grpSp>
       </p:grpSp>
+      <p:sp>
+        <p:nvSpPr>
+          <p:cNvPr id="22" name="Title 8">
+            <a:extLst>
+              <a:ext uri="{FF2B5EF4-FFF2-40B4-BE49-F238E27FC236}">
+                <a16:creationId xmlns:a16="http://schemas.microsoft.com/office/drawing/2014/main" id="{101B8B4D-1B7B-4B95-809D-F11F5AA4EBA9}"/>
+              </a:ext>
+            </a:extLst>
+          </p:cNvPr>
+          <p:cNvSpPr>
+            <a:spLocks noGrp="1"/>
+          </p:cNvSpPr>
+          <p:nvPr>
+            <p:ph type="title"/>
+          </p:nvPr>
+        </p:nvSpPr>
+        <p:spPr>
+          <a:xfrm>
+            <a:off x="471488" y="395288"/>
+            <a:ext cx="7772400" cy="533400"/>
+          </a:xfrm>
+        </p:spPr>
+        <p:txBody>
+          <a:bodyPr/>
+          <a:lstStyle/>
+          <a:p>
+            <a:r>
+              <a:rPr lang="de-DE" b="1" dirty="0">
+                <a:latin typeface="Calibri" panose="020F0502020204030204" pitchFamily="34" charset="0"/>
+                <a:cs typeface="Calibri" panose="020F0502020204030204" pitchFamily="34" charset="0"/>
+              </a:rPr>
+              <a:t>Grundlagen für die Stereorekonstruktion</a:t>
+            </a:r>
+          </a:p>
+        </p:txBody>
+      </p:sp>
     </p:spTree>
     <p:extLst>
       <p:ext uri="{BB962C8B-B14F-4D97-AF65-F5344CB8AC3E}">
@@ -9222,31 +9460,6 @@
       </p:grpSpPr>
       <p:sp>
         <p:nvSpPr>
-          <p:cNvPr id="9" name="Title 8">
-            <a:extLst>
-              <a:ext uri="{FF2B5EF4-FFF2-40B4-BE49-F238E27FC236}">
-                <a16:creationId xmlns:a16="http://schemas.microsoft.com/office/drawing/2014/main" id="{C958DD35-CA26-4605-9283-1C48AD4D2871}"/>
-              </a:ext>
-            </a:extLst>
-          </p:cNvPr>
-          <p:cNvSpPr>
-            <a:spLocks noGrp="1"/>
-          </p:cNvSpPr>
-          <p:nvPr>
-            <p:ph type="title"/>
-          </p:nvPr>
-        </p:nvSpPr>
-        <p:spPr/>
-        <p:txBody>
-          <a:bodyPr/>
-          <a:lstStyle/>
-          <a:p>
-            <a:endParaRPr lang="de-DE" dirty="0"/>
-          </a:p>
-        </p:txBody>
-      </p:sp>
-      <p:sp>
-        <p:nvSpPr>
           <p:cNvPr id="15367" name="Foliennummernplatzhalter 3"/>
           <p:cNvSpPr>
             <a:spLocks noGrp="1"/>
@@ -9369,8 +9582,8 @@
         </p:blipFill>
         <p:spPr>
           <a:xfrm>
-            <a:off x="-1620688" y="1922930"/>
-            <a:ext cx="6624736" cy="2618535"/>
+            <a:off x="564130" y="1792579"/>
+            <a:ext cx="8015740" cy="3168352"/>
           </a:xfrm>
           <a:prstGeom prst="rect">
             <a:avLst/>
@@ -9405,14 +9618,50 @@
         </p:blipFill>
         <p:spPr>
           <a:xfrm>
-            <a:off x="3779912" y="972818"/>
-            <a:ext cx="6983014" cy="4518757"/>
+            <a:off x="828338" y="1014075"/>
+            <a:ext cx="7302288" cy="4725361"/>
           </a:xfrm>
           <a:prstGeom prst="rect">
             <a:avLst/>
           </a:prstGeom>
         </p:spPr>
       </p:pic>
+      <p:sp>
+        <p:nvSpPr>
+          <p:cNvPr id="12" name="Title 8">
+            <a:extLst>
+              <a:ext uri="{FF2B5EF4-FFF2-40B4-BE49-F238E27FC236}">
+                <a16:creationId xmlns:a16="http://schemas.microsoft.com/office/drawing/2014/main" id="{C049E275-992C-4A51-9114-371F36630F94}"/>
+              </a:ext>
+            </a:extLst>
+          </p:cNvPr>
+          <p:cNvSpPr>
+            <a:spLocks noGrp="1"/>
+          </p:cNvSpPr>
+          <p:nvPr>
+            <p:ph type="title"/>
+          </p:nvPr>
+        </p:nvSpPr>
+        <p:spPr>
+          <a:xfrm>
+            <a:off x="471488" y="395288"/>
+            <a:ext cx="7772400" cy="533400"/>
+          </a:xfrm>
+        </p:spPr>
+        <p:txBody>
+          <a:bodyPr/>
+          <a:lstStyle/>
+          <a:p>
+            <a:r>
+              <a:rPr lang="de-DE" b="1" dirty="0">
+                <a:latin typeface="Calibri" panose="020F0502020204030204" pitchFamily="34" charset="0"/>
+                <a:cs typeface="Calibri" panose="020F0502020204030204" pitchFamily="34" charset="0"/>
+              </a:rPr>
+              <a:t>Grundlagen für die Stereorekonstruktion</a:t>
+            </a:r>
+          </a:p>
+        </p:txBody>
+      </p:sp>
     </p:spTree>
     <p:extLst>
       <p:ext uri="{BB962C8B-B14F-4D97-AF65-F5344CB8AC3E}">
@@ -9423,6 +9672,81 @@
   <p:clrMapOvr>
     <a:masterClrMapping/>
   </p:clrMapOvr>
+  <p:timing>
+    <p:tnLst>
+      <p:par>
+        <p:cTn id="1" dur="indefinite" restart="never" nodeType="tmRoot">
+          <p:childTnLst>
+            <p:seq concurrent="1" nextAc="seek">
+              <p:cTn id="2" dur="indefinite" nodeType="mainSeq">
+                <p:childTnLst>
+                  <p:par>
+                    <p:cTn id="3" fill="hold">
+                      <p:stCondLst>
+                        <p:cond delay="indefinite"/>
+                      </p:stCondLst>
+                      <p:childTnLst>
+                        <p:par>
+                          <p:cTn id="4" fill="hold">
+                            <p:stCondLst>
+                              <p:cond delay="0"/>
+                            </p:stCondLst>
+                            <p:childTnLst>
+                              <p:par>
+                                <p:cTn id="5" presetID="1" presetClass="entr" presetSubtype="0" fill="hold" nodeType="clickEffect">
+                                  <p:stCondLst>
+                                    <p:cond delay="0"/>
+                                  </p:stCondLst>
+                                  <p:childTnLst>
+                                    <p:set>
+                                      <p:cBhvr>
+                                        <p:cTn id="6" dur="1" fill="hold">
+                                          <p:stCondLst>
+                                            <p:cond delay="0"/>
+                                          </p:stCondLst>
+                                        </p:cTn>
+                                        <p:tgtEl>
+                                          <p:spTgt spid="11"/>
+                                        </p:tgtEl>
+                                        <p:attrNameLst>
+                                          <p:attrName>style.visibility</p:attrName>
+                                        </p:attrNameLst>
+                                      </p:cBhvr>
+                                      <p:to>
+                                        <p:strVal val="visible"/>
+                                      </p:to>
+                                    </p:set>
+                                  </p:childTnLst>
+                                </p:cTn>
+                              </p:par>
+                            </p:childTnLst>
+                          </p:cTn>
+                        </p:par>
+                      </p:childTnLst>
+                    </p:cTn>
+                  </p:par>
+                </p:childTnLst>
+              </p:cTn>
+              <p:prevCondLst>
+                <p:cond evt="onPrev" delay="0">
+                  <p:tgtEl>
+                    <p:sldTgt/>
+                  </p:tgtEl>
+                </p:cond>
+              </p:prevCondLst>
+              <p:nextCondLst>
+                <p:cond evt="onNext" delay="0">
+                  <p:tgtEl>
+                    <p:sldTgt/>
+                  </p:tgtEl>
+                </p:cond>
+              </p:nextCondLst>
+            </p:seq>
+          </p:childTnLst>
+        </p:cTn>
+      </p:par>
+    </p:tnLst>
+  </p:timing>
 </p:sld>
 </file>
 
@@ -9445,31 +9769,6 @@
       </p:grpSpPr>
       <p:sp>
         <p:nvSpPr>
-          <p:cNvPr id="9" name="Title 8">
-            <a:extLst>
-              <a:ext uri="{FF2B5EF4-FFF2-40B4-BE49-F238E27FC236}">
-                <a16:creationId xmlns:a16="http://schemas.microsoft.com/office/drawing/2014/main" id="{C958DD35-CA26-4605-9283-1C48AD4D2871}"/>
-              </a:ext>
-            </a:extLst>
-          </p:cNvPr>
-          <p:cNvSpPr>
-            <a:spLocks noGrp="1"/>
-          </p:cNvSpPr>
-          <p:nvPr>
-            <p:ph type="title"/>
-          </p:nvPr>
-        </p:nvSpPr>
-        <p:spPr/>
-        <p:txBody>
-          <a:bodyPr/>
-          <a:lstStyle/>
-          <a:p>
-            <a:endParaRPr lang="de-DE" dirty="0"/>
-          </a:p>
-        </p:txBody>
-      </p:sp>
-      <p:sp>
-        <p:nvSpPr>
           <p:cNvPr id="15367" name="Foliennummernplatzhalter 3"/>
           <p:cNvSpPr>
             <a:spLocks noGrp="1"/>
@@ -9564,45 +9863,342 @@
           </a:p>
         </p:txBody>
       </p:sp>
-      <p:sp>
-        <p:nvSpPr>
-          <p:cNvPr id="8" name="Content Placeholder 14">
+      <p:pic>
+        <p:nvPicPr>
+          <p:cNvPr id="11" name="Picture 10">
             <a:extLst>
               <a:ext uri="{FF2B5EF4-FFF2-40B4-BE49-F238E27FC236}">
-                <a16:creationId xmlns:a16="http://schemas.microsoft.com/office/drawing/2014/main" id="{A61DC50C-652A-4635-8D22-466D77EF35D8}"/>
+                <a16:creationId xmlns:a16="http://schemas.microsoft.com/office/drawing/2014/main" id="{9B81056A-A02D-46CA-9FDC-60A2F5DA2CF9}"/>
               </a:ext>
             </a:extLst>
           </p:cNvPr>
-          <p:cNvSpPr>
-            <a:spLocks noGrp="1"/>
-          </p:cNvSpPr>
-          <p:nvPr>
-            <p:ph idx="1"/>
-          </p:nvPr>
-        </p:nvSpPr>
+          <p:cNvPicPr>
+            <a:picLocks noChangeAspect="1"/>
+          </p:cNvPicPr>
+          <p:nvPr/>
+        </p:nvPicPr>
+        <p:blipFill>
+          <a:blip r:embed="rId3">
+            <a:extLst>
+              <a:ext uri="{28A0092B-C50C-407E-A947-70E740481C1C}">
+                <a14:useLocalDpi xmlns:a14="http://schemas.microsoft.com/office/drawing/2010/main" val="0"/>
+              </a:ext>
+            </a:extLst>
+          </a:blip>
+          <a:stretch>
+            <a:fillRect/>
+          </a:stretch>
+        </p:blipFill>
         <p:spPr>
           <a:xfrm>
-            <a:off x="471488" y="1574006"/>
-            <a:ext cx="8351837" cy="4038600"/>
+            <a:off x="3195444" y="1844824"/>
+            <a:ext cx="2753109" cy="847843"/>
           </a:xfrm>
-        </p:spPr>
-        <p:txBody>
-          <a:bodyPr/>
-          <a:lstStyle/>
-          <a:p>
-            <a:r>
-              <a:rPr lang="de-DE" dirty="0"/>
-              <a:t>Fundamentalmatrix und essentielle matrix herleiten </a:t>
-            </a:r>
-          </a:p>
-          <a:p>
-            <a:r>
-              <a:rPr lang="de-DE" dirty="0"/>
-              <a:t>Abbildungsvorschrift aber wie mach ich das am besten? Muss kurz und verstädnflich sein</a:t>
-            </a:r>
-          </a:p>
-        </p:txBody>
-      </p:sp>
+          <a:prstGeom prst="rect">
+            <a:avLst/>
+          </a:prstGeom>
+        </p:spPr>
+      </p:pic>
+      <p:pic>
+        <p:nvPicPr>
+          <p:cNvPr id="12" name="Picture 11">
+            <a:extLst>
+              <a:ext uri="{FF2B5EF4-FFF2-40B4-BE49-F238E27FC236}">
+                <a16:creationId xmlns:a16="http://schemas.microsoft.com/office/drawing/2014/main" id="{64906836-F173-4C3E-8F73-CEEF22E1A32F}"/>
+              </a:ext>
+            </a:extLst>
+          </p:cNvPr>
+          <p:cNvPicPr>
+            <a:picLocks noChangeAspect="1"/>
+          </p:cNvPicPr>
+          <p:nvPr/>
+        </p:nvPicPr>
+        <p:blipFill rotWithShape="1">
+          <a:blip r:embed="rId4">
+            <a:extLst>
+              <a:ext uri="{28A0092B-C50C-407E-A947-70E740481C1C}">
+                <a14:useLocalDpi xmlns:a14="http://schemas.microsoft.com/office/drawing/2010/main" val="0"/>
+              </a:ext>
+            </a:extLst>
+          </a:blip>
+          <a:srcRect l="72195" r="4826"/>
+          <a:stretch/>
+        </p:blipFill>
+        <p:spPr>
+          <a:xfrm>
+            <a:off x="3887921" y="3121329"/>
+            <a:ext cx="1368153" cy="1038370"/>
+          </a:xfrm>
+          <a:prstGeom prst="rect">
+            <a:avLst/>
+          </a:prstGeom>
+        </p:spPr>
+      </p:pic>
+      <p:sp>
+        <p:nvSpPr>
+          <p:cNvPr id="13" name="Title 8">
+            <a:extLst>
+              <a:ext uri="{FF2B5EF4-FFF2-40B4-BE49-F238E27FC236}">
+                <a16:creationId xmlns:a16="http://schemas.microsoft.com/office/drawing/2014/main" id="{B95D0849-C024-41EC-943A-75387E6D8DF8}"/>
+              </a:ext>
+            </a:extLst>
+          </p:cNvPr>
+          <p:cNvSpPr txBox="1">
+            <a:spLocks/>
+          </p:cNvSpPr>
+          <p:nvPr/>
+        </p:nvSpPr>
+        <p:spPr bwMode="auto">
+          <a:xfrm>
+            <a:off x="623888" y="547688"/>
+            <a:ext cx="7772400" cy="533400"/>
+          </a:xfrm>
+          <a:prstGeom prst="rect">
+            <a:avLst/>
+          </a:prstGeom>
+          <a:noFill/>
+          <a:ln w="9525">
+            <a:noFill/>
+            <a:miter lim="800000"/>
+            <a:headEnd/>
+            <a:tailEnd/>
+          </a:ln>
+        </p:spPr>
+        <p:txBody>
+          <a:bodyPr vert="horz" wrap="square" lIns="0" tIns="0" rIns="0" bIns="0" numCol="1" anchor="ctr" anchorCtr="0" compatLnSpc="1">
+            <a:prstTxWarp prst="textNoShape">
+              <a:avLst/>
+            </a:prstTxWarp>
+          </a:bodyPr>
+          <a:lstStyle>
+            <a:lvl1pPr algn="l" rtl="0" eaLnBrk="0" fontAlgn="base" hangingPunct="0">
+              <a:spcBef>
+                <a:spcPct val="0"/>
+              </a:spcBef>
+              <a:spcAft>
+                <a:spcPct val="0"/>
+              </a:spcAft>
+              <a:defRPr sz="2800">
+                <a:solidFill>
+                  <a:srgbClr val="444A4B"/>
+                </a:solidFill>
+                <a:latin typeface="+mj-lt"/>
+                <a:ea typeface="+mj-ea"/>
+                <a:cs typeface="+mj-cs"/>
+              </a:defRPr>
+            </a:lvl1pPr>
+            <a:lvl2pPr algn="l" rtl="0" eaLnBrk="0" fontAlgn="base" hangingPunct="0">
+              <a:spcBef>
+                <a:spcPct val="0"/>
+              </a:spcBef>
+              <a:spcAft>
+                <a:spcPct val="0"/>
+              </a:spcAft>
+              <a:defRPr sz="2800">
+                <a:solidFill>
+                  <a:srgbClr val="444A4B"/>
+                </a:solidFill>
+                <a:latin typeface="Arial Narrow" pitchFamily="-112" charset="0"/>
+                <a:ea typeface="ＭＳ Ｐゴシック" pitchFamily="-112" charset="-128"/>
+              </a:defRPr>
+            </a:lvl2pPr>
+            <a:lvl3pPr algn="l" rtl="0" eaLnBrk="0" fontAlgn="base" hangingPunct="0">
+              <a:spcBef>
+                <a:spcPct val="0"/>
+              </a:spcBef>
+              <a:spcAft>
+                <a:spcPct val="0"/>
+              </a:spcAft>
+              <a:defRPr sz="2800">
+                <a:solidFill>
+                  <a:srgbClr val="444A4B"/>
+                </a:solidFill>
+                <a:latin typeface="Arial Narrow" pitchFamily="-112" charset="0"/>
+                <a:ea typeface="ＭＳ Ｐゴシック" pitchFamily="-112" charset="-128"/>
+              </a:defRPr>
+            </a:lvl3pPr>
+            <a:lvl4pPr algn="l" rtl="0" eaLnBrk="0" fontAlgn="base" hangingPunct="0">
+              <a:spcBef>
+                <a:spcPct val="0"/>
+              </a:spcBef>
+              <a:spcAft>
+                <a:spcPct val="0"/>
+              </a:spcAft>
+              <a:defRPr sz="2800">
+                <a:solidFill>
+                  <a:srgbClr val="444A4B"/>
+                </a:solidFill>
+                <a:latin typeface="Arial Narrow" pitchFamily="-112" charset="0"/>
+                <a:ea typeface="ＭＳ Ｐゴシック" pitchFamily="-112" charset="-128"/>
+              </a:defRPr>
+            </a:lvl4pPr>
+            <a:lvl5pPr algn="l" rtl="0" eaLnBrk="0" fontAlgn="base" hangingPunct="0">
+              <a:spcBef>
+                <a:spcPct val="0"/>
+              </a:spcBef>
+              <a:spcAft>
+                <a:spcPct val="0"/>
+              </a:spcAft>
+              <a:defRPr sz="2800">
+                <a:solidFill>
+                  <a:srgbClr val="444A4B"/>
+                </a:solidFill>
+                <a:latin typeface="Arial Narrow" pitchFamily="-112" charset="0"/>
+                <a:ea typeface="ＭＳ Ｐゴシック" pitchFamily="-112" charset="-128"/>
+              </a:defRPr>
+            </a:lvl5pPr>
+            <a:lvl6pPr marL="457200" algn="l" rtl="0" fontAlgn="base">
+              <a:spcBef>
+                <a:spcPct val="0"/>
+              </a:spcBef>
+              <a:spcAft>
+                <a:spcPct val="0"/>
+              </a:spcAft>
+              <a:defRPr sz="2800">
+                <a:solidFill>
+                  <a:srgbClr val="444A4B"/>
+                </a:solidFill>
+                <a:latin typeface="Arial Narrow" pitchFamily="-112" charset="0"/>
+                <a:ea typeface="ＭＳ Ｐゴシック" pitchFamily="-112" charset="-128"/>
+              </a:defRPr>
+            </a:lvl6pPr>
+            <a:lvl7pPr marL="914400" algn="l" rtl="0" fontAlgn="base">
+              <a:spcBef>
+                <a:spcPct val="0"/>
+              </a:spcBef>
+              <a:spcAft>
+                <a:spcPct val="0"/>
+              </a:spcAft>
+              <a:defRPr sz="2800">
+                <a:solidFill>
+                  <a:srgbClr val="444A4B"/>
+                </a:solidFill>
+                <a:latin typeface="Arial Narrow" pitchFamily="-112" charset="0"/>
+                <a:ea typeface="ＭＳ Ｐゴシック" pitchFamily="-112" charset="-128"/>
+              </a:defRPr>
+            </a:lvl7pPr>
+            <a:lvl8pPr marL="1371600" algn="l" rtl="0" fontAlgn="base">
+              <a:spcBef>
+                <a:spcPct val="0"/>
+              </a:spcBef>
+              <a:spcAft>
+                <a:spcPct val="0"/>
+              </a:spcAft>
+              <a:defRPr sz="2800">
+                <a:solidFill>
+                  <a:srgbClr val="444A4B"/>
+                </a:solidFill>
+                <a:latin typeface="Arial Narrow" pitchFamily="-112" charset="0"/>
+                <a:ea typeface="ＭＳ Ｐゴシック" pitchFamily="-112" charset="-128"/>
+              </a:defRPr>
+            </a:lvl8pPr>
+            <a:lvl9pPr marL="1828800" algn="l" rtl="0" fontAlgn="base">
+              <a:spcBef>
+                <a:spcPct val="0"/>
+              </a:spcBef>
+              <a:spcAft>
+                <a:spcPct val="0"/>
+              </a:spcAft>
+              <a:defRPr sz="2800">
+                <a:solidFill>
+                  <a:srgbClr val="444A4B"/>
+                </a:solidFill>
+                <a:latin typeface="Arial Narrow" pitchFamily="-112" charset="0"/>
+                <a:ea typeface="ＭＳ Ｐゴシック" pitchFamily="-112" charset="-128"/>
+              </a:defRPr>
+            </a:lvl9pPr>
+          </a:lstStyle>
+          <a:p>
+            <a:pPr>
+              <a:lnSpc>
+                <a:spcPct val="100000"/>
+              </a:lnSpc>
+            </a:pPr>
+            <a:r>
+              <a:rPr lang="de-DE" b="1" u="none" kern="0">
+                <a:latin typeface="Calibri" panose="020F0502020204030204" pitchFamily="34" charset="0"/>
+                <a:cs typeface="Calibri" panose="020F0502020204030204" pitchFamily="34" charset="0"/>
+              </a:rPr>
+              <a:t>Grundlagen für die Stereorekonstruktion</a:t>
+            </a:r>
+            <a:endParaRPr lang="de-DE" b="1" u="none" kern="0" dirty="0">
+              <a:latin typeface="Calibri" panose="020F0502020204030204" pitchFamily="34" charset="0"/>
+              <a:cs typeface="Calibri" panose="020F0502020204030204" pitchFamily="34" charset="0"/>
+            </a:endParaRPr>
+          </a:p>
+        </p:txBody>
+      </p:sp>
+      <p:pic>
+        <p:nvPicPr>
+          <p:cNvPr id="14" name="Picture 13">
+            <a:extLst>
+              <a:ext uri="{FF2B5EF4-FFF2-40B4-BE49-F238E27FC236}">
+                <a16:creationId xmlns:a16="http://schemas.microsoft.com/office/drawing/2014/main" id="{9CCE0C28-9B4B-439C-9256-A4CFFB4F3275}"/>
+              </a:ext>
+            </a:extLst>
+          </p:cNvPr>
+          <p:cNvPicPr>
+            <a:picLocks noChangeAspect="1"/>
+          </p:cNvPicPr>
+          <p:nvPr/>
+        </p:nvPicPr>
+        <p:blipFill rotWithShape="1">
+          <a:blip r:embed="rId5">
+            <a:extLst>
+              <a:ext uri="{28A0092B-C50C-407E-A947-70E740481C1C}">
+                <a14:useLocalDpi xmlns:a14="http://schemas.microsoft.com/office/drawing/2010/main" val="0"/>
+              </a:ext>
+            </a:extLst>
+          </a:blip>
+          <a:srcRect l="14621" t="21580" r="15378" b="2149"/>
+          <a:stretch/>
+        </p:blipFill>
+        <p:spPr>
+          <a:xfrm>
+            <a:off x="2500538" y="4509120"/>
+            <a:ext cx="1387383" cy="938830"/>
+          </a:xfrm>
+          <a:prstGeom prst="rect">
+            <a:avLst/>
+          </a:prstGeom>
+        </p:spPr>
+      </p:pic>
+      <p:pic>
+        <p:nvPicPr>
+          <p:cNvPr id="16" name="Picture 15">
+            <a:extLst>
+              <a:ext uri="{FF2B5EF4-FFF2-40B4-BE49-F238E27FC236}">
+                <a16:creationId xmlns:a16="http://schemas.microsoft.com/office/drawing/2014/main" id="{FE8BAA48-55F7-4802-8AAD-A3384600EDB1}"/>
+              </a:ext>
+            </a:extLst>
+          </p:cNvPr>
+          <p:cNvPicPr>
+            <a:picLocks noChangeAspect="1"/>
+          </p:cNvPicPr>
+          <p:nvPr/>
+        </p:nvPicPr>
+        <p:blipFill>
+          <a:blip r:embed="rId6">
+            <a:extLst>
+              <a:ext uri="{28A0092B-C50C-407E-A947-70E740481C1C}">
+                <a14:useLocalDpi xmlns:a14="http://schemas.microsoft.com/office/drawing/2010/main" val="0"/>
+              </a:ext>
+            </a:extLst>
+          </a:blip>
+          <a:stretch>
+            <a:fillRect/>
+          </a:stretch>
+        </p:blipFill>
+        <p:spPr>
+          <a:xfrm>
+            <a:off x="5256074" y="4509120"/>
+            <a:ext cx="1387382" cy="938830"/>
+          </a:xfrm>
+          <a:prstGeom prst="rect">
+            <a:avLst/>
+          </a:prstGeom>
+        </p:spPr>
+      </p:pic>
     </p:spTree>
     <p:extLst>
       <p:ext uri="{BB962C8B-B14F-4D97-AF65-F5344CB8AC3E}">
@@ -9635,31 +10231,6 @@
       </p:grpSpPr>
       <p:sp>
         <p:nvSpPr>
-          <p:cNvPr id="9" name="Title 8">
-            <a:extLst>
-              <a:ext uri="{FF2B5EF4-FFF2-40B4-BE49-F238E27FC236}">
-                <a16:creationId xmlns:a16="http://schemas.microsoft.com/office/drawing/2014/main" id="{C958DD35-CA26-4605-9283-1C48AD4D2871}"/>
-              </a:ext>
-            </a:extLst>
-          </p:cNvPr>
-          <p:cNvSpPr>
-            <a:spLocks noGrp="1"/>
-          </p:cNvSpPr>
-          <p:nvPr>
-            <p:ph type="title"/>
-          </p:nvPr>
-        </p:nvSpPr>
-        <p:spPr/>
-        <p:txBody>
-          <a:bodyPr/>
-          <a:lstStyle/>
-          <a:p>
-            <a:endParaRPr lang="de-DE" dirty="0"/>
-          </a:p>
-        </p:txBody>
-      </p:sp>
-      <p:sp>
-        <p:nvSpPr>
           <p:cNvPr id="15" name="Content Placeholder 14">
             <a:extLst>
               <a:ext uri="{FF2B5EF4-FFF2-40B4-BE49-F238E27FC236}">
@@ -9775,6 +10346,196 @@
             <a:r>
               <a:rPr lang="de-DE" dirty="0"/>
               <a:t>04.07.18</a:t>
+            </a:r>
+          </a:p>
+        </p:txBody>
+      </p:sp>
+      <p:sp>
+        <p:nvSpPr>
+          <p:cNvPr id="8" name="Title 8">
+            <a:extLst>
+              <a:ext uri="{FF2B5EF4-FFF2-40B4-BE49-F238E27FC236}">
+                <a16:creationId xmlns:a16="http://schemas.microsoft.com/office/drawing/2014/main" id="{D8259F72-6FC5-4242-AF78-5FC37F61CF91}"/>
+              </a:ext>
+            </a:extLst>
+          </p:cNvPr>
+          <p:cNvSpPr txBox="1">
+            <a:spLocks/>
+          </p:cNvSpPr>
+          <p:nvPr/>
+        </p:nvSpPr>
+        <p:spPr bwMode="auto">
+          <a:xfrm>
+            <a:off x="623888" y="547688"/>
+            <a:ext cx="7772400" cy="533400"/>
+          </a:xfrm>
+          <a:prstGeom prst="rect">
+            <a:avLst/>
+          </a:prstGeom>
+          <a:noFill/>
+          <a:ln w="9525">
+            <a:noFill/>
+            <a:miter lim="800000"/>
+            <a:headEnd/>
+            <a:tailEnd/>
+          </a:ln>
+        </p:spPr>
+        <p:txBody>
+          <a:bodyPr vert="horz" wrap="square" lIns="0" tIns="0" rIns="0" bIns="0" numCol="1" anchor="ctr" anchorCtr="0" compatLnSpc="1">
+            <a:prstTxWarp prst="textNoShape">
+              <a:avLst/>
+            </a:prstTxWarp>
+          </a:bodyPr>
+          <a:lstStyle>
+            <a:lvl1pPr algn="l" rtl="0" eaLnBrk="0" fontAlgn="base" hangingPunct="0">
+              <a:spcBef>
+                <a:spcPct val="0"/>
+              </a:spcBef>
+              <a:spcAft>
+                <a:spcPct val="0"/>
+              </a:spcAft>
+              <a:defRPr sz="2800">
+                <a:solidFill>
+                  <a:srgbClr val="444A4B"/>
+                </a:solidFill>
+                <a:latin typeface="+mj-lt"/>
+                <a:ea typeface="+mj-ea"/>
+                <a:cs typeface="+mj-cs"/>
+              </a:defRPr>
+            </a:lvl1pPr>
+            <a:lvl2pPr algn="l" rtl="0" eaLnBrk="0" fontAlgn="base" hangingPunct="0">
+              <a:spcBef>
+                <a:spcPct val="0"/>
+              </a:spcBef>
+              <a:spcAft>
+                <a:spcPct val="0"/>
+              </a:spcAft>
+              <a:defRPr sz="2800">
+                <a:solidFill>
+                  <a:srgbClr val="444A4B"/>
+                </a:solidFill>
+                <a:latin typeface="Arial Narrow" pitchFamily="-112" charset="0"/>
+                <a:ea typeface="ＭＳ Ｐゴシック" pitchFamily="-112" charset="-128"/>
+              </a:defRPr>
+            </a:lvl2pPr>
+            <a:lvl3pPr algn="l" rtl="0" eaLnBrk="0" fontAlgn="base" hangingPunct="0">
+              <a:spcBef>
+                <a:spcPct val="0"/>
+              </a:spcBef>
+              <a:spcAft>
+                <a:spcPct val="0"/>
+              </a:spcAft>
+              <a:defRPr sz="2800">
+                <a:solidFill>
+                  <a:srgbClr val="444A4B"/>
+                </a:solidFill>
+                <a:latin typeface="Arial Narrow" pitchFamily="-112" charset="0"/>
+                <a:ea typeface="ＭＳ Ｐゴシック" pitchFamily="-112" charset="-128"/>
+              </a:defRPr>
+            </a:lvl3pPr>
+            <a:lvl4pPr algn="l" rtl="0" eaLnBrk="0" fontAlgn="base" hangingPunct="0">
+              <a:spcBef>
+                <a:spcPct val="0"/>
+              </a:spcBef>
+              <a:spcAft>
+                <a:spcPct val="0"/>
+              </a:spcAft>
+              <a:defRPr sz="2800">
+                <a:solidFill>
+                  <a:srgbClr val="444A4B"/>
+                </a:solidFill>
+                <a:latin typeface="Arial Narrow" pitchFamily="-112" charset="0"/>
+                <a:ea typeface="ＭＳ Ｐゴシック" pitchFamily="-112" charset="-128"/>
+              </a:defRPr>
+            </a:lvl4pPr>
+            <a:lvl5pPr algn="l" rtl="0" eaLnBrk="0" fontAlgn="base" hangingPunct="0">
+              <a:spcBef>
+                <a:spcPct val="0"/>
+              </a:spcBef>
+              <a:spcAft>
+                <a:spcPct val="0"/>
+              </a:spcAft>
+              <a:defRPr sz="2800">
+                <a:solidFill>
+                  <a:srgbClr val="444A4B"/>
+                </a:solidFill>
+                <a:latin typeface="Arial Narrow" pitchFamily="-112" charset="0"/>
+                <a:ea typeface="ＭＳ Ｐゴシック" pitchFamily="-112" charset="-128"/>
+              </a:defRPr>
+            </a:lvl5pPr>
+            <a:lvl6pPr marL="457200" algn="l" rtl="0" fontAlgn="base">
+              <a:spcBef>
+                <a:spcPct val="0"/>
+              </a:spcBef>
+              <a:spcAft>
+                <a:spcPct val="0"/>
+              </a:spcAft>
+              <a:defRPr sz="2800">
+                <a:solidFill>
+                  <a:srgbClr val="444A4B"/>
+                </a:solidFill>
+                <a:latin typeface="Arial Narrow" pitchFamily="-112" charset="0"/>
+                <a:ea typeface="ＭＳ Ｐゴシック" pitchFamily="-112" charset="-128"/>
+              </a:defRPr>
+            </a:lvl6pPr>
+            <a:lvl7pPr marL="914400" algn="l" rtl="0" fontAlgn="base">
+              <a:spcBef>
+                <a:spcPct val="0"/>
+              </a:spcBef>
+              <a:spcAft>
+                <a:spcPct val="0"/>
+              </a:spcAft>
+              <a:defRPr sz="2800">
+                <a:solidFill>
+                  <a:srgbClr val="444A4B"/>
+                </a:solidFill>
+                <a:latin typeface="Arial Narrow" pitchFamily="-112" charset="0"/>
+                <a:ea typeface="ＭＳ Ｐゴシック" pitchFamily="-112" charset="-128"/>
+              </a:defRPr>
+            </a:lvl7pPr>
+            <a:lvl8pPr marL="1371600" algn="l" rtl="0" fontAlgn="base">
+              <a:spcBef>
+                <a:spcPct val="0"/>
+              </a:spcBef>
+              <a:spcAft>
+                <a:spcPct val="0"/>
+              </a:spcAft>
+              <a:defRPr sz="2800">
+                <a:solidFill>
+                  <a:srgbClr val="444A4B"/>
+                </a:solidFill>
+                <a:latin typeface="Arial Narrow" pitchFamily="-112" charset="0"/>
+                <a:ea typeface="ＭＳ Ｐゴシック" pitchFamily="-112" charset="-128"/>
+              </a:defRPr>
+            </a:lvl8pPr>
+            <a:lvl9pPr marL="1828800" algn="l" rtl="0" fontAlgn="base">
+              <a:spcBef>
+                <a:spcPct val="0"/>
+              </a:spcBef>
+              <a:spcAft>
+                <a:spcPct val="0"/>
+              </a:spcAft>
+              <a:defRPr sz="2800">
+                <a:solidFill>
+                  <a:srgbClr val="444A4B"/>
+                </a:solidFill>
+                <a:latin typeface="Arial Narrow" pitchFamily="-112" charset="0"/>
+                <a:ea typeface="ＭＳ Ｐゴシック" pitchFamily="-112" charset="-128"/>
+              </a:defRPr>
+            </a:lvl9pPr>
+          </a:lstStyle>
+          <a:p>
+            <a:pPr>
+              <a:lnSpc>
+                <a:spcPct val="100000"/>
+              </a:lnSpc>
+            </a:pPr>
+            <a:r>
+              <a:rPr lang="de-DE" b="1" u="none" kern="0" dirty="0">
+                <a:latin typeface="Calibri" panose="020F0502020204030204" pitchFamily="34" charset="0"/>
+                <a:cs typeface="Calibri" panose="020F0502020204030204" pitchFamily="34" charset="0"/>
+              </a:rPr>
+              <a:t>Synthetische Rekonstruktion</a:t>
             </a:r>
           </a:p>
         </p:txBody>

--- a/Thesis/Disputation/PowerPointPresentation/New_Dispo_HFU_Design.pptx
+++ b/Thesis/Disputation/PowerPointPresentation/New_Dispo_HFU_Design.pptx
@@ -5,7 +5,7 @@
     <p:sldMasterId id="2147483648" r:id="rId1"/>
   </p:sldMasterIdLst>
   <p:notesMasterIdLst>
-    <p:notesMasterId r:id="rId15"/>
+    <p:notesMasterId r:id="rId27"/>
   </p:notesMasterIdLst>
   <p:sldIdLst>
     <p:sldId id="293" r:id="rId2"/>
@@ -20,7 +20,19 @@
     <p:sldId id="301" r:id="rId11"/>
     <p:sldId id="302" r:id="rId12"/>
     <p:sldId id="303" r:id="rId13"/>
-    <p:sldId id="304" r:id="rId14"/>
+    <p:sldId id="308" r:id="rId14"/>
+    <p:sldId id="309" r:id="rId15"/>
+    <p:sldId id="310" r:id="rId16"/>
+    <p:sldId id="315" r:id="rId17"/>
+    <p:sldId id="316" r:id="rId18"/>
+    <p:sldId id="317" r:id="rId19"/>
+    <p:sldId id="311" r:id="rId20"/>
+    <p:sldId id="304" r:id="rId21"/>
+    <p:sldId id="306" r:id="rId22"/>
+    <p:sldId id="307" r:id="rId23"/>
+    <p:sldId id="312" r:id="rId24"/>
+    <p:sldId id="313" r:id="rId25"/>
+    <p:sldId id="314" r:id="rId26"/>
   </p:sldIdLst>
   <p:sldSz cx="9144000" cy="6858000" type="screen4x3"/>
   <p:notesSz cx="6858000" cy="9144000"/>
@@ -806,7 +818,97 @@
           <a:bodyPr/>
           <a:lstStyle/>
           <a:p>
-            <a:endParaRPr lang="de-DE">
+            <a:pPr marL="171450" indent="-171450">
+              <a:buFont typeface="Arial" panose="020B0604020202020204" pitchFamily="34" charset="0"/>
+              <a:buChar char="•"/>
+            </a:pPr>
+            <a:r>
+              <a:rPr lang="de-DE" dirty="0">
+                <a:ea typeface="ＭＳ Ｐゴシック" pitchFamily="34" charset="-128"/>
+              </a:rPr>
+              <a:t>Fundamentalmatrix wird über die bekannten Eckpunkte beider Quaderabbildungen mit dem 8 Punkte algorithmus bestimmt</a:t>
+            </a:r>
+          </a:p>
+          <a:p>
+            <a:pPr marL="171450" indent="-171450">
+              <a:buFont typeface="Arial" panose="020B0604020202020204" pitchFamily="34" charset="0"/>
+              <a:buChar char="•"/>
+            </a:pPr>
+            <a:r>
+              <a:rPr lang="de-DE" dirty="0">
+                <a:ea typeface="ＭＳ Ｐゴシック" pitchFamily="34" charset="-128"/>
+              </a:rPr>
+              <a:t>Mit Hilfe der Bekannten intrinsischen Kameraparameter wird daraus die essentielle Matrix bestimmt</a:t>
+            </a:r>
+          </a:p>
+          <a:p>
+            <a:pPr marL="628650" lvl="1" indent="-171450">
+              <a:buFont typeface="Arial" panose="020B0604020202020204" pitchFamily="34" charset="0"/>
+              <a:buChar char="•"/>
+            </a:pPr>
+            <a:r>
+              <a:rPr lang="de-DE" dirty="0">
+                <a:ea typeface="ＭＳ Ｐゴシック" pitchFamily="34" charset="-128"/>
+              </a:rPr>
+              <a:t>Mit der essentiellen Matrix wird dann die extrinsischen Kameraparameter bestimmt</a:t>
+            </a:r>
+          </a:p>
+          <a:p>
+            <a:pPr marL="171450" lvl="0" indent="-171450">
+              <a:buFont typeface="Arial" panose="020B0604020202020204" pitchFamily="34" charset="0"/>
+              <a:buChar char="•"/>
+            </a:pPr>
+            <a:r>
+              <a:rPr lang="de-DE" dirty="0">
+                <a:ea typeface="ＭＳ Ｐゴシック" pitchFamily="34" charset="-128"/>
+              </a:rPr>
+              <a:t>Wir gehen davon aus das C deckungsgleich mit dem Weltkoordinatensystem ist und somit weder eine Rotation noch eine Translation aufweist</a:t>
+            </a:r>
+          </a:p>
+          <a:p>
+            <a:pPr marL="171450" lvl="0" indent="-171450">
+              <a:buFont typeface="Arial" panose="020B0604020202020204" pitchFamily="34" charset="0"/>
+              <a:buChar char="•"/>
+            </a:pPr>
+            <a:r>
+              <a:rPr lang="de-DE" dirty="0">
+                <a:ea typeface="ＭＳ Ｐゴシック" pitchFamily="34" charset="-128"/>
+              </a:rPr>
+              <a:t>Für C‘ wird über ein Verfahren die extrinischen Kameraparameter bestimmt</a:t>
+            </a:r>
+          </a:p>
+          <a:p>
+            <a:pPr marL="171450" lvl="0" indent="-171450">
+              <a:buFont typeface="Arial" panose="020B0604020202020204" pitchFamily="34" charset="0"/>
+              <a:buChar char="•"/>
+            </a:pPr>
+            <a:endParaRPr lang="de-DE" dirty="0">
+              <a:ea typeface="ＭＳ Ｐゴシック" pitchFamily="34" charset="-128"/>
+            </a:endParaRPr>
+          </a:p>
+          <a:p>
+            <a:pPr marL="171450" lvl="0" indent="-171450">
+              <a:buFont typeface="Arial" panose="020B0604020202020204" pitchFamily="34" charset="0"/>
+              <a:buChar char="•"/>
+            </a:pPr>
+            <a:r>
+              <a:rPr lang="de-DE" dirty="0">
+                <a:ea typeface="ＭＳ Ｐゴシック" pitchFamily="34" charset="-128"/>
+              </a:rPr>
+              <a:t>Nächste Folie</a:t>
+            </a:r>
+          </a:p>
+          <a:p>
+            <a:pPr marL="171450" indent="-171450">
+              <a:buFont typeface="Arial" panose="020B0604020202020204" pitchFamily="34" charset="0"/>
+              <a:buChar char="•"/>
+            </a:pPr>
+            <a:endParaRPr lang="de-DE" dirty="0">
+              <a:ea typeface="ＭＳ Ｐゴシック" pitchFamily="34" charset="-128"/>
+            </a:endParaRPr>
+          </a:p>
+          <a:p>
+            <a:endParaRPr lang="de-DE" dirty="0">
               <a:ea typeface="ＭＳ Ｐゴシック" pitchFamily="34" charset="-128"/>
             </a:endParaRPr>
           </a:p>
@@ -910,7 +1012,204 @@
           <a:bodyPr/>
           <a:lstStyle/>
           <a:p>
-            <a:endParaRPr lang="de-DE">
+            <a:pPr marL="171450" indent="-171450">
+              <a:buFont typeface="Arial" panose="020B0604020202020204" pitchFamily="34" charset="0"/>
+              <a:buChar char="•"/>
+            </a:pPr>
+            <a:r>
+              <a:rPr lang="de-DE" dirty="0">
+                <a:ea typeface="ＭＳ Ｐゴシック" pitchFamily="34" charset="-128"/>
+              </a:rPr>
+              <a:t>Hierbei entstehen insgesammt 4 verschiedene mögliche Lösungen für die Matrix –RC</a:t>
+            </a:r>
+          </a:p>
+          <a:p>
+            <a:pPr marL="171450" indent="-171450">
+              <a:buFont typeface="Arial" panose="020B0604020202020204" pitchFamily="34" charset="0"/>
+              <a:buChar char="•"/>
+            </a:pPr>
+            <a:r>
+              <a:rPr lang="de-DE" dirty="0">
+                <a:ea typeface="ＭＳ Ｐゴシック" pitchFamily="34" charset="-128"/>
+              </a:rPr>
+              <a:t>Diese Vier Lösungen sind bis auf eine Skaleninvarianz genau bestimmt</a:t>
+            </a:r>
+          </a:p>
+          <a:p>
+            <a:pPr marL="628650" lvl="1" indent="-171450">
+              <a:buFont typeface="Arial" panose="020B0604020202020204" pitchFamily="34" charset="0"/>
+              <a:buChar char="•"/>
+            </a:pPr>
+            <a:r>
+              <a:rPr lang="de-DE" dirty="0">
+                <a:ea typeface="ＭＳ Ｐゴシック" pitchFamily="34" charset="-128"/>
+              </a:rPr>
+              <a:t>Translationsvektor = normierter Richtungsvektor</a:t>
+            </a:r>
+          </a:p>
+          <a:p>
+            <a:pPr marL="628650" lvl="1" indent="-171450">
+              <a:buFont typeface="Arial" panose="020B0604020202020204" pitchFamily="34" charset="0"/>
+              <a:buChar char="•"/>
+            </a:pPr>
+            <a:endParaRPr lang="de-DE" dirty="0">
+              <a:ea typeface="ＭＳ Ｐゴシック" pitchFamily="34" charset="-128"/>
+            </a:endParaRPr>
+          </a:p>
+          <a:p>
+            <a:pPr marL="628650" lvl="1" indent="-171450">
+              <a:buFont typeface="Arial" panose="020B0604020202020204" pitchFamily="34" charset="0"/>
+              <a:buChar char="•"/>
+            </a:pPr>
+            <a:endParaRPr lang="de-DE" dirty="0">
+              <a:ea typeface="ＭＳ Ｐゴシック" pitchFamily="34" charset="-128"/>
+            </a:endParaRPr>
+          </a:p>
+          <a:p>
+            <a:pPr marL="171450" marR="0" lvl="0" indent="-171450" algn="l" defTabSz="914400" rtl="0" eaLnBrk="0" fontAlgn="base" latinLnBrk="0" hangingPunct="0">
+              <a:lnSpc>
+                <a:spcPct val="100000"/>
+              </a:lnSpc>
+              <a:spcBef>
+                <a:spcPct val="30000"/>
+              </a:spcBef>
+              <a:spcAft>
+                <a:spcPct val="0"/>
+              </a:spcAft>
+              <a:buClrTx/>
+              <a:buSzTx/>
+              <a:buFont typeface="Arial" panose="020B0604020202020204" pitchFamily="34" charset="0"/>
+              <a:buChar char="•"/>
+              <a:tabLst/>
+              <a:defRPr/>
+            </a:pPr>
+            <a:r>
+              <a:rPr lang="de-DE" dirty="0">
+                <a:ea typeface="ＭＳ Ｐゴシック" pitchFamily="34" charset="-128"/>
+              </a:rPr>
+              <a:t>In den ersten beiden Lösungen wird C‘ um 180° gedreht</a:t>
+            </a:r>
+          </a:p>
+          <a:p>
+            <a:pPr marL="171450" marR="0" lvl="0" indent="-171450" algn="l" defTabSz="914400" rtl="0" eaLnBrk="0" fontAlgn="base" latinLnBrk="0" hangingPunct="0">
+              <a:lnSpc>
+                <a:spcPct val="100000"/>
+              </a:lnSpc>
+              <a:spcBef>
+                <a:spcPct val="30000"/>
+              </a:spcBef>
+              <a:spcAft>
+                <a:spcPct val="0"/>
+              </a:spcAft>
+              <a:buClrTx/>
+              <a:buSzTx/>
+              <a:buFont typeface="Arial" panose="020B0604020202020204" pitchFamily="34" charset="0"/>
+              <a:buChar char="•"/>
+              <a:tabLst/>
+              <a:defRPr/>
+            </a:pPr>
+            <a:r>
+              <a:rPr lang="de-DE" dirty="0">
+                <a:ea typeface="ＭＳ Ｐゴシック" pitchFamily="34" charset="-128"/>
+              </a:rPr>
+              <a:t>In den anderen beiden Lösungen kommt es zu einer Umkehrung der Basislinie</a:t>
+            </a:r>
+          </a:p>
+          <a:p>
+            <a:pPr marL="171450" lvl="0" indent="-171450">
+              <a:buFont typeface="Arial" panose="020B0604020202020204" pitchFamily="34" charset="0"/>
+              <a:buChar char="•"/>
+            </a:pPr>
+            <a:r>
+              <a:rPr lang="de-DE" dirty="0">
+                <a:ea typeface="ＭＳ Ｐゴシック" pitchFamily="34" charset="-128"/>
+              </a:rPr>
+              <a:t>Die Richtige Lösung ist abhängig davon wie die Kameras Positioniert und die Bildebene innerhalb der Kamera platziert ist</a:t>
+            </a:r>
+          </a:p>
+          <a:p>
+            <a:pPr marL="628650" lvl="1" indent="-171450">
+              <a:buFont typeface="Arial" panose="020B0604020202020204" pitchFamily="34" charset="0"/>
+              <a:buChar char="•"/>
+            </a:pPr>
+            <a:r>
+              <a:rPr lang="de-DE" dirty="0">
+                <a:ea typeface="ＭＳ Ｐゴシック" pitchFamily="34" charset="-128"/>
+              </a:rPr>
+              <a:t>Die Abbildungen der ersten beiden Lösungen sind die selben nur ist es einmal auf dem Kopf da es hinter dem Projekitonszentum abgebildet wird </a:t>
+            </a:r>
+          </a:p>
+          <a:p>
+            <a:pPr marL="628650" lvl="1" indent="-171450">
+              <a:buFont typeface="Arial" panose="020B0604020202020204" pitchFamily="34" charset="0"/>
+              <a:buChar char="•"/>
+            </a:pPr>
+            <a:endParaRPr lang="de-DE" dirty="0">
+              <a:ea typeface="ＭＳ Ｐゴシック" pitchFamily="34" charset="-128"/>
+            </a:endParaRPr>
+          </a:p>
+          <a:p>
+            <a:pPr marL="171450" lvl="0" indent="-171450">
+              <a:buFont typeface="Arial" panose="020B0604020202020204" pitchFamily="34" charset="0"/>
+              <a:buChar char="•"/>
+            </a:pPr>
+            <a:r>
+              <a:rPr lang="de-DE" dirty="0">
+                <a:ea typeface="ＭＳ Ｐゴシック" pitchFamily="34" charset="-128"/>
+              </a:rPr>
+              <a:t>Triangulierung:</a:t>
+            </a:r>
+          </a:p>
+          <a:p>
+            <a:pPr marL="171450" indent="-171450">
+              <a:buFont typeface="Arial" panose="020B0604020202020204" pitchFamily="34" charset="0"/>
+              <a:buChar char="•"/>
+            </a:pPr>
+            <a:r>
+              <a:rPr lang="de-DE" dirty="0">
+                <a:ea typeface="ＭＳ Ｐゴシック" pitchFamily="34" charset="-128"/>
+              </a:rPr>
+              <a:t>Da im synthetischen Beispiel mit reinen Bilddaten gearbeitet wird, kommt es zu keinen Abweichungen in den Punktekorrespondenzen und die Szene kann über eine einfach geometrische Triangulierung rekonstruiert werden.</a:t>
+            </a:r>
+          </a:p>
+          <a:p>
+            <a:pPr marL="171450" marR="0" lvl="0" indent="-171450" algn="l" defTabSz="914400" rtl="0" eaLnBrk="0" fontAlgn="base" latinLnBrk="0" hangingPunct="0">
+              <a:lnSpc>
+                <a:spcPct val="100000"/>
+              </a:lnSpc>
+              <a:spcBef>
+                <a:spcPct val="30000"/>
+              </a:spcBef>
+              <a:spcAft>
+                <a:spcPct val="0"/>
+              </a:spcAft>
+              <a:buClrTx/>
+              <a:buSzTx/>
+              <a:buFont typeface="Arial" panose="020B0604020202020204" pitchFamily="34" charset="0"/>
+              <a:buChar char="•"/>
+              <a:tabLst/>
+              <a:defRPr/>
+            </a:pPr>
+            <a:r>
+              <a:rPr lang="de-DE" dirty="0"/>
+              <a:t>Wichtig! Umrechung der koordinaten in ein und das selbe Koordinatensystem</a:t>
+            </a:r>
+          </a:p>
+          <a:p>
+            <a:pPr marL="171450" lvl="0" indent="-171450">
+              <a:buFont typeface="Arial" panose="020B0604020202020204" pitchFamily="34" charset="0"/>
+              <a:buChar char="•"/>
+            </a:pPr>
+            <a:endParaRPr lang="de-DE" dirty="0">
+              <a:ea typeface="ＭＳ Ｐゴシック" pitchFamily="34" charset="-128"/>
+            </a:endParaRPr>
+          </a:p>
+          <a:p>
+            <a:pPr marL="171450" lvl="0" indent="-171450">
+              <a:buFont typeface="Arial" panose="020B0604020202020204" pitchFamily="34" charset="0"/>
+              <a:buChar char="•"/>
+            </a:pPr>
+            <a:endParaRPr lang="de-DE" dirty="0">
               <a:ea typeface="ＭＳ Ｐゴシック" pitchFamily="34" charset="-128"/>
             </a:endParaRPr>
           </a:p>
@@ -1014,9 +1313,176 @@
           <a:bodyPr/>
           <a:lstStyle/>
           <a:p>
-            <a:endParaRPr lang="de-DE">
+            <a:pPr marL="171450" indent="-171450">
+              <a:buFont typeface="Arial" panose="020B0604020202020204" pitchFamily="34" charset="0"/>
+              <a:buChar char="•"/>
+            </a:pPr>
+            <a:r>
+              <a:rPr lang="de-DE" dirty="0">
+                <a:ea typeface="ＭＳ Ｐゴシック" pitchFamily="34" charset="-128"/>
+              </a:rPr>
+              <a:t>Bei der realen rekonstruktion muss von Bildfehlern wie Bildrauschen ausgegangen werden und damiteinhergehend auch mit Fehlern bei der Korrespondenzanalyse</a:t>
+            </a:r>
+          </a:p>
+          <a:p>
+            <a:pPr marL="171450" indent="-171450">
+              <a:buFont typeface="Arial" panose="020B0604020202020204" pitchFamily="34" charset="0"/>
+              <a:buChar char="•"/>
+            </a:pPr>
+            <a:endParaRPr lang="de-DE" sz="1200" b="0" i="0" u="none" strike="noStrike" kern="1200" baseline="0" dirty="0">
+              <a:solidFill>
+                <a:schemeClr val="tx1"/>
+              </a:solidFill>
+              <a:latin typeface="Arial" charset="0"/>
               <a:ea typeface="ＭＳ Ｐゴシック" pitchFamily="34" charset="-128"/>
+              <a:cs typeface="+mn-cs"/>
             </a:endParaRPr>
+          </a:p>
+          <a:p>
+            <a:pPr marL="171450" indent="-171450">
+              <a:buFont typeface="Arial" panose="020B0604020202020204" pitchFamily="34" charset="0"/>
+              <a:buChar char="•"/>
+            </a:pPr>
+            <a:r>
+              <a:rPr lang="de-DE" sz="1200" b="0" i="0" u="none" strike="noStrike" kern="1200" baseline="0" dirty="0">
+                <a:solidFill>
+                  <a:schemeClr val="tx1"/>
+                </a:solidFill>
+                <a:latin typeface="Arial" charset="0"/>
+                <a:ea typeface="ＭＳ Ｐゴシック" pitchFamily="-112" charset="-128"/>
+                <a:cs typeface="+mn-cs"/>
+              </a:rPr>
+              <a:t>Liegt beispielsweise bei der Bestimmung von korrespondierenden Punkten eine Ecke zwischen zwei Pixel, so kann optisches Rauschen, welches in realen Aufnahmen prasent ist, dazu fuhren dass diese Ecke in gleichen Bildern an verschiedenen Pixel erkannt wird.</a:t>
+            </a:r>
+          </a:p>
+          <a:p>
+            <a:pPr marL="171450" indent="-171450">
+              <a:buFont typeface="Arial" panose="020B0604020202020204" pitchFamily="34" charset="0"/>
+              <a:buChar char="•"/>
+            </a:pPr>
+            <a:endParaRPr lang="de-DE" sz="1200" b="0" i="0" u="none" strike="noStrike" kern="1200" baseline="0" dirty="0">
+              <a:solidFill>
+                <a:schemeClr val="tx1"/>
+              </a:solidFill>
+              <a:latin typeface="Arial" charset="0"/>
+              <a:ea typeface="ＭＳ Ｐゴシック" pitchFamily="-112" charset="-128"/>
+              <a:cs typeface="+mn-cs"/>
+            </a:endParaRPr>
+          </a:p>
+          <a:p>
+            <a:pPr marL="171450" indent="-171450">
+              <a:buFont typeface="Arial" panose="020B0604020202020204" pitchFamily="34" charset="0"/>
+              <a:buChar char="•"/>
+            </a:pPr>
+            <a:r>
+              <a:rPr lang="de-DE" sz="1200" b="0" i="0" u="none" strike="noStrike" kern="1200" baseline="0" dirty="0">
+                <a:solidFill>
+                  <a:schemeClr val="tx1"/>
+                </a:solidFill>
+                <a:latin typeface="Arial" charset="0"/>
+                <a:ea typeface="ＭＳ Ｐゴシック" pitchFamily="-112" charset="-128"/>
+                <a:cs typeface="+mn-cs"/>
+              </a:rPr>
+              <a:t>Epipolare Bedingungen werden somit nicht erfüllt</a:t>
+            </a:r>
+          </a:p>
+          <a:p>
+            <a:pPr marL="171450" indent="-171450">
+              <a:buFont typeface="Arial" panose="020B0604020202020204" pitchFamily="34" charset="0"/>
+              <a:buChar char="•"/>
+            </a:pPr>
+            <a:endParaRPr lang="de-DE" sz="1200" b="0" i="0" u="none" strike="noStrike" kern="1200" baseline="0" dirty="0">
+              <a:solidFill>
+                <a:schemeClr val="tx1"/>
+              </a:solidFill>
+              <a:latin typeface="Arial" charset="0"/>
+              <a:ea typeface="ＭＳ Ｐゴシック" pitchFamily="-112" charset="-128"/>
+              <a:cs typeface="+mn-cs"/>
+            </a:endParaRPr>
+          </a:p>
+          <a:p>
+            <a:pPr marL="171450" indent="-171450">
+              <a:buFont typeface="Arial" panose="020B0604020202020204" pitchFamily="34" charset="0"/>
+              <a:buChar char="•"/>
+            </a:pPr>
+            <a:r>
+              <a:rPr lang="de-DE" sz="1200" b="0" i="0" u="none" strike="noStrike" kern="1200" baseline="0" dirty="0">
+                <a:solidFill>
+                  <a:schemeClr val="tx1"/>
+                </a:solidFill>
+                <a:latin typeface="Arial" charset="0"/>
+                <a:ea typeface="ＭＳ Ｐゴシック" pitchFamily="-112" charset="-128"/>
+                <a:cs typeface="+mn-cs"/>
+              </a:rPr>
+              <a:t>Diese Führen zu ungenauigkeiten und Fehler und müssen dementsprechen über minimierungen und Näherungen angeglichen werden</a:t>
+            </a:r>
+          </a:p>
+          <a:p>
+            <a:pPr marL="171450" indent="-171450">
+              <a:buFont typeface="Arial" panose="020B0604020202020204" pitchFamily="34" charset="0"/>
+              <a:buChar char="•"/>
+            </a:pPr>
+            <a:r>
+              <a:rPr lang="de-DE" sz="1200" b="0" i="0" u="none" strike="noStrike" kern="1200" baseline="0" dirty="0">
+                <a:solidFill>
+                  <a:schemeClr val="tx1"/>
+                </a:solidFill>
+                <a:latin typeface="Arial" charset="0"/>
+                <a:ea typeface="ＭＳ Ｐゴシック" pitchFamily="-112" charset="-128"/>
+                <a:cs typeface="+mn-cs"/>
+              </a:rPr>
+              <a:t>Im foglenden werden die markantesten Fehler aufgezeigt und deren Korrektur kurz erläutert</a:t>
+            </a:r>
+          </a:p>
+          <a:p>
+            <a:pPr marL="171450" indent="-171450">
+              <a:buFont typeface="Arial" panose="020B0604020202020204" pitchFamily="34" charset="0"/>
+              <a:buChar char="•"/>
+            </a:pPr>
+            <a:endParaRPr lang="de-DE" sz="1200" b="0" i="0" u="none" strike="noStrike" kern="1200" baseline="0" dirty="0">
+              <a:solidFill>
+                <a:schemeClr val="tx1"/>
+              </a:solidFill>
+              <a:latin typeface="Arial" charset="0"/>
+              <a:ea typeface="ＭＳ Ｐゴシック" pitchFamily="-112" charset="-128"/>
+              <a:cs typeface="+mn-cs"/>
+            </a:endParaRPr>
+          </a:p>
+          <a:p>
+            <a:pPr marL="0" indent="0">
+              <a:buFont typeface="Arial" panose="020B0604020202020204" pitchFamily="34" charset="0"/>
+              <a:buNone/>
+            </a:pPr>
+            <a:endParaRPr lang="de-DE" sz="1200" b="0" i="0" u="none" strike="noStrike" kern="1200" baseline="0" dirty="0">
+              <a:solidFill>
+                <a:schemeClr val="tx1"/>
+              </a:solidFill>
+              <a:latin typeface="Arial" charset="0"/>
+              <a:ea typeface="ＭＳ Ｐゴシック" pitchFamily="-112" charset="-128"/>
+              <a:cs typeface="+mn-cs"/>
+            </a:endParaRPr>
+          </a:p>
+          <a:p>
+            <a:pPr marL="171450" indent="-171450">
+              <a:buFont typeface="Arial" panose="020B0604020202020204" pitchFamily="34" charset="0"/>
+              <a:buChar char="•"/>
+            </a:pPr>
+            <a:endParaRPr lang="de-DE" sz="1200" b="0" i="0" u="none" strike="noStrike" kern="1200" baseline="0" dirty="0">
+              <a:solidFill>
+                <a:schemeClr val="tx1"/>
+              </a:solidFill>
+              <a:latin typeface="Arial" charset="0"/>
+              <a:ea typeface="ＭＳ Ｐゴシック" pitchFamily="-112" charset="-128"/>
+              <a:cs typeface="+mn-cs"/>
+            </a:endParaRPr>
+          </a:p>
+          <a:p>
+            <a:r>
+              <a:rPr lang="de-DE" dirty="0">
+                <a:ea typeface="ＭＳ Ｐゴシック" pitchFamily="34" charset="-128"/>
+              </a:rPr>
+              <a:t>	</a:t>
+            </a:r>
           </a:p>
         </p:txBody>
       </p:sp>
@@ -1118,7 +1584,134 @@
           <a:bodyPr/>
           <a:lstStyle/>
           <a:p>
-            <a:endParaRPr lang="de-DE">
+            <a:r>
+              <a:rPr lang="de-DE" dirty="0">
+                <a:ea typeface="ＭＳ Ｐゴシック" pitchFamily="34" charset="-128"/>
+              </a:rPr>
+              <a:t>Zunächst folgt der Abeitsprozess um einen Vergleich zum synthetischen Beispiel zu bekommen</a:t>
+            </a:r>
+          </a:p>
+          <a:p>
+            <a:endParaRPr lang="de-DE" dirty="0">
+              <a:ea typeface="ＭＳ Ｐゴシック" pitchFamily="34" charset="-128"/>
+            </a:endParaRPr>
+          </a:p>
+          <a:p>
+            <a:r>
+              <a:rPr lang="de-DE" dirty="0">
+                <a:ea typeface="ＭＳ Ｐゴシック" pitchFamily="34" charset="-128"/>
+              </a:rPr>
+              <a:t>Normierter 8 Punkt algorithmus</a:t>
+            </a:r>
+          </a:p>
+          <a:p>
+            <a:pPr marL="171450" indent="-171450">
+              <a:buFont typeface="Arial" panose="020B0604020202020204" pitchFamily="34" charset="0"/>
+              <a:buChar char="•"/>
+            </a:pPr>
+            <a:r>
+              <a:rPr lang="de-DE" dirty="0">
+                <a:ea typeface="ＭＳ Ｐゴシック" pitchFamily="34" charset="-128"/>
+              </a:rPr>
+              <a:t>Zur bestimmung der Fundamentalmatrix wird der sogenannten normierte acht punkt algorithmus verwendet</a:t>
+            </a:r>
+          </a:p>
+          <a:p>
+            <a:pPr marL="171450" indent="-171450">
+              <a:buFont typeface="Arial" panose="020B0604020202020204" pitchFamily="34" charset="0"/>
+              <a:buChar char="•"/>
+            </a:pPr>
+            <a:r>
+              <a:rPr lang="de-DE" dirty="0">
+                <a:ea typeface="ＭＳ Ｐゴシック" pitchFamily="34" charset="-128"/>
+              </a:rPr>
+              <a:t>Dieser garantiert ein stabileres Ergebnis</a:t>
+            </a:r>
+          </a:p>
+          <a:p>
+            <a:pPr marL="171450" indent="-171450">
+              <a:buFont typeface="Arial" panose="020B0604020202020204" pitchFamily="34" charset="0"/>
+              <a:buChar char="•"/>
+            </a:pPr>
+            <a:r>
+              <a:rPr lang="de-DE" dirty="0">
+                <a:ea typeface="ＭＳ Ｐゴシック" pitchFamily="34" charset="-128"/>
+              </a:rPr>
+              <a:t>Durch die ungenauigkeit der korrespondierenden Punkte steigt die Fehleranfälligkeit der Fundamentalmatrix</a:t>
+            </a:r>
+          </a:p>
+          <a:p>
+            <a:pPr marL="171450" indent="-171450">
+              <a:buFont typeface="Arial" panose="020B0604020202020204" pitchFamily="34" charset="0"/>
+              <a:buChar char="•"/>
+            </a:pPr>
+            <a:r>
+              <a:rPr lang="de-DE" dirty="0">
+                <a:ea typeface="ＭＳ Ｐゴシック" pitchFamily="34" charset="-128"/>
+              </a:rPr>
+              <a:t>Durch Normierung der eingehenden Bilddaten kann diesen Fehleranfälligkeit minimiert werden </a:t>
+            </a:r>
+          </a:p>
+          <a:p>
+            <a:pPr marL="171450" indent="-171450">
+              <a:buFont typeface="Arial" panose="020B0604020202020204" pitchFamily="34" charset="0"/>
+              <a:buChar char="•"/>
+            </a:pPr>
+            <a:r>
+              <a:rPr lang="de-DE" dirty="0">
+                <a:ea typeface="ＭＳ Ｐゴシック" pitchFamily="34" charset="-128"/>
+              </a:rPr>
+              <a:t>Durch die Normierung werden die Wertebereiche der drei Koordinaten x,y,z angeglichen(Beispiel einer Koordinate). Dadurch verringert sich der Raum in welchem sich die Punkte befinden </a:t>
+            </a:r>
+          </a:p>
+          <a:p>
+            <a:pPr marL="628650" lvl="1" indent="-171450">
+              <a:buFont typeface="Arial" panose="020B0604020202020204" pitchFamily="34" charset="0"/>
+              <a:buChar char="•"/>
+            </a:pPr>
+            <a:r>
+              <a:rPr lang="de-DE" dirty="0">
+                <a:ea typeface="ＭＳ Ｐゴシック" pitchFamily="34" charset="-128"/>
+              </a:rPr>
+              <a:t>Das hat zur Folge, dass die Epipolaren Bedingungen weniger stark aunf ungenaue Punktekorrespondenzen reagieren (Die Fundamentalmatrix ist ausgeglichener)</a:t>
+            </a:r>
+          </a:p>
+          <a:p>
+            <a:pPr marL="628650" lvl="1" indent="-171450">
+              <a:buFont typeface="Arial" panose="020B0604020202020204" pitchFamily="34" charset="0"/>
+              <a:buChar char="•"/>
+            </a:pPr>
+            <a:endParaRPr lang="de-DE" dirty="0">
+              <a:ea typeface="ＭＳ Ｐゴシック" pitchFamily="34" charset="-128"/>
+            </a:endParaRPr>
+          </a:p>
+          <a:p>
+            <a:pPr marL="171450" lvl="0" indent="-171450">
+              <a:buFont typeface="Arial" panose="020B0604020202020204" pitchFamily="34" charset="0"/>
+              <a:buChar char="•"/>
+            </a:pPr>
+            <a:r>
+              <a:rPr lang="de-DE" dirty="0">
+                <a:ea typeface="ＭＳ Ｐゴシック" pitchFamily="34" charset="-128"/>
+              </a:rPr>
+              <a:t>Die Koordinaten werden so normiert, dass ihr das ihr durchschnittlicher Abstand zum Ursprung sqrt(2) beträgt.</a:t>
+            </a:r>
+          </a:p>
+          <a:p>
+            <a:pPr marL="171450" indent="-171450">
+              <a:buFont typeface="Arial" panose="020B0604020202020204" pitchFamily="34" charset="0"/>
+              <a:buChar char="•"/>
+            </a:pPr>
+            <a:endParaRPr lang="de-DE" dirty="0">
+              <a:ea typeface="ＭＳ Ｐゴシック" pitchFamily="34" charset="-128"/>
+            </a:endParaRPr>
+          </a:p>
+          <a:p>
+            <a:pPr marL="171450" indent="-171450">
+              <a:buFont typeface="Arial" panose="020B0604020202020204" pitchFamily="34" charset="0"/>
+              <a:buChar char="•"/>
+            </a:pPr>
+            <a:endParaRPr lang="de-DE" dirty="0">
               <a:ea typeface="ＭＳ Ｐゴシック" pitchFamily="34" charset="-128"/>
             </a:endParaRPr>
           </a:p>
@@ -1164,7 +1757,805 @@
     </p:spTree>
     <p:extLst>
       <p:ext uri="{BB962C8B-B14F-4D97-AF65-F5344CB8AC3E}">
-        <p14:creationId xmlns:p14="http://schemas.microsoft.com/office/powerpoint/2010/main" val="1128083003"/>
+        <p14:creationId xmlns:p14="http://schemas.microsoft.com/office/powerpoint/2010/main" val="1596501771"/>
+      </p:ext>
+    </p:extLst>
+  </p:cSld>
+  <p:clrMapOvr>
+    <a:masterClrMapping/>
+  </p:clrMapOvr>
+</p:notes>
+</file>
+
+<file path=ppt/notesSlides/notesSlide14.xml><?xml version="1.0" encoding="utf-8"?>
+<p:notes xmlns:a="http://schemas.openxmlformats.org/drawingml/2006/main" xmlns:r="http://schemas.openxmlformats.org/officeDocument/2006/relationships" xmlns:p="http://schemas.openxmlformats.org/presentationml/2006/main">
+  <p:cSld>
+    <p:spTree>
+      <p:nvGrpSpPr>
+        <p:cNvPr id="1" name=""/>
+        <p:cNvGrpSpPr/>
+        <p:nvPr/>
+      </p:nvGrpSpPr>
+      <p:grpSpPr>
+        <a:xfrm>
+          <a:off x="0" y="0"/>
+          <a:ext cx="0" cy="0"/>
+          <a:chOff x="0" y="0"/>
+          <a:chExt cx="0" cy="0"/>
+        </a:xfrm>
+      </p:grpSpPr>
+      <p:sp>
+        <p:nvSpPr>
+          <p:cNvPr id="38914" name="Folienbildplatzhalter 1"/>
+          <p:cNvSpPr>
+            <a:spLocks noGrp="1" noRot="1" noChangeAspect="1" noTextEdit="1"/>
+          </p:cNvSpPr>
+          <p:nvPr>
+            <p:ph type="sldImg"/>
+          </p:nvPr>
+        </p:nvSpPr>
+        <p:spPr>
+          <a:ln/>
+        </p:spPr>
+      </p:sp>
+      <p:sp>
+        <p:nvSpPr>
+          <p:cNvPr id="38915" name="Notizenplatzhalter 2"/>
+          <p:cNvSpPr>
+            <a:spLocks noGrp="1"/>
+          </p:cNvSpPr>
+          <p:nvPr>
+            <p:ph type="body" idx="1"/>
+          </p:nvPr>
+        </p:nvSpPr>
+        <p:spPr>
+          <a:noFill/>
+        </p:spPr>
+        <p:txBody>
+          <a:bodyPr/>
+          <a:lstStyle/>
+          <a:p>
+            <a:pPr marL="171450" indent="-171450">
+              <a:buFont typeface="Arial" panose="020B0604020202020204" pitchFamily="34" charset="0"/>
+              <a:buChar char="•"/>
+            </a:pPr>
+            <a:r>
+              <a:rPr lang="de-DE" dirty="0">
+                <a:ea typeface="ＭＳ Ｐゴシック" pitchFamily="34" charset="-128"/>
+              </a:rPr>
+              <a:t>F ist nur dann eine gültige F wenn sie eine Singuläre Matrix von Rang 2 ist und ihre Singulärwerte die Form (a,b,0) haben. </a:t>
+            </a:r>
+          </a:p>
+          <a:p>
+            <a:pPr marL="171450" indent="-171450">
+              <a:buFont typeface="Arial" panose="020B0604020202020204" pitchFamily="34" charset="0"/>
+              <a:buChar char="•"/>
+            </a:pPr>
+            <a:r>
+              <a:rPr lang="de-DE" dirty="0">
+                <a:ea typeface="ＭＳ Ｐゴシック" pitchFamily="34" charset="-128"/>
+              </a:rPr>
+              <a:t>Durch die Ungenauen Korrespondierenen Punkten steigt F in ihrem Rang und ist somit keine Singuläre Matrix von Rang 2 mehr</a:t>
+            </a:r>
+          </a:p>
+          <a:p>
+            <a:pPr marL="628650" lvl="1" indent="-171450">
+              <a:buFont typeface="Arial" panose="020B0604020202020204" pitchFamily="34" charset="0"/>
+              <a:buChar char="•"/>
+            </a:pPr>
+            <a:r>
+              <a:rPr lang="de-DE" dirty="0">
+                <a:ea typeface="ＭＳ Ｐゴシック" pitchFamily="34" charset="-128"/>
+              </a:rPr>
+              <a:t>Die Kern Berechnun liefert kein eindeutiges ergebnis für die Epipole mehr was dazu führt, dass die Epipolarlinien eines Bilder nicht mehr durch einen Punkt gehen</a:t>
+            </a:r>
+          </a:p>
+          <a:p>
+            <a:pPr marL="628650" lvl="1" indent="-171450">
+              <a:buFont typeface="Arial" panose="020B0604020202020204" pitchFamily="34" charset="0"/>
+              <a:buChar char="•"/>
+            </a:pPr>
+            <a:r>
+              <a:rPr lang="de-DE" dirty="0">
+                <a:ea typeface="ＭＳ Ｐゴシック" pitchFamily="34" charset="-128"/>
+              </a:rPr>
+              <a:t>Um dies zu korrigieren, wird die zu F laut Frobenius Norm nächste Fundamentale Matrix gesucht, welche einen Rang 2 besitzt</a:t>
+            </a:r>
+          </a:p>
+          <a:p>
+            <a:pPr marL="628650" lvl="1" indent="-171450">
+              <a:buFont typeface="Arial" panose="020B0604020202020204" pitchFamily="34" charset="0"/>
+              <a:buChar char="•"/>
+            </a:pPr>
+            <a:r>
+              <a:rPr lang="de-DE" dirty="0">
+                <a:ea typeface="ＭＳ Ｐゴシック" pitchFamily="34" charset="-128"/>
+              </a:rPr>
+              <a:t>Hierzu werden die Singulärwerte der Fundamentalmatrix modifiziert</a:t>
+            </a:r>
+          </a:p>
+          <a:p>
+            <a:endParaRPr lang="de-DE" dirty="0">
+              <a:ea typeface="ＭＳ Ｐゴシック" pitchFamily="34" charset="-128"/>
+            </a:endParaRPr>
+          </a:p>
+          <a:p>
+            <a:r>
+              <a:rPr lang="de-DE" dirty="0">
+                <a:ea typeface="ＭＳ Ｐゴシック" pitchFamily="34" charset="-128"/>
+              </a:rPr>
+              <a:t>Durch erzwingen der Singulärität, können eindeutige Epipole geschätz werden und die Epipolarlinien gehen wieder durch einen Punkt</a:t>
+            </a:r>
+          </a:p>
+          <a:p>
+            <a:r>
+              <a:rPr lang="de-DE" dirty="0">
+                <a:ea typeface="ＭＳ Ｐゴシック" pitchFamily="34" charset="-128"/>
+              </a:rPr>
+              <a:t>Da besonders nachher bei der Triangulation eindeutige Epipole benötigt werden muss diese Bedingun gerzwungen werden </a:t>
+            </a:r>
+          </a:p>
+          <a:p>
+            <a:endParaRPr lang="de-DE" dirty="0">
+              <a:ea typeface="ＭＳ Ｐゴシック" pitchFamily="34" charset="-128"/>
+            </a:endParaRPr>
+          </a:p>
+          <a:p>
+            <a:r>
+              <a:rPr lang="de-DE" dirty="0">
+                <a:ea typeface="ＭＳ Ｐゴシック" pitchFamily="34" charset="-128"/>
+              </a:rPr>
+              <a:t>__________________________________________________</a:t>
+            </a:r>
+          </a:p>
+          <a:p>
+            <a:endParaRPr lang="de-DE" dirty="0">
+              <a:ea typeface="ＭＳ Ｐゴシック" pitchFamily="34" charset="-128"/>
+            </a:endParaRPr>
+          </a:p>
+          <a:p>
+            <a:endParaRPr lang="de-DE" dirty="0">
+              <a:ea typeface="ＭＳ Ｐゴシック" pitchFamily="34" charset="-128"/>
+            </a:endParaRPr>
+          </a:p>
+          <a:p>
+            <a:r>
+              <a:rPr lang="de-DE" dirty="0">
+                <a:ea typeface="ＭＳ Ｐゴシック" pitchFamily="34" charset="-128"/>
+              </a:rPr>
+              <a:t>Eine essentielle Matrix ist nur dann eine gültige essentielle Matrix wenn sie einen Rang von zwei besitzt und ihre Singulärwerte die Form (a,a,0) besitzen</a:t>
+            </a:r>
+          </a:p>
+          <a:p>
+            <a:endParaRPr lang="de-DE" dirty="0">
+              <a:ea typeface="ＭＳ Ｐゴシック" pitchFamily="34" charset="-128"/>
+            </a:endParaRPr>
+          </a:p>
+          <a:p>
+            <a:pPr marL="171450" indent="-171450">
+              <a:buFont typeface="Arial" panose="020B0604020202020204" pitchFamily="34" charset="0"/>
+              <a:buChar char="•"/>
+            </a:pPr>
+            <a:r>
+              <a:rPr lang="de-DE" dirty="0">
+                <a:ea typeface="ＭＳ Ｐゴシック" pitchFamily="34" charset="-128"/>
+              </a:rPr>
+              <a:t>Durch erzwingen eines Rang 2 bei der Fundamentalmatrix ist die daraus berechnete essentielle Matrix auch von Rang 2</a:t>
+            </a:r>
+          </a:p>
+          <a:p>
+            <a:pPr marL="171450" indent="-171450">
+              <a:buFont typeface="Arial" panose="020B0604020202020204" pitchFamily="34" charset="0"/>
+              <a:buChar char="•"/>
+            </a:pPr>
+            <a:r>
+              <a:rPr lang="de-DE" dirty="0">
+                <a:ea typeface="ＭＳ Ｐゴシック" pitchFamily="34" charset="-128"/>
+              </a:rPr>
+              <a:t>Jedoch können die Singulärwerte der essentiellen Matrix noch die falsche Form haben, diese muss für die Bestimmung der extrinsischen Kameraparameter auch erzwungen werden.</a:t>
+            </a:r>
+          </a:p>
+          <a:p>
+            <a:pPr marL="171450" indent="-171450">
+              <a:buFont typeface="Arial" panose="020B0604020202020204" pitchFamily="34" charset="0"/>
+              <a:buChar char="•"/>
+            </a:pPr>
+            <a:r>
+              <a:rPr lang="de-DE" dirty="0">
+                <a:ea typeface="ＭＳ Ｐゴシック" pitchFamily="34" charset="-128"/>
+              </a:rPr>
+              <a:t>Somit wird garantiert dass die bestimmung der extrinsischen Kameraparameter wieder wie gehabt verfahren werden kann</a:t>
+            </a:r>
+          </a:p>
+          <a:p>
+            <a:endParaRPr lang="de-DE" dirty="0">
+              <a:ea typeface="ＭＳ Ｐゴシック" pitchFamily="34" charset="-128"/>
+            </a:endParaRPr>
+          </a:p>
+          <a:p>
+            <a:endParaRPr lang="de-DE" dirty="0">
+              <a:ea typeface="ＭＳ Ｐゴシック" pitchFamily="34" charset="-128"/>
+            </a:endParaRPr>
+          </a:p>
+          <a:p>
+            <a:r>
+              <a:rPr lang="de-DE" dirty="0">
+                <a:ea typeface="ＭＳ Ｐゴシック" pitchFamily="34" charset="-128"/>
+              </a:rPr>
+              <a:t>(Muss ich hier auf die Singulärwerte noch genauer eingehen??? Wird schwer Zeittechnisch)</a:t>
+            </a:r>
+          </a:p>
+          <a:p>
+            <a:endParaRPr lang="de-DE" dirty="0">
+              <a:ea typeface="ＭＳ Ｐゴシック" pitchFamily="34" charset="-128"/>
+            </a:endParaRPr>
+          </a:p>
+        </p:txBody>
+      </p:sp>
+      <p:sp>
+        <p:nvSpPr>
+          <p:cNvPr id="38916" name="Foliennummernplatzhalter 3"/>
+          <p:cNvSpPr>
+            <a:spLocks noGrp="1"/>
+          </p:cNvSpPr>
+          <p:nvPr>
+            <p:ph type="sldNum" sz="quarter" idx="5"/>
+          </p:nvPr>
+        </p:nvSpPr>
+        <p:spPr>
+          <a:noFill/>
+          <a:ln>
+            <a:miter lim="800000"/>
+            <a:headEnd/>
+            <a:tailEnd/>
+          </a:ln>
+        </p:spPr>
+        <p:txBody>
+          <a:bodyPr/>
+          <a:lstStyle/>
+          <a:p>
+            <a:fld id="{B99247C0-3395-4CA9-990C-9699B55FB1A5}" type="slidenum">
+              <a:rPr lang="de-DE" smtClean="0">
+                <a:latin typeface="Arial Narrow" pitchFamily="34" charset="0"/>
+                <a:ea typeface="ＭＳ Ｐゴシック" pitchFamily="34" charset="-128"/>
+              </a:rPr>
+              <a:pPr/>
+              <a:t>14</a:t>
+            </a:fld>
+            <a:endParaRPr lang="de-DE">
+              <a:latin typeface="Arial Narrow" pitchFamily="34" charset="0"/>
+              <a:ea typeface="ＭＳ Ｐゴシック" pitchFamily="34" charset="-128"/>
+            </a:endParaRPr>
+          </a:p>
+        </p:txBody>
+      </p:sp>
+    </p:spTree>
+    <p:extLst>
+      <p:ext uri="{BB962C8B-B14F-4D97-AF65-F5344CB8AC3E}">
+        <p14:creationId xmlns:p14="http://schemas.microsoft.com/office/powerpoint/2010/main" val="2736135123"/>
+      </p:ext>
+    </p:extLst>
+  </p:cSld>
+  <p:clrMapOvr>
+    <a:masterClrMapping/>
+  </p:clrMapOvr>
+</p:notes>
+</file>
+
+<file path=ppt/notesSlides/notesSlide15.xml><?xml version="1.0" encoding="utf-8"?>
+<p:notes xmlns:a="http://schemas.openxmlformats.org/drawingml/2006/main" xmlns:r="http://schemas.openxmlformats.org/officeDocument/2006/relationships" xmlns:p="http://schemas.openxmlformats.org/presentationml/2006/main">
+  <p:cSld>
+    <p:spTree>
+      <p:nvGrpSpPr>
+        <p:cNvPr id="1" name=""/>
+        <p:cNvGrpSpPr/>
+        <p:nvPr/>
+      </p:nvGrpSpPr>
+      <p:grpSpPr>
+        <a:xfrm>
+          <a:off x="0" y="0"/>
+          <a:ext cx="0" cy="0"/>
+          <a:chOff x="0" y="0"/>
+          <a:chExt cx="0" cy="0"/>
+        </a:xfrm>
+      </p:grpSpPr>
+      <p:sp>
+        <p:nvSpPr>
+          <p:cNvPr id="38914" name="Folienbildplatzhalter 1"/>
+          <p:cNvSpPr>
+            <a:spLocks noGrp="1" noRot="1" noChangeAspect="1" noTextEdit="1"/>
+          </p:cNvSpPr>
+          <p:nvPr>
+            <p:ph type="sldImg"/>
+          </p:nvPr>
+        </p:nvSpPr>
+        <p:spPr>
+          <a:ln/>
+        </p:spPr>
+      </p:sp>
+      <p:sp>
+        <p:nvSpPr>
+          <p:cNvPr id="38915" name="Notizenplatzhalter 2"/>
+          <p:cNvSpPr>
+            <a:spLocks noGrp="1"/>
+          </p:cNvSpPr>
+          <p:nvPr>
+            <p:ph type="body" idx="1"/>
+          </p:nvPr>
+        </p:nvSpPr>
+        <p:spPr>
+          <a:noFill/>
+        </p:spPr>
+        <p:txBody>
+          <a:bodyPr/>
+          <a:lstStyle/>
+          <a:p>
+            <a:r>
+              <a:rPr lang="de-DE" dirty="0">
+                <a:ea typeface="ＭＳ Ｐゴシック" pitchFamily="34" charset="-128"/>
+              </a:rPr>
+              <a:t>Durch verunreinigte Daten kann nicht mehr einfach Trianguliert werden </a:t>
+            </a:r>
+          </a:p>
+        </p:txBody>
+      </p:sp>
+      <p:sp>
+        <p:nvSpPr>
+          <p:cNvPr id="38916" name="Foliennummernplatzhalter 3"/>
+          <p:cNvSpPr>
+            <a:spLocks noGrp="1"/>
+          </p:cNvSpPr>
+          <p:nvPr>
+            <p:ph type="sldNum" sz="quarter" idx="5"/>
+          </p:nvPr>
+        </p:nvSpPr>
+        <p:spPr>
+          <a:noFill/>
+          <a:ln>
+            <a:miter lim="800000"/>
+            <a:headEnd/>
+            <a:tailEnd/>
+          </a:ln>
+        </p:spPr>
+        <p:txBody>
+          <a:bodyPr/>
+          <a:lstStyle/>
+          <a:p>
+            <a:fld id="{B99247C0-3395-4CA9-990C-9699B55FB1A5}" type="slidenum">
+              <a:rPr lang="de-DE" smtClean="0">
+                <a:latin typeface="Arial Narrow" pitchFamily="34" charset="0"/>
+                <a:ea typeface="ＭＳ Ｐゴシック" pitchFamily="34" charset="-128"/>
+              </a:rPr>
+              <a:pPr/>
+              <a:t>15</a:t>
+            </a:fld>
+            <a:endParaRPr lang="de-DE">
+              <a:latin typeface="Arial Narrow" pitchFamily="34" charset="0"/>
+              <a:ea typeface="ＭＳ Ｐゴシック" pitchFamily="34" charset="-128"/>
+            </a:endParaRPr>
+          </a:p>
+        </p:txBody>
+      </p:sp>
+    </p:spTree>
+    <p:extLst>
+      <p:ext uri="{BB962C8B-B14F-4D97-AF65-F5344CB8AC3E}">
+        <p14:creationId xmlns:p14="http://schemas.microsoft.com/office/powerpoint/2010/main" val="67152216"/>
+      </p:ext>
+    </p:extLst>
+  </p:cSld>
+  <p:clrMapOvr>
+    <a:masterClrMapping/>
+  </p:clrMapOvr>
+</p:notes>
+</file>
+
+<file path=ppt/notesSlides/notesSlide16.xml><?xml version="1.0" encoding="utf-8"?>
+<p:notes xmlns:a="http://schemas.openxmlformats.org/drawingml/2006/main" xmlns:r="http://schemas.openxmlformats.org/officeDocument/2006/relationships" xmlns:p="http://schemas.openxmlformats.org/presentationml/2006/main">
+  <p:cSld>
+    <p:spTree>
+      <p:nvGrpSpPr>
+        <p:cNvPr id="1" name=""/>
+        <p:cNvGrpSpPr/>
+        <p:nvPr/>
+      </p:nvGrpSpPr>
+      <p:grpSpPr>
+        <a:xfrm>
+          <a:off x="0" y="0"/>
+          <a:ext cx="0" cy="0"/>
+          <a:chOff x="0" y="0"/>
+          <a:chExt cx="0" cy="0"/>
+        </a:xfrm>
+      </p:grpSpPr>
+      <p:sp>
+        <p:nvSpPr>
+          <p:cNvPr id="38914" name="Folienbildplatzhalter 1"/>
+          <p:cNvSpPr>
+            <a:spLocks noGrp="1" noRot="1" noChangeAspect="1" noTextEdit="1"/>
+          </p:cNvSpPr>
+          <p:nvPr>
+            <p:ph type="sldImg"/>
+          </p:nvPr>
+        </p:nvSpPr>
+        <p:spPr>
+          <a:ln/>
+        </p:spPr>
+      </p:sp>
+      <p:sp>
+        <p:nvSpPr>
+          <p:cNvPr id="38915" name="Notizenplatzhalter 2"/>
+          <p:cNvSpPr>
+            <a:spLocks noGrp="1"/>
+          </p:cNvSpPr>
+          <p:nvPr>
+            <p:ph type="body" idx="1"/>
+          </p:nvPr>
+        </p:nvSpPr>
+        <p:spPr>
+          <a:noFill/>
+        </p:spPr>
+        <p:txBody>
+          <a:bodyPr/>
+          <a:lstStyle/>
+          <a:p>
+            <a:endParaRPr lang="de-DE">
+              <a:ea typeface="ＭＳ Ｐゴシック" pitchFamily="34" charset="-128"/>
+            </a:endParaRPr>
+          </a:p>
+        </p:txBody>
+      </p:sp>
+      <p:sp>
+        <p:nvSpPr>
+          <p:cNvPr id="38916" name="Foliennummernplatzhalter 3"/>
+          <p:cNvSpPr>
+            <a:spLocks noGrp="1"/>
+          </p:cNvSpPr>
+          <p:nvPr>
+            <p:ph type="sldNum" sz="quarter" idx="5"/>
+          </p:nvPr>
+        </p:nvSpPr>
+        <p:spPr>
+          <a:noFill/>
+          <a:ln>
+            <a:miter lim="800000"/>
+            <a:headEnd/>
+            <a:tailEnd/>
+          </a:ln>
+        </p:spPr>
+        <p:txBody>
+          <a:bodyPr/>
+          <a:lstStyle/>
+          <a:p>
+            <a:fld id="{B99247C0-3395-4CA9-990C-9699B55FB1A5}" type="slidenum">
+              <a:rPr lang="de-DE" smtClean="0">
+                <a:latin typeface="Arial Narrow" pitchFamily="34" charset="0"/>
+                <a:ea typeface="ＭＳ Ｐゴシック" pitchFamily="34" charset="-128"/>
+              </a:rPr>
+              <a:pPr/>
+              <a:t>16</a:t>
+            </a:fld>
+            <a:endParaRPr lang="de-DE">
+              <a:latin typeface="Arial Narrow" pitchFamily="34" charset="0"/>
+              <a:ea typeface="ＭＳ Ｐゴシック" pitchFamily="34" charset="-128"/>
+            </a:endParaRPr>
+          </a:p>
+        </p:txBody>
+      </p:sp>
+    </p:spTree>
+    <p:extLst>
+      <p:ext uri="{BB962C8B-B14F-4D97-AF65-F5344CB8AC3E}">
+        <p14:creationId xmlns:p14="http://schemas.microsoft.com/office/powerpoint/2010/main" val="638816037"/>
+      </p:ext>
+    </p:extLst>
+  </p:cSld>
+  <p:clrMapOvr>
+    <a:masterClrMapping/>
+  </p:clrMapOvr>
+</p:notes>
+</file>
+
+<file path=ppt/notesSlides/notesSlide17.xml><?xml version="1.0" encoding="utf-8"?>
+<p:notes xmlns:a="http://schemas.openxmlformats.org/drawingml/2006/main" xmlns:r="http://schemas.openxmlformats.org/officeDocument/2006/relationships" xmlns:p="http://schemas.openxmlformats.org/presentationml/2006/main">
+  <p:cSld>
+    <p:spTree>
+      <p:nvGrpSpPr>
+        <p:cNvPr id="1" name=""/>
+        <p:cNvGrpSpPr/>
+        <p:nvPr/>
+      </p:nvGrpSpPr>
+      <p:grpSpPr>
+        <a:xfrm>
+          <a:off x="0" y="0"/>
+          <a:ext cx="0" cy="0"/>
+          <a:chOff x="0" y="0"/>
+          <a:chExt cx="0" cy="0"/>
+        </a:xfrm>
+      </p:grpSpPr>
+      <p:sp>
+        <p:nvSpPr>
+          <p:cNvPr id="38914" name="Folienbildplatzhalter 1"/>
+          <p:cNvSpPr>
+            <a:spLocks noGrp="1" noRot="1" noChangeAspect="1" noTextEdit="1"/>
+          </p:cNvSpPr>
+          <p:nvPr>
+            <p:ph type="sldImg"/>
+          </p:nvPr>
+        </p:nvSpPr>
+        <p:spPr>
+          <a:ln/>
+        </p:spPr>
+      </p:sp>
+      <p:sp>
+        <p:nvSpPr>
+          <p:cNvPr id="38915" name="Notizenplatzhalter 2"/>
+          <p:cNvSpPr>
+            <a:spLocks noGrp="1"/>
+          </p:cNvSpPr>
+          <p:nvPr>
+            <p:ph type="body" idx="1"/>
+          </p:nvPr>
+        </p:nvSpPr>
+        <p:spPr>
+          <a:noFill/>
+        </p:spPr>
+        <p:txBody>
+          <a:bodyPr/>
+          <a:lstStyle/>
+          <a:p>
+            <a:endParaRPr lang="de-DE">
+              <a:ea typeface="ＭＳ Ｐゴシック" pitchFamily="34" charset="-128"/>
+            </a:endParaRPr>
+          </a:p>
+        </p:txBody>
+      </p:sp>
+      <p:sp>
+        <p:nvSpPr>
+          <p:cNvPr id="38916" name="Foliennummernplatzhalter 3"/>
+          <p:cNvSpPr>
+            <a:spLocks noGrp="1"/>
+          </p:cNvSpPr>
+          <p:nvPr>
+            <p:ph type="sldNum" sz="quarter" idx="5"/>
+          </p:nvPr>
+        </p:nvSpPr>
+        <p:spPr>
+          <a:noFill/>
+          <a:ln>
+            <a:miter lim="800000"/>
+            <a:headEnd/>
+            <a:tailEnd/>
+          </a:ln>
+        </p:spPr>
+        <p:txBody>
+          <a:bodyPr/>
+          <a:lstStyle/>
+          <a:p>
+            <a:fld id="{B99247C0-3395-4CA9-990C-9699B55FB1A5}" type="slidenum">
+              <a:rPr lang="de-DE" smtClean="0">
+                <a:latin typeface="Arial Narrow" pitchFamily="34" charset="0"/>
+                <a:ea typeface="ＭＳ Ｐゴシック" pitchFamily="34" charset="-128"/>
+              </a:rPr>
+              <a:pPr/>
+              <a:t>17</a:t>
+            </a:fld>
+            <a:endParaRPr lang="de-DE">
+              <a:latin typeface="Arial Narrow" pitchFamily="34" charset="0"/>
+              <a:ea typeface="ＭＳ Ｐゴシック" pitchFamily="34" charset="-128"/>
+            </a:endParaRPr>
+          </a:p>
+        </p:txBody>
+      </p:sp>
+    </p:spTree>
+    <p:extLst>
+      <p:ext uri="{BB962C8B-B14F-4D97-AF65-F5344CB8AC3E}">
+        <p14:creationId xmlns:p14="http://schemas.microsoft.com/office/powerpoint/2010/main" val="119722400"/>
+      </p:ext>
+    </p:extLst>
+  </p:cSld>
+  <p:clrMapOvr>
+    <a:masterClrMapping/>
+  </p:clrMapOvr>
+</p:notes>
+</file>
+
+<file path=ppt/notesSlides/notesSlide18.xml><?xml version="1.0" encoding="utf-8"?>
+<p:notes xmlns:a="http://schemas.openxmlformats.org/drawingml/2006/main" xmlns:r="http://schemas.openxmlformats.org/officeDocument/2006/relationships" xmlns:p="http://schemas.openxmlformats.org/presentationml/2006/main">
+  <p:cSld>
+    <p:spTree>
+      <p:nvGrpSpPr>
+        <p:cNvPr id="1" name=""/>
+        <p:cNvGrpSpPr/>
+        <p:nvPr/>
+      </p:nvGrpSpPr>
+      <p:grpSpPr>
+        <a:xfrm>
+          <a:off x="0" y="0"/>
+          <a:ext cx="0" cy="0"/>
+          <a:chOff x="0" y="0"/>
+          <a:chExt cx="0" cy="0"/>
+        </a:xfrm>
+      </p:grpSpPr>
+      <p:sp>
+        <p:nvSpPr>
+          <p:cNvPr id="38914" name="Folienbildplatzhalter 1"/>
+          <p:cNvSpPr>
+            <a:spLocks noGrp="1" noRot="1" noChangeAspect="1" noTextEdit="1"/>
+          </p:cNvSpPr>
+          <p:nvPr>
+            <p:ph type="sldImg"/>
+          </p:nvPr>
+        </p:nvSpPr>
+        <p:spPr>
+          <a:ln/>
+        </p:spPr>
+      </p:sp>
+      <p:sp>
+        <p:nvSpPr>
+          <p:cNvPr id="38915" name="Notizenplatzhalter 2"/>
+          <p:cNvSpPr>
+            <a:spLocks noGrp="1"/>
+          </p:cNvSpPr>
+          <p:nvPr>
+            <p:ph type="body" idx="1"/>
+          </p:nvPr>
+        </p:nvSpPr>
+        <p:spPr>
+          <a:noFill/>
+        </p:spPr>
+        <p:txBody>
+          <a:bodyPr/>
+          <a:lstStyle/>
+          <a:p>
+            <a:endParaRPr lang="de-DE">
+              <a:ea typeface="ＭＳ Ｐゴシック" pitchFamily="34" charset="-128"/>
+            </a:endParaRPr>
+          </a:p>
+        </p:txBody>
+      </p:sp>
+      <p:sp>
+        <p:nvSpPr>
+          <p:cNvPr id="38916" name="Foliennummernplatzhalter 3"/>
+          <p:cNvSpPr>
+            <a:spLocks noGrp="1"/>
+          </p:cNvSpPr>
+          <p:nvPr>
+            <p:ph type="sldNum" sz="quarter" idx="5"/>
+          </p:nvPr>
+        </p:nvSpPr>
+        <p:spPr>
+          <a:noFill/>
+          <a:ln>
+            <a:miter lim="800000"/>
+            <a:headEnd/>
+            <a:tailEnd/>
+          </a:ln>
+        </p:spPr>
+        <p:txBody>
+          <a:bodyPr/>
+          <a:lstStyle/>
+          <a:p>
+            <a:fld id="{B99247C0-3395-4CA9-990C-9699B55FB1A5}" type="slidenum">
+              <a:rPr lang="de-DE" smtClean="0">
+                <a:latin typeface="Arial Narrow" pitchFamily="34" charset="0"/>
+                <a:ea typeface="ＭＳ Ｐゴシック" pitchFamily="34" charset="-128"/>
+              </a:rPr>
+              <a:pPr/>
+              <a:t>18</a:t>
+            </a:fld>
+            <a:endParaRPr lang="de-DE">
+              <a:latin typeface="Arial Narrow" pitchFamily="34" charset="0"/>
+              <a:ea typeface="ＭＳ Ｐゴシック" pitchFamily="34" charset="-128"/>
+            </a:endParaRPr>
+          </a:p>
+        </p:txBody>
+      </p:sp>
+    </p:spTree>
+    <p:extLst>
+      <p:ext uri="{BB962C8B-B14F-4D97-AF65-F5344CB8AC3E}">
+        <p14:creationId xmlns:p14="http://schemas.microsoft.com/office/powerpoint/2010/main" val="3147809677"/>
+      </p:ext>
+    </p:extLst>
+  </p:cSld>
+  <p:clrMapOvr>
+    <a:masterClrMapping/>
+  </p:clrMapOvr>
+</p:notes>
+</file>
+
+<file path=ppt/notesSlides/notesSlide19.xml><?xml version="1.0" encoding="utf-8"?>
+<p:notes xmlns:a="http://schemas.openxmlformats.org/drawingml/2006/main" xmlns:r="http://schemas.openxmlformats.org/officeDocument/2006/relationships" xmlns:p="http://schemas.openxmlformats.org/presentationml/2006/main">
+  <p:cSld>
+    <p:spTree>
+      <p:nvGrpSpPr>
+        <p:cNvPr id="1" name=""/>
+        <p:cNvGrpSpPr/>
+        <p:nvPr/>
+      </p:nvGrpSpPr>
+      <p:grpSpPr>
+        <a:xfrm>
+          <a:off x="0" y="0"/>
+          <a:ext cx="0" cy="0"/>
+          <a:chOff x="0" y="0"/>
+          <a:chExt cx="0" cy="0"/>
+        </a:xfrm>
+      </p:grpSpPr>
+      <p:sp>
+        <p:nvSpPr>
+          <p:cNvPr id="38914" name="Folienbildplatzhalter 1"/>
+          <p:cNvSpPr>
+            <a:spLocks noGrp="1" noRot="1" noChangeAspect="1" noTextEdit="1"/>
+          </p:cNvSpPr>
+          <p:nvPr>
+            <p:ph type="sldImg"/>
+          </p:nvPr>
+        </p:nvSpPr>
+        <p:spPr>
+          <a:ln/>
+        </p:spPr>
+      </p:sp>
+      <p:sp>
+        <p:nvSpPr>
+          <p:cNvPr id="38915" name="Notizenplatzhalter 2"/>
+          <p:cNvSpPr>
+            <a:spLocks noGrp="1"/>
+          </p:cNvSpPr>
+          <p:nvPr>
+            <p:ph type="body" idx="1"/>
+          </p:nvPr>
+        </p:nvSpPr>
+        <p:spPr>
+          <a:noFill/>
+        </p:spPr>
+        <p:txBody>
+          <a:bodyPr/>
+          <a:lstStyle/>
+          <a:p>
+            <a:endParaRPr lang="de-DE">
+              <a:ea typeface="ＭＳ Ｐゴシック" pitchFamily="34" charset="-128"/>
+            </a:endParaRPr>
+          </a:p>
+        </p:txBody>
+      </p:sp>
+      <p:sp>
+        <p:nvSpPr>
+          <p:cNvPr id="38916" name="Foliennummernplatzhalter 3"/>
+          <p:cNvSpPr>
+            <a:spLocks noGrp="1"/>
+          </p:cNvSpPr>
+          <p:nvPr>
+            <p:ph type="sldNum" sz="quarter" idx="5"/>
+          </p:nvPr>
+        </p:nvSpPr>
+        <p:spPr>
+          <a:noFill/>
+          <a:ln>
+            <a:miter lim="800000"/>
+            <a:headEnd/>
+            <a:tailEnd/>
+          </a:ln>
+        </p:spPr>
+        <p:txBody>
+          <a:bodyPr/>
+          <a:lstStyle/>
+          <a:p>
+            <a:fld id="{B99247C0-3395-4CA9-990C-9699B55FB1A5}" type="slidenum">
+              <a:rPr lang="de-DE" smtClean="0">
+                <a:latin typeface="Arial Narrow" pitchFamily="34" charset="0"/>
+                <a:ea typeface="ＭＳ Ｐゴシック" pitchFamily="34" charset="-128"/>
+              </a:rPr>
+              <a:pPr/>
+              <a:t>19</a:t>
+            </a:fld>
+            <a:endParaRPr lang="de-DE">
+              <a:latin typeface="Arial Narrow" pitchFamily="34" charset="0"/>
+              <a:ea typeface="ＭＳ Ｐゴシック" pitchFamily="34" charset="-128"/>
+            </a:endParaRPr>
+          </a:p>
+        </p:txBody>
+      </p:sp>
+    </p:spTree>
+    <p:extLst>
+      <p:ext uri="{BB962C8B-B14F-4D97-AF65-F5344CB8AC3E}">
+        <p14:creationId xmlns:p14="http://schemas.microsoft.com/office/powerpoint/2010/main" val="2785607804"/>
       </p:ext>
     </p:extLst>
   </p:cSld>
@@ -1387,6 +2778,630 @@
     <p:extLst>
       <p:ext uri="{BB962C8B-B14F-4D97-AF65-F5344CB8AC3E}">
         <p14:creationId xmlns:p14="http://schemas.microsoft.com/office/powerpoint/2010/main" val="2737360645"/>
+      </p:ext>
+    </p:extLst>
+  </p:cSld>
+  <p:clrMapOvr>
+    <a:masterClrMapping/>
+  </p:clrMapOvr>
+</p:notes>
+</file>
+
+<file path=ppt/notesSlides/notesSlide20.xml><?xml version="1.0" encoding="utf-8"?>
+<p:notes xmlns:a="http://schemas.openxmlformats.org/drawingml/2006/main" xmlns:r="http://schemas.openxmlformats.org/officeDocument/2006/relationships" xmlns:p="http://schemas.openxmlformats.org/presentationml/2006/main">
+  <p:cSld>
+    <p:spTree>
+      <p:nvGrpSpPr>
+        <p:cNvPr id="1" name=""/>
+        <p:cNvGrpSpPr/>
+        <p:nvPr/>
+      </p:nvGrpSpPr>
+      <p:grpSpPr>
+        <a:xfrm>
+          <a:off x="0" y="0"/>
+          <a:ext cx="0" cy="0"/>
+          <a:chOff x="0" y="0"/>
+          <a:chExt cx="0" cy="0"/>
+        </a:xfrm>
+      </p:grpSpPr>
+      <p:sp>
+        <p:nvSpPr>
+          <p:cNvPr id="38914" name="Folienbildplatzhalter 1"/>
+          <p:cNvSpPr>
+            <a:spLocks noGrp="1" noRot="1" noChangeAspect="1" noTextEdit="1"/>
+          </p:cNvSpPr>
+          <p:nvPr>
+            <p:ph type="sldImg"/>
+          </p:nvPr>
+        </p:nvSpPr>
+        <p:spPr>
+          <a:ln/>
+        </p:spPr>
+      </p:sp>
+      <p:sp>
+        <p:nvSpPr>
+          <p:cNvPr id="38915" name="Notizenplatzhalter 2"/>
+          <p:cNvSpPr>
+            <a:spLocks noGrp="1"/>
+          </p:cNvSpPr>
+          <p:nvPr>
+            <p:ph type="body" idx="1"/>
+          </p:nvPr>
+        </p:nvSpPr>
+        <p:spPr>
+          <a:noFill/>
+        </p:spPr>
+        <p:txBody>
+          <a:bodyPr/>
+          <a:lstStyle/>
+          <a:p>
+            <a:endParaRPr lang="de-DE">
+              <a:ea typeface="ＭＳ Ｐゴシック" pitchFamily="34" charset="-128"/>
+            </a:endParaRPr>
+          </a:p>
+        </p:txBody>
+      </p:sp>
+      <p:sp>
+        <p:nvSpPr>
+          <p:cNvPr id="38916" name="Foliennummernplatzhalter 3"/>
+          <p:cNvSpPr>
+            <a:spLocks noGrp="1"/>
+          </p:cNvSpPr>
+          <p:nvPr>
+            <p:ph type="sldNum" sz="quarter" idx="5"/>
+          </p:nvPr>
+        </p:nvSpPr>
+        <p:spPr>
+          <a:noFill/>
+          <a:ln>
+            <a:miter lim="800000"/>
+            <a:headEnd/>
+            <a:tailEnd/>
+          </a:ln>
+        </p:spPr>
+        <p:txBody>
+          <a:bodyPr/>
+          <a:lstStyle/>
+          <a:p>
+            <a:fld id="{B99247C0-3395-4CA9-990C-9699B55FB1A5}" type="slidenum">
+              <a:rPr lang="de-DE" smtClean="0">
+                <a:latin typeface="Arial Narrow" pitchFamily="34" charset="0"/>
+                <a:ea typeface="ＭＳ Ｐゴシック" pitchFamily="34" charset="-128"/>
+              </a:rPr>
+              <a:pPr/>
+              <a:t>20</a:t>
+            </a:fld>
+            <a:endParaRPr lang="de-DE">
+              <a:latin typeface="Arial Narrow" pitchFamily="34" charset="0"/>
+              <a:ea typeface="ＭＳ Ｐゴシック" pitchFamily="34" charset="-128"/>
+            </a:endParaRPr>
+          </a:p>
+        </p:txBody>
+      </p:sp>
+    </p:spTree>
+    <p:extLst>
+      <p:ext uri="{BB962C8B-B14F-4D97-AF65-F5344CB8AC3E}">
+        <p14:creationId xmlns:p14="http://schemas.microsoft.com/office/powerpoint/2010/main" val="1128083003"/>
+      </p:ext>
+    </p:extLst>
+  </p:cSld>
+  <p:clrMapOvr>
+    <a:masterClrMapping/>
+  </p:clrMapOvr>
+</p:notes>
+</file>
+
+<file path=ppt/notesSlides/notesSlide21.xml><?xml version="1.0" encoding="utf-8"?>
+<p:notes xmlns:a="http://schemas.openxmlformats.org/drawingml/2006/main" xmlns:r="http://schemas.openxmlformats.org/officeDocument/2006/relationships" xmlns:p="http://schemas.openxmlformats.org/presentationml/2006/main">
+  <p:cSld>
+    <p:spTree>
+      <p:nvGrpSpPr>
+        <p:cNvPr id="1" name=""/>
+        <p:cNvGrpSpPr/>
+        <p:nvPr/>
+      </p:nvGrpSpPr>
+      <p:grpSpPr>
+        <a:xfrm>
+          <a:off x="0" y="0"/>
+          <a:ext cx="0" cy="0"/>
+          <a:chOff x="0" y="0"/>
+          <a:chExt cx="0" cy="0"/>
+        </a:xfrm>
+      </p:grpSpPr>
+      <p:sp>
+        <p:nvSpPr>
+          <p:cNvPr id="38914" name="Folienbildplatzhalter 1"/>
+          <p:cNvSpPr>
+            <a:spLocks noGrp="1" noRot="1" noChangeAspect="1" noTextEdit="1"/>
+          </p:cNvSpPr>
+          <p:nvPr>
+            <p:ph type="sldImg"/>
+          </p:nvPr>
+        </p:nvSpPr>
+        <p:spPr>
+          <a:ln/>
+        </p:spPr>
+      </p:sp>
+      <p:sp>
+        <p:nvSpPr>
+          <p:cNvPr id="38915" name="Notizenplatzhalter 2"/>
+          <p:cNvSpPr>
+            <a:spLocks noGrp="1"/>
+          </p:cNvSpPr>
+          <p:nvPr>
+            <p:ph type="body" idx="1"/>
+          </p:nvPr>
+        </p:nvSpPr>
+        <p:spPr>
+          <a:noFill/>
+        </p:spPr>
+        <p:txBody>
+          <a:bodyPr/>
+          <a:lstStyle/>
+          <a:p>
+            <a:endParaRPr lang="de-DE" dirty="0">
+              <a:ea typeface="ＭＳ Ｐゴシック" pitchFamily="34" charset="-128"/>
+            </a:endParaRPr>
+          </a:p>
+        </p:txBody>
+      </p:sp>
+      <p:sp>
+        <p:nvSpPr>
+          <p:cNvPr id="38916" name="Foliennummernplatzhalter 3"/>
+          <p:cNvSpPr>
+            <a:spLocks noGrp="1"/>
+          </p:cNvSpPr>
+          <p:nvPr>
+            <p:ph type="sldNum" sz="quarter" idx="5"/>
+          </p:nvPr>
+        </p:nvSpPr>
+        <p:spPr>
+          <a:noFill/>
+          <a:ln>
+            <a:miter lim="800000"/>
+            <a:headEnd/>
+            <a:tailEnd/>
+          </a:ln>
+        </p:spPr>
+        <p:txBody>
+          <a:bodyPr/>
+          <a:lstStyle/>
+          <a:p>
+            <a:fld id="{B99247C0-3395-4CA9-990C-9699B55FB1A5}" type="slidenum">
+              <a:rPr lang="de-DE" smtClean="0">
+                <a:latin typeface="Arial Narrow" pitchFamily="34" charset="0"/>
+                <a:ea typeface="ＭＳ Ｐゴシック" pitchFamily="34" charset="-128"/>
+              </a:rPr>
+              <a:pPr/>
+              <a:t>21</a:t>
+            </a:fld>
+            <a:endParaRPr lang="de-DE">
+              <a:latin typeface="Arial Narrow" pitchFamily="34" charset="0"/>
+              <a:ea typeface="ＭＳ Ｐゴシック" pitchFamily="34" charset="-128"/>
+            </a:endParaRPr>
+          </a:p>
+        </p:txBody>
+      </p:sp>
+    </p:spTree>
+    <p:extLst>
+      <p:ext uri="{BB962C8B-B14F-4D97-AF65-F5344CB8AC3E}">
+        <p14:creationId xmlns:p14="http://schemas.microsoft.com/office/powerpoint/2010/main" val="2376772806"/>
+      </p:ext>
+    </p:extLst>
+  </p:cSld>
+  <p:clrMapOvr>
+    <a:masterClrMapping/>
+  </p:clrMapOvr>
+</p:notes>
+</file>
+
+<file path=ppt/notesSlides/notesSlide22.xml><?xml version="1.0" encoding="utf-8"?>
+<p:notes xmlns:a="http://schemas.openxmlformats.org/drawingml/2006/main" xmlns:r="http://schemas.openxmlformats.org/officeDocument/2006/relationships" xmlns:p="http://schemas.openxmlformats.org/presentationml/2006/main">
+  <p:cSld>
+    <p:spTree>
+      <p:nvGrpSpPr>
+        <p:cNvPr id="1" name=""/>
+        <p:cNvGrpSpPr/>
+        <p:nvPr/>
+      </p:nvGrpSpPr>
+      <p:grpSpPr>
+        <a:xfrm>
+          <a:off x="0" y="0"/>
+          <a:ext cx="0" cy="0"/>
+          <a:chOff x="0" y="0"/>
+          <a:chExt cx="0" cy="0"/>
+        </a:xfrm>
+      </p:grpSpPr>
+      <p:sp>
+        <p:nvSpPr>
+          <p:cNvPr id="38914" name="Folienbildplatzhalter 1"/>
+          <p:cNvSpPr>
+            <a:spLocks noGrp="1" noRot="1" noChangeAspect="1" noTextEdit="1"/>
+          </p:cNvSpPr>
+          <p:nvPr>
+            <p:ph type="sldImg"/>
+          </p:nvPr>
+        </p:nvSpPr>
+        <p:spPr>
+          <a:ln/>
+        </p:spPr>
+      </p:sp>
+      <p:sp>
+        <p:nvSpPr>
+          <p:cNvPr id="38915" name="Notizenplatzhalter 2"/>
+          <p:cNvSpPr>
+            <a:spLocks noGrp="1"/>
+          </p:cNvSpPr>
+          <p:nvPr>
+            <p:ph type="body" idx="1"/>
+          </p:nvPr>
+        </p:nvSpPr>
+        <p:spPr>
+          <a:noFill/>
+        </p:spPr>
+        <p:txBody>
+          <a:bodyPr/>
+          <a:lstStyle/>
+          <a:p>
+            <a:endParaRPr lang="de-DE">
+              <a:ea typeface="ＭＳ Ｐゴシック" pitchFamily="34" charset="-128"/>
+            </a:endParaRPr>
+          </a:p>
+        </p:txBody>
+      </p:sp>
+      <p:sp>
+        <p:nvSpPr>
+          <p:cNvPr id="38916" name="Foliennummernplatzhalter 3"/>
+          <p:cNvSpPr>
+            <a:spLocks noGrp="1"/>
+          </p:cNvSpPr>
+          <p:nvPr>
+            <p:ph type="sldNum" sz="quarter" idx="5"/>
+          </p:nvPr>
+        </p:nvSpPr>
+        <p:spPr>
+          <a:noFill/>
+          <a:ln>
+            <a:miter lim="800000"/>
+            <a:headEnd/>
+            <a:tailEnd/>
+          </a:ln>
+        </p:spPr>
+        <p:txBody>
+          <a:bodyPr/>
+          <a:lstStyle/>
+          <a:p>
+            <a:fld id="{B99247C0-3395-4CA9-990C-9699B55FB1A5}" type="slidenum">
+              <a:rPr lang="de-DE" smtClean="0">
+                <a:latin typeface="Arial Narrow" pitchFamily="34" charset="0"/>
+                <a:ea typeface="ＭＳ Ｐゴシック" pitchFamily="34" charset="-128"/>
+              </a:rPr>
+              <a:pPr/>
+              <a:t>22</a:t>
+            </a:fld>
+            <a:endParaRPr lang="de-DE">
+              <a:latin typeface="Arial Narrow" pitchFamily="34" charset="0"/>
+              <a:ea typeface="ＭＳ Ｐゴシック" pitchFamily="34" charset="-128"/>
+            </a:endParaRPr>
+          </a:p>
+        </p:txBody>
+      </p:sp>
+    </p:spTree>
+    <p:extLst>
+      <p:ext uri="{BB962C8B-B14F-4D97-AF65-F5344CB8AC3E}">
+        <p14:creationId xmlns:p14="http://schemas.microsoft.com/office/powerpoint/2010/main" val="2044746924"/>
+      </p:ext>
+    </p:extLst>
+  </p:cSld>
+  <p:clrMapOvr>
+    <a:masterClrMapping/>
+  </p:clrMapOvr>
+</p:notes>
+</file>
+
+<file path=ppt/notesSlides/notesSlide23.xml><?xml version="1.0" encoding="utf-8"?>
+<p:notes xmlns:a="http://schemas.openxmlformats.org/drawingml/2006/main" xmlns:r="http://schemas.openxmlformats.org/officeDocument/2006/relationships" xmlns:p="http://schemas.openxmlformats.org/presentationml/2006/main">
+  <p:cSld>
+    <p:spTree>
+      <p:nvGrpSpPr>
+        <p:cNvPr id="1" name=""/>
+        <p:cNvGrpSpPr/>
+        <p:nvPr/>
+      </p:nvGrpSpPr>
+      <p:grpSpPr>
+        <a:xfrm>
+          <a:off x="0" y="0"/>
+          <a:ext cx="0" cy="0"/>
+          <a:chOff x="0" y="0"/>
+          <a:chExt cx="0" cy="0"/>
+        </a:xfrm>
+      </p:grpSpPr>
+      <p:sp>
+        <p:nvSpPr>
+          <p:cNvPr id="38914" name="Folienbildplatzhalter 1"/>
+          <p:cNvSpPr>
+            <a:spLocks noGrp="1" noRot="1" noChangeAspect="1" noTextEdit="1"/>
+          </p:cNvSpPr>
+          <p:nvPr>
+            <p:ph type="sldImg"/>
+          </p:nvPr>
+        </p:nvSpPr>
+        <p:spPr>
+          <a:ln/>
+        </p:spPr>
+      </p:sp>
+      <p:sp>
+        <p:nvSpPr>
+          <p:cNvPr id="38915" name="Notizenplatzhalter 2"/>
+          <p:cNvSpPr>
+            <a:spLocks noGrp="1"/>
+          </p:cNvSpPr>
+          <p:nvPr>
+            <p:ph type="body" idx="1"/>
+          </p:nvPr>
+        </p:nvSpPr>
+        <p:spPr>
+          <a:noFill/>
+        </p:spPr>
+        <p:txBody>
+          <a:bodyPr/>
+          <a:lstStyle/>
+          <a:p>
+            <a:endParaRPr lang="de-DE">
+              <a:ea typeface="ＭＳ Ｐゴシック" pitchFamily="34" charset="-128"/>
+            </a:endParaRPr>
+          </a:p>
+        </p:txBody>
+      </p:sp>
+      <p:sp>
+        <p:nvSpPr>
+          <p:cNvPr id="38916" name="Foliennummernplatzhalter 3"/>
+          <p:cNvSpPr>
+            <a:spLocks noGrp="1"/>
+          </p:cNvSpPr>
+          <p:nvPr>
+            <p:ph type="sldNum" sz="quarter" idx="5"/>
+          </p:nvPr>
+        </p:nvSpPr>
+        <p:spPr>
+          <a:noFill/>
+          <a:ln>
+            <a:miter lim="800000"/>
+            <a:headEnd/>
+            <a:tailEnd/>
+          </a:ln>
+        </p:spPr>
+        <p:txBody>
+          <a:bodyPr/>
+          <a:lstStyle/>
+          <a:p>
+            <a:fld id="{B99247C0-3395-4CA9-990C-9699B55FB1A5}" type="slidenum">
+              <a:rPr lang="de-DE" smtClean="0">
+                <a:latin typeface="Arial Narrow" pitchFamily="34" charset="0"/>
+                <a:ea typeface="ＭＳ Ｐゴシック" pitchFamily="34" charset="-128"/>
+              </a:rPr>
+              <a:pPr/>
+              <a:t>23</a:t>
+            </a:fld>
+            <a:endParaRPr lang="de-DE">
+              <a:latin typeface="Arial Narrow" pitchFamily="34" charset="0"/>
+              <a:ea typeface="ＭＳ Ｐゴシック" pitchFamily="34" charset="-128"/>
+            </a:endParaRPr>
+          </a:p>
+        </p:txBody>
+      </p:sp>
+    </p:spTree>
+    <p:extLst>
+      <p:ext uri="{BB962C8B-B14F-4D97-AF65-F5344CB8AC3E}">
+        <p14:creationId xmlns:p14="http://schemas.microsoft.com/office/powerpoint/2010/main" val="1454031859"/>
+      </p:ext>
+    </p:extLst>
+  </p:cSld>
+  <p:clrMapOvr>
+    <a:masterClrMapping/>
+  </p:clrMapOvr>
+</p:notes>
+</file>
+
+<file path=ppt/notesSlides/notesSlide24.xml><?xml version="1.0" encoding="utf-8"?>
+<p:notes xmlns:a="http://schemas.openxmlformats.org/drawingml/2006/main" xmlns:r="http://schemas.openxmlformats.org/officeDocument/2006/relationships" xmlns:p="http://schemas.openxmlformats.org/presentationml/2006/main">
+  <p:cSld>
+    <p:spTree>
+      <p:nvGrpSpPr>
+        <p:cNvPr id="1" name=""/>
+        <p:cNvGrpSpPr/>
+        <p:nvPr/>
+      </p:nvGrpSpPr>
+      <p:grpSpPr>
+        <a:xfrm>
+          <a:off x="0" y="0"/>
+          <a:ext cx="0" cy="0"/>
+          <a:chOff x="0" y="0"/>
+          <a:chExt cx="0" cy="0"/>
+        </a:xfrm>
+      </p:grpSpPr>
+      <p:sp>
+        <p:nvSpPr>
+          <p:cNvPr id="38914" name="Folienbildplatzhalter 1"/>
+          <p:cNvSpPr>
+            <a:spLocks noGrp="1" noRot="1" noChangeAspect="1" noTextEdit="1"/>
+          </p:cNvSpPr>
+          <p:nvPr>
+            <p:ph type="sldImg"/>
+          </p:nvPr>
+        </p:nvSpPr>
+        <p:spPr>
+          <a:ln/>
+        </p:spPr>
+      </p:sp>
+      <p:sp>
+        <p:nvSpPr>
+          <p:cNvPr id="38915" name="Notizenplatzhalter 2"/>
+          <p:cNvSpPr>
+            <a:spLocks noGrp="1"/>
+          </p:cNvSpPr>
+          <p:nvPr>
+            <p:ph type="body" idx="1"/>
+          </p:nvPr>
+        </p:nvSpPr>
+        <p:spPr>
+          <a:noFill/>
+        </p:spPr>
+        <p:txBody>
+          <a:bodyPr/>
+          <a:lstStyle/>
+          <a:p>
+            <a:endParaRPr lang="de-DE">
+              <a:ea typeface="ＭＳ Ｐゴシック" pitchFamily="34" charset="-128"/>
+            </a:endParaRPr>
+          </a:p>
+        </p:txBody>
+      </p:sp>
+      <p:sp>
+        <p:nvSpPr>
+          <p:cNvPr id="38916" name="Foliennummernplatzhalter 3"/>
+          <p:cNvSpPr>
+            <a:spLocks noGrp="1"/>
+          </p:cNvSpPr>
+          <p:nvPr>
+            <p:ph type="sldNum" sz="quarter" idx="5"/>
+          </p:nvPr>
+        </p:nvSpPr>
+        <p:spPr>
+          <a:noFill/>
+          <a:ln>
+            <a:miter lim="800000"/>
+            <a:headEnd/>
+            <a:tailEnd/>
+          </a:ln>
+        </p:spPr>
+        <p:txBody>
+          <a:bodyPr/>
+          <a:lstStyle/>
+          <a:p>
+            <a:fld id="{B99247C0-3395-4CA9-990C-9699B55FB1A5}" type="slidenum">
+              <a:rPr lang="de-DE" smtClean="0">
+                <a:latin typeface="Arial Narrow" pitchFamily="34" charset="0"/>
+                <a:ea typeface="ＭＳ Ｐゴシック" pitchFamily="34" charset="-128"/>
+              </a:rPr>
+              <a:pPr/>
+              <a:t>24</a:t>
+            </a:fld>
+            <a:endParaRPr lang="de-DE">
+              <a:latin typeface="Arial Narrow" pitchFamily="34" charset="0"/>
+              <a:ea typeface="ＭＳ Ｐゴシック" pitchFamily="34" charset="-128"/>
+            </a:endParaRPr>
+          </a:p>
+        </p:txBody>
+      </p:sp>
+    </p:spTree>
+    <p:extLst>
+      <p:ext uri="{BB962C8B-B14F-4D97-AF65-F5344CB8AC3E}">
+        <p14:creationId xmlns:p14="http://schemas.microsoft.com/office/powerpoint/2010/main" val="1684978929"/>
+      </p:ext>
+    </p:extLst>
+  </p:cSld>
+  <p:clrMapOvr>
+    <a:masterClrMapping/>
+  </p:clrMapOvr>
+</p:notes>
+</file>
+
+<file path=ppt/notesSlides/notesSlide25.xml><?xml version="1.0" encoding="utf-8"?>
+<p:notes xmlns:a="http://schemas.openxmlformats.org/drawingml/2006/main" xmlns:r="http://schemas.openxmlformats.org/officeDocument/2006/relationships" xmlns:p="http://schemas.openxmlformats.org/presentationml/2006/main">
+  <p:cSld>
+    <p:spTree>
+      <p:nvGrpSpPr>
+        <p:cNvPr id="1" name=""/>
+        <p:cNvGrpSpPr/>
+        <p:nvPr/>
+      </p:nvGrpSpPr>
+      <p:grpSpPr>
+        <a:xfrm>
+          <a:off x="0" y="0"/>
+          <a:ext cx="0" cy="0"/>
+          <a:chOff x="0" y="0"/>
+          <a:chExt cx="0" cy="0"/>
+        </a:xfrm>
+      </p:grpSpPr>
+      <p:sp>
+        <p:nvSpPr>
+          <p:cNvPr id="38914" name="Folienbildplatzhalter 1"/>
+          <p:cNvSpPr>
+            <a:spLocks noGrp="1" noRot="1" noChangeAspect="1" noTextEdit="1"/>
+          </p:cNvSpPr>
+          <p:nvPr>
+            <p:ph type="sldImg"/>
+          </p:nvPr>
+        </p:nvSpPr>
+        <p:spPr>
+          <a:ln/>
+        </p:spPr>
+      </p:sp>
+      <p:sp>
+        <p:nvSpPr>
+          <p:cNvPr id="38915" name="Notizenplatzhalter 2"/>
+          <p:cNvSpPr>
+            <a:spLocks noGrp="1"/>
+          </p:cNvSpPr>
+          <p:nvPr>
+            <p:ph type="body" idx="1"/>
+          </p:nvPr>
+        </p:nvSpPr>
+        <p:spPr>
+          <a:noFill/>
+        </p:spPr>
+        <p:txBody>
+          <a:bodyPr/>
+          <a:lstStyle/>
+          <a:p>
+            <a:endParaRPr lang="de-DE">
+              <a:ea typeface="ＭＳ Ｐゴシック" pitchFamily="34" charset="-128"/>
+            </a:endParaRPr>
+          </a:p>
+        </p:txBody>
+      </p:sp>
+      <p:sp>
+        <p:nvSpPr>
+          <p:cNvPr id="38916" name="Foliennummernplatzhalter 3"/>
+          <p:cNvSpPr>
+            <a:spLocks noGrp="1"/>
+          </p:cNvSpPr>
+          <p:nvPr>
+            <p:ph type="sldNum" sz="quarter" idx="5"/>
+          </p:nvPr>
+        </p:nvSpPr>
+        <p:spPr>
+          <a:noFill/>
+          <a:ln>
+            <a:miter lim="800000"/>
+            <a:headEnd/>
+            <a:tailEnd/>
+          </a:ln>
+        </p:spPr>
+        <p:txBody>
+          <a:bodyPr/>
+          <a:lstStyle/>
+          <a:p>
+            <a:fld id="{B99247C0-3395-4CA9-990C-9699B55FB1A5}" type="slidenum">
+              <a:rPr lang="de-DE" smtClean="0">
+                <a:latin typeface="Arial Narrow" pitchFamily="34" charset="0"/>
+                <a:ea typeface="ＭＳ Ｐゴシック" pitchFamily="34" charset="-128"/>
+              </a:rPr>
+              <a:pPr/>
+              <a:t>25</a:t>
+            </a:fld>
+            <a:endParaRPr lang="de-DE">
+              <a:latin typeface="Arial Narrow" pitchFamily="34" charset="0"/>
+              <a:ea typeface="ＭＳ Ｐゴシック" pitchFamily="34" charset="-128"/>
+            </a:endParaRPr>
+          </a:p>
+        </p:txBody>
+      </p:sp>
+    </p:spTree>
+    <p:extLst>
+      <p:ext uri="{BB962C8B-B14F-4D97-AF65-F5344CB8AC3E}">
+        <p14:creationId xmlns:p14="http://schemas.microsoft.com/office/powerpoint/2010/main" val="2916396771"/>
       </p:ext>
     </p:extLst>
   </p:cSld>
@@ -2594,9 +4609,188 @@
           <a:bodyPr/>
           <a:lstStyle/>
           <a:p>
-            <a:endParaRPr lang="de-DE">
+            <a:pPr marL="171450" indent="-171450">
+              <a:buFont typeface="Arial" panose="020B0604020202020204" pitchFamily="34" charset="0"/>
+              <a:buChar char="•"/>
+            </a:pPr>
+            <a:r>
+              <a:rPr lang="de-DE" dirty="0">
+                <a:ea typeface="ＭＳ Ｐゴシック" pitchFamily="34" charset="-128"/>
+              </a:rPr>
+              <a:t>die Fundamentalmatrix fassen die extrinsischen und intrinsischen Kameraparameter in sich zusammen </a:t>
+            </a:r>
+          </a:p>
+          <a:p>
+            <a:pPr marL="171450" indent="-171450">
+              <a:buFont typeface="Arial" panose="020B0604020202020204" pitchFamily="34" charset="0"/>
+              <a:buChar char="•"/>
+            </a:pPr>
+            <a:r>
+              <a:rPr lang="de-DE" dirty="0">
+                <a:ea typeface="ＭＳ Ｐゴシック" pitchFamily="34" charset="-128"/>
+              </a:rPr>
+              <a:t>Bei der essentiellen Matrix werden die intrinsischen Kameraparameter aus der Fundementalmatrix rausgezogen und mit den Bildkoordinaten verrechnet</a:t>
+            </a:r>
+          </a:p>
+          <a:p>
+            <a:pPr marL="628650" lvl="1" indent="-171450">
+              <a:buFont typeface="Arial" panose="020B0604020202020204" pitchFamily="34" charset="0"/>
+              <a:buChar char="•"/>
+            </a:pPr>
+            <a:r>
+              <a:rPr lang="de-DE" dirty="0">
+                <a:ea typeface="ＭＳ Ｐゴシック" pitchFamily="34" charset="-128"/>
+              </a:rPr>
+              <a:t>Die essentielle Matrix beschreibt somit die Abbildungsvorschrift zwischen den normierten Bildebenenkoordinaten</a:t>
+            </a:r>
+          </a:p>
+          <a:p>
+            <a:pPr marL="171450" lvl="0" indent="-171450">
+              <a:buFont typeface="Arial" panose="020B0604020202020204" pitchFamily="34" charset="0"/>
+              <a:buChar char="•"/>
+            </a:pPr>
+            <a:endParaRPr lang="de-DE" dirty="0">
               <a:ea typeface="ＭＳ Ｐゴシック" pitchFamily="34" charset="-128"/>
             </a:endParaRPr>
+          </a:p>
+          <a:p>
+            <a:pPr marL="171450" lvl="0" indent="-171450">
+              <a:buFont typeface="Arial" panose="020B0604020202020204" pitchFamily="34" charset="0"/>
+              <a:buChar char="•"/>
+            </a:pPr>
+            <a:r>
+              <a:rPr lang="de-DE" dirty="0">
+                <a:ea typeface="ＭＳ Ｐゴシック" pitchFamily="34" charset="-128"/>
+              </a:rPr>
+              <a:t>Die Gleichungen auf der Folie werden als die sogennannten epipolaren Bedinungen bezeichnet</a:t>
+            </a:r>
+          </a:p>
+          <a:p>
+            <a:pPr marL="628650" lvl="1" indent="-171450">
+              <a:buFont typeface="Arial" panose="020B0604020202020204" pitchFamily="34" charset="0"/>
+              <a:buChar char="•"/>
+            </a:pPr>
+            <a:r>
+              <a:rPr lang="de-DE" dirty="0">
+                <a:ea typeface="ＭＳ Ｐゴシック" pitchFamily="34" charset="-128"/>
+              </a:rPr>
+              <a:t>Sie geben auskuft darüber ob eine Punkt ein Möglicher korrespondierender Punkt zu einem Punkt auf der anderen Bildebene ist </a:t>
+            </a:r>
+            <a:r>
+              <a:rPr lang="de-DE" dirty="0">
+                <a:ea typeface="ＭＳ Ｐゴシック" pitchFamily="34" charset="-128"/>
+                <a:sym typeface="Wingdings" panose="05000000000000000000" pitchFamily="2" charset="2"/>
+              </a:rPr>
+              <a:t> wird ein Punkt auf eine Linie abgebildetet, so ist das Ergebnis dieser Bedingungen null</a:t>
+            </a:r>
+          </a:p>
+          <a:p>
+            <a:pPr marL="628650" lvl="1" indent="-171450">
+              <a:buFont typeface="Arial" panose="020B0604020202020204" pitchFamily="34" charset="0"/>
+              <a:buChar char="•"/>
+            </a:pPr>
+            <a:r>
+              <a:rPr lang="de-DE" dirty="0">
+                <a:ea typeface="ＭＳ Ｐゴシック" pitchFamily="34" charset="-128"/>
+                <a:sym typeface="Wingdings" panose="05000000000000000000" pitchFamily="2" charset="2"/>
+              </a:rPr>
+              <a:t>Weicht das Ergebnis von 0 ab, so ist die epipolare Bedingungen nicht erfüllt und es handelt sich nicht um korrespondierende Punkte.</a:t>
+            </a:r>
+            <a:endParaRPr lang="de-DE" dirty="0">
+              <a:ea typeface="ＭＳ Ｐゴシック" pitchFamily="34" charset="-128"/>
+            </a:endParaRPr>
+          </a:p>
+          <a:p>
+            <a:endParaRPr lang="de-DE" dirty="0">
+              <a:ea typeface="ＭＳ Ｐゴシック" pitchFamily="34" charset="-128"/>
+            </a:endParaRPr>
+          </a:p>
+          <a:p>
+            <a:endParaRPr lang="de-DE" dirty="0">
+              <a:ea typeface="ＭＳ Ｐゴシック" pitchFamily="34" charset="-128"/>
+            </a:endParaRPr>
+          </a:p>
+          <a:p>
+            <a:r>
+              <a:rPr lang="de-DE" dirty="0">
+                <a:ea typeface="ＭＳ Ｐゴシック" pitchFamily="34" charset="-128"/>
+              </a:rPr>
+              <a:t>Bestimmung von F über den achtpunkte algorithmus:</a:t>
+            </a:r>
+          </a:p>
+          <a:p>
+            <a:endParaRPr lang="de-DE" dirty="0">
+              <a:ea typeface="ＭＳ Ｐゴシック" pitchFamily="34" charset="-128"/>
+            </a:endParaRPr>
+          </a:p>
+          <a:p>
+            <a:pPr marL="171450" indent="-171450">
+              <a:buFont typeface="Arial" panose="020B0604020202020204" pitchFamily="34" charset="0"/>
+              <a:buChar char="•"/>
+            </a:pPr>
+            <a:r>
+              <a:rPr lang="de-DE" dirty="0">
+                <a:ea typeface="ＭＳ Ｐゴシック" pitchFamily="34" charset="-128"/>
+              </a:rPr>
+              <a:t>Der acht Punkte algorithmus ist eine lineare Technik, welche angewandt wird um die Fundamentalmatrix aus n&gt;= 8 Punkten zu schätzen </a:t>
+            </a:r>
+          </a:p>
+          <a:p>
+            <a:pPr marL="171450" indent="-171450">
+              <a:buFont typeface="Arial" panose="020B0604020202020204" pitchFamily="34" charset="0"/>
+              <a:buChar char="•"/>
+            </a:pPr>
+            <a:r>
+              <a:rPr lang="de-DE" dirty="0">
+                <a:ea typeface="ＭＳ Ｐゴシック" pitchFamily="34" charset="-128"/>
+              </a:rPr>
+              <a:t>Der Algorithmus benötigt n&gt;= 8 Punkte um eine valides Ergebnis liedern zu können.</a:t>
+            </a:r>
+          </a:p>
+          <a:p>
+            <a:pPr marL="171450" indent="-171450">
+              <a:buFont typeface="Arial" panose="020B0604020202020204" pitchFamily="34" charset="0"/>
+              <a:buChar char="•"/>
+            </a:pPr>
+            <a:r>
+              <a:rPr lang="de-DE" dirty="0">
+                <a:ea typeface="ＭＳ Ｐゴシック" pitchFamily="34" charset="-128"/>
+              </a:rPr>
+              <a:t>Das Ergebnis und jedes seiner Vielfachen ist eine gültige Lösung </a:t>
+            </a:r>
+          </a:p>
+          <a:p>
+            <a:pPr marL="171450" indent="-171450">
+              <a:buFont typeface="Arial" panose="020B0604020202020204" pitchFamily="34" charset="0"/>
+              <a:buChar char="•"/>
+            </a:pPr>
+            <a:endParaRPr lang="de-DE" dirty="0">
+              <a:ea typeface="ＭＳ Ｐゴシック" pitchFamily="34" charset="-128"/>
+            </a:endParaRPr>
+          </a:p>
+          <a:p>
+            <a:pPr marL="171450" indent="-171450">
+              <a:buFont typeface="Arial" panose="020B0604020202020204" pitchFamily="34" charset="0"/>
+              <a:buChar char="•"/>
+            </a:pPr>
+            <a:r>
+              <a:rPr lang="de-DE" dirty="0">
+                <a:ea typeface="ＭＳ Ｐゴシック" pitchFamily="34" charset="-128"/>
+              </a:rPr>
+              <a:t>Die Epipole ergeben sich aus dem linken und Rechten Kern der Fundamentalmatrix. Sprich e und e‘ sind genau dann Werte für die Epipole, wenn sie mit der Fundamentalmatrix verrechnet gleich null ergeben </a:t>
+            </a:r>
+          </a:p>
+          <a:p>
+            <a:pPr marL="171450" indent="-171450">
+              <a:buFont typeface="Arial" panose="020B0604020202020204" pitchFamily="34" charset="0"/>
+              <a:buChar char="•"/>
+            </a:pPr>
+            <a:r>
+              <a:rPr lang="de-DE" dirty="0">
+                <a:ea typeface="ＭＳ Ｐゴシック" pitchFamily="34" charset="-128"/>
+              </a:rPr>
+              <a:t>Die zu einem Punkt korrespondierende Epipolarlinie ergibt sich durch die Verrechnung mit F (bzw halt E bei normierten Bildkoordinaten) (Vergleichbar mit der Abbildungsvorschrift von Homographien)</a:t>
+            </a:r>
           </a:p>
         </p:txBody>
       </p:sp>
@@ -2698,7 +4892,51 @@
           <a:bodyPr/>
           <a:lstStyle/>
           <a:p>
-            <a:endParaRPr lang="de-DE">
+            <a:pPr marL="171450" indent="-171450">
+              <a:buFont typeface="Arial" panose="020B0604020202020204" pitchFamily="34" charset="0"/>
+              <a:buChar char="•"/>
+            </a:pPr>
+            <a:r>
+              <a:rPr lang="de-DE" sz="1200" b="0" i="0" u="none" strike="noStrike" kern="1200" baseline="0" dirty="0">
+                <a:solidFill>
+                  <a:schemeClr val="tx1"/>
+                </a:solidFill>
+                <a:latin typeface="Arial" charset="0"/>
+                <a:ea typeface="ＭＳ Ｐゴシック" pitchFamily="-112" charset="-128"/>
+                <a:cs typeface="+mn-cs"/>
+              </a:rPr>
+              <a:t>Anhand der erarbeiteten mathematischen Grundlagen ist ein Algorithmus fur die Rekonstruktion einer Szene aus einer Stereobildaufnahme entstanden</a:t>
+            </a:r>
+          </a:p>
+          <a:p>
+            <a:pPr marL="171450" indent="-171450">
+              <a:buFont typeface="Arial" panose="020B0604020202020204" pitchFamily="34" charset="0"/>
+              <a:buChar char="•"/>
+            </a:pPr>
+            <a:r>
+              <a:rPr lang="de-DE" sz="1200" b="0" i="0" u="none" strike="noStrike" kern="1200" baseline="0" dirty="0">
+                <a:solidFill>
+                  <a:schemeClr val="tx1"/>
+                </a:solidFill>
+                <a:latin typeface="Arial" charset="0"/>
+                <a:ea typeface="ＭＳ Ｐゴシック" pitchFamily="-112" charset="-128"/>
+                <a:cs typeface="+mn-cs"/>
+              </a:rPr>
+              <a:t>Der entwickelte Algorithmus ist in der Lage aus einem Stereobildpaar extrinsische Kameraparameter zu bestimmen und anhand dessen die 3D-Szene zu rekonstruieren, jedoch unter der Voraussetzung, dass die intrinsischen Kameraparameter beider Kameras bekannt sind.</a:t>
+            </a:r>
+          </a:p>
+          <a:p>
+            <a:endParaRPr lang="de-DE" sz="1200" b="0" i="0" u="none" strike="noStrike" kern="1200" baseline="0" dirty="0">
+              <a:solidFill>
+                <a:schemeClr val="tx1"/>
+              </a:solidFill>
+              <a:latin typeface="Arial" charset="0"/>
+              <a:ea typeface="ＭＳ Ｐゴシック" pitchFamily="-112" charset="-128"/>
+              <a:cs typeface="+mn-cs"/>
+            </a:endParaRPr>
+          </a:p>
+          <a:p>
+            <a:endParaRPr lang="de-DE" dirty="0">
               <a:ea typeface="ＭＳ Ｐゴシック" pitchFamily="34" charset="-128"/>
             </a:endParaRPr>
           </a:p>
@@ -3055,7 +5293,7 @@
               <a:pPr>
                 <a:defRPr/>
               </a:pPr>
-              <a:t>14.06.2018</a:t>
+              <a:t>15.06.2018</a:t>
             </a:fld>
             <a:endParaRPr lang="de-DE" dirty="0"/>
           </a:p>
@@ -3465,7 +5703,7 @@
               <a:pPr>
                 <a:defRPr/>
               </a:pPr>
-              <a:t>14.06.2018</a:t>
+              <a:t>15.06.2018</a:t>
             </a:fld>
             <a:endParaRPr lang="de-DE" dirty="0"/>
           </a:p>
@@ -3900,7 +6138,7 @@
               <a:pPr>
                 <a:defRPr/>
               </a:pPr>
-              <a:t>14.06.2018</a:t>
+              <a:t>15.06.2018</a:t>
             </a:fld>
             <a:endParaRPr lang="de-DE" dirty="0"/>
           </a:p>
@@ -4352,7 +6590,7 @@
               <a:pPr>
                 <a:defRPr/>
               </a:pPr>
-              <a:t>14.06.2018</a:t>
+              <a:t>15.06.2018</a:t>
             </a:fld>
             <a:endParaRPr lang="de-DE" dirty="0"/>
           </a:p>
@@ -4495,7 +6733,7 @@
               <a:pPr>
                 <a:defRPr/>
               </a:pPr>
-              <a:t>14.06.2018</a:t>
+              <a:t>15.06.2018</a:t>
             </a:fld>
             <a:endParaRPr lang="de-DE" dirty="0"/>
           </a:p>
@@ -5238,7 +7476,7 @@
               <a:pPr>
                 <a:defRPr/>
               </a:pPr>
-              <a:t>14.06.2018</a:t>
+              <a:t>15.06.2018</a:t>
             </a:fld>
             <a:endParaRPr lang="de-DE" dirty="0"/>
           </a:p>
@@ -6285,56 +8523,6 @@
       </p:grpSpPr>
       <p:sp>
         <p:nvSpPr>
-          <p:cNvPr id="9" name="Title 8">
-            <a:extLst>
-              <a:ext uri="{FF2B5EF4-FFF2-40B4-BE49-F238E27FC236}">
-                <a16:creationId xmlns:a16="http://schemas.microsoft.com/office/drawing/2014/main" id="{C958DD35-CA26-4605-9283-1C48AD4D2871}"/>
-              </a:ext>
-            </a:extLst>
-          </p:cNvPr>
-          <p:cNvSpPr>
-            <a:spLocks noGrp="1"/>
-          </p:cNvSpPr>
-          <p:nvPr>
-            <p:ph type="title"/>
-          </p:nvPr>
-        </p:nvSpPr>
-        <p:spPr/>
-        <p:txBody>
-          <a:bodyPr/>
-          <a:lstStyle/>
-          <a:p>
-            <a:endParaRPr lang="de-DE" dirty="0"/>
-          </a:p>
-        </p:txBody>
-      </p:sp>
-      <p:sp>
-        <p:nvSpPr>
-          <p:cNvPr id="15" name="Content Placeholder 14">
-            <a:extLst>
-              <a:ext uri="{FF2B5EF4-FFF2-40B4-BE49-F238E27FC236}">
-                <a16:creationId xmlns:a16="http://schemas.microsoft.com/office/drawing/2014/main" id="{8C2E98DE-0644-4CDA-B8EC-1C4E40E7B845}"/>
-              </a:ext>
-            </a:extLst>
-          </p:cNvPr>
-          <p:cNvSpPr>
-            <a:spLocks noGrp="1"/>
-          </p:cNvSpPr>
-          <p:nvPr>
-            <p:ph idx="1"/>
-          </p:nvPr>
-        </p:nvSpPr>
-        <p:spPr/>
-        <p:txBody>
-          <a:bodyPr/>
-          <a:lstStyle/>
-          <a:p>
-            <a:endParaRPr lang="de-DE" dirty="0"/>
-          </a:p>
-        </p:txBody>
-      </p:sp>
-      <p:sp>
-        <p:nvSpPr>
           <p:cNvPr id="15367" name="Foliennummernplatzhalter 3"/>
           <p:cNvSpPr>
             <a:spLocks noGrp="1"/>
@@ -6425,6 +8613,232 @@
             <a:r>
               <a:rPr lang="de-DE" dirty="0"/>
               <a:t>04.07.18</a:t>
+            </a:r>
+          </a:p>
+        </p:txBody>
+      </p:sp>
+      <p:pic>
+        <p:nvPicPr>
+          <p:cNvPr id="8" name="Picture 7">
+            <a:extLst>
+              <a:ext uri="{FF2B5EF4-FFF2-40B4-BE49-F238E27FC236}">
+                <a16:creationId xmlns:a16="http://schemas.microsoft.com/office/drawing/2014/main" id="{5FB3C733-B1EB-457A-9AFF-5E20441465AC}"/>
+              </a:ext>
+            </a:extLst>
+          </p:cNvPr>
+          <p:cNvPicPr>
+            <a:picLocks noChangeAspect="1"/>
+          </p:cNvPicPr>
+          <p:nvPr/>
+        </p:nvPicPr>
+        <p:blipFill>
+          <a:blip r:embed="rId3">
+            <a:extLst>
+              <a:ext uri="{28A0092B-C50C-407E-A947-70E740481C1C}">
+                <a14:useLocalDpi xmlns:a14="http://schemas.microsoft.com/office/drawing/2010/main" val="0"/>
+              </a:ext>
+            </a:extLst>
+          </a:blip>
+          <a:stretch>
+            <a:fillRect/>
+          </a:stretch>
+        </p:blipFill>
+        <p:spPr>
+          <a:xfrm>
+            <a:off x="251520" y="1040198"/>
+            <a:ext cx="8640960" cy="4860540"/>
+          </a:xfrm>
+          <a:prstGeom prst="rect">
+            <a:avLst/>
+          </a:prstGeom>
+        </p:spPr>
+      </p:pic>
+      <p:sp>
+        <p:nvSpPr>
+          <p:cNvPr id="11" name="Title 8">
+            <a:extLst>
+              <a:ext uri="{FF2B5EF4-FFF2-40B4-BE49-F238E27FC236}">
+                <a16:creationId xmlns:a16="http://schemas.microsoft.com/office/drawing/2014/main" id="{B7FF6150-46E8-4984-99EB-9F95E701EA60}"/>
+              </a:ext>
+            </a:extLst>
+          </p:cNvPr>
+          <p:cNvSpPr txBox="1">
+            <a:spLocks/>
+          </p:cNvSpPr>
+          <p:nvPr/>
+        </p:nvSpPr>
+        <p:spPr bwMode="auto">
+          <a:xfrm>
+            <a:off x="623888" y="547688"/>
+            <a:ext cx="7772400" cy="533400"/>
+          </a:xfrm>
+          <a:prstGeom prst="rect">
+            <a:avLst/>
+          </a:prstGeom>
+          <a:noFill/>
+          <a:ln w="9525">
+            <a:noFill/>
+            <a:miter lim="800000"/>
+            <a:headEnd/>
+            <a:tailEnd/>
+          </a:ln>
+        </p:spPr>
+        <p:txBody>
+          <a:bodyPr vert="horz" wrap="square" lIns="0" tIns="0" rIns="0" bIns="0" numCol="1" anchor="ctr" anchorCtr="0" compatLnSpc="1">
+            <a:prstTxWarp prst="textNoShape">
+              <a:avLst/>
+            </a:prstTxWarp>
+          </a:bodyPr>
+          <a:lstStyle>
+            <a:lvl1pPr algn="l" rtl="0" eaLnBrk="0" fontAlgn="base" hangingPunct="0">
+              <a:spcBef>
+                <a:spcPct val="0"/>
+              </a:spcBef>
+              <a:spcAft>
+                <a:spcPct val="0"/>
+              </a:spcAft>
+              <a:defRPr sz="2800">
+                <a:solidFill>
+                  <a:srgbClr val="444A4B"/>
+                </a:solidFill>
+                <a:latin typeface="+mj-lt"/>
+                <a:ea typeface="+mj-ea"/>
+                <a:cs typeface="+mj-cs"/>
+              </a:defRPr>
+            </a:lvl1pPr>
+            <a:lvl2pPr algn="l" rtl="0" eaLnBrk="0" fontAlgn="base" hangingPunct="0">
+              <a:spcBef>
+                <a:spcPct val="0"/>
+              </a:spcBef>
+              <a:spcAft>
+                <a:spcPct val="0"/>
+              </a:spcAft>
+              <a:defRPr sz="2800">
+                <a:solidFill>
+                  <a:srgbClr val="444A4B"/>
+                </a:solidFill>
+                <a:latin typeface="Arial Narrow" pitchFamily="-112" charset="0"/>
+                <a:ea typeface="ＭＳ Ｐゴシック" pitchFamily="-112" charset="-128"/>
+              </a:defRPr>
+            </a:lvl2pPr>
+            <a:lvl3pPr algn="l" rtl="0" eaLnBrk="0" fontAlgn="base" hangingPunct="0">
+              <a:spcBef>
+                <a:spcPct val="0"/>
+              </a:spcBef>
+              <a:spcAft>
+                <a:spcPct val="0"/>
+              </a:spcAft>
+              <a:defRPr sz="2800">
+                <a:solidFill>
+                  <a:srgbClr val="444A4B"/>
+                </a:solidFill>
+                <a:latin typeface="Arial Narrow" pitchFamily="-112" charset="0"/>
+                <a:ea typeface="ＭＳ Ｐゴシック" pitchFamily="-112" charset="-128"/>
+              </a:defRPr>
+            </a:lvl3pPr>
+            <a:lvl4pPr algn="l" rtl="0" eaLnBrk="0" fontAlgn="base" hangingPunct="0">
+              <a:spcBef>
+                <a:spcPct val="0"/>
+              </a:spcBef>
+              <a:spcAft>
+                <a:spcPct val="0"/>
+              </a:spcAft>
+              <a:defRPr sz="2800">
+                <a:solidFill>
+                  <a:srgbClr val="444A4B"/>
+                </a:solidFill>
+                <a:latin typeface="Arial Narrow" pitchFamily="-112" charset="0"/>
+                <a:ea typeface="ＭＳ Ｐゴシック" pitchFamily="-112" charset="-128"/>
+              </a:defRPr>
+            </a:lvl4pPr>
+            <a:lvl5pPr algn="l" rtl="0" eaLnBrk="0" fontAlgn="base" hangingPunct="0">
+              <a:spcBef>
+                <a:spcPct val="0"/>
+              </a:spcBef>
+              <a:spcAft>
+                <a:spcPct val="0"/>
+              </a:spcAft>
+              <a:defRPr sz="2800">
+                <a:solidFill>
+                  <a:srgbClr val="444A4B"/>
+                </a:solidFill>
+                <a:latin typeface="Arial Narrow" pitchFamily="-112" charset="0"/>
+                <a:ea typeface="ＭＳ Ｐゴシック" pitchFamily="-112" charset="-128"/>
+              </a:defRPr>
+            </a:lvl5pPr>
+            <a:lvl6pPr marL="457200" algn="l" rtl="0" fontAlgn="base">
+              <a:spcBef>
+                <a:spcPct val="0"/>
+              </a:spcBef>
+              <a:spcAft>
+                <a:spcPct val="0"/>
+              </a:spcAft>
+              <a:defRPr sz="2800">
+                <a:solidFill>
+                  <a:srgbClr val="444A4B"/>
+                </a:solidFill>
+                <a:latin typeface="Arial Narrow" pitchFamily="-112" charset="0"/>
+                <a:ea typeface="ＭＳ Ｐゴシック" pitchFamily="-112" charset="-128"/>
+              </a:defRPr>
+            </a:lvl6pPr>
+            <a:lvl7pPr marL="914400" algn="l" rtl="0" fontAlgn="base">
+              <a:spcBef>
+                <a:spcPct val="0"/>
+              </a:spcBef>
+              <a:spcAft>
+                <a:spcPct val="0"/>
+              </a:spcAft>
+              <a:defRPr sz="2800">
+                <a:solidFill>
+                  <a:srgbClr val="444A4B"/>
+                </a:solidFill>
+                <a:latin typeface="Arial Narrow" pitchFamily="-112" charset="0"/>
+                <a:ea typeface="ＭＳ Ｐゴシック" pitchFamily="-112" charset="-128"/>
+              </a:defRPr>
+            </a:lvl7pPr>
+            <a:lvl8pPr marL="1371600" algn="l" rtl="0" fontAlgn="base">
+              <a:spcBef>
+                <a:spcPct val="0"/>
+              </a:spcBef>
+              <a:spcAft>
+                <a:spcPct val="0"/>
+              </a:spcAft>
+              <a:defRPr sz="2800">
+                <a:solidFill>
+                  <a:srgbClr val="444A4B"/>
+                </a:solidFill>
+                <a:latin typeface="Arial Narrow" pitchFamily="-112" charset="0"/>
+                <a:ea typeface="ＭＳ Ｐゴシック" pitchFamily="-112" charset="-128"/>
+              </a:defRPr>
+            </a:lvl8pPr>
+            <a:lvl9pPr marL="1828800" algn="l" rtl="0" fontAlgn="base">
+              <a:spcBef>
+                <a:spcPct val="0"/>
+              </a:spcBef>
+              <a:spcAft>
+                <a:spcPct val="0"/>
+              </a:spcAft>
+              <a:defRPr sz="2800">
+                <a:solidFill>
+                  <a:srgbClr val="444A4B"/>
+                </a:solidFill>
+                <a:latin typeface="Arial Narrow" pitchFamily="-112" charset="0"/>
+                <a:ea typeface="ＭＳ Ｐゴシック" pitchFamily="-112" charset="-128"/>
+              </a:defRPr>
+            </a:lvl9pPr>
+          </a:lstStyle>
+          <a:p>
+            <a:pPr>
+              <a:lnSpc>
+                <a:spcPct val="100000"/>
+              </a:lnSpc>
+            </a:pPr>
+            <a:r>
+              <a:rPr lang="de-DE" b="1" u="none" kern="0" dirty="0">
+                <a:latin typeface="Calibri" panose="020F0502020204030204" pitchFamily="34" charset="0"/>
+                <a:cs typeface="Calibri" panose="020F0502020204030204" pitchFamily="34" charset="0"/>
+              </a:rPr>
+              <a:t>Synthetische Rekonstruktion</a:t>
             </a:r>
           </a:p>
         </p:txBody>
@@ -6461,56 +8875,6 @@
       </p:grpSpPr>
       <p:sp>
         <p:nvSpPr>
-          <p:cNvPr id="9" name="Title 8">
-            <a:extLst>
-              <a:ext uri="{FF2B5EF4-FFF2-40B4-BE49-F238E27FC236}">
-                <a16:creationId xmlns:a16="http://schemas.microsoft.com/office/drawing/2014/main" id="{C958DD35-CA26-4605-9283-1C48AD4D2871}"/>
-              </a:ext>
-            </a:extLst>
-          </p:cNvPr>
-          <p:cNvSpPr>
-            <a:spLocks noGrp="1"/>
-          </p:cNvSpPr>
-          <p:nvPr>
-            <p:ph type="title"/>
-          </p:nvPr>
-        </p:nvSpPr>
-        <p:spPr/>
-        <p:txBody>
-          <a:bodyPr/>
-          <a:lstStyle/>
-          <a:p>
-            <a:endParaRPr lang="de-DE" dirty="0"/>
-          </a:p>
-        </p:txBody>
-      </p:sp>
-      <p:sp>
-        <p:nvSpPr>
-          <p:cNvPr id="15" name="Content Placeholder 14">
-            <a:extLst>
-              <a:ext uri="{FF2B5EF4-FFF2-40B4-BE49-F238E27FC236}">
-                <a16:creationId xmlns:a16="http://schemas.microsoft.com/office/drawing/2014/main" id="{8C2E98DE-0644-4CDA-B8EC-1C4E40E7B845}"/>
-              </a:ext>
-            </a:extLst>
-          </p:cNvPr>
-          <p:cNvSpPr>
-            <a:spLocks noGrp="1"/>
-          </p:cNvSpPr>
-          <p:nvPr>
-            <p:ph idx="1"/>
-          </p:nvPr>
-        </p:nvSpPr>
-        <p:spPr/>
-        <p:txBody>
-          <a:bodyPr/>
-          <a:lstStyle/>
-          <a:p>
-            <a:endParaRPr lang="de-DE" dirty="0"/>
-          </a:p>
-        </p:txBody>
-      </p:sp>
-      <p:sp>
-        <p:nvSpPr>
           <p:cNvPr id="15367" name="Foliennummernplatzhalter 3"/>
           <p:cNvSpPr>
             <a:spLocks noGrp="1"/>
@@ -6605,6 +8969,376 @@
           </a:p>
         </p:txBody>
       </p:sp>
+      <p:sp>
+        <p:nvSpPr>
+          <p:cNvPr id="8" name="Title 8">
+            <a:extLst>
+              <a:ext uri="{FF2B5EF4-FFF2-40B4-BE49-F238E27FC236}">
+                <a16:creationId xmlns:a16="http://schemas.microsoft.com/office/drawing/2014/main" id="{EB6C2BAA-E6E8-48B7-86AD-F9C7A872F822}"/>
+              </a:ext>
+            </a:extLst>
+          </p:cNvPr>
+          <p:cNvSpPr txBox="1">
+            <a:spLocks/>
+          </p:cNvSpPr>
+          <p:nvPr/>
+        </p:nvSpPr>
+        <p:spPr bwMode="auto">
+          <a:xfrm>
+            <a:off x="623888" y="547688"/>
+            <a:ext cx="7772400" cy="533400"/>
+          </a:xfrm>
+          <a:prstGeom prst="rect">
+            <a:avLst/>
+          </a:prstGeom>
+          <a:noFill/>
+          <a:ln w="9525">
+            <a:noFill/>
+            <a:miter lim="800000"/>
+            <a:headEnd/>
+            <a:tailEnd/>
+          </a:ln>
+        </p:spPr>
+        <p:txBody>
+          <a:bodyPr vert="horz" wrap="square" lIns="0" tIns="0" rIns="0" bIns="0" numCol="1" anchor="ctr" anchorCtr="0" compatLnSpc="1">
+            <a:prstTxWarp prst="textNoShape">
+              <a:avLst/>
+            </a:prstTxWarp>
+          </a:bodyPr>
+          <a:lstStyle>
+            <a:lvl1pPr algn="l" rtl="0" eaLnBrk="0" fontAlgn="base" hangingPunct="0">
+              <a:spcBef>
+                <a:spcPct val="0"/>
+              </a:spcBef>
+              <a:spcAft>
+                <a:spcPct val="0"/>
+              </a:spcAft>
+              <a:defRPr sz="2800">
+                <a:solidFill>
+                  <a:srgbClr val="444A4B"/>
+                </a:solidFill>
+                <a:latin typeface="+mj-lt"/>
+                <a:ea typeface="+mj-ea"/>
+                <a:cs typeface="+mj-cs"/>
+              </a:defRPr>
+            </a:lvl1pPr>
+            <a:lvl2pPr algn="l" rtl="0" eaLnBrk="0" fontAlgn="base" hangingPunct="0">
+              <a:spcBef>
+                <a:spcPct val="0"/>
+              </a:spcBef>
+              <a:spcAft>
+                <a:spcPct val="0"/>
+              </a:spcAft>
+              <a:defRPr sz="2800">
+                <a:solidFill>
+                  <a:srgbClr val="444A4B"/>
+                </a:solidFill>
+                <a:latin typeface="Arial Narrow" pitchFamily="-112" charset="0"/>
+                <a:ea typeface="ＭＳ Ｐゴシック" pitchFamily="-112" charset="-128"/>
+              </a:defRPr>
+            </a:lvl2pPr>
+            <a:lvl3pPr algn="l" rtl="0" eaLnBrk="0" fontAlgn="base" hangingPunct="0">
+              <a:spcBef>
+                <a:spcPct val="0"/>
+              </a:spcBef>
+              <a:spcAft>
+                <a:spcPct val="0"/>
+              </a:spcAft>
+              <a:defRPr sz="2800">
+                <a:solidFill>
+                  <a:srgbClr val="444A4B"/>
+                </a:solidFill>
+                <a:latin typeface="Arial Narrow" pitchFamily="-112" charset="0"/>
+                <a:ea typeface="ＭＳ Ｐゴシック" pitchFamily="-112" charset="-128"/>
+              </a:defRPr>
+            </a:lvl3pPr>
+            <a:lvl4pPr algn="l" rtl="0" eaLnBrk="0" fontAlgn="base" hangingPunct="0">
+              <a:spcBef>
+                <a:spcPct val="0"/>
+              </a:spcBef>
+              <a:spcAft>
+                <a:spcPct val="0"/>
+              </a:spcAft>
+              <a:defRPr sz="2800">
+                <a:solidFill>
+                  <a:srgbClr val="444A4B"/>
+                </a:solidFill>
+                <a:latin typeface="Arial Narrow" pitchFamily="-112" charset="0"/>
+                <a:ea typeface="ＭＳ Ｐゴシック" pitchFamily="-112" charset="-128"/>
+              </a:defRPr>
+            </a:lvl4pPr>
+            <a:lvl5pPr algn="l" rtl="0" eaLnBrk="0" fontAlgn="base" hangingPunct="0">
+              <a:spcBef>
+                <a:spcPct val="0"/>
+              </a:spcBef>
+              <a:spcAft>
+                <a:spcPct val="0"/>
+              </a:spcAft>
+              <a:defRPr sz="2800">
+                <a:solidFill>
+                  <a:srgbClr val="444A4B"/>
+                </a:solidFill>
+                <a:latin typeface="Arial Narrow" pitchFamily="-112" charset="0"/>
+                <a:ea typeface="ＭＳ Ｐゴシック" pitchFamily="-112" charset="-128"/>
+              </a:defRPr>
+            </a:lvl5pPr>
+            <a:lvl6pPr marL="457200" algn="l" rtl="0" fontAlgn="base">
+              <a:spcBef>
+                <a:spcPct val="0"/>
+              </a:spcBef>
+              <a:spcAft>
+                <a:spcPct val="0"/>
+              </a:spcAft>
+              <a:defRPr sz="2800">
+                <a:solidFill>
+                  <a:srgbClr val="444A4B"/>
+                </a:solidFill>
+                <a:latin typeface="Arial Narrow" pitchFamily="-112" charset="0"/>
+                <a:ea typeface="ＭＳ Ｐゴシック" pitchFamily="-112" charset="-128"/>
+              </a:defRPr>
+            </a:lvl6pPr>
+            <a:lvl7pPr marL="914400" algn="l" rtl="0" fontAlgn="base">
+              <a:spcBef>
+                <a:spcPct val="0"/>
+              </a:spcBef>
+              <a:spcAft>
+                <a:spcPct val="0"/>
+              </a:spcAft>
+              <a:defRPr sz="2800">
+                <a:solidFill>
+                  <a:srgbClr val="444A4B"/>
+                </a:solidFill>
+                <a:latin typeface="Arial Narrow" pitchFamily="-112" charset="0"/>
+                <a:ea typeface="ＭＳ Ｐゴシック" pitchFamily="-112" charset="-128"/>
+              </a:defRPr>
+            </a:lvl7pPr>
+            <a:lvl8pPr marL="1371600" algn="l" rtl="0" fontAlgn="base">
+              <a:spcBef>
+                <a:spcPct val="0"/>
+              </a:spcBef>
+              <a:spcAft>
+                <a:spcPct val="0"/>
+              </a:spcAft>
+              <a:defRPr sz="2800">
+                <a:solidFill>
+                  <a:srgbClr val="444A4B"/>
+                </a:solidFill>
+                <a:latin typeface="Arial Narrow" pitchFamily="-112" charset="0"/>
+                <a:ea typeface="ＭＳ Ｐゴシック" pitchFamily="-112" charset="-128"/>
+              </a:defRPr>
+            </a:lvl8pPr>
+            <a:lvl9pPr marL="1828800" algn="l" rtl="0" fontAlgn="base">
+              <a:spcBef>
+                <a:spcPct val="0"/>
+              </a:spcBef>
+              <a:spcAft>
+                <a:spcPct val="0"/>
+              </a:spcAft>
+              <a:defRPr sz="2800">
+                <a:solidFill>
+                  <a:srgbClr val="444A4B"/>
+                </a:solidFill>
+                <a:latin typeface="Arial Narrow" pitchFamily="-112" charset="0"/>
+                <a:ea typeface="ＭＳ Ｐゴシック" pitchFamily="-112" charset="-128"/>
+              </a:defRPr>
+            </a:lvl9pPr>
+          </a:lstStyle>
+          <a:p>
+            <a:pPr>
+              <a:lnSpc>
+                <a:spcPct val="100000"/>
+              </a:lnSpc>
+            </a:pPr>
+            <a:r>
+              <a:rPr lang="de-DE" b="1" u="none" kern="0" dirty="0">
+                <a:latin typeface="Calibri" panose="020F0502020204030204" pitchFamily="34" charset="0"/>
+                <a:cs typeface="Calibri" panose="020F0502020204030204" pitchFamily="34" charset="0"/>
+              </a:rPr>
+              <a:t>Synthetische Rekonstruktion</a:t>
+            </a:r>
+          </a:p>
+        </p:txBody>
+      </p:sp>
+      <p:pic>
+        <p:nvPicPr>
+          <p:cNvPr id="13" name="Picture 12">
+            <a:extLst>
+              <a:ext uri="{FF2B5EF4-FFF2-40B4-BE49-F238E27FC236}">
+                <a16:creationId xmlns:a16="http://schemas.microsoft.com/office/drawing/2014/main" id="{DE70D11E-A31B-4AEA-A326-235882FF7A7A}"/>
+              </a:ext>
+            </a:extLst>
+          </p:cNvPr>
+          <p:cNvPicPr>
+            <a:picLocks noChangeAspect="1"/>
+          </p:cNvPicPr>
+          <p:nvPr/>
+        </p:nvPicPr>
+        <p:blipFill>
+          <a:blip r:embed="rId3">
+            <a:extLst>
+              <a:ext uri="{28A0092B-C50C-407E-A947-70E740481C1C}">
+                <a14:useLocalDpi xmlns:a14="http://schemas.microsoft.com/office/drawing/2010/main" val="0"/>
+              </a:ext>
+            </a:extLst>
+          </a:blip>
+          <a:stretch>
+            <a:fillRect/>
+          </a:stretch>
+        </p:blipFill>
+        <p:spPr>
+          <a:xfrm>
+            <a:off x="308954" y="1556792"/>
+            <a:ext cx="4362117" cy="3312367"/>
+          </a:xfrm>
+          <a:prstGeom prst="rect">
+            <a:avLst/>
+          </a:prstGeom>
+        </p:spPr>
+      </p:pic>
+      <p:pic>
+        <p:nvPicPr>
+          <p:cNvPr id="14" name="Picture 13">
+            <a:extLst>
+              <a:ext uri="{FF2B5EF4-FFF2-40B4-BE49-F238E27FC236}">
+                <a16:creationId xmlns:a16="http://schemas.microsoft.com/office/drawing/2014/main" id="{97243A48-5FE3-46D2-939D-087DD35734C7}"/>
+              </a:ext>
+            </a:extLst>
+          </p:cNvPr>
+          <p:cNvPicPr>
+            <a:picLocks noChangeAspect="1"/>
+          </p:cNvPicPr>
+          <p:nvPr/>
+        </p:nvPicPr>
+        <p:blipFill>
+          <a:blip r:embed="rId4">
+            <a:extLst>
+              <a:ext uri="{28A0092B-C50C-407E-A947-70E740481C1C}">
+                <a14:useLocalDpi xmlns:a14="http://schemas.microsoft.com/office/drawing/2010/main" val="0"/>
+              </a:ext>
+            </a:extLst>
+          </a:blip>
+          <a:stretch>
+            <a:fillRect/>
+          </a:stretch>
+        </p:blipFill>
+        <p:spPr>
+          <a:xfrm>
+            <a:off x="4514852" y="1556792"/>
+            <a:ext cx="4377628" cy="3312368"/>
+          </a:xfrm>
+          <a:prstGeom prst="rect">
+            <a:avLst/>
+          </a:prstGeom>
+        </p:spPr>
+      </p:pic>
+      <p:pic>
+        <p:nvPicPr>
+          <p:cNvPr id="11" name="Picture 10">
+            <a:extLst>
+              <a:ext uri="{FF2B5EF4-FFF2-40B4-BE49-F238E27FC236}">
+                <a16:creationId xmlns:a16="http://schemas.microsoft.com/office/drawing/2014/main" id="{3B5625BA-E192-49B3-834E-1B02D0B17A02}"/>
+              </a:ext>
+            </a:extLst>
+          </p:cNvPr>
+          <p:cNvPicPr>
+            <a:picLocks noChangeAspect="1"/>
+          </p:cNvPicPr>
+          <p:nvPr/>
+        </p:nvPicPr>
+        <p:blipFill>
+          <a:blip r:embed="rId5">
+            <a:extLst>
+              <a:ext uri="{28A0092B-C50C-407E-A947-70E740481C1C}">
+                <a14:useLocalDpi xmlns:a14="http://schemas.microsoft.com/office/drawing/2010/main" val="0"/>
+              </a:ext>
+            </a:extLst>
+          </a:blip>
+          <a:stretch>
+            <a:fillRect/>
+          </a:stretch>
+        </p:blipFill>
+        <p:spPr>
+          <a:xfrm>
+            <a:off x="89540" y="1556793"/>
+            <a:ext cx="4431149" cy="3384379"/>
+          </a:xfrm>
+          <a:prstGeom prst="rect">
+            <a:avLst/>
+          </a:prstGeom>
+        </p:spPr>
+      </p:pic>
+      <p:pic>
+        <p:nvPicPr>
+          <p:cNvPr id="12" name="Picture 11">
+            <a:extLst>
+              <a:ext uri="{FF2B5EF4-FFF2-40B4-BE49-F238E27FC236}">
+                <a16:creationId xmlns:a16="http://schemas.microsoft.com/office/drawing/2014/main" id="{C4D0F693-48D1-4A18-A8E0-DE6220971E59}"/>
+              </a:ext>
+            </a:extLst>
+          </p:cNvPr>
+          <p:cNvPicPr>
+            <a:picLocks noChangeAspect="1"/>
+          </p:cNvPicPr>
+          <p:nvPr/>
+        </p:nvPicPr>
+        <p:blipFill>
+          <a:blip r:embed="rId6">
+            <a:extLst>
+              <a:ext uri="{28A0092B-C50C-407E-A947-70E740481C1C}">
+                <a14:useLocalDpi xmlns:a14="http://schemas.microsoft.com/office/drawing/2010/main" val="0"/>
+              </a:ext>
+            </a:extLst>
+          </a:blip>
+          <a:stretch>
+            <a:fillRect/>
+          </a:stretch>
+        </p:blipFill>
+        <p:spPr>
+          <a:xfrm>
+            <a:off x="4355976" y="1556792"/>
+            <a:ext cx="4649147" cy="3384379"/>
+          </a:xfrm>
+          <a:prstGeom prst="rect">
+            <a:avLst/>
+          </a:prstGeom>
+        </p:spPr>
+      </p:pic>
+      <p:pic>
+        <p:nvPicPr>
+          <p:cNvPr id="16" name="Picture 15">
+            <a:extLst>
+              <a:ext uri="{FF2B5EF4-FFF2-40B4-BE49-F238E27FC236}">
+                <a16:creationId xmlns:a16="http://schemas.microsoft.com/office/drawing/2014/main" id="{83F7FB71-78C1-4060-8F2B-8EE509C124A9}"/>
+              </a:ext>
+            </a:extLst>
+          </p:cNvPr>
+          <p:cNvPicPr>
+            <a:picLocks noChangeAspect="1"/>
+          </p:cNvPicPr>
+          <p:nvPr/>
+        </p:nvPicPr>
+        <p:blipFill>
+          <a:blip r:embed="rId7" cstate="print">
+            <a:extLst>
+              <a:ext uri="{28A0092B-C50C-407E-A947-70E740481C1C}">
+                <a14:useLocalDpi xmlns:a14="http://schemas.microsoft.com/office/drawing/2010/main" val="0"/>
+              </a:ext>
+            </a:extLst>
+          </a:blip>
+          <a:stretch>
+            <a:fillRect/>
+          </a:stretch>
+        </p:blipFill>
+        <p:spPr>
+          <a:xfrm>
+            <a:off x="89539" y="1266624"/>
+            <a:ext cx="8945469" cy="4394623"/>
+          </a:xfrm>
+          <a:prstGeom prst="rect">
+            <a:avLst/>
+          </a:prstGeom>
+        </p:spPr>
+      </p:pic>
     </p:spTree>
     <p:extLst>
       <p:ext uri="{BB962C8B-B14F-4D97-AF65-F5344CB8AC3E}">
@@ -6615,6 +9349,153 @@
   <p:clrMapOvr>
     <a:masterClrMapping/>
   </p:clrMapOvr>
+  <p:timing>
+    <p:tnLst>
+      <p:par>
+        <p:cTn id="1" dur="indefinite" restart="never" nodeType="tmRoot">
+          <p:childTnLst>
+            <p:seq concurrent="1" nextAc="seek">
+              <p:cTn id="2" dur="indefinite" nodeType="mainSeq">
+                <p:childTnLst>
+                  <p:par>
+                    <p:cTn id="3" fill="hold">
+                      <p:stCondLst>
+                        <p:cond delay="indefinite"/>
+                      </p:stCondLst>
+                      <p:childTnLst>
+                        <p:par>
+                          <p:cTn id="4" fill="hold">
+                            <p:stCondLst>
+                              <p:cond delay="0"/>
+                            </p:stCondLst>
+                            <p:childTnLst>
+                              <p:par>
+                                <p:cTn id="5" presetID="1" presetClass="entr" presetSubtype="0" fill="hold" nodeType="clickEffect">
+                                  <p:stCondLst>
+                                    <p:cond delay="0"/>
+                                  </p:stCondLst>
+                                  <p:childTnLst>
+                                    <p:set>
+                                      <p:cBhvr>
+                                        <p:cTn id="6" dur="1" fill="hold">
+                                          <p:stCondLst>
+                                            <p:cond delay="0"/>
+                                          </p:stCondLst>
+                                        </p:cTn>
+                                        <p:tgtEl>
+                                          <p:spTgt spid="11"/>
+                                        </p:tgtEl>
+                                        <p:attrNameLst>
+                                          <p:attrName>style.visibility</p:attrName>
+                                        </p:attrNameLst>
+                                      </p:cBhvr>
+                                      <p:to>
+                                        <p:strVal val="visible"/>
+                                      </p:to>
+                                    </p:set>
+                                  </p:childTnLst>
+                                </p:cTn>
+                              </p:par>
+                              <p:par>
+                                <p:cTn id="7" presetID="1" presetClass="entr" presetSubtype="0" fill="hold" nodeType="withEffect">
+                                  <p:stCondLst>
+                                    <p:cond delay="0"/>
+                                  </p:stCondLst>
+                                  <p:childTnLst>
+                                    <p:set>
+                                      <p:cBhvr>
+                                        <p:cTn id="8" dur="1" fill="hold">
+                                          <p:stCondLst>
+                                            <p:cond delay="0"/>
+                                          </p:stCondLst>
+                                        </p:cTn>
+                                        <p:tgtEl>
+                                          <p:spTgt spid="12"/>
+                                        </p:tgtEl>
+                                        <p:attrNameLst>
+                                          <p:attrName>style.visibility</p:attrName>
+                                        </p:attrNameLst>
+                                      </p:cBhvr>
+                                      <p:to>
+                                        <p:strVal val="visible"/>
+                                      </p:to>
+                                    </p:set>
+                                  </p:childTnLst>
+                                </p:cTn>
+                              </p:par>
+                            </p:childTnLst>
+                          </p:cTn>
+                        </p:par>
+                      </p:childTnLst>
+                    </p:cTn>
+                  </p:par>
+                  <p:par>
+                    <p:cTn id="9" fill="hold">
+                      <p:stCondLst>
+                        <p:cond delay="indefinite"/>
+                      </p:stCondLst>
+                      <p:childTnLst>
+                        <p:par>
+                          <p:cTn id="10" fill="hold">
+                            <p:stCondLst>
+                              <p:cond delay="0"/>
+                            </p:stCondLst>
+                            <p:childTnLst>
+                              <p:par>
+                                <p:cTn id="11" presetID="1" presetClass="entr" presetSubtype="0" fill="hold" nodeType="clickEffect">
+                                  <p:stCondLst>
+                                    <p:cond delay="0"/>
+                                  </p:stCondLst>
+                                  <p:childTnLst>
+                                    <p:set>
+                                      <p:cBhvr>
+                                        <p:cTn id="12" dur="1" fill="hold">
+                                          <p:stCondLst>
+                                            <p:cond delay="0"/>
+                                          </p:stCondLst>
+                                        </p:cTn>
+                                        <p:tgtEl>
+                                          <p:spTgt spid="16"/>
+                                        </p:tgtEl>
+                                        <p:attrNameLst>
+                                          <p:attrName>style.visibility</p:attrName>
+                                        </p:attrNameLst>
+                                      </p:cBhvr>
+                                      <p:to>
+                                        <p:strVal val="visible"/>
+                                      </p:to>
+                                    </p:set>
+                                  </p:childTnLst>
+                                </p:cTn>
+                              </p:par>
+                            </p:childTnLst>
+                          </p:cTn>
+                        </p:par>
+                      </p:childTnLst>
+                    </p:cTn>
+                  </p:par>
+                </p:childTnLst>
+              </p:cTn>
+              <p:prevCondLst>
+                <p:cond evt="onPrev" delay="0">
+                  <p:tgtEl>
+                    <p:sldTgt/>
+                  </p:tgtEl>
+                </p:cond>
+              </p:prevCondLst>
+              <p:nextCondLst>
+                <p:cond evt="onNext" delay="0">
+                  <p:tgtEl>
+                    <p:sldTgt/>
+                  </p:tgtEl>
+                </p:cond>
+              </p:nextCondLst>
+            </p:seq>
+          </p:childTnLst>
+        </p:cTn>
+      </p:par>
+    </p:tnLst>
+  </p:timing>
 </p:sld>
 </file>
 
@@ -6635,56 +9516,41 @@
           <a:chExt cx="0" cy="0"/>
         </a:xfrm>
       </p:grpSpPr>
-      <p:sp>
-        <p:nvSpPr>
-          <p:cNvPr id="9" name="Title 8">
+      <p:pic>
+        <p:nvPicPr>
+          <p:cNvPr id="13" name="Picture 12">
             <a:extLst>
               <a:ext uri="{FF2B5EF4-FFF2-40B4-BE49-F238E27FC236}">
-                <a16:creationId xmlns:a16="http://schemas.microsoft.com/office/drawing/2014/main" id="{C958DD35-CA26-4605-9283-1C48AD4D2871}"/>
+                <a16:creationId xmlns:a16="http://schemas.microsoft.com/office/drawing/2014/main" id="{E71BA193-D706-4E73-B3C3-EE763F1D776B}"/>
               </a:ext>
             </a:extLst>
           </p:cNvPr>
-          <p:cNvSpPr>
-            <a:spLocks noGrp="1"/>
-          </p:cNvSpPr>
-          <p:nvPr>
-            <p:ph type="title"/>
-          </p:nvPr>
-        </p:nvSpPr>
-        <p:spPr/>
-        <p:txBody>
-          <a:bodyPr/>
-          <a:lstStyle/>
-          <a:p>
-            <a:endParaRPr lang="de-DE" dirty="0"/>
-          </a:p>
-        </p:txBody>
-      </p:sp>
-      <p:sp>
-        <p:nvSpPr>
-          <p:cNvPr id="15" name="Content Placeholder 14">
+          <p:cNvPicPr>
+            <a:picLocks noChangeAspect="1"/>
+          </p:cNvPicPr>
+          <p:nvPr/>
+        </p:nvPicPr>
+        <p:blipFill rotWithShape="1">
+          <a:blip r:embed="rId3" cstate="print">
             <a:extLst>
-              <a:ext uri="{FF2B5EF4-FFF2-40B4-BE49-F238E27FC236}">
-                <a16:creationId xmlns:a16="http://schemas.microsoft.com/office/drawing/2014/main" id="{8C2E98DE-0644-4CDA-B8EC-1C4E40E7B845}"/>
+              <a:ext uri="{28A0092B-C50C-407E-A947-70E740481C1C}">
+                <a14:useLocalDpi xmlns:a14="http://schemas.microsoft.com/office/drawing/2010/main" val="0"/>
               </a:ext>
             </a:extLst>
-          </p:cNvPr>
-          <p:cNvSpPr>
-            <a:spLocks noGrp="1"/>
-          </p:cNvSpPr>
-          <p:nvPr>
-            <p:ph idx="1"/>
-          </p:nvPr>
-        </p:nvSpPr>
-        <p:spPr/>
-        <p:txBody>
-          <a:bodyPr/>
-          <a:lstStyle/>
-          <a:p>
-            <a:endParaRPr lang="de-DE" dirty="0"/>
-          </a:p>
-        </p:txBody>
-      </p:sp>
+          </a:blip>
+          <a:srcRect t="20389" b="22377"/>
+          <a:stretch/>
+        </p:blipFill>
+        <p:spPr>
+          <a:xfrm>
+            <a:off x="1853952" y="4290939"/>
+            <a:ext cx="5436096" cy="1512168"/>
+          </a:xfrm>
+          <a:prstGeom prst="rect">
+            <a:avLst/>
+          </a:prstGeom>
+        </p:spPr>
+      </p:pic>
       <p:sp>
         <p:nvSpPr>
           <p:cNvPr id="15367" name="Foliennummernplatzhalter 3"/>
@@ -6781,6 +9647,268 @@
           </a:p>
         </p:txBody>
       </p:sp>
+      <p:sp>
+        <p:nvSpPr>
+          <p:cNvPr id="8" name="Title 8">
+            <a:extLst>
+              <a:ext uri="{FF2B5EF4-FFF2-40B4-BE49-F238E27FC236}">
+                <a16:creationId xmlns:a16="http://schemas.microsoft.com/office/drawing/2014/main" id="{2999BB9D-4795-4987-BD94-D7E18A51ED47}"/>
+              </a:ext>
+            </a:extLst>
+          </p:cNvPr>
+          <p:cNvSpPr txBox="1">
+            <a:spLocks/>
+          </p:cNvSpPr>
+          <p:nvPr/>
+        </p:nvSpPr>
+        <p:spPr bwMode="auto">
+          <a:xfrm>
+            <a:off x="623888" y="547688"/>
+            <a:ext cx="7772400" cy="533400"/>
+          </a:xfrm>
+          <a:prstGeom prst="rect">
+            <a:avLst/>
+          </a:prstGeom>
+          <a:noFill/>
+          <a:ln w="9525">
+            <a:noFill/>
+            <a:miter lim="800000"/>
+            <a:headEnd/>
+            <a:tailEnd/>
+          </a:ln>
+        </p:spPr>
+        <p:txBody>
+          <a:bodyPr vert="horz" wrap="square" lIns="0" tIns="0" rIns="0" bIns="0" numCol="1" anchor="ctr" anchorCtr="0" compatLnSpc="1">
+            <a:prstTxWarp prst="textNoShape">
+              <a:avLst/>
+            </a:prstTxWarp>
+          </a:bodyPr>
+          <a:lstStyle>
+            <a:lvl1pPr algn="l" rtl="0" eaLnBrk="0" fontAlgn="base" hangingPunct="0">
+              <a:spcBef>
+                <a:spcPct val="0"/>
+              </a:spcBef>
+              <a:spcAft>
+                <a:spcPct val="0"/>
+              </a:spcAft>
+              <a:defRPr sz="2800">
+                <a:solidFill>
+                  <a:srgbClr val="444A4B"/>
+                </a:solidFill>
+                <a:latin typeface="+mj-lt"/>
+                <a:ea typeface="+mj-ea"/>
+                <a:cs typeface="+mj-cs"/>
+              </a:defRPr>
+            </a:lvl1pPr>
+            <a:lvl2pPr algn="l" rtl="0" eaLnBrk="0" fontAlgn="base" hangingPunct="0">
+              <a:spcBef>
+                <a:spcPct val="0"/>
+              </a:spcBef>
+              <a:spcAft>
+                <a:spcPct val="0"/>
+              </a:spcAft>
+              <a:defRPr sz="2800">
+                <a:solidFill>
+                  <a:srgbClr val="444A4B"/>
+                </a:solidFill>
+                <a:latin typeface="Arial Narrow" pitchFamily="-112" charset="0"/>
+                <a:ea typeface="ＭＳ Ｐゴシック" pitchFamily="-112" charset="-128"/>
+              </a:defRPr>
+            </a:lvl2pPr>
+            <a:lvl3pPr algn="l" rtl="0" eaLnBrk="0" fontAlgn="base" hangingPunct="0">
+              <a:spcBef>
+                <a:spcPct val="0"/>
+              </a:spcBef>
+              <a:spcAft>
+                <a:spcPct val="0"/>
+              </a:spcAft>
+              <a:defRPr sz="2800">
+                <a:solidFill>
+                  <a:srgbClr val="444A4B"/>
+                </a:solidFill>
+                <a:latin typeface="Arial Narrow" pitchFamily="-112" charset="0"/>
+                <a:ea typeface="ＭＳ Ｐゴシック" pitchFamily="-112" charset="-128"/>
+              </a:defRPr>
+            </a:lvl3pPr>
+            <a:lvl4pPr algn="l" rtl="0" eaLnBrk="0" fontAlgn="base" hangingPunct="0">
+              <a:spcBef>
+                <a:spcPct val="0"/>
+              </a:spcBef>
+              <a:spcAft>
+                <a:spcPct val="0"/>
+              </a:spcAft>
+              <a:defRPr sz="2800">
+                <a:solidFill>
+                  <a:srgbClr val="444A4B"/>
+                </a:solidFill>
+                <a:latin typeface="Arial Narrow" pitchFamily="-112" charset="0"/>
+                <a:ea typeface="ＭＳ Ｐゴシック" pitchFamily="-112" charset="-128"/>
+              </a:defRPr>
+            </a:lvl4pPr>
+            <a:lvl5pPr algn="l" rtl="0" eaLnBrk="0" fontAlgn="base" hangingPunct="0">
+              <a:spcBef>
+                <a:spcPct val="0"/>
+              </a:spcBef>
+              <a:spcAft>
+                <a:spcPct val="0"/>
+              </a:spcAft>
+              <a:defRPr sz="2800">
+                <a:solidFill>
+                  <a:srgbClr val="444A4B"/>
+                </a:solidFill>
+                <a:latin typeface="Arial Narrow" pitchFamily="-112" charset="0"/>
+                <a:ea typeface="ＭＳ Ｐゴシック" pitchFamily="-112" charset="-128"/>
+              </a:defRPr>
+            </a:lvl5pPr>
+            <a:lvl6pPr marL="457200" algn="l" rtl="0" fontAlgn="base">
+              <a:spcBef>
+                <a:spcPct val="0"/>
+              </a:spcBef>
+              <a:spcAft>
+                <a:spcPct val="0"/>
+              </a:spcAft>
+              <a:defRPr sz="2800">
+                <a:solidFill>
+                  <a:srgbClr val="444A4B"/>
+                </a:solidFill>
+                <a:latin typeface="Arial Narrow" pitchFamily="-112" charset="0"/>
+                <a:ea typeface="ＭＳ Ｐゴシック" pitchFamily="-112" charset="-128"/>
+              </a:defRPr>
+            </a:lvl6pPr>
+            <a:lvl7pPr marL="914400" algn="l" rtl="0" fontAlgn="base">
+              <a:spcBef>
+                <a:spcPct val="0"/>
+              </a:spcBef>
+              <a:spcAft>
+                <a:spcPct val="0"/>
+              </a:spcAft>
+              <a:defRPr sz="2800">
+                <a:solidFill>
+                  <a:srgbClr val="444A4B"/>
+                </a:solidFill>
+                <a:latin typeface="Arial Narrow" pitchFamily="-112" charset="0"/>
+                <a:ea typeface="ＭＳ Ｐゴシック" pitchFamily="-112" charset="-128"/>
+              </a:defRPr>
+            </a:lvl7pPr>
+            <a:lvl8pPr marL="1371600" algn="l" rtl="0" fontAlgn="base">
+              <a:spcBef>
+                <a:spcPct val="0"/>
+              </a:spcBef>
+              <a:spcAft>
+                <a:spcPct val="0"/>
+              </a:spcAft>
+              <a:defRPr sz="2800">
+                <a:solidFill>
+                  <a:srgbClr val="444A4B"/>
+                </a:solidFill>
+                <a:latin typeface="Arial Narrow" pitchFamily="-112" charset="0"/>
+                <a:ea typeface="ＭＳ Ｐゴシック" pitchFamily="-112" charset="-128"/>
+              </a:defRPr>
+            </a:lvl8pPr>
+            <a:lvl9pPr marL="1828800" algn="l" rtl="0" fontAlgn="base">
+              <a:spcBef>
+                <a:spcPct val="0"/>
+              </a:spcBef>
+              <a:spcAft>
+                <a:spcPct val="0"/>
+              </a:spcAft>
+              <a:defRPr sz="2800">
+                <a:solidFill>
+                  <a:srgbClr val="444A4B"/>
+                </a:solidFill>
+                <a:latin typeface="Arial Narrow" pitchFamily="-112" charset="0"/>
+                <a:ea typeface="ＭＳ Ｐゴシック" pitchFamily="-112" charset="-128"/>
+              </a:defRPr>
+            </a:lvl9pPr>
+          </a:lstStyle>
+          <a:p>
+            <a:pPr>
+              <a:lnSpc>
+                <a:spcPct val="100000"/>
+              </a:lnSpc>
+            </a:pPr>
+            <a:r>
+              <a:rPr lang="de-DE" b="1" u="none" kern="0" dirty="0">
+                <a:latin typeface="Calibri" panose="020F0502020204030204" pitchFamily="34" charset="0"/>
+                <a:cs typeface="Calibri" panose="020F0502020204030204" pitchFamily="34" charset="0"/>
+              </a:rPr>
+              <a:t>Reale Rekonstruktion</a:t>
+            </a:r>
+          </a:p>
+        </p:txBody>
+      </p:sp>
+      <p:pic>
+        <p:nvPicPr>
+          <p:cNvPr id="11" name="Picture 10">
+            <a:extLst>
+              <a:ext uri="{FF2B5EF4-FFF2-40B4-BE49-F238E27FC236}">
+                <a16:creationId xmlns:a16="http://schemas.microsoft.com/office/drawing/2014/main" id="{EA7BEA84-630A-420E-B9A5-55CC3B7AB778}"/>
+              </a:ext>
+            </a:extLst>
+          </p:cNvPr>
+          <p:cNvPicPr>
+            <a:picLocks noChangeAspect="1"/>
+          </p:cNvPicPr>
+          <p:nvPr/>
+        </p:nvPicPr>
+        <p:blipFill>
+          <a:blip r:embed="rId4">
+            <a:extLst>
+              <a:ext uri="{28A0092B-C50C-407E-A947-70E740481C1C}">
+                <a14:useLocalDpi xmlns:a14="http://schemas.microsoft.com/office/drawing/2010/main" val="0"/>
+              </a:ext>
+            </a:extLst>
+          </a:blip>
+          <a:stretch>
+            <a:fillRect/>
+          </a:stretch>
+        </p:blipFill>
+        <p:spPr>
+          <a:xfrm>
+            <a:off x="0" y="1185292"/>
+            <a:ext cx="4572000" cy="3048001"/>
+          </a:xfrm>
+          <a:prstGeom prst="rect">
+            <a:avLst/>
+          </a:prstGeom>
+        </p:spPr>
+      </p:pic>
+      <p:pic>
+        <p:nvPicPr>
+          <p:cNvPr id="12" name="Picture 11">
+            <a:extLst>
+              <a:ext uri="{FF2B5EF4-FFF2-40B4-BE49-F238E27FC236}">
+                <a16:creationId xmlns:a16="http://schemas.microsoft.com/office/drawing/2014/main" id="{42995452-4D76-41C0-AEAA-E10C148BBE7C}"/>
+              </a:ext>
+            </a:extLst>
+          </p:cNvPr>
+          <p:cNvPicPr>
+            <a:picLocks noChangeAspect="1"/>
+          </p:cNvPicPr>
+          <p:nvPr/>
+        </p:nvPicPr>
+        <p:blipFill>
+          <a:blip r:embed="rId5">
+            <a:extLst>
+              <a:ext uri="{28A0092B-C50C-407E-A947-70E740481C1C}">
+                <a14:useLocalDpi xmlns:a14="http://schemas.microsoft.com/office/drawing/2010/main" val="0"/>
+              </a:ext>
+            </a:extLst>
+          </a:blip>
+          <a:stretch>
+            <a:fillRect/>
+          </a:stretch>
+        </p:blipFill>
+        <p:spPr>
+          <a:xfrm>
+            <a:off x="4572000" y="1203103"/>
+            <a:ext cx="4572000" cy="3030190"/>
+          </a:xfrm>
+          <a:prstGeom prst="rect">
+            <a:avLst/>
+          </a:prstGeom>
+        </p:spPr>
+      </p:pic>
     </p:spTree>
     <p:extLst>
       <p:ext uri="{BB962C8B-B14F-4D97-AF65-F5344CB8AC3E}">
@@ -6813,6 +9941,2180 @@
       </p:grpSpPr>
       <p:sp>
         <p:nvSpPr>
+          <p:cNvPr id="15367" name="Foliennummernplatzhalter 3"/>
+          <p:cNvSpPr>
+            <a:spLocks noGrp="1"/>
+          </p:cNvSpPr>
+          <p:nvPr>
+            <p:ph type="sldNum" sz="quarter" idx="12"/>
+          </p:nvPr>
+        </p:nvSpPr>
+        <p:spPr/>
+        <p:txBody>
+          <a:bodyPr/>
+          <a:lstStyle/>
+          <a:p>
+            <a:fld id="{00A3E6BF-A18C-4ADA-B4DF-837CA5AC6C3B}" type="slidenum">
+              <a:rPr lang="de-DE" smtClean="0"/>
+              <a:pPr/>
+              <a:t>13</a:t>
+            </a:fld>
+            <a:endParaRPr lang="de-DE"/>
+          </a:p>
+        </p:txBody>
+      </p:sp>
+      <p:sp>
+        <p:nvSpPr>
+          <p:cNvPr id="7" name="Footer Placeholder 4">
+            <a:extLst>
+              <a:ext uri="{FF2B5EF4-FFF2-40B4-BE49-F238E27FC236}">
+                <a16:creationId xmlns:a16="http://schemas.microsoft.com/office/drawing/2014/main" id="{C4C146E8-EC73-46FC-8B03-58FA3D7A2538}"/>
+              </a:ext>
+            </a:extLst>
+          </p:cNvPr>
+          <p:cNvSpPr>
+            <a:spLocks noGrp="1"/>
+          </p:cNvSpPr>
+          <p:nvPr>
+            <p:ph type="ftr" sz="quarter" idx="11"/>
+          </p:nvPr>
+        </p:nvSpPr>
+        <p:spPr>
+          <a:xfrm>
+            <a:off x="539750" y="6365875"/>
+            <a:ext cx="2016125" cy="365125"/>
+          </a:xfrm>
+        </p:spPr>
+        <p:txBody>
+          <a:bodyPr/>
+          <a:lstStyle/>
+          <a:p>
+            <a:pPr>
+              <a:defRPr/>
+            </a:pPr>
+            <a:r>
+              <a:rPr lang="de-DE" dirty="0"/>
+              <a:t>Hochschule Furtwangen, </a:t>
+            </a:r>
+          </a:p>
+        </p:txBody>
+      </p:sp>
+      <p:sp>
+        <p:nvSpPr>
+          <p:cNvPr id="10" name="Date Placeholder 3">
+            <a:extLst>
+              <a:ext uri="{FF2B5EF4-FFF2-40B4-BE49-F238E27FC236}">
+                <a16:creationId xmlns:a16="http://schemas.microsoft.com/office/drawing/2014/main" id="{9B700400-1A71-4C80-BEBE-35AB1FB575DB}"/>
+              </a:ext>
+            </a:extLst>
+          </p:cNvPr>
+          <p:cNvSpPr>
+            <a:spLocks noGrp="1"/>
+          </p:cNvSpPr>
+          <p:nvPr>
+            <p:ph type="dt" sz="half" idx="10"/>
+          </p:nvPr>
+        </p:nvSpPr>
+        <p:spPr>
+          <a:xfrm>
+            <a:off x="7667625" y="6378575"/>
+            <a:ext cx="865188" cy="365125"/>
+          </a:xfrm>
+        </p:spPr>
+        <p:txBody>
+          <a:bodyPr/>
+          <a:lstStyle/>
+          <a:p>
+            <a:pPr>
+              <a:defRPr/>
+            </a:pPr>
+            <a:r>
+              <a:rPr lang="de-DE" dirty="0"/>
+              <a:t>04.07.18</a:t>
+            </a:r>
+          </a:p>
+        </p:txBody>
+      </p:sp>
+      <p:pic>
+        <p:nvPicPr>
+          <p:cNvPr id="8" name="Picture 7">
+            <a:extLst>
+              <a:ext uri="{FF2B5EF4-FFF2-40B4-BE49-F238E27FC236}">
+                <a16:creationId xmlns:a16="http://schemas.microsoft.com/office/drawing/2014/main" id="{F4A40E80-819C-4B5D-A947-43B0EC5ABA88}"/>
+              </a:ext>
+            </a:extLst>
+          </p:cNvPr>
+          <p:cNvPicPr>
+            <a:picLocks noChangeAspect="1"/>
+          </p:cNvPicPr>
+          <p:nvPr/>
+        </p:nvPicPr>
+        <p:blipFill>
+          <a:blip r:embed="rId3">
+            <a:extLst>
+              <a:ext uri="{28A0092B-C50C-407E-A947-70E740481C1C}">
+                <a14:useLocalDpi xmlns:a14="http://schemas.microsoft.com/office/drawing/2010/main" val="0"/>
+              </a:ext>
+            </a:extLst>
+          </a:blip>
+          <a:stretch>
+            <a:fillRect/>
+          </a:stretch>
+        </p:blipFill>
+        <p:spPr>
+          <a:xfrm>
+            <a:off x="365786" y="1168748"/>
+            <a:ext cx="8412427" cy="4731990"/>
+          </a:xfrm>
+          <a:prstGeom prst="rect">
+            <a:avLst/>
+          </a:prstGeom>
+        </p:spPr>
+      </p:pic>
+    </p:spTree>
+    <p:extLst>
+      <p:ext uri="{BB962C8B-B14F-4D97-AF65-F5344CB8AC3E}">
+        <p14:creationId xmlns:p14="http://schemas.microsoft.com/office/powerpoint/2010/main" val="1948372447"/>
+      </p:ext>
+    </p:extLst>
+  </p:cSld>
+  <p:clrMapOvr>
+    <a:masterClrMapping/>
+  </p:clrMapOvr>
+</p:sld>
+</file>
+
+<file path=ppt/slides/slide14.xml><?xml version="1.0" encoding="utf-8"?>
+<p:sld xmlns:a="http://schemas.openxmlformats.org/drawingml/2006/main" xmlns:r="http://schemas.openxmlformats.org/officeDocument/2006/relationships" xmlns:p="http://schemas.openxmlformats.org/presentationml/2006/main">
+  <p:cSld>
+    <p:spTree>
+      <p:nvGrpSpPr>
+        <p:cNvPr id="1" name=""/>
+        <p:cNvGrpSpPr/>
+        <p:nvPr/>
+      </p:nvGrpSpPr>
+      <p:grpSpPr>
+        <a:xfrm>
+          <a:off x="0" y="0"/>
+          <a:ext cx="0" cy="0"/>
+          <a:chOff x="0" y="0"/>
+          <a:chExt cx="0" cy="0"/>
+        </a:xfrm>
+      </p:grpSpPr>
+      <p:sp>
+        <p:nvSpPr>
+          <p:cNvPr id="15367" name="Foliennummernplatzhalter 3"/>
+          <p:cNvSpPr>
+            <a:spLocks noGrp="1"/>
+          </p:cNvSpPr>
+          <p:nvPr>
+            <p:ph type="sldNum" sz="quarter" idx="12"/>
+          </p:nvPr>
+        </p:nvSpPr>
+        <p:spPr/>
+        <p:txBody>
+          <a:bodyPr/>
+          <a:lstStyle/>
+          <a:p>
+            <a:fld id="{00A3E6BF-A18C-4ADA-B4DF-837CA5AC6C3B}" type="slidenum">
+              <a:rPr lang="de-DE" smtClean="0"/>
+              <a:pPr/>
+              <a:t>14</a:t>
+            </a:fld>
+            <a:endParaRPr lang="de-DE"/>
+          </a:p>
+        </p:txBody>
+      </p:sp>
+      <p:sp>
+        <p:nvSpPr>
+          <p:cNvPr id="7" name="Footer Placeholder 4">
+            <a:extLst>
+              <a:ext uri="{FF2B5EF4-FFF2-40B4-BE49-F238E27FC236}">
+                <a16:creationId xmlns:a16="http://schemas.microsoft.com/office/drawing/2014/main" id="{C4C146E8-EC73-46FC-8B03-58FA3D7A2538}"/>
+              </a:ext>
+            </a:extLst>
+          </p:cNvPr>
+          <p:cNvSpPr>
+            <a:spLocks noGrp="1"/>
+          </p:cNvSpPr>
+          <p:nvPr>
+            <p:ph type="ftr" sz="quarter" idx="11"/>
+          </p:nvPr>
+        </p:nvSpPr>
+        <p:spPr>
+          <a:xfrm>
+            <a:off x="539750" y="6365875"/>
+            <a:ext cx="2016125" cy="365125"/>
+          </a:xfrm>
+        </p:spPr>
+        <p:txBody>
+          <a:bodyPr/>
+          <a:lstStyle/>
+          <a:p>
+            <a:pPr>
+              <a:defRPr/>
+            </a:pPr>
+            <a:r>
+              <a:rPr lang="de-DE" dirty="0"/>
+              <a:t>Hochschule Furtwangen, </a:t>
+            </a:r>
+          </a:p>
+        </p:txBody>
+      </p:sp>
+      <p:sp>
+        <p:nvSpPr>
+          <p:cNvPr id="10" name="Date Placeholder 3">
+            <a:extLst>
+              <a:ext uri="{FF2B5EF4-FFF2-40B4-BE49-F238E27FC236}">
+                <a16:creationId xmlns:a16="http://schemas.microsoft.com/office/drawing/2014/main" id="{9B700400-1A71-4C80-BEBE-35AB1FB575DB}"/>
+              </a:ext>
+            </a:extLst>
+          </p:cNvPr>
+          <p:cNvSpPr>
+            <a:spLocks noGrp="1"/>
+          </p:cNvSpPr>
+          <p:nvPr>
+            <p:ph type="dt" sz="half" idx="10"/>
+          </p:nvPr>
+        </p:nvSpPr>
+        <p:spPr>
+          <a:xfrm>
+            <a:off x="7667625" y="6378575"/>
+            <a:ext cx="865188" cy="365125"/>
+          </a:xfrm>
+        </p:spPr>
+        <p:txBody>
+          <a:bodyPr/>
+          <a:lstStyle/>
+          <a:p>
+            <a:pPr>
+              <a:defRPr/>
+            </a:pPr>
+            <a:r>
+              <a:rPr lang="de-DE" dirty="0"/>
+              <a:t>04.07.18</a:t>
+            </a:r>
+          </a:p>
+        </p:txBody>
+      </p:sp>
+      <p:sp>
+        <p:nvSpPr>
+          <p:cNvPr id="8" name="Title 8">
+            <a:extLst>
+              <a:ext uri="{FF2B5EF4-FFF2-40B4-BE49-F238E27FC236}">
+                <a16:creationId xmlns:a16="http://schemas.microsoft.com/office/drawing/2014/main" id="{8A62CF41-85F9-42B5-A1FC-67F4DCEF109F}"/>
+              </a:ext>
+            </a:extLst>
+          </p:cNvPr>
+          <p:cNvSpPr txBox="1">
+            <a:spLocks/>
+          </p:cNvSpPr>
+          <p:nvPr/>
+        </p:nvSpPr>
+        <p:spPr bwMode="auto">
+          <a:xfrm>
+            <a:off x="623888" y="547688"/>
+            <a:ext cx="7772400" cy="533400"/>
+          </a:xfrm>
+          <a:prstGeom prst="rect">
+            <a:avLst/>
+          </a:prstGeom>
+          <a:noFill/>
+          <a:ln w="9525">
+            <a:noFill/>
+            <a:miter lim="800000"/>
+            <a:headEnd/>
+            <a:tailEnd/>
+          </a:ln>
+        </p:spPr>
+        <p:txBody>
+          <a:bodyPr vert="horz" wrap="square" lIns="0" tIns="0" rIns="0" bIns="0" numCol="1" anchor="ctr" anchorCtr="0" compatLnSpc="1">
+            <a:prstTxWarp prst="textNoShape">
+              <a:avLst/>
+            </a:prstTxWarp>
+          </a:bodyPr>
+          <a:lstStyle>
+            <a:lvl1pPr algn="l" rtl="0" eaLnBrk="0" fontAlgn="base" hangingPunct="0">
+              <a:spcBef>
+                <a:spcPct val="0"/>
+              </a:spcBef>
+              <a:spcAft>
+                <a:spcPct val="0"/>
+              </a:spcAft>
+              <a:defRPr sz="2800">
+                <a:solidFill>
+                  <a:srgbClr val="444A4B"/>
+                </a:solidFill>
+                <a:latin typeface="+mj-lt"/>
+                <a:ea typeface="+mj-ea"/>
+                <a:cs typeface="+mj-cs"/>
+              </a:defRPr>
+            </a:lvl1pPr>
+            <a:lvl2pPr algn="l" rtl="0" eaLnBrk="0" fontAlgn="base" hangingPunct="0">
+              <a:spcBef>
+                <a:spcPct val="0"/>
+              </a:spcBef>
+              <a:spcAft>
+                <a:spcPct val="0"/>
+              </a:spcAft>
+              <a:defRPr sz="2800">
+                <a:solidFill>
+                  <a:srgbClr val="444A4B"/>
+                </a:solidFill>
+                <a:latin typeface="Arial Narrow" pitchFamily="-112" charset="0"/>
+                <a:ea typeface="ＭＳ Ｐゴシック" pitchFamily="-112" charset="-128"/>
+              </a:defRPr>
+            </a:lvl2pPr>
+            <a:lvl3pPr algn="l" rtl="0" eaLnBrk="0" fontAlgn="base" hangingPunct="0">
+              <a:spcBef>
+                <a:spcPct val="0"/>
+              </a:spcBef>
+              <a:spcAft>
+                <a:spcPct val="0"/>
+              </a:spcAft>
+              <a:defRPr sz="2800">
+                <a:solidFill>
+                  <a:srgbClr val="444A4B"/>
+                </a:solidFill>
+                <a:latin typeface="Arial Narrow" pitchFamily="-112" charset="0"/>
+                <a:ea typeface="ＭＳ Ｐゴシック" pitchFamily="-112" charset="-128"/>
+              </a:defRPr>
+            </a:lvl3pPr>
+            <a:lvl4pPr algn="l" rtl="0" eaLnBrk="0" fontAlgn="base" hangingPunct="0">
+              <a:spcBef>
+                <a:spcPct val="0"/>
+              </a:spcBef>
+              <a:spcAft>
+                <a:spcPct val="0"/>
+              </a:spcAft>
+              <a:defRPr sz="2800">
+                <a:solidFill>
+                  <a:srgbClr val="444A4B"/>
+                </a:solidFill>
+                <a:latin typeface="Arial Narrow" pitchFamily="-112" charset="0"/>
+                <a:ea typeface="ＭＳ Ｐゴシック" pitchFamily="-112" charset="-128"/>
+              </a:defRPr>
+            </a:lvl4pPr>
+            <a:lvl5pPr algn="l" rtl="0" eaLnBrk="0" fontAlgn="base" hangingPunct="0">
+              <a:spcBef>
+                <a:spcPct val="0"/>
+              </a:spcBef>
+              <a:spcAft>
+                <a:spcPct val="0"/>
+              </a:spcAft>
+              <a:defRPr sz="2800">
+                <a:solidFill>
+                  <a:srgbClr val="444A4B"/>
+                </a:solidFill>
+                <a:latin typeface="Arial Narrow" pitchFamily="-112" charset="0"/>
+                <a:ea typeface="ＭＳ Ｐゴシック" pitchFamily="-112" charset="-128"/>
+              </a:defRPr>
+            </a:lvl5pPr>
+            <a:lvl6pPr marL="457200" algn="l" rtl="0" fontAlgn="base">
+              <a:spcBef>
+                <a:spcPct val="0"/>
+              </a:spcBef>
+              <a:spcAft>
+                <a:spcPct val="0"/>
+              </a:spcAft>
+              <a:defRPr sz="2800">
+                <a:solidFill>
+                  <a:srgbClr val="444A4B"/>
+                </a:solidFill>
+                <a:latin typeface="Arial Narrow" pitchFamily="-112" charset="0"/>
+                <a:ea typeface="ＭＳ Ｐゴシック" pitchFamily="-112" charset="-128"/>
+              </a:defRPr>
+            </a:lvl6pPr>
+            <a:lvl7pPr marL="914400" algn="l" rtl="0" fontAlgn="base">
+              <a:spcBef>
+                <a:spcPct val="0"/>
+              </a:spcBef>
+              <a:spcAft>
+                <a:spcPct val="0"/>
+              </a:spcAft>
+              <a:defRPr sz="2800">
+                <a:solidFill>
+                  <a:srgbClr val="444A4B"/>
+                </a:solidFill>
+                <a:latin typeface="Arial Narrow" pitchFamily="-112" charset="0"/>
+                <a:ea typeface="ＭＳ Ｐゴシック" pitchFamily="-112" charset="-128"/>
+              </a:defRPr>
+            </a:lvl7pPr>
+            <a:lvl8pPr marL="1371600" algn="l" rtl="0" fontAlgn="base">
+              <a:spcBef>
+                <a:spcPct val="0"/>
+              </a:spcBef>
+              <a:spcAft>
+                <a:spcPct val="0"/>
+              </a:spcAft>
+              <a:defRPr sz="2800">
+                <a:solidFill>
+                  <a:srgbClr val="444A4B"/>
+                </a:solidFill>
+                <a:latin typeface="Arial Narrow" pitchFamily="-112" charset="0"/>
+                <a:ea typeface="ＭＳ Ｐゴシック" pitchFamily="-112" charset="-128"/>
+              </a:defRPr>
+            </a:lvl8pPr>
+            <a:lvl9pPr marL="1828800" algn="l" rtl="0" fontAlgn="base">
+              <a:spcBef>
+                <a:spcPct val="0"/>
+              </a:spcBef>
+              <a:spcAft>
+                <a:spcPct val="0"/>
+              </a:spcAft>
+              <a:defRPr sz="2800">
+                <a:solidFill>
+                  <a:srgbClr val="444A4B"/>
+                </a:solidFill>
+                <a:latin typeface="Arial Narrow" pitchFamily="-112" charset="0"/>
+                <a:ea typeface="ＭＳ Ｐゴシック" pitchFamily="-112" charset="-128"/>
+              </a:defRPr>
+            </a:lvl9pPr>
+          </a:lstStyle>
+          <a:p>
+            <a:pPr>
+              <a:lnSpc>
+                <a:spcPct val="100000"/>
+              </a:lnSpc>
+            </a:pPr>
+            <a:r>
+              <a:rPr lang="de-DE" b="1" u="none" kern="0" dirty="0">
+                <a:latin typeface="Calibri" panose="020F0502020204030204" pitchFamily="34" charset="0"/>
+                <a:cs typeface="Calibri" panose="020F0502020204030204" pitchFamily="34" charset="0"/>
+              </a:rPr>
+              <a:t>Reale Rekonstruktion</a:t>
+            </a:r>
+          </a:p>
+        </p:txBody>
+      </p:sp>
+      <p:pic>
+        <p:nvPicPr>
+          <p:cNvPr id="5" name="Picture 4">
+            <a:extLst>
+              <a:ext uri="{FF2B5EF4-FFF2-40B4-BE49-F238E27FC236}">
+                <a16:creationId xmlns:a16="http://schemas.microsoft.com/office/drawing/2014/main" id="{CF070156-7AE5-432D-A833-E0C609FEB153}"/>
+              </a:ext>
+            </a:extLst>
+          </p:cNvPr>
+          <p:cNvPicPr>
+            <a:picLocks noChangeAspect="1"/>
+          </p:cNvPicPr>
+          <p:nvPr/>
+        </p:nvPicPr>
+        <p:blipFill>
+          <a:blip r:embed="rId3"/>
+          <a:stretch>
+            <a:fillRect/>
+          </a:stretch>
+        </p:blipFill>
+        <p:spPr>
+          <a:xfrm>
+            <a:off x="473588" y="1407400"/>
+            <a:ext cx="4036500" cy="4043200"/>
+          </a:xfrm>
+          <a:prstGeom prst="rect">
+            <a:avLst/>
+          </a:prstGeom>
+        </p:spPr>
+      </p:pic>
+      <p:pic>
+        <p:nvPicPr>
+          <p:cNvPr id="6" name="Picture 5">
+            <a:extLst>
+              <a:ext uri="{FF2B5EF4-FFF2-40B4-BE49-F238E27FC236}">
+                <a16:creationId xmlns:a16="http://schemas.microsoft.com/office/drawing/2014/main" id="{A356BEDD-FF2C-4BAC-9F1C-D00AB5B192A2}"/>
+              </a:ext>
+            </a:extLst>
+          </p:cNvPr>
+          <p:cNvPicPr>
+            <a:picLocks noChangeAspect="1"/>
+          </p:cNvPicPr>
+          <p:nvPr/>
+        </p:nvPicPr>
+        <p:blipFill>
+          <a:blip r:embed="rId4"/>
+          <a:stretch>
+            <a:fillRect/>
+          </a:stretch>
+        </p:blipFill>
+        <p:spPr>
+          <a:xfrm>
+            <a:off x="4788024" y="1407400"/>
+            <a:ext cx="4036500" cy="4043200"/>
+          </a:xfrm>
+          <a:prstGeom prst="rect">
+            <a:avLst/>
+          </a:prstGeom>
+        </p:spPr>
+      </p:pic>
+      <p:pic>
+        <p:nvPicPr>
+          <p:cNvPr id="11" name="Picture 10">
+            <a:extLst>
+              <a:ext uri="{FF2B5EF4-FFF2-40B4-BE49-F238E27FC236}">
+                <a16:creationId xmlns:a16="http://schemas.microsoft.com/office/drawing/2014/main" id="{C0F4EA06-A7D4-42DE-9A19-2153B096D011}"/>
+              </a:ext>
+            </a:extLst>
+          </p:cNvPr>
+          <p:cNvPicPr>
+            <a:picLocks noChangeAspect="1"/>
+          </p:cNvPicPr>
+          <p:nvPr/>
+        </p:nvPicPr>
+        <p:blipFill>
+          <a:blip r:embed="rId5"/>
+          <a:stretch>
+            <a:fillRect/>
+          </a:stretch>
+        </p:blipFill>
+        <p:spPr>
+          <a:xfrm>
+            <a:off x="473588" y="1407400"/>
+            <a:ext cx="4036500" cy="4043200"/>
+          </a:xfrm>
+          <a:prstGeom prst="rect">
+            <a:avLst/>
+          </a:prstGeom>
+        </p:spPr>
+      </p:pic>
+      <p:pic>
+        <p:nvPicPr>
+          <p:cNvPr id="12" name="Picture 11">
+            <a:extLst>
+              <a:ext uri="{FF2B5EF4-FFF2-40B4-BE49-F238E27FC236}">
+                <a16:creationId xmlns:a16="http://schemas.microsoft.com/office/drawing/2014/main" id="{E470A2D8-9E60-4ACB-885D-240A763D573C}"/>
+              </a:ext>
+            </a:extLst>
+          </p:cNvPr>
+          <p:cNvPicPr>
+            <a:picLocks noChangeAspect="1"/>
+          </p:cNvPicPr>
+          <p:nvPr/>
+        </p:nvPicPr>
+        <p:blipFill>
+          <a:blip r:embed="rId6"/>
+          <a:stretch>
+            <a:fillRect/>
+          </a:stretch>
+        </p:blipFill>
+        <p:spPr>
+          <a:xfrm>
+            <a:off x="4812614" y="1385000"/>
+            <a:ext cx="4036500" cy="4065600"/>
+          </a:xfrm>
+          <a:prstGeom prst="rect">
+            <a:avLst/>
+          </a:prstGeom>
+        </p:spPr>
+      </p:pic>
+    </p:spTree>
+    <p:extLst>
+      <p:ext uri="{BB962C8B-B14F-4D97-AF65-F5344CB8AC3E}">
+        <p14:creationId xmlns:p14="http://schemas.microsoft.com/office/powerpoint/2010/main" val="2200845474"/>
+      </p:ext>
+    </p:extLst>
+  </p:cSld>
+  <p:clrMapOvr>
+    <a:masterClrMapping/>
+  </p:clrMapOvr>
+  <p:timing>
+    <p:tnLst>
+      <p:par>
+        <p:cTn id="1" dur="indefinite" restart="never" nodeType="tmRoot">
+          <p:childTnLst>
+            <p:seq concurrent="1" nextAc="seek">
+              <p:cTn id="2" dur="indefinite" nodeType="mainSeq">
+                <p:childTnLst>
+                  <p:par>
+                    <p:cTn id="3" fill="hold">
+                      <p:stCondLst>
+                        <p:cond delay="indefinite"/>
+                      </p:stCondLst>
+                      <p:childTnLst>
+                        <p:par>
+                          <p:cTn id="4" fill="hold">
+                            <p:stCondLst>
+                              <p:cond delay="0"/>
+                            </p:stCondLst>
+                            <p:childTnLst>
+                              <p:par>
+                                <p:cTn id="5" presetID="1" presetClass="entr" presetSubtype="0" fill="hold" nodeType="clickEffect">
+                                  <p:stCondLst>
+                                    <p:cond delay="0"/>
+                                  </p:stCondLst>
+                                  <p:childTnLst>
+                                    <p:set>
+                                      <p:cBhvr>
+                                        <p:cTn id="6" dur="1" fill="hold">
+                                          <p:stCondLst>
+                                            <p:cond delay="0"/>
+                                          </p:stCondLst>
+                                        </p:cTn>
+                                        <p:tgtEl>
+                                          <p:spTgt spid="12"/>
+                                        </p:tgtEl>
+                                        <p:attrNameLst>
+                                          <p:attrName>style.visibility</p:attrName>
+                                        </p:attrNameLst>
+                                      </p:cBhvr>
+                                      <p:to>
+                                        <p:strVal val="visible"/>
+                                      </p:to>
+                                    </p:set>
+                                  </p:childTnLst>
+                                </p:cTn>
+                              </p:par>
+                              <p:par>
+                                <p:cTn id="7" presetID="1" presetClass="entr" presetSubtype="0" fill="hold" nodeType="withEffect">
+                                  <p:stCondLst>
+                                    <p:cond delay="0"/>
+                                  </p:stCondLst>
+                                  <p:childTnLst>
+                                    <p:set>
+                                      <p:cBhvr>
+                                        <p:cTn id="8" dur="1" fill="hold">
+                                          <p:stCondLst>
+                                            <p:cond delay="0"/>
+                                          </p:stCondLst>
+                                        </p:cTn>
+                                        <p:tgtEl>
+                                          <p:spTgt spid="11"/>
+                                        </p:tgtEl>
+                                        <p:attrNameLst>
+                                          <p:attrName>style.visibility</p:attrName>
+                                        </p:attrNameLst>
+                                      </p:cBhvr>
+                                      <p:to>
+                                        <p:strVal val="visible"/>
+                                      </p:to>
+                                    </p:set>
+                                  </p:childTnLst>
+                                </p:cTn>
+                              </p:par>
+                            </p:childTnLst>
+                          </p:cTn>
+                        </p:par>
+                      </p:childTnLst>
+                    </p:cTn>
+                  </p:par>
+                </p:childTnLst>
+              </p:cTn>
+              <p:prevCondLst>
+                <p:cond evt="onPrev" delay="0">
+                  <p:tgtEl>
+                    <p:sldTgt/>
+                  </p:tgtEl>
+                </p:cond>
+              </p:prevCondLst>
+              <p:nextCondLst>
+                <p:cond evt="onNext" delay="0">
+                  <p:tgtEl>
+                    <p:sldTgt/>
+                  </p:tgtEl>
+                </p:cond>
+              </p:nextCondLst>
+            </p:seq>
+          </p:childTnLst>
+        </p:cTn>
+      </p:par>
+    </p:tnLst>
+  </p:timing>
+</p:sld>
+</file>
+
+<file path=ppt/slides/slide15.xml><?xml version="1.0" encoding="utf-8"?>
+<p:sld xmlns:a="http://schemas.openxmlformats.org/drawingml/2006/main" xmlns:r="http://schemas.openxmlformats.org/officeDocument/2006/relationships" xmlns:p="http://schemas.openxmlformats.org/presentationml/2006/main">
+  <p:cSld>
+    <p:spTree>
+      <p:nvGrpSpPr>
+        <p:cNvPr id="1" name=""/>
+        <p:cNvGrpSpPr/>
+        <p:nvPr/>
+      </p:nvGrpSpPr>
+      <p:grpSpPr>
+        <a:xfrm>
+          <a:off x="0" y="0"/>
+          <a:ext cx="0" cy="0"/>
+          <a:chOff x="0" y="0"/>
+          <a:chExt cx="0" cy="0"/>
+        </a:xfrm>
+      </p:grpSpPr>
+      <p:sp>
+        <p:nvSpPr>
+          <p:cNvPr id="15367" name="Foliennummernplatzhalter 3"/>
+          <p:cNvSpPr>
+            <a:spLocks noGrp="1"/>
+          </p:cNvSpPr>
+          <p:nvPr>
+            <p:ph type="sldNum" sz="quarter" idx="12"/>
+          </p:nvPr>
+        </p:nvSpPr>
+        <p:spPr/>
+        <p:txBody>
+          <a:bodyPr/>
+          <a:lstStyle/>
+          <a:p>
+            <a:fld id="{00A3E6BF-A18C-4ADA-B4DF-837CA5AC6C3B}" type="slidenum">
+              <a:rPr lang="de-DE" smtClean="0"/>
+              <a:pPr/>
+              <a:t>15</a:t>
+            </a:fld>
+            <a:endParaRPr lang="de-DE"/>
+          </a:p>
+        </p:txBody>
+      </p:sp>
+      <p:sp>
+        <p:nvSpPr>
+          <p:cNvPr id="7" name="Footer Placeholder 4">
+            <a:extLst>
+              <a:ext uri="{FF2B5EF4-FFF2-40B4-BE49-F238E27FC236}">
+                <a16:creationId xmlns:a16="http://schemas.microsoft.com/office/drawing/2014/main" id="{C4C146E8-EC73-46FC-8B03-58FA3D7A2538}"/>
+              </a:ext>
+            </a:extLst>
+          </p:cNvPr>
+          <p:cNvSpPr>
+            <a:spLocks noGrp="1"/>
+          </p:cNvSpPr>
+          <p:nvPr>
+            <p:ph type="ftr" sz="quarter" idx="11"/>
+          </p:nvPr>
+        </p:nvSpPr>
+        <p:spPr>
+          <a:xfrm>
+            <a:off x="539750" y="6365875"/>
+            <a:ext cx="2016125" cy="365125"/>
+          </a:xfrm>
+        </p:spPr>
+        <p:txBody>
+          <a:bodyPr/>
+          <a:lstStyle/>
+          <a:p>
+            <a:pPr>
+              <a:defRPr/>
+            </a:pPr>
+            <a:r>
+              <a:rPr lang="de-DE" dirty="0"/>
+              <a:t>Hochschule Furtwangen, </a:t>
+            </a:r>
+          </a:p>
+        </p:txBody>
+      </p:sp>
+      <p:sp>
+        <p:nvSpPr>
+          <p:cNvPr id="10" name="Date Placeholder 3">
+            <a:extLst>
+              <a:ext uri="{FF2B5EF4-FFF2-40B4-BE49-F238E27FC236}">
+                <a16:creationId xmlns:a16="http://schemas.microsoft.com/office/drawing/2014/main" id="{9B700400-1A71-4C80-BEBE-35AB1FB575DB}"/>
+              </a:ext>
+            </a:extLst>
+          </p:cNvPr>
+          <p:cNvSpPr>
+            <a:spLocks noGrp="1"/>
+          </p:cNvSpPr>
+          <p:nvPr>
+            <p:ph type="dt" sz="half" idx="10"/>
+          </p:nvPr>
+        </p:nvSpPr>
+        <p:spPr>
+          <a:xfrm>
+            <a:off x="7667625" y="6378575"/>
+            <a:ext cx="865188" cy="365125"/>
+          </a:xfrm>
+        </p:spPr>
+        <p:txBody>
+          <a:bodyPr/>
+          <a:lstStyle/>
+          <a:p>
+            <a:pPr>
+              <a:defRPr/>
+            </a:pPr>
+            <a:r>
+              <a:rPr lang="de-DE" dirty="0"/>
+              <a:t>04.07.18</a:t>
+            </a:r>
+          </a:p>
+        </p:txBody>
+      </p:sp>
+      <p:sp>
+        <p:nvSpPr>
+          <p:cNvPr id="8" name="Title 8">
+            <a:extLst>
+              <a:ext uri="{FF2B5EF4-FFF2-40B4-BE49-F238E27FC236}">
+                <a16:creationId xmlns:a16="http://schemas.microsoft.com/office/drawing/2014/main" id="{5BE2C875-9F41-46E9-AA81-E10B28EBD98E}"/>
+              </a:ext>
+            </a:extLst>
+          </p:cNvPr>
+          <p:cNvSpPr txBox="1">
+            <a:spLocks/>
+          </p:cNvSpPr>
+          <p:nvPr/>
+        </p:nvSpPr>
+        <p:spPr bwMode="auto">
+          <a:xfrm>
+            <a:off x="623888" y="547688"/>
+            <a:ext cx="7772400" cy="533400"/>
+          </a:xfrm>
+          <a:prstGeom prst="rect">
+            <a:avLst/>
+          </a:prstGeom>
+          <a:noFill/>
+          <a:ln w="9525">
+            <a:noFill/>
+            <a:miter lim="800000"/>
+            <a:headEnd/>
+            <a:tailEnd/>
+          </a:ln>
+        </p:spPr>
+        <p:txBody>
+          <a:bodyPr vert="horz" wrap="square" lIns="0" tIns="0" rIns="0" bIns="0" numCol="1" anchor="ctr" anchorCtr="0" compatLnSpc="1">
+            <a:prstTxWarp prst="textNoShape">
+              <a:avLst/>
+            </a:prstTxWarp>
+          </a:bodyPr>
+          <a:lstStyle>
+            <a:lvl1pPr algn="l" rtl="0" eaLnBrk="0" fontAlgn="base" hangingPunct="0">
+              <a:spcBef>
+                <a:spcPct val="0"/>
+              </a:spcBef>
+              <a:spcAft>
+                <a:spcPct val="0"/>
+              </a:spcAft>
+              <a:defRPr sz="2800">
+                <a:solidFill>
+                  <a:srgbClr val="444A4B"/>
+                </a:solidFill>
+                <a:latin typeface="+mj-lt"/>
+                <a:ea typeface="+mj-ea"/>
+                <a:cs typeface="+mj-cs"/>
+              </a:defRPr>
+            </a:lvl1pPr>
+            <a:lvl2pPr algn="l" rtl="0" eaLnBrk="0" fontAlgn="base" hangingPunct="0">
+              <a:spcBef>
+                <a:spcPct val="0"/>
+              </a:spcBef>
+              <a:spcAft>
+                <a:spcPct val="0"/>
+              </a:spcAft>
+              <a:defRPr sz="2800">
+                <a:solidFill>
+                  <a:srgbClr val="444A4B"/>
+                </a:solidFill>
+                <a:latin typeface="Arial Narrow" pitchFamily="-112" charset="0"/>
+                <a:ea typeface="ＭＳ Ｐゴシック" pitchFamily="-112" charset="-128"/>
+              </a:defRPr>
+            </a:lvl2pPr>
+            <a:lvl3pPr algn="l" rtl="0" eaLnBrk="0" fontAlgn="base" hangingPunct="0">
+              <a:spcBef>
+                <a:spcPct val="0"/>
+              </a:spcBef>
+              <a:spcAft>
+                <a:spcPct val="0"/>
+              </a:spcAft>
+              <a:defRPr sz="2800">
+                <a:solidFill>
+                  <a:srgbClr val="444A4B"/>
+                </a:solidFill>
+                <a:latin typeface="Arial Narrow" pitchFamily="-112" charset="0"/>
+                <a:ea typeface="ＭＳ Ｐゴシック" pitchFamily="-112" charset="-128"/>
+              </a:defRPr>
+            </a:lvl3pPr>
+            <a:lvl4pPr algn="l" rtl="0" eaLnBrk="0" fontAlgn="base" hangingPunct="0">
+              <a:spcBef>
+                <a:spcPct val="0"/>
+              </a:spcBef>
+              <a:spcAft>
+                <a:spcPct val="0"/>
+              </a:spcAft>
+              <a:defRPr sz="2800">
+                <a:solidFill>
+                  <a:srgbClr val="444A4B"/>
+                </a:solidFill>
+                <a:latin typeface="Arial Narrow" pitchFamily="-112" charset="0"/>
+                <a:ea typeface="ＭＳ Ｐゴシック" pitchFamily="-112" charset="-128"/>
+              </a:defRPr>
+            </a:lvl4pPr>
+            <a:lvl5pPr algn="l" rtl="0" eaLnBrk="0" fontAlgn="base" hangingPunct="0">
+              <a:spcBef>
+                <a:spcPct val="0"/>
+              </a:spcBef>
+              <a:spcAft>
+                <a:spcPct val="0"/>
+              </a:spcAft>
+              <a:defRPr sz="2800">
+                <a:solidFill>
+                  <a:srgbClr val="444A4B"/>
+                </a:solidFill>
+                <a:latin typeface="Arial Narrow" pitchFamily="-112" charset="0"/>
+                <a:ea typeface="ＭＳ Ｐゴシック" pitchFamily="-112" charset="-128"/>
+              </a:defRPr>
+            </a:lvl5pPr>
+            <a:lvl6pPr marL="457200" algn="l" rtl="0" fontAlgn="base">
+              <a:spcBef>
+                <a:spcPct val="0"/>
+              </a:spcBef>
+              <a:spcAft>
+                <a:spcPct val="0"/>
+              </a:spcAft>
+              <a:defRPr sz="2800">
+                <a:solidFill>
+                  <a:srgbClr val="444A4B"/>
+                </a:solidFill>
+                <a:latin typeface="Arial Narrow" pitchFamily="-112" charset="0"/>
+                <a:ea typeface="ＭＳ Ｐゴシック" pitchFamily="-112" charset="-128"/>
+              </a:defRPr>
+            </a:lvl6pPr>
+            <a:lvl7pPr marL="914400" algn="l" rtl="0" fontAlgn="base">
+              <a:spcBef>
+                <a:spcPct val="0"/>
+              </a:spcBef>
+              <a:spcAft>
+                <a:spcPct val="0"/>
+              </a:spcAft>
+              <a:defRPr sz="2800">
+                <a:solidFill>
+                  <a:srgbClr val="444A4B"/>
+                </a:solidFill>
+                <a:latin typeface="Arial Narrow" pitchFamily="-112" charset="0"/>
+                <a:ea typeface="ＭＳ Ｐゴシック" pitchFamily="-112" charset="-128"/>
+              </a:defRPr>
+            </a:lvl7pPr>
+            <a:lvl8pPr marL="1371600" algn="l" rtl="0" fontAlgn="base">
+              <a:spcBef>
+                <a:spcPct val="0"/>
+              </a:spcBef>
+              <a:spcAft>
+                <a:spcPct val="0"/>
+              </a:spcAft>
+              <a:defRPr sz="2800">
+                <a:solidFill>
+                  <a:srgbClr val="444A4B"/>
+                </a:solidFill>
+                <a:latin typeface="Arial Narrow" pitchFamily="-112" charset="0"/>
+                <a:ea typeface="ＭＳ Ｐゴシック" pitchFamily="-112" charset="-128"/>
+              </a:defRPr>
+            </a:lvl8pPr>
+            <a:lvl9pPr marL="1828800" algn="l" rtl="0" fontAlgn="base">
+              <a:spcBef>
+                <a:spcPct val="0"/>
+              </a:spcBef>
+              <a:spcAft>
+                <a:spcPct val="0"/>
+              </a:spcAft>
+              <a:defRPr sz="2800">
+                <a:solidFill>
+                  <a:srgbClr val="444A4B"/>
+                </a:solidFill>
+                <a:latin typeface="Arial Narrow" pitchFamily="-112" charset="0"/>
+                <a:ea typeface="ＭＳ Ｐゴシック" pitchFamily="-112" charset="-128"/>
+              </a:defRPr>
+            </a:lvl9pPr>
+          </a:lstStyle>
+          <a:p>
+            <a:pPr>
+              <a:lnSpc>
+                <a:spcPct val="100000"/>
+              </a:lnSpc>
+            </a:pPr>
+            <a:r>
+              <a:rPr lang="de-DE" b="1" u="none" kern="0" dirty="0">
+                <a:latin typeface="Calibri" panose="020F0502020204030204" pitchFamily="34" charset="0"/>
+                <a:cs typeface="Calibri" panose="020F0502020204030204" pitchFamily="34" charset="0"/>
+              </a:rPr>
+              <a:t>Reale Rekonstruktion</a:t>
+            </a:r>
+          </a:p>
+        </p:txBody>
+      </p:sp>
+      <p:pic>
+        <p:nvPicPr>
+          <p:cNvPr id="4" name="Picture 3">
+            <a:extLst>
+              <a:ext uri="{FF2B5EF4-FFF2-40B4-BE49-F238E27FC236}">
+                <a16:creationId xmlns:a16="http://schemas.microsoft.com/office/drawing/2014/main" id="{72099695-1D7C-4BCA-8B7D-16C94713F797}"/>
+              </a:ext>
+            </a:extLst>
+          </p:cNvPr>
+          <p:cNvPicPr>
+            <a:picLocks noChangeAspect="1"/>
+          </p:cNvPicPr>
+          <p:nvPr/>
+        </p:nvPicPr>
+        <p:blipFill>
+          <a:blip r:embed="rId3"/>
+          <a:stretch>
+            <a:fillRect/>
+          </a:stretch>
+        </p:blipFill>
+        <p:spPr>
+          <a:xfrm>
+            <a:off x="765709" y="1472585"/>
+            <a:ext cx="7488758" cy="3912830"/>
+          </a:xfrm>
+          <a:prstGeom prst="rect">
+            <a:avLst/>
+          </a:prstGeom>
+        </p:spPr>
+      </p:pic>
+      <p:pic>
+        <p:nvPicPr>
+          <p:cNvPr id="5" name="Picture 4">
+            <a:extLst>
+              <a:ext uri="{FF2B5EF4-FFF2-40B4-BE49-F238E27FC236}">
+                <a16:creationId xmlns:a16="http://schemas.microsoft.com/office/drawing/2014/main" id="{B4091DDF-206D-4C45-8B63-263A026F0964}"/>
+              </a:ext>
+            </a:extLst>
+          </p:cNvPr>
+          <p:cNvPicPr>
+            <a:picLocks noChangeAspect="1"/>
+          </p:cNvPicPr>
+          <p:nvPr/>
+        </p:nvPicPr>
+        <p:blipFill>
+          <a:blip r:embed="rId4"/>
+          <a:stretch>
+            <a:fillRect/>
+          </a:stretch>
+        </p:blipFill>
+        <p:spPr>
+          <a:xfrm>
+            <a:off x="0" y="1413324"/>
+            <a:ext cx="9144000" cy="4031351"/>
+          </a:xfrm>
+          <a:prstGeom prst="rect">
+            <a:avLst/>
+          </a:prstGeom>
+        </p:spPr>
+      </p:pic>
+    </p:spTree>
+    <p:extLst>
+      <p:ext uri="{BB962C8B-B14F-4D97-AF65-F5344CB8AC3E}">
+        <p14:creationId xmlns:p14="http://schemas.microsoft.com/office/powerpoint/2010/main" val="560203228"/>
+      </p:ext>
+    </p:extLst>
+  </p:cSld>
+  <p:clrMapOvr>
+    <a:masterClrMapping/>
+  </p:clrMapOvr>
+  <p:timing>
+    <p:tnLst>
+      <p:par>
+        <p:cTn id="1" dur="indefinite" restart="never" nodeType="tmRoot">
+          <p:childTnLst>
+            <p:seq concurrent="1" nextAc="seek">
+              <p:cTn id="2" dur="indefinite" nodeType="mainSeq">
+                <p:childTnLst>
+                  <p:par>
+                    <p:cTn id="3" fill="hold">
+                      <p:stCondLst>
+                        <p:cond delay="indefinite"/>
+                      </p:stCondLst>
+                      <p:childTnLst>
+                        <p:par>
+                          <p:cTn id="4" fill="hold">
+                            <p:stCondLst>
+                              <p:cond delay="0"/>
+                            </p:stCondLst>
+                            <p:childTnLst>
+                              <p:par>
+                                <p:cTn id="5" presetID="1" presetClass="entr" presetSubtype="0" fill="hold" nodeType="clickEffect">
+                                  <p:stCondLst>
+                                    <p:cond delay="0"/>
+                                  </p:stCondLst>
+                                  <p:childTnLst>
+                                    <p:set>
+                                      <p:cBhvr>
+                                        <p:cTn id="6" dur="1" fill="hold">
+                                          <p:stCondLst>
+                                            <p:cond delay="0"/>
+                                          </p:stCondLst>
+                                        </p:cTn>
+                                        <p:tgtEl>
+                                          <p:spTgt spid="5"/>
+                                        </p:tgtEl>
+                                        <p:attrNameLst>
+                                          <p:attrName>style.visibility</p:attrName>
+                                        </p:attrNameLst>
+                                      </p:cBhvr>
+                                      <p:to>
+                                        <p:strVal val="visible"/>
+                                      </p:to>
+                                    </p:set>
+                                  </p:childTnLst>
+                                </p:cTn>
+                              </p:par>
+                            </p:childTnLst>
+                          </p:cTn>
+                        </p:par>
+                      </p:childTnLst>
+                    </p:cTn>
+                  </p:par>
+                </p:childTnLst>
+              </p:cTn>
+              <p:prevCondLst>
+                <p:cond evt="onPrev" delay="0">
+                  <p:tgtEl>
+                    <p:sldTgt/>
+                  </p:tgtEl>
+                </p:cond>
+              </p:prevCondLst>
+              <p:nextCondLst>
+                <p:cond evt="onNext" delay="0">
+                  <p:tgtEl>
+                    <p:sldTgt/>
+                  </p:tgtEl>
+                </p:cond>
+              </p:nextCondLst>
+            </p:seq>
+          </p:childTnLst>
+        </p:cTn>
+      </p:par>
+    </p:tnLst>
+  </p:timing>
+</p:sld>
+</file>
+
+<file path=ppt/slides/slide16.xml><?xml version="1.0" encoding="utf-8"?>
+<p:sld xmlns:a="http://schemas.openxmlformats.org/drawingml/2006/main" xmlns:r="http://schemas.openxmlformats.org/officeDocument/2006/relationships" xmlns:p="http://schemas.openxmlformats.org/presentationml/2006/main">
+  <p:cSld>
+    <p:spTree>
+      <p:nvGrpSpPr>
+        <p:cNvPr id="1" name=""/>
+        <p:cNvGrpSpPr/>
+        <p:nvPr/>
+      </p:nvGrpSpPr>
+      <p:grpSpPr>
+        <a:xfrm>
+          <a:off x="0" y="0"/>
+          <a:ext cx="0" cy="0"/>
+          <a:chOff x="0" y="0"/>
+          <a:chExt cx="0" cy="0"/>
+        </a:xfrm>
+      </p:grpSpPr>
+      <p:sp>
+        <p:nvSpPr>
+          <p:cNvPr id="15" name="Content Placeholder 14">
+            <a:extLst>
+              <a:ext uri="{FF2B5EF4-FFF2-40B4-BE49-F238E27FC236}">
+                <a16:creationId xmlns:a16="http://schemas.microsoft.com/office/drawing/2014/main" id="{8C2E98DE-0644-4CDA-B8EC-1C4E40E7B845}"/>
+              </a:ext>
+            </a:extLst>
+          </p:cNvPr>
+          <p:cNvSpPr>
+            <a:spLocks noGrp="1"/>
+          </p:cNvSpPr>
+          <p:nvPr>
+            <p:ph idx="1"/>
+          </p:nvPr>
+        </p:nvSpPr>
+        <p:spPr/>
+        <p:txBody>
+          <a:bodyPr/>
+          <a:lstStyle/>
+          <a:p>
+            <a:endParaRPr lang="de-DE" dirty="0"/>
+          </a:p>
+        </p:txBody>
+      </p:sp>
+      <p:sp>
+        <p:nvSpPr>
+          <p:cNvPr id="15367" name="Foliennummernplatzhalter 3"/>
+          <p:cNvSpPr>
+            <a:spLocks noGrp="1"/>
+          </p:cNvSpPr>
+          <p:nvPr>
+            <p:ph type="sldNum" sz="quarter" idx="12"/>
+          </p:nvPr>
+        </p:nvSpPr>
+        <p:spPr/>
+        <p:txBody>
+          <a:bodyPr/>
+          <a:lstStyle/>
+          <a:p>
+            <a:fld id="{00A3E6BF-A18C-4ADA-B4DF-837CA5AC6C3B}" type="slidenum">
+              <a:rPr lang="de-DE" smtClean="0"/>
+              <a:pPr/>
+              <a:t>16</a:t>
+            </a:fld>
+            <a:endParaRPr lang="de-DE"/>
+          </a:p>
+        </p:txBody>
+      </p:sp>
+      <p:sp>
+        <p:nvSpPr>
+          <p:cNvPr id="7" name="Footer Placeholder 4">
+            <a:extLst>
+              <a:ext uri="{FF2B5EF4-FFF2-40B4-BE49-F238E27FC236}">
+                <a16:creationId xmlns:a16="http://schemas.microsoft.com/office/drawing/2014/main" id="{C4C146E8-EC73-46FC-8B03-58FA3D7A2538}"/>
+              </a:ext>
+            </a:extLst>
+          </p:cNvPr>
+          <p:cNvSpPr>
+            <a:spLocks noGrp="1"/>
+          </p:cNvSpPr>
+          <p:nvPr>
+            <p:ph type="ftr" sz="quarter" idx="11"/>
+          </p:nvPr>
+        </p:nvSpPr>
+        <p:spPr>
+          <a:xfrm>
+            <a:off x="539750" y="6365875"/>
+            <a:ext cx="2016125" cy="365125"/>
+          </a:xfrm>
+        </p:spPr>
+        <p:txBody>
+          <a:bodyPr/>
+          <a:lstStyle/>
+          <a:p>
+            <a:pPr>
+              <a:defRPr/>
+            </a:pPr>
+            <a:r>
+              <a:rPr lang="de-DE" dirty="0"/>
+              <a:t>Hochschule Furtwangen, </a:t>
+            </a:r>
+          </a:p>
+        </p:txBody>
+      </p:sp>
+      <p:sp>
+        <p:nvSpPr>
+          <p:cNvPr id="10" name="Date Placeholder 3">
+            <a:extLst>
+              <a:ext uri="{FF2B5EF4-FFF2-40B4-BE49-F238E27FC236}">
+                <a16:creationId xmlns:a16="http://schemas.microsoft.com/office/drawing/2014/main" id="{9B700400-1A71-4C80-BEBE-35AB1FB575DB}"/>
+              </a:ext>
+            </a:extLst>
+          </p:cNvPr>
+          <p:cNvSpPr>
+            <a:spLocks noGrp="1"/>
+          </p:cNvSpPr>
+          <p:nvPr>
+            <p:ph type="dt" sz="half" idx="10"/>
+          </p:nvPr>
+        </p:nvSpPr>
+        <p:spPr>
+          <a:xfrm>
+            <a:off x="7667625" y="6378575"/>
+            <a:ext cx="865188" cy="365125"/>
+          </a:xfrm>
+        </p:spPr>
+        <p:txBody>
+          <a:bodyPr/>
+          <a:lstStyle/>
+          <a:p>
+            <a:pPr>
+              <a:defRPr/>
+            </a:pPr>
+            <a:r>
+              <a:rPr lang="de-DE" dirty="0"/>
+              <a:t>04.07.18</a:t>
+            </a:r>
+          </a:p>
+        </p:txBody>
+      </p:sp>
+      <p:sp>
+        <p:nvSpPr>
+          <p:cNvPr id="8" name="Title 8">
+            <a:extLst>
+              <a:ext uri="{FF2B5EF4-FFF2-40B4-BE49-F238E27FC236}">
+                <a16:creationId xmlns:a16="http://schemas.microsoft.com/office/drawing/2014/main" id="{5BE2C875-9F41-46E9-AA81-E10B28EBD98E}"/>
+              </a:ext>
+            </a:extLst>
+          </p:cNvPr>
+          <p:cNvSpPr txBox="1">
+            <a:spLocks/>
+          </p:cNvSpPr>
+          <p:nvPr/>
+        </p:nvSpPr>
+        <p:spPr bwMode="auto">
+          <a:xfrm>
+            <a:off x="623888" y="547688"/>
+            <a:ext cx="7772400" cy="533400"/>
+          </a:xfrm>
+          <a:prstGeom prst="rect">
+            <a:avLst/>
+          </a:prstGeom>
+          <a:noFill/>
+          <a:ln w="9525">
+            <a:noFill/>
+            <a:miter lim="800000"/>
+            <a:headEnd/>
+            <a:tailEnd/>
+          </a:ln>
+        </p:spPr>
+        <p:txBody>
+          <a:bodyPr vert="horz" wrap="square" lIns="0" tIns="0" rIns="0" bIns="0" numCol="1" anchor="ctr" anchorCtr="0" compatLnSpc="1">
+            <a:prstTxWarp prst="textNoShape">
+              <a:avLst/>
+            </a:prstTxWarp>
+          </a:bodyPr>
+          <a:lstStyle>
+            <a:lvl1pPr algn="l" rtl="0" eaLnBrk="0" fontAlgn="base" hangingPunct="0">
+              <a:spcBef>
+                <a:spcPct val="0"/>
+              </a:spcBef>
+              <a:spcAft>
+                <a:spcPct val="0"/>
+              </a:spcAft>
+              <a:defRPr sz="2800">
+                <a:solidFill>
+                  <a:srgbClr val="444A4B"/>
+                </a:solidFill>
+                <a:latin typeface="+mj-lt"/>
+                <a:ea typeface="+mj-ea"/>
+                <a:cs typeface="+mj-cs"/>
+              </a:defRPr>
+            </a:lvl1pPr>
+            <a:lvl2pPr algn="l" rtl="0" eaLnBrk="0" fontAlgn="base" hangingPunct="0">
+              <a:spcBef>
+                <a:spcPct val="0"/>
+              </a:spcBef>
+              <a:spcAft>
+                <a:spcPct val="0"/>
+              </a:spcAft>
+              <a:defRPr sz="2800">
+                <a:solidFill>
+                  <a:srgbClr val="444A4B"/>
+                </a:solidFill>
+                <a:latin typeface="Arial Narrow" pitchFamily="-112" charset="0"/>
+                <a:ea typeface="ＭＳ Ｐゴシック" pitchFamily="-112" charset="-128"/>
+              </a:defRPr>
+            </a:lvl2pPr>
+            <a:lvl3pPr algn="l" rtl="0" eaLnBrk="0" fontAlgn="base" hangingPunct="0">
+              <a:spcBef>
+                <a:spcPct val="0"/>
+              </a:spcBef>
+              <a:spcAft>
+                <a:spcPct val="0"/>
+              </a:spcAft>
+              <a:defRPr sz="2800">
+                <a:solidFill>
+                  <a:srgbClr val="444A4B"/>
+                </a:solidFill>
+                <a:latin typeface="Arial Narrow" pitchFamily="-112" charset="0"/>
+                <a:ea typeface="ＭＳ Ｐゴシック" pitchFamily="-112" charset="-128"/>
+              </a:defRPr>
+            </a:lvl3pPr>
+            <a:lvl4pPr algn="l" rtl="0" eaLnBrk="0" fontAlgn="base" hangingPunct="0">
+              <a:spcBef>
+                <a:spcPct val="0"/>
+              </a:spcBef>
+              <a:spcAft>
+                <a:spcPct val="0"/>
+              </a:spcAft>
+              <a:defRPr sz="2800">
+                <a:solidFill>
+                  <a:srgbClr val="444A4B"/>
+                </a:solidFill>
+                <a:latin typeface="Arial Narrow" pitchFamily="-112" charset="0"/>
+                <a:ea typeface="ＭＳ Ｐゴシック" pitchFamily="-112" charset="-128"/>
+              </a:defRPr>
+            </a:lvl4pPr>
+            <a:lvl5pPr algn="l" rtl="0" eaLnBrk="0" fontAlgn="base" hangingPunct="0">
+              <a:spcBef>
+                <a:spcPct val="0"/>
+              </a:spcBef>
+              <a:spcAft>
+                <a:spcPct val="0"/>
+              </a:spcAft>
+              <a:defRPr sz="2800">
+                <a:solidFill>
+                  <a:srgbClr val="444A4B"/>
+                </a:solidFill>
+                <a:latin typeface="Arial Narrow" pitchFamily="-112" charset="0"/>
+                <a:ea typeface="ＭＳ Ｐゴシック" pitchFamily="-112" charset="-128"/>
+              </a:defRPr>
+            </a:lvl5pPr>
+            <a:lvl6pPr marL="457200" algn="l" rtl="0" fontAlgn="base">
+              <a:spcBef>
+                <a:spcPct val="0"/>
+              </a:spcBef>
+              <a:spcAft>
+                <a:spcPct val="0"/>
+              </a:spcAft>
+              <a:defRPr sz="2800">
+                <a:solidFill>
+                  <a:srgbClr val="444A4B"/>
+                </a:solidFill>
+                <a:latin typeface="Arial Narrow" pitchFamily="-112" charset="0"/>
+                <a:ea typeface="ＭＳ Ｐゴシック" pitchFamily="-112" charset="-128"/>
+              </a:defRPr>
+            </a:lvl6pPr>
+            <a:lvl7pPr marL="914400" algn="l" rtl="0" fontAlgn="base">
+              <a:spcBef>
+                <a:spcPct val="0"/>
+              </a:spcBef>
+              <a:spcAft>
+                <a:spcPct val="0"/>
+              </a:spcAft>
+              <a:defRPr sz="2800">
+                <a:solidFill>
+                  <a:srgbClr val="444A4B"/>
+                </a:solidFill>
+                <a:latin typeface="Arial Narrow" pitchFamily="-112" charset="0"/>
+                <a:ea typeface="ＭＳ Ｐゴシック" pitchFamily="-112" charset="-128"/>
+              </a:defRPr>
+            </a:lvl7pPr>
+            <a:lvl8pPr marL="1371600" algn="l" rtl="0" fontAlgn="base">
+              <a:spcBef>
+                <a:spcPct val="0"/>
+              </a:spcBef>
+              <a:spcAft>
+                <a:spcPct val="0"/>
+              </a:spcAft>
+              <a:defRPr sz="2800">
+                <a:solidFill>
+                  <a:srgbClr val="444A4B"/>
+                </a:solidFill>
+                <a:latin typeface="Arial Narrow" pitchFamily="-112" charset="0"/>
+                <a:ea typeface="ＭＳ Ｐゴシック" pitchFamily="-112" charset="-128"/>
+              </a:defRPr>
+            </a:lvl8pPr>
+            <a:lvl9pPr marL="1828800" algn="l" rtl="0" fontAlgn="base">
+              <a:spcBef>
+                <a:spcPct val="0"/>
+              </a:spcBef>
+              <a:spcAft>
+                <a:spcPct val="0"/>
+              </a:spcAft>
+              <a:defRPr sz="2800">
+                <a:solidFill>
+                  <a:srgbClr val="444A4B"/>
+                </a:solidFill>
+                <a:latin typeface="Arial Narrow" pitchFamily="-112" charset="0"/>
+                <a:ea typeface="ＭＳ Ｐゴシック" pitchFamily="-112" charset="-128"/>
+              </a:defRPr>
+            </a:lvl9pPr>
+          </a:lstStyle>
+          <a:p>
+            <a:pPr>
+              <a:lnSpc>
+                <a:spcPct val="100000"/>
+              </a:lnSpc>
+            </a:pPr>
+            <a:r>
+              <a:rPr lang="de-DE" b="1" u="none" kern="0" dirty="0">
+                <a:latin typeface="Calibri" panose="020F0502020204030204" pitchFamily="34" charset="0"/>
+                <a:cs typeface="Calibri" panose="020F0502020204030204" pitchFamily="34" charset="0"/>
+              </a:rPr>
+              <a:t>Reale Rekonstruktion</a:t>
+            </a:r>
+          </a:p>
+        </p:txBody>
+      </p:sp>
+    </p:spTree>
+    <p:extLst>
+      <p:ext uri="{BB962C8B-B14F-4D97-AF65-F5344CB8AC3E}">
+        <p14:creationId xmlns:p14="http://schemas.microsoft.com/office/powerpoint/2010/main" val="1548102814"/>
+      </p:ext>
+    </p:extLst>
+  </p:cSld>
+  <p:clrMapOvr>
+    <a:masterClrMapping/>
+  </p:clrMapOvr>
+</p:sld>
+</file>
+
+<file path=ppt/slides/slide17.xml><?xml version="1.0" encoding="utf-8"?>
+<p:sld xmlns:a="http://schemas.openxmlformats.org/drawingml/2006/main" xmlns:r="http://schemas.openxmlformats.org/officeDocument/2006/relationships" xmlns:p="http://schemas.openxmlformats.org/presentationml/2006/main">
+  <p:cSld>
+    <p:spTree>
+      <p:nvGrpSpPr>
+        <p:cNvPr id="1" name=""/>
+        <p:cNvGrpSpPr/>
+        <p:nvPr/>
+      </p:nvGrpSpPr>
+      <p:grpSpPr>
+        <a:xfrm>
+          <a:off x="0" y="0"/>
+          <a:ext cx="0" cy="0"/>
+          <a:chOff x="0" y="0"/>
+          <a:chExt cx="0" cy="0"/>
+        </a:xfrm>
+      </p:grpSpPr>
+      <p:sp>
+        <p:nvSpPr>
+          <p:cNvPr id="15" name="Content Placeholder 14">
+            <a:extLst>
+              <a:ext uri="{FF2B5EF4-FFF2-40B4-BE49-F238E27FC236}">
+                <a16:creationId xmlns:a16="http://schemas.microsoft.com/office/drawing/2014/main" id="{8C2E98DE-0644-4CDA-B8EC-1C4E40E7B845}"/>
+              </a:ext>
+            </a:extLst>
+          </p:cNvPr>
+          <p:cNvSpPr>
+            <a:spLocks noGrp="1"/>
+          </p:cNvSpPr>
+          <p:nvPr>
+            <p:ph idx="1"/>
+          </p:nvPr>
+        </p:nvSpPr>
+        <p:spPr/>
+        <p:txBody>
+          <a:bodyPr/>
+          <a:lstStyle/>
+          <a:p>
+            <a:endParaRPr lang="de-DE" dirty="0"/>
+          </a:p>
+        </p:txBody>
+      </p:sp>
+      <p:sp>
+        <p:nvSpPr>
+          <p:cNvPr id="15367" name="Foliennummernplatzhalter 3"/>
+          <p:cNvSpPr>
+            <a:spLocks noGrp="1"/>
+          </p:cNvSpPr>
+          <p:nvPr>
+            <p:ph type="sldNum" sz="quarter" idx="12"/>
+          </p:nvPr>
+        </p:nvSpPr>
+        <p:spPr/>
+        <p:txBody>
+          <a:bodyPr/>
+          <a:lstStyle/>
+          <a:p>
+            <a:fld id="{00A3E6BF-A18C-4ADA-B4DF-837CA5AC6C3B}" type="slidenum">
+              <a:rPr lang="de-DE" smtClean="0"/>
+              <a:pPr/>
+              <a:t>17</a:t>
+            </a:fld>
+            <a:endParaRPr lang="de-DE"/>
+          </a:p>
+        </p:txBody>
+      </p:sp>
+      <p:sp>
+        <p:nvSpPr>
+          <p:cNvPr id="7" name="Footer Placeholder 4">
+            <a:extLst>
+              <a:ext uri="{FF2B5EF4-FFF2-40B4-BE49-F238E27FC236}">
+                <a16:creationId xmlns:a16="http://schemas.microsoft.com/office/drawing/2014/main" id="{C4C146E8-EC73-46FC-8B03-58FA3D7A2538}"/>
+              </a:ext>
+            </a:extLst>
+          </p:cNvPr>
+          <p:cNvSpPr>
+            <a:spLocks noGrp="1"/>
+          </p:cNvSpPr>
+          <p:nvPr>
+            <p:ph type="ftr" sz="quarter" idx="11"/>
+          </p:nvPr>
+        </p:nvSpPr>
+        <p:spPr>
+          <a:xfrm>
+            <a:off x="539750" y="6365875"/>
+            <a:ext cx="2016125" cy="365125"/>
+          </a:xfrm>
+        </p:spPr>
+        <p:txBody>
+          <a:bodyPr/>
+          <a:lstStyle/>
+          <a:p>
+            <a:pPr>
+              <a:defRPr/>
+            </a:pPr>
+            <a:r>
+              <a:rPr lang="de-DE" dirty="0"/>
+              <a:t>Hochschule Furtwangen, </a:t>
+            </a:r>
+          </a:p>
+        </p:txBody>
+      </p:sp>
+      <p:sp>
+        <p:nvSpPr>
+          <p:cNvPr id="10" name="Date Placeholder 3">
+            <a:extLst>
+              <a:ext uri="{FF2B5EF4-FFF2-40B4-BE49-F238E27FC236}">
+                <a16:creationId xmlns:a16="http://schemas.microsoft.com/office/drawing/2014/main" id="{9B700400-1A71-4C80-BEBE-35AB1FB575DB}"/>
+              </a:ext>
+            </a:extLst>
+          </p:cNvPr>
+          <p:cNvSpPr>
+            <a:spLocks noGrp="1"/>
+          </p:cNvSpPr>
+          <p:nvPr>
+            <p:ph type="dt" sz="half" idx="10"/>
+          </p:nvPr>
+        </p:nvSpPr>
+        <p:spPr>
+          <a:xfrm>
+            <a:off x="7667625" y="6378575"/>
+            <a:ext cx="865188" cy="365125"/>
+          </a:xfrm>
+        </p:spPr>
+        <p:txBody>
+          <a:bodyPr/>
+          <a:lstStyle/>
+          <a:p>
+            <a:pPr>
+              <a:defRPr/>
+            </a:pPr>
+            <a:r>
+              <a:rPr lang="de-DE" dirty="0"/>
+              <a:t>04.07.18</a:t>
+            </a:r>
+          </a:p>
+        </p:txBody>
+      </p:sp>
+      <p:sp>
+        <p:nvSpPr>
+          <p:cNvPr id="8" name="Title 8">
+            <a:extLst>
+              <a:ext uri="{FF2B5EF4-FFF2-40B4-BE49-F238E27FC236}">
+                <a16:creationId xmlns:a16="http://schemas.microsoft.com/office/drawing/2014/main" id="{5BE2C875-9F41-46E9-AA81-E10B28EBD98E}"/>
+              </a:ext>
+            </a:extLst>
+          </p:cNvPr>
+          <p:cNvSpPr txBox="1">
+            <a:spLocks/>
+          </p:cNvSpPr>
+          <p:nvPr/>
+        </p:nvSpPr>
+        <p:spPr bwMode="auto">
+          <a:xfrm>
+            <a:off x="623888" y="547688"/>
+            <a:ext cx="7772400" cy="533400"/>
+          </a:xfrm>
+          <a:prstGeom prst="rect">
+            <a:avLst/>
+          </a:prstGeom>
+          <a:noFill/>
+          <a:ln w="9525">
+            <a:noFill/>
+            <a:miter lim="800000"/>
+            <a:headEnd/>
+            <a:tailEnd/>
+          </a:ln>
+        </p:spPr>
+        <p:txBody>
+          <a:bodyPr vert="horz" wrap="square" lIns="0" tIns="0" rIns="0" bIns="0" numCol="1" anchor="ctr" anchorCtr="0" compatLnSpc="1">
+            <a:prstTxWarp prst="textNoShape">
+              <a:avLst/>
+            </a:prstTxWarp>
+          </a:bodyPr>
+          <a:lstStyle>
+            <a:lvl1pPr algn="l" rtl="0" eaLnBrk="0" fontAlgn="base" hangingPunct="0">
+              <a:spcBef>
+                <a:spcPct val="0"/>
+              </a:spcBef>
+              <a:spcAft>
+                <a:spcPct val="0"/>
+              </a:spcAft>
+              <a:defRPr sz="2800">
+                <a:solidFill>
+                  <a:srgbClr val="444A4B"/>
+                </a:solidFill>
+                <a:latin typeface="+mj-lt"/>
+                <a:ea typeface="+mj-ea"/>
+                <a:cs typeface="+mj-cs"/>
+              </a:defRPr>
+            </a:lvl1pPr>
+            <a:lvl2pPr algn="l" rtl="0" eaLnBrk="0" fontAlgn="base" hangingPunct="0">
+              <a:spcBef>
+                <a:spcPct val="0"/>
+              </a:spcBef>
+              <a:spcAft>
+                <a:spcPct val="0"/>
+              </a:spcAft>
+              <a:defRPr sz="2800">
+                <a:solidFill>
+                  <a:srgbClr val="444A4B"/>
+                </a:solidFill>
+                <a:latin typeface="Arial Narrow" pitchFamily="-112" charset="0"/>
+                <a:ea typeface="ＭＳ Ｐゴシック" pitchFamily="-112" charset="-128"/>
+              </a:defRPr>
+            </a:lvl2pPr>
+            <a:lvl3pPr algn="l" rtl="0" eaLnBrk="0" fontAlgn="base" hangingPunct="0">
+              <a:spcBef>
+                <a:spcPct val="0"/>
+              </a:spcBef>
+              <a:spcAft>
+                <a:spcPct val="0"/>
+              </a:spcAft>
+              <a:defRPr sz="2800">
+                <a:solidFill>
+                  <a:srgbClr val="444A4B"/>
+                </a:solidFill>
+                <a:latin typeface="Arial Narrow" pitchFamily="-112" charset="0"/>
+                <a:ea typeface="ＭＳ Ｐゴシック" pitchFamily="-112" charset="-128"/>
+              </a:defRPr>
+            </a:lvl3pPr>
+            <a:lvl4pPr algn="l" rtl="0" eaLnBrk="0" fontAlgn="base" hangingPunct="0">
+              <a:spcBef>
+                <a:spcPct val="0"/>
+              </a:spcBef>
+              <a:spcAft>
+                <a:spcPct val="0"/>
+              </a:spcAft>
+              <a:defRPr sz="2800">
+                <a:solidFill>
+                  <a:srgbClr val="444A4B"/>
+                </a:solidFill>
+                <a:latin typeface="Arial Narrow" pitchFamily="-112" charset="0"/>
+                <a:ea typeface="ＭＳ Ｐゴシック" pitchFamily="-112" charset="-128"/>
+              </a:defRPr>
+            </a:lvl4pPr>
+            <a:lvl5pPr algn="l" rtl="0" eaLnBrk="0" fontAlgn="base" hangingPunct="0">
+              <a:spcBef>
+                <a:spcPct val="0"/>
+              </a:spcBef>
+              <a:spcAft>
+                <a:spcPct val="0"/>
+              </a:spcAft>
+              <a:defRPr sz="2800">
+                <a:solidFill>
+                  <a:srgbClr val="444A4B"/>
+                </a:solidFill>
+                <a:latin typeface="Arial Narrow" pitchFamily="-112" charset="0"/>
+                <a:ea typeface="ＭＳ Ｐゴシック" pitchFamily="-112" charset="-128"/>
+              </a:defRPr>
+            </a:lvl5pPr>
+            <a:lvl6pPr marL="457200" algn="l" rtl="0" fontAlgn="base">
+              <a:spcBef>
+                <a:spcPct val="0"/>
+              </a:spcBef>
+              <a:spcAft>
+                <a:spcPct val="0"/>
+              </a:spcAft>
+              <a:defRPr sz="2800">
+                <a:solidFill>
+                  <a:srgbClr val="444A4B"/>
+                </a:solidFill>
+                <a:latin typeface="Arial Narrow" pitchFamily="-112" charset="0"/>
+                <a:ea typeface="ＭＳ Ｐゴシック" pitchFamily="-112" charset="-128"/>
+              </a:defRPr>
+            </a:lvl6pPr>
+            <a:lvl7pPr marL="914400" algn="l" rtl="0" fontAlgn="base">
+              <a:spcBef>
+                <a:spcPct val="0"/>
+              </a:spcBef>
+              <a:spcAft>
+                <a:spcPct val="0"/>
+              </a:spcAft>
+              <a:defRPr sz="2800">
+                <a:solidFill>
+                  <a:srgbClr val="444A4B"/>
+                </a:solidFill>
+                <a:latin typeface="Arial Narrow" pitchFamily="-112" charset="0"/>
+                <a:ea typeface="ＭＳ Ｐゴシック" pitchFamily="-112" charset="-128"/>
+              </a:defRPr>
+            </a:lvl7pPr>
+            <a:lvl8pPr marL="1371600" algn="l" rtl="0" fontAlgn="base">
+              <a:spcBef>
+                <a:spcPct val="0"/>
+              </a:spcBef>
+              <a:spcAft>
+                <a:spcPct val="0"/>
+              </a:spcAft>
+              <a:defRPr sz="2800">
+                <a:solidFill>
+                  <a:srgbClr val="444A4B"/>
+                </a:solidFill>
+                <a:latin typeface="Arial Narrow" pitchFamily="-112" charset="0"/>
+                <a:ea typeface="ＭＳ Ｐゴシック" pitchFamily="-112" charset="-128"/>
+              </a:defRPr>
+            </a:lvl8pPr>
+            <a:lvl9pPr marL="1828800" algn="l" rtl="0" fontAlgn="base">
+              <a:spcBef>
+                <a:spcPct val="0"/>
+              </a:spcBef>
+              <a:spcAft>
+                <a:spcPct val="0"/>
+              </a:spcAft>
+              <a:defRPr sz="2800">
+                <a:solidFill>
+                  <a:srgbClr val="444A4B"/>
+                </a:solidFill>
+                <a:latin typeface="Arial Narrow" pitchFamily="-112" charset="0"/>
+                <a:ea typeface="ＭＳ Ｐゴシック" pitchFamily="-112" charset="-128"/>
+              </a:defRPr>
+            </a:lvl9pPr>
+          </a:lstStyle>
+          <a:p>
+            <a:pPr>
+              <a:lnSpc>
+                <a:spcPct val="100000"/>
+              </a:lnSpc>
+            </a:pPr>
+            <a:r>
+              <a:rPr lang="de-DE" b="1" u="none" kern="0" dirty="0">
+                <a:latin typeface="Calibri" panose="020F0502020204030204" pitchFamily="34" charset="0"/>
+                <a:cs typeface="Calibri" panose="020F0502020204030204" pitchFamily="34" charset="0"/>
+              </a:rPr>
+              <a:t>Reale Rekonstruktion</a:t>
+            </a:r>
+          </a:p>
+        </p:txBody>
+      </p:sp>
+    </p:spTree>
+    <p:extLst>
+      <p:ext uri="{BB962C8B-B14F-4D97-AF65-F5344CB8AC3E}">
+        <p14:creationId xmlns:p14="http://schemas.microsoft.com/office/powerpoint/2010/main" val="487902083"/>
+      </p:ext>
+    </p:extLst>
+  </p:cSld>
+  <p:clrMapOvr>
+    <a:masterClrMapping/>
+  </p:clrMapOvr>
+</p:sld>
+</file>
+
+<file path=ppt/slides/slide18.xml><?xml version="1.0" encoding="utf-8"?>
+<p:sld xmlns:a="http://schemas.openxmlformats.org/drawingml/2006/main" xmlns:r="http://schemas.openxmlformats.org/officeDocument/2006/relationships" xmlns:p="http://schemas.openxmlformats.org/presentationml/2006/main">
+  <p:cSld>
+    <p:spTree>
+      <p:nvGrpSpPr>
+        <p:cNvPr id="1" name=""/>
+        <p:cNvGrpSpPr/>
+        <p:nvPr/>
+      </p:nvGrpSpPr>
+      <p:grpSpPr>
+        <a:xfrm>
+          <a:off x="0" y="0"/>
+          <a:ext cx="0" cy="0"/>
+          <a:chOff x="0" y="0"/>
+          <a:chExt cx="0" cy="0"/>
+        </a:xfrm>
+      </p:grpSpPr>
+      <p:sp>
+        <p:nvSpPr>
+          <p:cNvPr id="15" name="Content Placeholder 14">
+            <a:extLst>
+              <a:ext uri="{FF2B5EF4-FFF2-40B4-BE49-F238E27FC236}">
+                <a16:creationId xmlns:a16="http://schemas.microsoft.com/office/drawing/2014/main" id="{8C2E98DE-0644-4CDA-B8EC-1C4E40E7B845}"/>
+              </a:ext>
+            </a:extLst>
+          </p:cNvPr>
+          <p:cNvSpPr>
+            <a:spLocks noGrp="1"/>
+          </p:cNvSpPr>
+          <p:nvPr>
+            <p:ph idx="1"/>
+          </p:nvPr>
+        </p:nvSpPr>
+        <p:spPr/>
+        <p:txBody>
+          <a:bodyPr/>
+          <a:lstStyle/>
+          <a:p>
+            <a:endParaRPr lang="de-DE" dirty="0"/>
+          </a:p>
+        </p:txBody>
+      </p:sp>
+      <p:sp>
+        <p:nvSpPr>
+          <p:cNvPr id="15367" name="Foliennummernplatzhalter 3"/>
+          <p:cNvSpPr>
+            <a:spLocks noGrp="1"/>
+          </p:cNvSpPr>
+          <p:nvPr>
+            <p:ph type="sldNum" sz="quarter" idx="12"/>
+          </p:nvPr>
+        </p:nvSpPr>
+        <p:spPr/>
+        <p:txBody>
+          <a:bodyPr/>
+          <a:lstStyle/>
+          <a:p>
+            <a:fld id="{00A3E6BF-A18C-4ADA-B4DF-837CA5AC6C3B}" type="slidenum">
+              <a:rPr lang="de-DE" smtClean="0"/>
+              <a:pPr/>
+              <a:t>18</a:t>
+            </a:fld>
+            <a:endParaRPr lang="de-DE"/>
+          </a:p>
+        </p:txBody>
+      </p:sp>
+      <p:sp>
+        <p:nvSpPr>
+          <p:cNvPr id="7" name="Footer Placeholder 4">
+            <a:extLst>
+              <a:ext uri="{FF2B5EF4-FFF2-40B4-BE49-F238E27FC236}">
+                <a16:creationId xmlns:a16="http://schemas.microsoft.com/office/drawing/2014/main" id="{C4C146E8-EC73-46FC-8B03-58FA3D7A2538}"/>
+              </a:ext>
+            </a:extLst>
+          </p:cNvPr>
+          <p:cNvSpPr>
+            <a:spLocks noGrp="1"/>
+          </p:cNvSpPr>
+          <p:nvPr>
+            <p:ph type="ftr" sz="quarter" idx="11"/>
+          </p:nvPr>
+        </p:nvSpPr>
+        <p:spPr>
+          <a:xfrm>
+            <a:off x="539750" y="6365875"/>
+            <a:ext cx="2016125" cy="365125"/>
+          </a:xfrm>
+        </p:spPr>
+        <p:txBody>
+          <a:bodyPr/>
+          <a:lstStyle/>
+          <a:p>
+            <a:pPr>
+              <a:defRPr/>
+            </a:pPr>
+            <a:r>
+              <a:rPr lang="de-DE" dirty="0"/>
+              <a:t>Hochschule Furtwangen, </a:t>
+            </a:r>
+          </a:p>
+        </p:txBody>
+      </p:sp>
+      <p:sp>
+        <p:nvSpPr>
+          <p:cNvPr id="10" name="Date Placeholder 3">
+            <a:extLst>
+              <a:ext uri="{FF2B5EF4-FFF2-40B4-BE49-F238E27FC236}">
+                <a16:creationId xmlns:a16="http://schemas.microsoft.com/office/drawing/2014/main" id="{9B700400-1A71-4C80-BEBE-35AB1FB575DB}"/>
+              </a:ext>
+            </a:extLst>
+          </p:cNvPr>
+          <p:cNvSpPr>
+            <a:spLocks noGrp="1"/>
+          </p:cNvSpPr>
+          <p:nvPr>
+            <p:ph type="dt" sz="half" idx="10"/>
+          </p:nvPr>
+        </p:nvSpPr>
+        <p:spPr>
+          <a:xfrm>
+            <a:off x="7667625" y="6378575"/>
+            <a:ext cx="865188" cy="365125"/>
+          </a:xfrm>
+        </p:spPr>
+        <p:txBody>
+          <a:bodyPr/>
+          <a:lstStyle/>
+          <a:p>
+            <a:pPr>
+              <a:defRPr/>
+            </a:pPr>
+            <a:r>
+              <a:rPr lang="de-DE" dirty="0"/>
+              <a:t>04.07.18</a:t>
+            </a:r>
+          </a:p>
+        </p:txBody>
+      </p:sp>
+      <p:sp>
+        <p:nvSpPr>
+          <p:cNvPr id="8" name="Title 8">
+            <a:extLst>
+              <a:ext uri="{FF2B5EF4-FFF2-40B4-BE49-F238E27FC236}">
+                <a16:creationId xmlns:a16="http://schemas.microsoft.com/office/drawing/2014/main" id="{5BE2C875-9F41-46E9-AA81-E10B28EBD98E}"/>
+              </a:ext>
+            </a:extLst>
+          </p:cNvPr>
+          <p:cNvSpPr txBox="1">
+            <a:spLocks/>
+          </p:cNvSpPr>
+          <p:nvPr/>
+        </p:nvSpPr>
+        <p:spPr bwMode="auto">
+          <a:xfrm>
+            <a:off x="623888" y="547688"/>
+            <a:ext cx="7772400" cy="533400"/>
+          </a:xfrm>
+          <a:prstGeom prst="rect">
+            <a:avLst/>
+          </a:prstGeom>
+          <a:noFill/>
+          <a:ln w="9525">
+            <a:noFill/>
+            <a:miter lim="800000"/>
+            <a:headEnd/>
+            <a:tailEnd/>
+          </a:ln>
+        </p:spPr>
+        <p:txBody>
+          <a:bodyPr vert="horz" wrap="square" lIns="0" tIns="0" rIns="0" bIns="0" numCol="1" anchor="ctr" anchorCtr="0" compatLnSpc="1">
+            <a:prstTxWarp prst="textNoShape">
+              <a:avLst/>
+            </a:prstTxWarp>
+          </a:bodyPr>
+          <a:lstStyle>
+            <a:lvl1pPr algn="l" rtl="0" eaLnBrk="0" fontAlgn="base" hangingPunct="0">
+              <a:spcBef>
+                <a:spcPct val="0"/>
+              </a:spcBef>
+              <a:spcAft>
+                <a:spcPct val="0"/>
+              </a:spcAft>
+              <a:defRPr sz="2800">
+                <a:solidFill>
+                  <a:srgbClr val="444A4B"/>
+                </a:solidFill>
+                <a:latin typeface="+mj-lt"/>
+                <a:ea typeface="+mj-ea"/>
+                <a:cs typeface="+mj-cs"/>
+              </a:defRPr>
+            </a:lvl1pPr>
+            <a:lvl2pPr algn="l" rtl="0" eaLnBrk="0" fontAlgn="base" hangingPunct="0">
+              <a:spcBef>
+                <a:spcPct val="0"/>
+              </a:spcBef>
+              <a:spcAft>
+                <a:spcPct val="0"/>
+              </a:spcAft>
+              <a:defRPr sz="2800">
+                <a:solidFill>
+                  <a:srgbClr val="444A4B"/>
+                </a:solidFill>
+                <a:latin typeface="Arial Narrow" pitchFamily="-112" charset="0"/>
+                <a:ea typeface="ＭＳ Ｐゴシック" pitchFamily="-112" charset="-128"/>
+              </a:defRPr>
+            </a:lvl2pPr>
+            <a:lvl3pPr algn="l" rtl="0" eaLnBrk="0" fontAlgn="base" hangingPunct="0">
+              <a:spcBef>
+                <a:spcPct val="0"/>
+              </a:spcBef>
+              <a:spcAft>
+                <a:spcPct val="0"/>
+              </a:spcAft>
+              <a:defRPr sz="2800">
+                <a:solidFill>
+                  <a:srgbClr val="444A4B"/>
+                </a:solidFill>
+                <a:latin typeface="Arial Narrow" pitchFamily="-112" charset="0"/>
+                <a:ea typeface="ＭＳ Ｐゴシック" pitchFamily="-112" charset="-128"/>
+              </a:defRPr>
+            </a:lvl3pPr>
+            <a:lvl4pPr algn="l" rtl="0" eaLnBrk="0" fontAlgn="base" hangingPunct="0">
+              <a:spcBef>
+                <a:spcPct val="0"/>
+              </a:spcBef>
+              <a:spcAft>
+                <a:spcPct val="0"/>
+              </a:spcAft>
+              <a:defRPr sz="2800">
+                <a:solidFill>
+                  <a:srgbClr val="444A4B"/>
+                </a:solidFill>
+                <a:latin typeface="Arial Narrow" pitchFamily="-112" charset="0"/>
+                <a:ea typeface="ＭＳ Ｐゴシック" pitchFamily="-112" charset="-128"/>
+              </a:defRPr>
+            </a:lvl4pPr>
+            <a:lvl5pPr algn="l" rtl="0" eaLnBrk="0" fontAlgn="base" hangingPunct="0">
+              <a:spcBef>
+                <a:spcPct val="0"/>
+              </a:spcBef>
+              <a:spcAft>
+                <a:spcPct val="0"/>
+              </a:spcAft>
+              <a:defRPr sz="2800">
+                <a:solidFill>
+                  <a:srgbClr val="444A4B"/>
+                </a:solidFill>
+                <a:latin typeface="Arial Narrow" pitchFamily="-112" charset="0"/>
+                <a:ea typeface="ＭＳ Ｐゴシック" pitchFamily="-112" charset="-128"/>
+              </a:defRPr>
+            </a:lvl5pPr>
+            <a:lvl6pPr marL="457200" algn="l" rtl="0" fontAlgn="base">
+              <a:spcBef>
+                <a:spcPct val="0"/>
+              </a:spcBef>
+              <a:spcAft>
+                <a:spcPct val="0"/>
+              </a:spcAft>
+              <a:defRPr sz="2800">
+                <a:solidFill>
+                  <a:srgbClr val="444A4B"/>
+                </a:solidFill>
+                <a:latin typeface="Arial Narrow" pitchFamily="-112" charset="0"/>
+                <a:ea typeface="ＭＳ Ｐゴシック" pitchFamily="-112" charset="-128"/>
+              </a:defRPr>
+            </a:lvl6pPr>
+            <a:lvl7pPr marL="914400" algn="l" rtl="0" fontAlgn="base">
+              <a:spcBef>
+                <a:spcPct val="0"/>
+              </a:spcBef>
+              <a:spcAft>
+                <a:spcPct val="0"/>
+              </a:spcAft>
+              <a:defRPr sz="2800">
+                <a:solidFill>
+                  <a:srgbClr val="444A4B"/>
+                </a:solidFill>
+                <a:latin typeface="Arial Narrow" pitchFamily="-112" charset="0"/>
+                <a:ea typeface="ＭＳ Ｐゴシック" pitchFamily="-112" charset="-128"/>
+              </a:defRPr>
+            </a:lvl7pPr>
+            <a:lvl8pPr marL="1371600" algn="l" rtl="0" fontAlgn="base">
+              <a:spcBef>
+                <a:spcPct val="0"/>
+              </a:spcBef>
+              <a:spcAft>
+                <a:spcPct val="0"/>
+              </a:spcAft>
+              <a:defRPr sz="2800">
+                <a:solidFill>
+                  <a:srgbClr val="444A4B"/>
+                </a:solidFill>
+                <a:latin typeface="Arial Narrow" pitchFamily="-112" charset="0"/>
+                <a:ea typeface="ＭＳ Ｐゴシック" pitchFamily="-112" charset="-128"/>
+              </a:defRPr>
+            </a:lvl8pPr>
+            <a:lvl9pPr marL="1828800" algn="l" rtl="0" fontAlgn="base">
+              <a:spcBef>
+                <a:spcPct val="0"/>
+              </a:spcBef>
+              <a:spcAft>
+                <a:spcPct val="0"/>
+              </a:spcAft>
+              <a:defRPr sz="2800">
+                <a:solidFill>
+                  <a:srgbClr val="444A4B"/>
+                </a:solidFill>
+                <a:latin typeface="Arial Narrow" pitchFamily="-112" charset="0"/>
+                <a:ea typeface="ＭＳ Ｐゴシック" pitchFamily="-112" charset="-128"/>
+              </a:defRPr>
+            </a:lvl9pPr>
+          </a:lstStyle>
+          <a:p>
+            <a:pPr>
+              <a:lnSpc>
+                <a:spcPct val="100000"/>
+              </a:lnSpc>
+            </a:pPr>
+            <a:r>
+              <a:rPr lang="de-DE" b="1" u="none" kern="0" dirty="0">
+                <a:latin typeface="Calibri" panose="020F0502020204030204" pitchFamily="34" charset="0"/>
+                <a:cs typeface="Calibri" panose="020F0502020204030204" pitchFamily="34" charset="0"/>
+              </a:rPr>
+              <a:t>Reale Rekonstruktion</a:t>
+            </a:r>
+          </a:p>
+        </p:txBody>
+      </p:sp>
+    </p:spTree>
+    <p:extLst>
+      <p:ext uri="{BB962C8B-B14F-4D97-AF65-F5344CB8AC3E}">
+        <p14:creationId xmlns:p14="http://schemas.microsoft.com/office/powerpoint/2010/main" val="643034042"/>
+      </p:ext>
+    </p:extLst>
+  </p:cSld>
+  <p:clrMapOvr>
+    <a:masterClrMapping/>
+  </p:clrMapOvr>
+</p:sld>
+</file>
+
+<file path=ppt/slides/slide19.xml><?xml version="1.0" encoding="utf-8"?>
+<p:sld xmlns:a="http://schemas.openxmlformats.org/drawingml/2006/main" xmlns:r="http://schemas.openxmlformats.org/officeDocument/2006/relationships" xmlns:p="http://schemas.openxmlformats.org/presentationml/2006/main">
+  <p:cSld>
+    <p:spTree>
+      <p:nvGrpSpPr>
+        <p:cNvPr id="1" name=""/>
+        <p:cNvGrpSpPr/>
+        <p:nvPr/>
+      </p:nvGrpSpPr>
+      <p:grpSpPr>
+        <a:xfrm>
+          <a:off x="0" y="0"/>
+          <a:ext cx="0" cy="0"/>
+          <a:chOff x="0" y="0"/>
+          <a:chExt cx="0" cy="0"/>
+        </a:xfrm>
+      </p:grpSpPr>
+      <p:sp>
+        <p:nvSpPr>
           <p:cNvPr id="9" name="Title 8">
             <a:extLst>
               <a:ext uri="{FF2B5EF4-FFF2-40B4-BE49-F238E27FC236}">
@@ -6832,32 +12134,13 @@
           <a:bodyPr/>
           <a:lstStyle/>
           <a:p>
-            <a:endParaRPr lang="de-DE" dirty="0"/>
-          </a:p>
-        </p:txBody>
-      </p:sp>
-      <p:sp>
-        <p:nvSpPr>
-          <p:cNvPr id="15" name="Content Placeholder 14">
-            <a:extLst>
-              <a:ext uri="{FF2B5EF4-FFF2-40B4-BE49-F238E27FC236}">
-                <a16:creationId xmlns:a16="http://schemas.microsoft.com/office/drawing/2014/main" id="{8C2E98DE-0644-4CDA-B8EC-1C4E40E7B845}"/>
-              </a:ext>
-            </a:extLst>
-          </p:cNvPr>
-          <p:cNvSpPr>
-            <a:spLocks noGrp="1"/>
-          </p:cNvSpPr>
-          <p:nvPr>
-            <p:ph idx="1"/>
-          </p:nvPr>
-        </p:nvSpPr>
-        <p:spPr/>
-        <p:txBody>
-          <a:bodyPr/>
-          <a:lstStyle/>
-          <a:p>
-            <a:endParaRPr lang="de-DE" dirty="0"/>
+            <a:r>
+              <a:rPr lang="de-DE" b="1" dirty="0">
+                <a:latin typeface="Calibri" panose="020F0502020204030204" pitchFamily="34" charset="0"/>
+                <a:cs typeface="Calibri" panose="020F0502020204030204" pitchFamily="34" charset="0"/>
+              </a:rPr>
+              <a:t>Rektifizierungsansatz</a:t>
+            </a:r>
           </a:p>
         </p:txBody>
       </p:sp>
@@ -6879,7 +12162,7 @@
             <a:fld id="{00A3E6BF-A18C-4ADA-B4DF-837CA5AC6C3B}" type="slidenum">
               <a:rPr lang="de-DE" smtClean="0"/>
               <a:pPr/>
-              <a:t>13</a:t>
+              <a:t>19</a:t>
             </a:fld>
             <a:endParaRPr lang="de-DE"/>
           </a:p>
@@ -6957,10 +12240,325 @@
           </a:p>
         </p:txBody>
       </p:sp>
+      <p:sp>
+        <p:nvSpPr>
+          <p:cNvPr id="8" name="Slide Number Placeholder 5">
+            <a:extLst>
+              <a:ext uri="{FF2B5EF4-FFF2-40B4-BE49-F238E27FC236}">
+                <a16:creationId xmlns:a16="http://schemas.microsoft.com/office/drawing/2014/main" id="{786FB04A-6477-4A23-8230-B365EDC45C24}"/>
+              </a:ext>
+            </a:extLst>
+          </p:cNvPr>
+          <p:cNvSpPr txBox="1">
+            <a:spLocks/>
+          </p:cNvSpPr>
+          <p:nvPr/>
+        </p:nvSpPr>
+        <p:spPr>
+          <a:xfrm>
+            <a:off x="539750" y="5900738"/>
+            <a:ext cx="431800" cy="365125"/>
+          </a:xfrm>
+          <a:prstGeom prst="rect">
+            <a:avLst/>
+          </a:prstGeom>
+        </p:spPr>
+        <p:txBody>
+          <a:bodyPr vert="horz" lIns="91440" tIns="45720" rIns="91440" bIns="45720" rtlCol="0" anchor="ctr"/>
+          <a:lstStyle>
+            <a:defPPr>
+              <a:defRPr lang="de-DE"/>
+            </a:defPPr>
+            <a:lvl1pPr algn="l" rtl="0" eaLnBrk="0" fontAlgn="base" hangingPunct="0">
+              <a:lnSpc>
+                <a:spcPct val="80000"/>
+              </a:lnSpc>
+              <a:spcBef>
+                <a:spcPct val="50000"/>
+              </a:spcBef>
+              <a:spcAft>
+                <a:spcPct val="0"/>
+              </a:spcAft>
+              <a:defRPr sz="1200" u="none" kern="1200">
+                <a:solidFill>
+                  <a:schemeClr val="bg1"/>
+                </a:solidFill>
+                <a:latin typeface="Arial Narrow" pitchFamily="-112" charset="0"/>
+                <a:ea typeface="ＭＳ Ｐゴシック" pitchFamily="-112" charset="-128"/>
+                <a:cs typeface="+mn-cs"/>
+              </a:defRPr>
+            </a:lvl1pPr>
+            <a:lvl2pPr marL="457200" algn="l" rtl="0" eaLnBrk="0" fontAlgn="base" hangingPunct="0">
+              <a:lnSpc>
+                <a:spcPct val="80000"/>
+              </a:lnSpc>
+              <a:spcBef>
+                <a:spcPct val="50000"/>
+              </a:spcBef>
+              <a:spcAft>
+                <a:spcPct val="0"/>
+              </a:spcAft>
+              <a:defRPr sz="1100" u="sng" kern="1200">
+                <a:solidFill>
+                  <a:schemeClr val="bg1"/>
+                </a:solidFill>
+                <a:latin typeface="Arial Narrow" pitchFamily="34" charset="0"/>
+                <a:ea typeface="ＭＳ Ｐゴシック" pitchFamily="34" charset="-128"/>
+                <a:cs typeface="+mn-cs"/>
+              </a:defRPr>
+            </a:lvl2pPr>
+            <a:lvl3pPr marL="914400" algn="l" rtl="0" eaLnBrk="0" fontAlgn="base" hangingPunct="0">
+              <a:lnSpc>
+                <a:spcPct val="80000"/>
+              </a:lnSpc>
+              <a:spcBef>
+                <a:spcPct val="50000"/>
+              </a:spcBef>
+              <a:spcAft>
+                <a:spcPct val="0"/>
+              </a:spcAft>
+              <a:defRPr sz="1100" u="sng" kern="1200">
+                <a:solidFill>
+                  <a:schemeClr val="bg1"/>
+                </a:solidFill>
+                <a:latin typeface="Arial Narrow" pitchFamily="34" charset="0"/>
+                <a:ea typeface="ＭＳ Ｐゴシック" pitchFamily="34" charset="-128"/>
+                <a:cs typeface="+mn-cs"/>
+              </a:defRPr>
+            </a:lvl3pPr>
+            <a:lvl4pPr marL="1371600" algn="l" rtl="0" eaLnBrk="0" fontAlgn="base" hangingPunct="0">
+              <a:lnSpc>
+                <a:spcPct val="80000"/>
+              </a:lnSpc>
+              <a:spcBef>
+                <a:spcPct val="50000"/>
+              </a:spcBef>
+              <a:spcAft>
+                <a:spcPct val="0"/>
+              </a:spcAft>
+              <a:defRPr sz="1100" u="sng" kern="1200">
+                <a:solidFill>
+                  <a:schemeClr val="bg1"/>
+                </a:solidFill>
+                <a:latin typeface="Arial Narrow" pitchFamily="34" charset="0"/>
+                <a:ea typeface="ＭＳ Ｐゴシック" pitchFamily="34" charset="-128"/>
+                <a:cs typeface="+mn-cs"/>
+              </a:defRPr>
+            </a:lvl4pPr>
+            <a:lvl5pPr marL="1828800" algn="l" rtl="0" eaLnBrk="0" fontAlgn="base" hangingPunct="0">
+              <a:lnSpc>
+                <a:spcPct val="80000"/>
+              </a:lnSpc>
+              <a:spcBef>
+                <a:spcPct val="50000"/>
+              </a:spcBef>
+              <a:spcAft>
+                <a:spcPct val="0"/>
+              </a:spcAft>
+              <a:defRPr sz="1100" u="sng" kern="1200">
+                <a:solidFill>
+                  <a:schemeClr val="bg1"/>
+                </a:solidFill>
+                <a:latin typeface="Arial Narrow" pitchFamily="34" charset="0"/>
+                <a:ea typeface="ＭＳ Ｐゴシック" pitchFamily="34" charset="-128"/>
+                <a:cs typeface="+mn-cs"/>
+              </a:defRPr>
+            </a:lvl5pPr>
+            <a:lvl6pPr marL="2286000" algn="l" defTabSz="914400" rtl="0" eaLnBrk="1" latinLnBrk="0" hangingPunct="1">
+              <a:defRPr sz="1100" u="sng" kern="1200">
+                <a:solidFill>
+                  <a:schemeClr val="bg1"/>
+                </a:solidFill>
+                <a:latin typeface="Arial Narrow" pitchFamily="34" charset="0"/>
+                <a:ea typeface="ＭＳ Ｐゴシック" pitchFamily="34" charset="-128"/>
+                <a:cs typeface="+mn-cs"/>
+              </a:defRPr>
+            </a:lvl6pPr>
+            <a:lvl7pPr marL="2743200" algn="l" defTabSz="914400" rtl="0" eaLnBrk="1" latinLnBrk="0" hangingPunct="1">
+              <a:defRPr sz="1100" u="sng" kern="1200">
+                <a:solidFill>
+                  <a:schemeClr val="bg1"/>
+                </a:solidFill>
+                <a:latin typeface="Arial Narrow" pitchFamily="34" charset="0"/>
+                <a:ea typeface="ＭＳ Ｐゴシック" pitchFamily="34" charset="-128"/>
+                <a:cs typeface="+mn-cs"/>
+              </a:defRPr>
+            </a:lvl7pPr>
+            <a:lvl8pPr marL="3200400" algn="l" defTabSz="914400" rtl="0" eaLnBrk="1" latinLnBrk="0" hangingPunct="1">
+              <a:defRPr sz="1100" u="sng" kern="1200">
+                <a:solidFill>
+                  <a:schemeClr val="bg1"/>
+                </a:solidFill>
+                <a:latin typeface="Arial Narrow" pitchFamily="34" charset="0"/>
+                <a:ea typeface="ＭＳ Ｐゴシック" pitchFamily="34" charset="-128"/>
+                <a:cs typeface="+mn-cs"/>
+              </a:defRPr>
+            </a:lvl8pPr>
+            <a:lvl9pPr marL="3657600" algn="l" defTabSz="914400" rtl="0" eaLnBrk="1" latinLnBrk="0" hangingPunct="1">
+              <a:defRPr sz="1100" u="sng" kern="1200">
+                <a:solidFill>
+                  <a:schemeClr val="bg1"/>
+                </a:solidFill>
+                <a:latin typeface="Arial Narrow" pitchFamily="34" charset="0"/>
+                <a:ea typeface="ＭＳ Ｐゴシック" pitchFamily="34" charset="-128"/>
+                <a:cs typeface="+mn-cs"/>
+              </a:defRPr>
+            </a:lvl9pPr>
+          </a:lstStyle>
+          <a:p>
+            <a:pPr>
+              <a:defRPr/>
+            </a:pPr>
+            <a:fld id="{944B4367-9E0C-405E-84D6-0F55A4E33EA1}" type="slidenum">
+              <a:rPr lang="de-DE" smtClean="0"/>
+              <a:pPr>
+                <a:defRPr/>
+              </a:pPr>
+              <a:t>19</a:t>
+            </a:fld>
+            <a:endParaRPr lang="de-DE" dirty="0"/>
+          </a:p>
+        </p:txBody>
+      </p:sp>
+      <p:sp>
+        <p:nvSpPr>
+          <p:cNvPr id="11" name="Content Placeholder 2">
+            <a:extLst>
+              <a:ext uri="{FF2B5EF4-FFF2-40B4-BE49-F238E27FC236}">
+                <a16:creationId xmlns:a16="http://schemas.microsoft.com/office/drawing/2014/main" id="{9185C6B2-839C-4DAB-8276-D9869112004F}"/>
+              </a:ext>
+            </a:extLst>
+          </p:cNvPr>
+          <p:cNvSpPr>
+            <a:spLocks noGrp="1"/>
+          </p:cNvSpPr>
+          <p:nvPr>
+            <p:ph idx="1"/>
+          </p:nvPr>
+        </p:nvSpPr>
+        <p:spPr>
+          <a:xfrm>
+            <a:off x="509254" y="1259645"/>
+            <a:ext cx="8351837" cy="4038600"/>
+          </a:xfrm>
+        </p:spPr>
+        <p:txBody>
+          <a:bodyPr/>
+          <a:lstStyle/>
+          <a:p>
+            <a:pPr>
+              <a:buFont typeface="Arial" panose="020B0604020202020204" pitchFamily="34" charset="0"/>
+              <a:buChar char="•"/>
+            </a:pPr>
+            <a:r>
+              <a:rPr lang="de-DE" sz="2000" dirty="0">
+                <a:latin typeface="Calibri (Body)"/>
+              </a:rPr>
+              <a:t>Ist auf eine schnelle und effiziente Rekonstruktion einer Szene ausgelegt.</a:t>
+            </a:r>
+          </a:p>
+          <a:p>
+            <a:pPr>
+              <a:buFont typeface="Arial" panose="020B0604020202020204" pitchFamily="34" charset="0"/>
+              <a:buChar char="•"/>
+            </a:pPr>
+            <a:r>
+              <a:rPr lang="de-DE" sz="2000" dirty="0">
+                <a:latin typeface="Calibri (Body)"/>
+              </a:rPr>
+              <a:t>Keine Bestimmung der Kameraparameter.</a:t>
+            </a:r>
+          </a:p>
+          <a:p>
+            <a:pPr>
+              <a:buFont typeface="Arial" panose="020B0604020202020204" pitchFamily="34" charset="0"/>
+              <a:buChar char="•"/>
+            </a:pPr>
+            <a:r>
+              <a:rPr lang="de-DE" sz="2000" dirty="0">
+                <a:latin typeface="Calibri (Body)"/>
+              </a:rPr>
+              <a:t>Methode beruht auf zuvorige rektifizierung der Bilder.</a:t>
+            </a:r>
+          </a:p>
+        </p:txBody>
+      </p:sp>
+      <p:pic>
+        <p:nvPicPr>
+          <p:cNvPr id="12" name="Picture 11">
+            <a:extLst>
+              <a:ext uri="{FF2B5EF4-FFF2-40B4-BE49-F238E27FC236}">
+                <a16:creationId xmlns:a16="http://schemas.microsoft.com/office/drawing/2014/main" id="{B2056615-C65F-4174-ACA1-B02F57E8D16B}"/>
+              </a:ext>
+            </a:extLst>
+          </p:cNvPr>
+          <p:cNvPicPr>
+            <a:picLocks noChangeAspect="1"/>
+          </p:cNvPicPr>
+          <p:nvPr/>
+        </p:nvPicPr>
+        <p:blipFill>
+          <a:blip r:embed="rId3">
+            <a:extLst>
+              <a:ext uri="{28A0092B-C50C-407E-A947-70E740481C1C}">
+                <a14:useLocalDpi xmlns:a14="http://schemas.microsoft.com/office/drawing/2010/main" val="0"/>
+              </a:ext>
+            </a:extLst>
+          </a:blip>
+          <a:stretch>
+            <a:fillRect/>
+          </a:stretch>
+        </p:blipFill>
+        <p:spPr>
+          <a:xfrm>
+            <a:off x="4572000" y="2708920"/>
+            <a:ext cx="4440923" cy="2791258"/>
+          </a:xfrm>
+          <a:prstGeom prst="rect">
+            <a:avLst/>
+          </a:prstGeom>
+        </p:spPr>
+      </p:pic>
+      <p:pic>
+        <p:nvPicPr>
+          <p:cNvPr id="13" name="Picture 12">
+            <a:extLst>
+              <a:ext uri="{FF2B5EF4-FFF2-40B4-BE49-F238E27FC236}">
+                <a16:creationId xmlns:a16="http://schemas.microsoft.com/office/drawing/2014/main" id="{7C1C3DE4-7D09-44DB-9C32-7DA012D55CD6}"/>
+              </a:ext>
+            </a:extLst>
+          </p:cNvPr>
+          <p:cNvPicPr>
+            <a:picLocks noChangeAspect="1"/>
+          </p:cNvPicPr>
+          <p:nvPr/>
+        </p:nvPicPr>
+        <p:blipFill>
+          <a:blip r:embed="rId4">
+            <a:extLst>
+              <a:ext uri="{28A0092B-C50C-407E-A947-70E740481C1C}">
+                <a14:useLocalDpi xmlns:a14="http://schemas.microsoft.com/office/drawing/2010/main" val="0"/>
+              </a:ext>
+            </a:extLst>
+          </a:blip>
+          <a:stretch>
+            <a:fillRect/>
+          </a:stretch>
+        </p:blipFill>
+        <p:spPr>
+          <a:xfrm>
+            <a:off x="131077" y="2708920"/>
+            <a:ext cx="4440923" cy="2769450"/>
+          </a:xfrm>
+          <a:prstGeom prst="rect">
+            <a:avLst/>
+          </a:prstGeom>
+        </p:spPr>
+      </p:pic>
     </p:spTree>
     <p:extLst>
       <p:ext uri="{BB962C8B-B14F-4D97-AF65-F5344CB8AC3E}">
-        <p14:creationId xmlns:p14="http://schemas.microsoft.com/office/powerpoint/2010/main" val="1465671791"/>
+        <p14:creationId xmlns:p14="http://schemas.microsoft.com/office/powerpoint/2010/main" val="3465609845"/>
       </p:ext>
     </p:extLst>
   </p:cSld>
@@ -7016,7 +12614,7 @@
               <a:pPr>
                 <a:defRPr/>
               </a:pPr>
-              <a:t>14.06.2018</a:t>
+              <a:t>15.06.2018</a:t>
             </a:fld>
             <a:endParaRPr lang="de-DE" dirty="0"/>
           </a:p>
@@ -7208,6 +12806,1545 @@
 </p:sld>
 </file>
 
+<file path=ppt/slides/slide20.xml><?xml version="1.0" encoding="utf-8"?>
+<p:sld xmlns:a="http://schemas.openxmlformats.org/drawingml/2006/main" xmlns:r="http://schemas.openxmlformats.org/officeDocument/2006/relationships" xmlns:p="http://schemas.openxmlformats.org/presentationml/2006/main">
+  <p:cSld>
+    <p:spTree>
+      <p:nvGrpSpPr>
+        <p:cNvPr id="1" name=""/>
+        <p:cNvGrpSpPr/>
+        <p:nvPr/>
+      </p:nvGrpSpPr>
+      <p:grpSpPr>
+        <a:xfrm>
+          <a:off x="0" y="0"/>
+          <a:ext cx="0" cy="0"/>
+          <a:chOff x="0" y="0"/>
+          <a:chExt cx="0" cy="0"/>
+        </a:xfrm>
+      </p:grpSpPr>
+      <p:sp>
+        <p:nvSpPr>
+          <p:cNvPr id="9" name="Title 8">
+            <a:extLst>
+              <a:ext uri="{FF2B5EF4-FFF2-40B4-BE49-F238E27FC236}">
+                <a16:creationId xmlns:a16="http://schemas.microsoft.com/office/drawing/2014/main" id="{C958DD35-CA26-4605-9283-1C48AD4D2871}"/>
+              </a:ext>
+            </a:extLst>
+          </p:cNvPr>
+          <p:cNvSpPr>
+            <a:spLocks noGrp="1"/>
+          </p:cNvSpPr>
+          <p:nvPr>
+            <p:ph type="title"/>
+          </p:nvPr>
+        </p:nvSpPr>
+        <p:spPr/>
+        <p:txBody>
+          <a:bodyPr/>
+          <a:lstStyle/>
+          <a:p>
+            <a:r>
+              <a:rPr lang="de-DE" dirty="0"/>
+              <a:t>BackUpSlides</a:t>
+            </a:r>
+          </a:p>
+        </p:txBody>
+      </p:sp>
+      <p:sp>
+        <p:nvSpPr>
+          <p:cNvPr id="15367" name="Foliennummernplatzhalter 3"/>
+          <p:cNvSpPr>
+            <a:spLocks noGrp="1"/>
+          </p:cNvSpPr>
+          <p:nvPr>
+            <p:ph type="sldNum" sz="quarter" idx="12"/>
+          </p:nvPr>
+        </p:nvSpPr>
+        <p:spPr/>
+        <p:txBody>
+          <a:bodyPr/>
+          <a:lstStyle/>
+          <a:p>
+            <a:fld id="{00A3E6BF-A18C-4ADA-B4DF-837CA5AC6C3B}" type="slidenum">
+              <a:rPr lang="de-DE" smtClean="0"/>
+              <a:pPr/>
+              <a:t>20</a:t>
+            </a:fld>
+            <a:endParaRPr lang="de-DE"/>
+          </a:p>
+        </p:txBody>
+      </p:sp>
+      <p:sp>
+        <p:nvSpPr>
+          <p:cNvPr id="7" name="Footer Placeholder 4">
+            <a:extLst>
+              <a:ext uri="{FF2B5EF4-FFF2-40B4-BE49-F238E27FC236}">
+                <a16:creationId xmlns:a16="http://schemas.microsoft.com/office/drawing/2014/main" id="{C4C146E8-EC73-46FC-8B03-58FA3D7A2538}"/>
+              </a:ext>
+            </a:extLst>
+          </p:cNvPr>
+          <p:cNvSpPr>
+            <a:spLocks noGrp="1"/>
+          </p:cNvSpPr>
+          <p:nvPr>
+            <p:ph type="ftr" sz="quarter" idx="11"/>
+          </p:nvPr>
+        </p:nvSpPr>
+        <p:spPr>
+          <a:xfrm>
+            <a:off x="539750" y="6365875"/>
+            <a:ext cx="2016125" cy="365125"/>
+          </a:xfrm>
+        </p:spPr>
+        <p:txBody>
+          <a:bodyPr/>
+          <a:lstStyle/>
+          <a:p>
+            <a:pPr>
+              <a:defRPr/>
+            </a:pPr>
+            <a:r>
+              <a:rPr lang="de-DE" dirty="0"/>
+              <a:t>Hochschule Furtwangen, </a:t>
+            </a:r>
+          </a:p>
+        </p:txBody>
+      </p:sp>
+      <p:sp>
+        <p:nvSpPr>
+          <p:cNvPr id="10" name="Date Placeholder 3">
+            <a:extLst>
+              <a:ext uri="{FF2B5EF4-FFF2-40B4-BE49-F238E27FC236}">
+                <a16:creationId xmlns:a16="http://schemas.microsoft.com/office/drawing/2014/main" id="{9B700400-1A71-4C80-BEBE-35AB1FB575DB}"/>
+              </a:ext>
+            </a:extLst>
+          </p:cNvPr>
+          <p:cNvSpPr>
+            <a:spLocks noGrp="1"/>
+          </p:cNvSpPr>
+          <p:nvPr>
+            <p:ph type="dt" sz="half" idx="10"/>
+          </p:nvPr>
+        </p:nvSpPr>
+        <p:spPr>
+          <a:xfrm>
+            <a:off x="7667625" y="6378575"/>
+            <a:ext cx="865188" cy="365125"/>
+          </a:xfrm>
+        </p:spPr>
+        <p:txBody>
+          <a:bodyPr/>
+          <a:lstStyle/>
+          <a:p>
+            <a:pPr>
+              <a:defRPr/>
+            </a:pPr>
+            <a:r>
+              <a:rPr lang="de-DE" dirty="0"/>
+              <a:t>04.07.18</a:t>
+            </a:r>
+          </a:p>
+        </p:txBody>
+      </p:sp>
+      <p:sp>
+        <p:nvSpPr>
+          <p:cNvPr id="8" name="Content Placeholder 2">
+            <a:extLst>
+              <a:ext uri="{FF2B5EF4-FFF2-40B4-BE49-F238E27FC236}">
+                <a16:creationId xmlns:a16="http://schemas.microsoft.com/office/drawing/2014/main" id="{074A7574-DF88-43AA-8461-57C2485230EC}"/>
+              </a:ext>
+            </a:extLst>
+          </p:cNvPr>
+          <p:cNvSpPr txBox="1">
+            <a:spLocks/>
+          </p:cNvSpPr>
+          <p:nvPr/>
+        </p:nvSpPr>
+        <p:spPr bwMode="auto">
+          <a:xfrm>
+            <a:off x="180976" y="1028700"/>
+            <a:ext cx="8351837" cy="4038600"/>
+          </a:xfrm>
+          <a:prstGeom prst="rect">
+            <a:avLst/>
+          </a:prstGeom>
+          <a:noFill/>
+          <a:ln w="9525">
+            <a:noFill/>
+            <a:miter lim="800000"/>
+            <a:headEnd/>
+            <a:tailEnd/>
+          </a:ln>
+        </p:spPr>
+        <p:txBody>
+          <a:bodyPr vert="horz" wrap="square" lIns="0" tIns="0" rIns="0" bIns="0" numCol="1" anchor="t" anchorCtr="0" compatLnSpc="1">
+            <a:prstTxWarp prst="textNoShape">
+              <a:avLst/>
+            </a:prstTxWarp>
+          </a:bodyPr>
+          <a:lstStyle>
+            <a:lvl1pPr marL="342900" indent="-342900" algn="l" rtl="0" eaLnBrk="0" fontAlgn="base" hangingPunct="0">
+              <a:spcBef>
+                <a:spcPct val="20000"/>
+              </a:spcBef>
+              <a:spcAft>
+                <a:spcPct val="0"/>
+              </a:spcAft>
+              <a:defRPr sz="1600">
+                <a:solidFill>
+                  <a:schemeClr val="tx1"/>
+                </a:solidFill>
+                <a:latin typeface="+mn-lt"/>
+                <a:ea typeface="+mn-ea"/>
+                <a:cs typeface="+mn-cs"/>
+              </a:defRPr>
+            </a:lvl1pPr>
+            <a:lvl2pPr marL="742950" indent="-285750" algn="l" rtl="0" eaLnBrk="0" fontAlgn="base" hangingPunct="0">
+              <a:spcBef>
+                <a:spcPct val="20000"/>
+              </a:spcBef>
+              <a:spcAft>
+                <a:spcPct val="0"/>
+              </a:spcAft>
+              <a:defRPr sz="2800">
+                <a:solidFill>
+                  <a:schemeClr val="tx1"/>
+                </a:solidFill>
+                <a:latin typeface="Arial" charset="0"/>
+                <a:ea typeface="+mn-ea"/>
+              </a:defRPr>
+            </a:lvl2pPr>
+            <a:lvl3pPr marL="1143000" indent="-228600" algn="l" rtl="0" eaLnBrk="0" fontAlgn="base" hangingPunct="0">
+              <a:spcBef>
+                <a:spcPct val="20000"/>
+              </a:spcBef>
+              <a:spcAft>
+                <a:spcPct val="0"/>
+              </a:spcAft>
+              <a:defRPr sz="2400">
+                <a:solidFill>
+                  <a:schemeClr val="tx1"/>
+                </a:solidFill>
+                <a:latin typeface="Arial" charset="0"/>
+                <a:ea typeface="+mn-ea"/>
+              </a:defRPr>
+            </a:lvl3pPr>
+            <a:lvl4pPr marL="1600200" indent="-228600" algn="l" rtl="0" eaLnBrk="0" fontAlgn="base" hangingPunct="0">
+              <a:spcBef>
+                <a:spcPct val="20000"/>
+              </a:spcBef>
+              <a:spcAft>
+                <a:spcPct val="0"/>
+              </a:spcAft>
+              <a:defRPr sz="2000">
+                <a:solidFill>
+                  <a:schemeClr val="tx1"/>
+                </a:solidFill>
+                <a:latin typeface="Arial" charset="0"/>
+                <a:ea typeface="+mn-ea"/>
+              </a:defRPr>
+            </a:lvl4pPr>
+            <a:lvl5pPr marL="2057400" indent="-228600" algn="l" rtl="0" eaLnBrk="0" fontAlgn="base" hangingPunct="0">
+              <a:spcBef>
+                <a:spcPct val="20000"/>
+              </a:spcBef>
+              <a:spcAft>
+                <a:spcPct val="0"/>
+              </a:spcAft>
+              <a:defRPr sz="2000">
+                <a:solidFill>
+                  <a:schemeClr val="tx1"/>
+                </a:solidFill>
+                <a:latin typeface="Arial" charset="0"/>
+                <a:ea typeface="+mn-ea"/>
+              </a:defRPr>
+            </a:lvl5pPr>
+            <a:lvl6pPr marL="2514600" indent="-228600" algn="l" rtl="0" fontAlgn="base">
+              <a:spcBef>
+                <a:spcPct val="20000"/>
+              </a:spcBef>
+              <a:spcAft>
+                <a:spcPct val="0"/>
+              </a:spcAft>
+              <a:defRPr sz="2000">
+                <a:solidFill>
+                  <a:schemeClr val="tx1"/>
+                </a:solidFill>
+                <a:latin typeface="Arial" charset="0"/>
+                <a:ea typeface="+mn-ea"/>
+              </a:defRPr>
+            </a:lvl6pPr>
+            <a:lvl7pPr marL="2971800" indent="-228600" algn="l" rtl="0" fontAlgn="base">
+              <a:spcBef>
+                <a:spcPct val="20000"/>
+              </a:spcBef>
+              <a:spcAft>
+                <a:spcPct val="0"/>
+              </a:spcAft>
+              <a:defRPr sz="2000">
+                <a:solidFill>
+                  <a:schemeClr val="tx1"/>
+                </a:solidFill>
+                <a:latin typeface="Arial" charset="0"/>
+                <a:ea typeface="+mn-ea"/>
+              </a:defRPr>
+            </a:lvl7pPr>
+            <a:lvl8pPr marL="3429000" indent="-228600" algn="l" rtl="0" fontAlgn="base">
+              <a:spcBef>
+                <a:spcPct val="20000"/>
+              </a:spcBef>
+              <a:spcAft>
+                <a:spcPct val="0"/>
+              </a:spcAft>
+              <a:defRPr sz="2000">
+                <a:solidFill>
+                  <a:schemeClr val="tx1"/>
+                </a:solidFill>
+                <a:latin typeface="Arial" charset="0"/>
+                <a:ea typeface="+mn-ea"/>
+              </a:defRPr>
+            </a:lvl8pPr>
+            <a:lvl9pPr marL="3886200" indent="-228600" algn="l" rtl="0" fontAlgn="base">
+              <a:spcBef>
+                <a:spcPct val="20000"/>
+              </a:spcBef>
+              <a:spcAft>
+                <a:spcPct val="0"/>
+              </a:spcAft>
+              <a:defRPr sz="2000">
+                <a:solidFill>
+                  <a:schemeClr val="tx1"/>
+                </a:solidFill>
+                <a:latin typeface="Arial" charset="0"/>
+                <a:ea typeface="+mn-ea"/>
+              </a:defRPr>
+            </a:lvl9pPr>
+          </a:lstStyle>
+          <a:p>
+            <a:pPr>
+              <a:lnSpc>
+                <a:spcPct val="100000"/>
+              </a:lnSpc>
+              <a:buFont typeface="Arial" panose="020B0604020202020204" pitchFamily="34" charset="0"/>
+              <a:buChar char="•"/>
+            </a:pPr>
+            <a:r>
+              <a:rPr lang="de-DE" sz="2400" u="none" kern="0" dirty="0">
+                <a:latin typeface="Calibri (Body)"/>
+              </a:rPr>
+              <a:t>Fundamental Matrix und Essentielle Matrix</a:t>
+            </a:r>
+          </a:p>
+          <a:p>
+            <a:pPr marL="457200" lvl="1" indent="0">
+              <a:lnSpc>
+                <a:spcPct val="100000"/>
+              </a:lnSpc>
+            </a:pPr>
+            <a:endParaRPr lang="de-DE" sz="2400" u="none" kern="0" dirty="0">
+              <a:latin typeface="Calibri (Body)"/>
+            </a:endParaRPr>
+          </a:p>
+        </p:txBody>
+      </p:sp>
+      <p:pic>
+        <p:nvPicPr>
+          <p:cNvPr id="11" name="Picture 10">
+            <a:extLst>
+              <a:ext uri="{FF2B5EF4-FFF2-40B4-BE49-F238E27FC236}">
+                <a16:creationId xmlns:a16="http://schemas.microsoft.com/office/drawing/2014/main" id="{ECE6BAF7-E018-4C0D-819F-1F383417E19E}"/>
+              </a:ext>
+            </a:extLst>
+          </p:cNvPr>
+          <p:cNvPicPr>
+            <a:picLocks noChangeAspect="1"/>
+          </p:cNvPicPr>
+          <p:nvPr/>
+        </p:nvPicPr>
+        <p:blipFill>
+          <a:blip r:embed="rId3">
+            <a:extLst>
+              <a:ext uri="{28A0092B-C50C-407E-A947-70E740481C1C}">
+                <a14:useLocalDpi xmlns:a14="http://schemas.microsoft.com/office/drawing/2010/main" val="0"/>
+              </a:ext>
+            </a:extLst>
+          </a:blip>
+          <a:stretch>
+            <a:fillRect/>
+          </a:stretch>
+        </p:blipFill>
+        <p:spPr>
+          <a:xfrm>
+            <a:off x="675625" y="1803491"/>
+            <a:ext cx="7687748" cy="1848108"/>
+          </a:xfrm>
+          <a:prstGeom prst="rect">
+            <a:avLst/>
+          </a:prstGeom>
+        </p:spPr>
+      </p:pic>
+      <p:pic>
+        <p:nvPicPr>
+          <p:cNvPr id="12" name="Picture 11">
+            <a:extLst>
+              <a:ext uri="{FF2B5EF4-FFF2-40B4-BE49-F238E27FC236}">
+                <a16:creationId xmlns:a16="http://schemas.microsoft.com/office/drawing/2014/main" id="{4B89C6B8-D846-4B21-AAA2-6CDAC6D3D172}"/>
+              </a:ext>
+            </a:extLst>
+          </p:cNvPr>
+          <p:cNvPicPr>
+            <a:picLocks noChangeAspect="1"/>
+          </p:cNvPicPr>
+          <p:nvPr/>
+        </p:nvPicPr>
+        <p:blipFill rotWithShape="1">
+          <a:blip r:embed="rId4">
+            <a:extLst>
+              <a:ext uri="{28A0092B-C50C-407E-A947-70E740481C1C}">
+                <a14:useLocalDpi xmlns:a14="http://schemas.microsoft.com/office/drawing/2010/main" val="0"/>
+              </a:ext>
+            </a:extLst>
+          </a:blip>
+          <a:srcRect b="21049"/>
+          <a:stretch/>
+        </p:blipFill>
+        <p:spPr>
+          <a:xfrm>
+            <a:off x="1882039" y="3751611"/>
+            <a:ext cx="5274921" cy="1999337"/>
+          </a:xfrm>
+          <a:prstGeom prst="rect">
+            <a:avLst/>
+          </a:prstGeom>
+        </p:spPr>
+      </p:pic>
+    </p:spTree>
+    <p:extLst>
+      <p:ext uri="{BB962C8B-B14F-4D97-AF65-F5344CB8AC3E}">
+        <p14:creationId xmlns:p14="http://schemas.microsoft.com/office/powerpoint/2010/main" val="1465671791"/>
+      </p:ext>
+    </p:extLst>
+  </p:cSld>
+  <p:clrMapOvr>
+    <a:masterClrMapping/>
+  </p:clrMapOvr>
+</p:sld>
+</file>
+
+<file path=ppt/slides/slide21.xml><?xml version="1.0" encoding="utf-8"?>
+<p:sld xmlns:a="http://schemas.openxmlformats.org/drawingml/2006/main" xmlns:r="http://schemas.openxmlformats.org/officeDocument/2006/relationships" xmlns:p="http://schemas.openxmlformats.org/presentationml/2006/main">
+  <p:cSld>
+    <p:spTree>
+      <p:nvGrpSpPr>
+        <p:cNvPr id="1" name=""/>
+        <p:cNvGrpSpPr/>
+        <p:nvPr/>
+      </p:nvGrpSpPr>
+      <p:grpSpPr>
+        <a:xfrm>
+          <a:off x="0" y="0"/>
+          <a:ext cx="0" cy="0"/>
+          <a:chOff x="0" y="0"/>
+          <a:chExt cx="0" cy="0"/>
+        </a:xfrm>
+      </p:grpSpPr>
+      <p:sp>
+        <p:nvSpPr>
+          <p:cNvPr id="9" name="Title 8">
+            <a:extLst>
+              <a:ext uri="{FF2B5EF4-FFF2-40B4-BE49-F238E27FC236}">
+                <a16:creationId xmlns:a16="http://schemas.microsoft.com/office/drawing/2014/main" id="{C958DD35-CA26-4605-9283-1C48AD4D2871}"/>
+              </a:ext>
+            </a:extLst>
+          </p:cNvPr>
+          <p:cNvSpPr>
+            <a:spLocks noGrp="1"/>
+          </p:cNvSpPr>
+          <p:nvPr>
+            <p:ph type="title"/>
+          </p:nvPr>
+        </p:nvSpPr>
+        <p:spPr/>
+        <p:txBody>
+          <a:bodyPr/>
+          <a:lstStyle/>
+          <a:p>
+            <a:r>
+              <a:rPr lang="de-DE" dirty="0"/>
+              <a:t>BackUpSlides</a:t>
+            </a:r>
+          </a:p>
+        </p:txBody>
+      </p:sp>
+      <p:sp>
+        <p:nvSpPr>
+          <p:cNvPr id="15367" name="Foliennummernplatzhalter 3"/>
+          <p:cNvSpPr>
+            <a:spLocks noGrp="1"/>
+          </p:cNvSpPr>
+          <p:nvPr>
+            <p:ph type="sldNum" sz="quarter" idx="12"/>
+          </p:nvPr>
+        </p:nvSpPr>
+        <p:spPr/>
+        <p:txBody>
+          <a:bodyPr/>
+          <a:lstStyle/>
+          <a:p>
+            <a:fld id="{00A3E6BF-A18C-4ADA-B4DF-837CA5AC6C3B}" type="slidenum">
+              <a:rPr lang="de-DE" smtClean="0"/>
+              <a:pPr/>
+              <a:t>21</a:t>
+            </a:fld>
+            <a:endParaRPr lang="de-DE"/>
+          </a:p>
+        </p:txBody>
+      </p:sp>
+      <p:sp>
+        <p:nvSpPr>
+          <p:cNvPr id="7" name="Footer Placeholder 4">
+            <a:extLst>
+              <a:ext uri="{FF2B5EF4-FFF2-40B4-BE49-F238E27FC236}">
+                <a16:creationId xmlns:a16="http://schemas.microsoft.com/office/drawing/2014/main" id="{C4C146E8-EC73-46FC-8B03-58FA3D7A2538}"/>
+              </a:ext>
+            </a:extLst>
+          </p:cNvPr>
+          <p:cNvSpPr>
+            <a:spLocks noGrp="1"/>
+          </p:cNvSpPr>
+          <p:nvPr>
+            <p:ph type="ftr" sz="quarter" idx="11"/>
+          </p:nvPr>
+        </p:nvSpPr>
+        <p:spPr>
+          <a:xfrm>
+            <a:off x="539750" y="6365875"/>
+            <a:ext cx="2016125" cy="365125"/>
+          </a:xfrm>
+        </p:spPr>
+        <p:txBody>
+          <a:bodyPr/>
+          <a:lstStyle/>
+          <a:p>
+            <a:pPr>
+              <a:defRPr/>
+            </a:pPr>
+            <a:r>
+              <a:rPr lang="de-DE" dirty="0"/>
+              <a:t>Hochschule Furtwangen, </a:t>
+            </a:r>
+          </a:p>
+        </p:txBody>
+      </p:sp>
+      <p:sp>
+        <p:nvSpPr>
+          <p:cNvPr id="10" name="Date Placeholder 3">
+            <a:extLst>
+              <a:ext uri="{FF2B5EF4-FFF2-40B4-BE49-F238E27FC236}">
+                <a16:creationId xmlns:a16="http://schemas.microsoft.com/office/drawing/2014/main" id="{9B700400-1A71-4C80-BEBE-35AB1FB575DB}"/>
+              </a:ext>
+            </a:extLst>
+          </p:cNvPr>
+          <p:cNvSpPr>
+            <a:spLocks noGrp="1"/>
+          </p:cNvSpPr>
+          <p:nvPr>
+            <p:ph type="dt" sz="half" idx="10"/>
+          </p:nvPr>
+        </p:nvSpPr>
+        <p:spPr>
+          <a:xfrm>
+            <a:off x="7667625" y="6378575"/>
+            <a:ext cx="865188" cy="365125"/>
+          </a:xfrm>
+        </p:spPr>
+        <p:txBody>
+          <a:bodyPr/>
+          <a:lstStyle/>
+          <a:p>
+            <a:pPr>
+              <a:defRPr/>
+            </a:pPr>
+            <a:r>
+              <a:rPr lang="de-DE" dirty="0"/>
+              <a:t>04.07.18</a:t>
+            </a:r>
+          </a:p>
+        </p:txBody>
+      </p:sp>
+      <p:pic>
+        <p:nvPicPr>
+          <p:cNvPr id="13" name="Content Placeholder 7">
+            <a:extLst>
+              <a:ext uri="{FF2B5EF4-FFF2-40B4-BE49-F238E27FC236}">
+                <a16:creationId xmlns:a16="http://schemas.microsoft.com/office/drawing/2014/main" id="{39383731-182C-4A9B-B7D7-D715C35AFE87}"/>
+              </a:ext>
+            </a:extLst>
+          </p:cNvPr>
+          <p:cNvPicPr>
+            <a:picLocks noGrp="1" noChangeAspect="1"/>
+          </p:cNvPicPr>
+          <p:nvPr>
+            <p:ph idx="1"/>
+          </p:nvPr>
+        </p:nvPicPr>
+        <p:blipFill>
+          <a:blip r:embed="rId3">
+            <a:extLst>
+              <a:ext uri="{28A0092B-C50C-407E-A947-70E740481C1C}">
+                <a14:useLocalDpi xmlns:a14="http://schemas.microsoft.com/office/drawing/2010/main" val="0"/>
+              </a:ext>
+            </a:extLst>
+          </a:blip>
+          <a:stretch>
+            <a:fillRect/>
+          </a:stretch>
+        </p:blipFill>
+        <p:spPr>
+          <a:xfrm>
+            <a:off x="1893979" y="1124744"/>
+            <a:ext cx="5356042" cy="1287574"/>
+          </a:xfrm>
+        </p:spPr>
+      </p:pic>
+      <p:pic>
+        <p:nvPicPr>
+          <p:cNvPr id="14" name="Picture 13">
+            <a:extLst>
+              <a:ext uri="{FF2B5EF4-FFF2-40B4-BE49-F238E27FC236}">
+                <a16:creationId xmlns:a16="http://schemas.microsoft.com/office/drawing/2014/main" id="{24FDD988-FEC4-449D-82D4-FDC6325CEB84}"/>
+              </a:ext>
+            </a:extLst>
+          </p:cNvPr>
+          <p:cNvPicPr>
+            <a:picLocks noChangeAspect="1"/>
+          </p:cNvPicPr>
+          <p:nvPr/>
+        </p:nvPicPr>
+        <p:blipFill>
+          <a:blip r:embed="rId4">
+            <a:extLst>
+              <a:ext uri="{28A0092B-C50C-407E-A947-70E740481C1C}">
+                <a14:useLocalDpi xmlns:a14="http://schemas.microsoft.com/office/drawing/2010/main" val="0"/>
+              </a:ext>
+            </a:extLst>
+          </a:blip>
+          <a:stretch>
+            <a:fillRect/>
+          </a:stretch>
+        </p:blipFill>
+        <p:spPr>
+          <a:xfrm>
+            <a:off x="3275856" y="2467067"/>
+            <a:ext cx="2430056" cy="852889"/>
+          </a:xfrm>
+          <a:prstGeom prst="rect">
+            <a:avLst/>
+          </a:prstGeom>
+        </p:spPr>
+      </p:pic>
+      <p:pic>
+        <p:nvPicPr>
+          <p:cNvPr id="15" name="Picture 14">
+            <a:extLst>
+              <a:ext uri="{FF2B5EF4-FFF2-40B4-BE49-F238E27FC236}">
+                <a16:creationId xmlns:a16="http://schemas.microsoft.com/office/drawing/2014/main" id="{59A17358-ED22-4159-8B93-C58623973DF3}"/>
+              </a:ext>
+            </a:extLst>
+          </p:cNvPr>
+          <p:cNvPicPr>
+            <a:picLocks noChangeAspect="1"/>
+          </p:cNvPicPr>
+          <p:nvPr/>
+        </p:nvPicPr>
+        <p:blipFill>
+          <a:blip r:embed="rId5">
+            <a:extLst>
+              <a:ext uri="{28A0092B-C50C-407E-A947-70E740481C1C}">
+                <a14:useLocalDpi xmlns:a14="http://schemas.microsoft.com/office/drawing/2010/main" val="0"/>
+              </a:ext>
+            </a:extLst>
+          </a:blip>
+          <a:stretch>
+            <a:fillRect/>
+          </a:stretch>
+        </p:blipFill>
+        <p:spPr>
+          <a:xfrm>
+            <a:off x="2799821" y="3353363"/>
+            <a:ext cx="3382126" cy="659228"/>
+          </a:xfrm>
+          <a:prstGeom prst="rect">
+            <a:avLst/>
+          </a:prstGeom>
+        </p:spPr>
+      </p:pic>
+      <p:pic>
+        <p:nvPicPr>
+          <p:cNvPr id="16" name="Picture 15">
+            <a:extLst>
+              <a:ext uri="{FF2B5EF4-FFF2-40B4-BE49-F238E27FC236}">
+                <a16:creationId xmlns:a16="http://schemas.microsoft.com/office/drawing/2014/main" id="{AF66AFCB-1043-4D7B-97FA-1F7CCDA4135D}"/>
+              </a:ext>
+            </a:extLst>
+          </p:cNvPr>
+          <p:cNvPicPr>
+            <a:picLocks noChangeAspect="1"/>
+          </p:cNvPicPr>
+          <p:nvPr/>
+        </p:nvPicPr>
+        <p:blipFill>
+          <a:blip r:embed="rId6">
+            <a:extLst>
+              <a:ext uri="{28A0092B-C50C-407E-A947-70E740481C1C}">
+                <a14:useLocalDpi xmlns:a14="http://schemas.microsoft.com/office/drawing/2010/main" val="0"/>
+              </a:ext>
+            </a:extLst>
+          </a:blip>
+          <a:stretch>
+            <a:fillRect/>
+          </a:stretch>
+        </p:blipFill>
+        <p:spPr>
+          <a:xfrm>
+            <a:off x="1978814" y="4063970"/>
+            <a:ext cx="5024136" cy="876209"/>
+          </a:xfrm>
+          <a:prstGeom prst="rect">
+            <a:avLst/>
+          </a:prstGeom>
+        </p:spPr>
+      </p:pic>
+      <p:pic>
+        <p:nvPicPr>
+          <p:cNvPr id="17" name="Picture 16">
+            <a:extLst>
+              <a:ext uri="{FF2B5EF4-FFF2-40B4-BE49-F238E27FC236}">
+                <a16:creationId xmlns:a16="http://schemas.microsoft.com/office/drawing/2014/main" id="{F1D32D67-1833-4C92-B7EA-CCC217190518}"/>
+              </a:ext>
+            </a:extLst>
+          </p:cNvPr>
+          <p:cNvPicPr>
+            <a:picLocks noChangeAspect="1"/>
+          </p:cNvPicPr>
+          <p:nvPr/>
+        </p:nvPicPr>
+        <p:blipFill>
+          <a:blip r:embed="rId7">
+            <a:extLst>
+              <a:ext uri="{28A0092B-C50C-407E-A947-70E740481C1C}">
+                <a14:useLocalDpi xmlns:a14="http://schemas.microsoft.com/office/drawing/2010/main" val="0"/>
+              </a:ext>
+            </a:extLst>
+          </a:blip>
+          <a:stretch>
+            <a:fillRect/>
+          </a:stretch>
+        </p:blipFill>
+        <p:spPr>
+          <a:xfrm>
+            <a:off x="3114327" y="4989241"/>
+            <a:ext cx="2753109" cy="847843"/>
+          </a:xfrm>
+          <a:prstGeom prst="rect">
+            <a:avLst/>
+          </a:prstGeom>
+        </p:spPr>
+      </p:pic>
+    </p:spTree>
+    <p:extLst>
+      <p:ext uri="{BB962C8B-B14F-4D97-AF65-F5344CB8AC3E}">
+        <p14:creationId xmlns:p14="http://schemas.microsoft.com/office/powerpoint/2010/main" val="3394268361"/>
+      </p:ext>
+    </p:extLst>
+  </p:cSld>
+  <p:clrMapOvr>
+    <a:masterClrMapping/>
+  </p:clrMapOvr>
+</p:sld>
+</file>
+
+<file path=ppt/slides/slide22.xml><?xml version="1.0" encoding="utf-8"?>
+<p:sld xmlns:a="http://schemas.openxmlformats.org/drawingml/2006/main" xmlns:r="http://schemas.openxmlformats.org/officeDocument/2006/relationships" xmlns:p="http://schemas.openxmlformats.org/presentationml/2006/main">
+  <p:cSld>
+    <p:spTree>
+      <p:nvGrpSpPr>
+        <p:cNvPr id="1" name=""/>
+        <p:cNvGrpSpPr/>
+        <p:nvPr/>
+      </p:nvGrpSpPr>
+      <p:grpSpPr>
+        <a:xfrm>
+          <a:off x="0" y="0"/>
+          <a:ext cx="0" cy="0"/>
+          <a:chOff x="0" y="0"/>
+          <a:chExt cx="0" cy="0"/>
+        </a:xfrm>
+      </p:grpSpPr>
+      <p:sp>
+        <p:nvSpPr>
+          <p:cNvPr id="9" name="Title 8">
+            <a:extLst>
+              <a:ext uri="{FF2B5EF4-FFF2-40B4-BE49-F238E27FC236}">
+                <a16:creationId xmlns:a16="http://schemas.microsoft.com/office/drawing/2014/main" id="{C958DD35-CA26-4605-9283-1C48AD4D2871}"/>
+              </a:ext>
+            </a:extLst>
+          </p:cNvPr>
+          <p:cNvSpPr>
+            <a:spLocks noGrp="1"/>
+          </p:cNvSpPr>
+          <p:nvPr>
+            <p:ph type="title"/>
+          </p:nvPr>
+        </p:nvSpPr>
+        <p:spPr/>
+        <p:txBody>
+          <a:bodyPr/>
+          <a:lstStyle/>
+          <a:p>
+            <a:r>
+              <a:rPr lang="de-DE" dirty="0"/>
+              <a:t>BackUpSlides</a:t>
+            </a:r>
+          </a:p>
+        </p:txBody>
+      </p:sp>
+      <p:sp>
+        <p:nvSpPr>
+          <p:cNvPr id="15367" name="Foliennummernplatzhalter 3"/>
+          <p:cNvSpPr>
+            <a:spLocks noGrp="1"/>
+          </p:cNvSpPr>
+          <p:nvPr>
+            <p:ph type="sldNum" sz="quarter" idx="12"/>
+          </p:nvPr>
+        </p:nvSpPr>
+        <p:spPr/>
+        <p:txBody>
+          <a:bodyPr/>
+          <a:lstStyle/>
+          <a:p>
+            <a:fld id="{00A3E6BF-A18C-4ADA-B4DF-837CA5AC6C3B}" type="slidenum">
+              <a:rPr lang="de-DE" smtClean="0"/>
+              <a:pPr/>
+              <a:t>22</a:t>
+            </a:fld>
+            <a:endParaRPr lang="de-DE"/>
+          </a:p>
+        </p:txBody>
+      </p:sp>
+      <p:sp>
+        <p:nvSpPr>
+          <p:cNvPr id="7" name="Footer Placeholder 4">
+            <a:extLst>
+              <a:ext uri="{FF2B5EF4-FFF2-40B4-BE49-F238E27FC236}">
+                <a16:creationId xmlns:a16="http://schemas.microsoft.com/office/drawing/2014/main" id="{C4C146E8-EC73-46FC-8B03-58FA3D7A2538}"/>
+              </a:ext>
+            </a:extLst>
+          </p:cNvPr>
+          <p:cNvSpPr>
+            <a:spLocks noGrp="1"/>
+          </p:cNvSpPr>
+          <p:nvPr>
+            <p:ph type="ftr" sz="quarter" idx="11"/>
+          </p:nvPr>
+        </p:nvSpPr>
+        <p:spPr>
+          <a:xfrm>
+            <a:off x="539750" y="6365875"/>
+            <a:ext cx="2016125" cy="365125"/>
+          </a:xfrm>
+        </p:spPr>
+        <p:txBody>
+          <a:bodyPr/>
+          <a:lstStyle/>
+          <a:p>
+            <a:pPr>
+              <a:defRPr/>
+            </a:pPr>
+            <a:r>
+              <a:rPr lang="de-DE" dirty="0"/>
+              <a:t>Hochschule Furtwangen, </a:t>
+            </a:r>
+          </a:p>
+        </p:txBody>
+      </p:sp>
+      <p:sp>
+        <p:nvSpPr>
+          <p:cNvPr id="10" name="Date Placeholder 3">
+            <a:extLst>
+              <a:ext uri="{FF2B5EF4-FFF2-40B4-BE49-F238E27FC236}">
+                <a16:creationId xmlns:a16="http://schemas.microsoft.com/office/drawing/2014/main" id="{9B700400-1A71-4C80-BEBE-35AB1FB575DB}"/>
+              </a:ext>
+            </a:extLst>
+          </p:cNvPr>
+          <p:cNvSpPr>
+            <a:spLocks noGrp="1"/>
+          </p:cNvSpPr>
+          <p:nvPr>
+            <p:ph type="dt" sz="half" idx="10"/>
+          </p:nvPr>
+        </p:nvSpPr>
+        <p:spPr>
+          <a:xfrm>
+            <a:off x="7667625" y="6378575"/>
+            <a:ext cx="865188" cy="365125"/>
+          </a:xfrm>
+        </p:spPr>
+        <p:txBody>
+          <a:bodyPr/>
+          <a:lstStyle/>
+          <a:p>
+            <a:pPr>
+              <a:defRPr/>
+            </a:pPr>
+            <a:r>
+              <a:rPr lang="de-DE" dirty="0"/>
+              <a:t>04.07.18</a:t>
+            </a:r>
+          </a:p>
+        </p:txBody>
+      </p:sp>
+      <p:sp>
+        <p:nvSpPr>
+          <p:cNvPr id="2" name="TextBox 1">
+            <a:extLst>
+              <a:ext uri="{FF2B5EF4-FFF2-40B4-BE49-F238E27FC236}">
+                <a16:creationId xmlns:a16="http://schemas.microsoft.com/office/drawing/2014/main" id="{F6329C1B-3711-4DAD-A239-6C5455594232}"/>
+              </a:ext>
+            </a:extLst>
+          </p:cNvPr>
+          <p:cNvSpPr txBox="1"/>
+          <p:nvPr/>
+        </p:nvSpPr>
+        <p:spPr>
+          <a:xfrm>
+            <a:off x="1187624" y="1988840"/>
+            <a:ext cx="6624736" cy="344710"/>
+          </a:xfrm>
+          <a:prstGeom prst="rect">
+            <a:avLst/>
+          </a:prstGeom>
+          <a:noFill/>
+        </p:spPr>
+        <p:txBody>
+          <a:bodyPr wrap="square" rtlCol="0">
+            <a:spAutoFit/>
+          </a:bodyPr>
+          <a:lstStyle/>
+          <a:p>
+            <a:r>
+              <a:rPr lang="de-DE" sz="2000" u="none" dirty="0">
+                <a:solidFill>
+                  <a:schemeClr val="tx1"/>
+                </a:solidFill>
+                <a:latin typeface="Calibri" panose="020F0502020204030204" pitchFamily="34" charset="0"/>
+                <a:cs typeface="Calibri" panose="020F0502020204030204" pitchFamily="34" charset="0"/>
+              </a:rPr>
+              <a:t>Homographien</a:t>
+            </a:r>
+          </a:p>
+        </p:txBody>
+      </p:sp>
+    </p:spTree>
+    <p:extLst>
+      <p:ext uri="{BB962C8B-B14F-4D97-AF65-F5344CB8AC3E}">
+        <p14:creationId xmlns:p14="http://schemas.microsoft.com/office/powerpoint/2010/main" val="614113190"/>
+      </p:ext>
+    </p:extLst>
+  </p:cSld>
+  <p:clrMapOvr>
+    <a:masterClrMapping/>
+  </p:clrMapOvr>
+</p:sld>
+</file>
+
+<file path=ppt/slides/slide23.xml><?xml version="1.0" encoding="utf-8"?>
+<p:sld xmlns:a="http://schemas.openxmlformats.org/drawingml/2006/main" xmlns:r="http://schemas.openxmlformats.org/officeDocument/2006/relationships" xmlns:p="http://schemas.openxmlformats.org/presentationml/2006/main">
+  <p:cSld>
+    <p:spTree>
+      <p:nvGrpSpPr>
+        <p:cNvPr id="1" name=""/>
+        <p:cNvGrpSpPr/>
+        <p:nvPr/>
+      </p:nvGrpSpPr>
+      <p:grpSpPr>
+        <a:xfrm>
+          <a:off x="0" y="0"/>
+          <a:ext cx="0" cy="0"/>
+          <a:chOff x="0" y="0"/>
+          <a:chExt cx="0" cy="0"/>
+        </a:xfrm>
+      </p:grpSpPr>
+      <p:sp>
+        <p:nvSpPr>
+          <p:cNvPr id="9" name="Title 8">
+            <a:extLst>
+              <a:ext uri="{FF2B5EF4-FFF2-40B4-BE49-F238E27FC236}">
+                <a16:creationId xmlns:a16="http://schemas.microsoft.com/office/drawing/2014/main" id="{C958DD35-CA26-4605-9283-1C48AD4D2871}"/>
+              </a:ext>
+            </a:extLst>
+          </p:cNvPr>
+          <p:cNvSpPr>
+            <a:spLocks noGrp="1"/>
+          </p:cNvSpPr>
+          <p:nvPr>
+            <p:ph type="title"/>
+          </p:nvPr>
+        </p:nvSpPr>
+        <p:spPr/>
+        <p:txBody>
+          <a:bodyPr/>
+          <a:lstStyle/>
+          <a:p>
+            <a:r>
+              <a:rPr lang="de-DE" dirty="0"/>
+              <a:t>BackUpSlides</a:t>
+            </a:r>
+          </a:p>
+        </p:txBody>
+      </p:sp>
+      <p:sp>
+        <p:nvSpPr>
+          <p:cNvPr id="15367" name="Foliennummernplatzhalter 3"/>
+          <p:cNvSpPr>
+            <a:spLocks noGrp="1"/>
+          </p:cNvSpPr>
+          <p:nvPr>
+            <p:ph type="sldNum" sz="quarter" idx="12"/>
+          </p:nvPr>
+        </p:nvSpPr>
+        <p:spPr/>
+        <p:txBody>
+          <a:bodyPr/>
+          <a:lstStyle/>
+          <a:p>
+            <a:fld id="{00A3E6BF-A18C-4ADA-B4DF-837CA5AC6C3B}" type="slidenum">
+              <a:rPr lang="de-DE" smtClean="0"/>
+              <a:pPr/>
+              <a:t>23</a:t>
+            </a:fld>
+            <a:endParaRPr lang="de-DE"/>
+          </a:p>
+        </p:txBody>
+      </p:sp>
+      <p:sp>
+        <p:nvSpPr>
+          <p:cNvPr id="7" name="Footer Placeholder 4">
+            <a:extLst>
+              <a:ext uri="{FF2B5EF4-FFF2-40B4-BE49-F238E27FC236}">
+                <a16:creationId xmlns:a16="http://schemas.microsoft.com/office/drawing/2014/main" id="{C4C146E8-EC73-46FC-8B03-58FA3D7A2538}"/>
+              </a:ext>
+            </a:extLst>
+          </p:cNvPr>
+          <p:cNvSpPr>
+            <a:spLocks noGrp="1"/>
+          </p:cNvSpPr>
+          <p:nvPr>
+            <p:ph type="ftr" sz="quarter" idx="11"/>
+          </p:nvPr>
+        </p:nvSpPr>
+        <p:spPr>
+          <a:xfrm>
+            <a:off x="539750" y="6365875"/>
+            <a:ext cx="2016125" cy="365125"/>
+          </a:xfrm>
+        </p:spPr>
+        <p:txBody>
+          <a:bodyPr/>
+          <a:lstStyle/>
+          <a:p>
+            <a:pPr>
+              <a:defRPr/>
+            </a:pPr>
+            <a:r>
+              <a:rPr lang="de-DE" dirty="0"/>
+              <a:t>Hochschule Furtwangen, </a:t>
+            </a:r>
+          </a:p>
+        </p:txBody>
+      </p:sp>
+      <p:sp>
+        <p:nvSpPr>
+          <p:cNvPr id="10" name="Date Placeholder 3">
+            <a:extLst>
+              <a:ext uri="{FF2B5EF4-FFF2-40B4-BE49-F238E27FC236}">
+                <a16:creationId xmlns:a16="http://schemas.microsoft.com/office/drawing/2014/main" id="{9B700400-1A71-4C80-BEBE-35AB1FB575DB}"/>
+              </a:ext>
+            </a:extLst>
+          </p:cNvPr>
+          <p:cNvSpPr>
+            <a:spLocks noGrp="1"/>
+          </p:cNvSpPr>
+          <p:nvPr>
+            <p:ph type="dt" sz="half" idx="10"/>
+          </p:nvPr>
+        </p:nvSpPr>
+        <p:spPr>
+          <a:xfrm>
+            <a:off x="7667625" y="6378575"/>
+            <a:ext cx="865188" cy="365125"/>
+          </a:xfrm>
+        </p:spPr>
+        <p:txBody>
+          <a:bodyPr/>
+          <a:lstStyle/>
+          <a:p>
+            <a:pPr>
+              <a:defRPr/>
+            </a:pPr>
+            <a:r>
+              <a:rPr lang="de-DE" dirty="0"/>
+              <a:t>04.07.18</a:t>
+            </a:r>
+          </a:p>
+        </p:txBody>
+      </p:sp>
+      <p:sp>
+        <p:nvSpPr>
+          <p:cNvPr id="2" name="TextBox 1">
+            <a:extLst>
+              <a:ext uri="{FF2B5EF4-FFF2-40B4-BE49-F238E27FC236}">
+                <a16:creationId xmlns:a16="http://schemas.microsoft.com/office/drawing/2014/main" id="{F6329C1B-3711-4DAD-A239-6C5455594232}"/>
+              </a:ext>
+            </a:extLst>
+          </p:cNvPr>
+          <p:cNvSpPr txBox="1"/>
+          <p:nvPr/>
+        </p:nvSpPr>
+        <p:spPr>
+          <a:xfrm>
+            <a:off x="1187624" y="1988840"/>
+            <a:ext cx="6624736" cy="344710"/>
+          </a:xfrm>
+          <a:prstGeom prst="rect">
+            <a:avLst/>
+          </a:prstGeom>
+          <a:noFill/>
+        </p:spPr>
+        <p:txBody>
+          <a:bodyPr wrap="square" rtlCol="0">
+            <a:spAutoFit/>
+          </a:bodyPr>
+          <a:lstStyle/>
+          <a:p>
+            <a:r>
+              <a:rPr lang="de-DE" sz="2000" u="none" dirty="0">
+                <a:solidFill>
+                  <a:schemeClr val="tx1"/>
+                </a:solidFill>
+                <a:latin typeface="Calibri" panose="020F0502020204030204" pitchFamily="34" charset="0"/>
+                <a:cs typeface="Calibri" panose="020F0502020204030204" pitchFamily="34" charset="0"/>
+              </a:rPr>
+              <a:t>Homographien</a:t>
+            </a:r>
+          </a:p>
+        </p:txBody>
+      </p:sp>
+    </p:spTree>
+    <p:extLst>
+      <p:ext uri="{BB962C8B-B14F-4D97-AF65-F5344CB8AC3E}">
+        <p14:creationId xmlns:p14="http://schemas.microsoft.com/office/powerpoint/2010/main" val="3825160840"/>
+      </p:ext>
+    </p:extLst>
+  </p:cSld>
+  <p:clrMapOvr>
+    <a:masterClrMapping/>
+  </p:clrMapOvr>
+</p:sld>
+</file>
+
+<file path=ppt/slides/slide24.xml><?xml version="1.0" encoding="utf-8"?>
+<p:sld xmlns:a="http://schemas.openxmlformats.org/drawingml/2006/main" xmlns:r="http://schemas.openxmlformats.org/officeDocument/2006/relationships" xmlns:p="http://schemas.openxmlformats.org/presentationml/2006/main">
+  <p:cSld>
+    <p:spTree>
+      <p:nvGrpSpPr>
+        <p:cNvPr id="1" name=""/>
+        <p:cNvGrpSpPr/>
+        <p:nvPr/>
+      </p:nvGrpSpPr>
+      <p:grpSpPr>
+        <a:xfrm>
+          <a:off x="0" y="0"/>
+          <a:ext cx="0" cy="0"/>
+          <a:chOff x="0" y="0"/>
+          <a:chExt cx="0" cy="0"/>
+        </a:xfrm>
+      </p:grpSpPr>
+      <p:sp>
+        <p:nvSpPr>
+          <p:cNvPr id="9" name="Title 8">
+            <a:extLst>
+              <a:ext uri="{FF2B5EF4-FFF2-40B4-BE49-F238E27FC236}">
+                <a16:creationId xmlns:a16="http://schemas.microsoft.com/office/drawing/2014/main" id="{C958DD35-CA26-4605-9283-1C48AD4D2871}"/>
+              </a:ext>
+            </a:extLst>
+          </p:cNvPr>
+          <p:cNvSpPr>
+            <a:spLocks noGrp="1"/>
+          </p:cNvSpPr>
+          <p:nvPr>
+            <p:ph type="title"/>
+          </p:nvPr>
+        </p:nvSpPr>
+        <p:spPr/>
+        <p:txBody>
+          <a:bodyPr/>
+          <a:lstStyle/>
+          <a:p>
+            <a:r>
+              <a:rPr lang="de-DE" dirty="0"/>
+              <a:t>BackUpSlides</a:t>
+            </a:r>
+          </a:p>
+        </p:txBody>
+      </p:sp>
+      <p:sp>
+        <p:nvSpPr>
+          <p:cNvPr id="15367" name="Foliennummernplatzhalter 3"/>
+          <p:cNvSpPr>
+            <a:spLocks noGrp="1"/>
+          </p:cNvSpPr>
+          <p:nvPr>
+            <p:ph type="sldNum" sz="quarter" idx="12"/>
+          </p:nvPr>
+        </p:nvSpPr>
+        <p:spPr/>
+        <p:txBody>
+          <a:bodyPr/>
+          <a:lstStyle/>
+          <a:p>
+            <a:fld id="{00A3E6BF-A18C-4ADA-B4DF-837CA5AC6C3B}" type="slidenum">
+              <a:rPr lang="de-DE" smtClean="0"/>
+              <a:pPr/>
+              <a:t>24</a:t>
+            </a:fld>
+            <a:endParaRPr lang="de-DE"/>
+          </a:p>
+        </p:txBody>
+      </p:sp>
+      <p:sp>
+        <p:nvSpPr>
+          <p:cNvPr id="7" name="Footer Placeholder 4">
+            <a:extLst>
+              <a:ext uri="{FF2B5EF4-FFF2-40B4-BE49-F238E27FC236}">
+                <a16:creationId xmlns:a16="http://schemas.microsoft.com/office/drawing/2014/main" id="{C4C146E8-EC73-46FC-8B03-58FA3D7A2538}"/>
+              </a:ext>
+            </a:extLst>
+          </p:cNvPr>
+          <p:cNvSpPr>
+            <a:spLocks noGrp="1"/>
+          </p:cNvSpPr>
+          <p:nvPr>
+            <p:ph type="ftr" sz="quarter" idx="11"/>
+          </p:nvPr>
+        </p:nvSpPr>
+        <p:spPr>
+          <a:xfrm>
+            <a:off x="539750" y="6365875"/>
+            <a:ext cx="2016125" cy="365125"/>
+          </a:xfrm>
+        </p:spPr>
+        <p:txBody>
+          <a:bodyPr/>
+          <a:lstStyle/>
+          <a:p>
+            <a:pPr>
+              <a:defRPr/>
+            </a:pPr>
+            <a:r>
+              <a:rPr lang="de-DE" dirty="0"/>
+              <a:t>Hochschule Furtwangen, </a:t>
+            </a:r>
+          </a:p>
+        </p:txBody>
+      </p:sp>
+      <p:sp>
+        <p:nvSpPr>
+          <p:cNvPr id="10" name="Date Placeholder 3">
+            <a:extLst>
+              <a:ext uri="{FF2B5EF4-FFF2-40B4-BE49-F238E27FC236}">
+                <a16:creationId xmlns:a16="http://schemas.microsoft.com/office/drawing/2014/main" id="{9B700400-1A71-4C80-BEBE-35AB1FB575DB}"/>
+              </a:ext>
+            </a:extLst>
+          </p:cNvPr>
+          <p:cNvSpPr>
+            <a:spLocks noGrp="1"/>
+          </p:cNvSpPr>
+          <p:nvPr>
+            <p:ph type="dt" sz="half" idx="10"/>
+          </p:nvPr>
+        </p:nvSpPr>
+        <p:spPr>
+          <a:xfrm>
+            <a:off x="7667625" y="6378575"/>
+            <a:ext cx="865188" cy="365125"/>
+          </a:xfrm>
+        </p:spPr>
+        <p:txBody>
+          <a:bodyPr/>
+          <a:lstStyle/>
+          <a:p>
+            <a:pPr>
+              <a:defRPr/>
+            </a:pPr>
+            <a:r>
+              <a:rPr lang="de-DE" dirty="0"/>
+              <a:t>04.07.18</a:t>
+            </a:r>
+          </a:p>
+        </p:txBody>
+      </p:sp>
+      <p:sp>
+        <p:nvSpPr>
+          <p:cNvPr id="2" name="TextBox 1">
+            <a:extLst>
+              <a:ext uri="{FF2B5EF4-FFF2-40B4-BE49-F238E27FC236}">
+                <a16:creationId xmlns:a16="http://schemas.microsoft.com/office/drawing/2014/main" id="{F6329C1B-3711-4DAD-A239-6C5455594232}"/>
+              </a:ext>
+            </a:extLst>
+          </p:cNvPr>
+          <p:cNvSpPr txBox="1"/>
+          <p:nvPr/>
+        </p:nvSpPr>
+        <p:spPr>
+          <a:xfrm>
+            <a:off x="1187624" y="1988840"/>
+            <a:ext cx="6624736" cy="344710"/>
+          </a:xfrm>
+          <a:prstGeom prst="rect">
+            <a:avLst/>
+          </a:prstGeom>
+          <a:noFill/>
+        </p:spPr>
+        <p:txBody>
+          <a:bodyPr wrap="square" rtlCol="0">
+            <a:spAutoFit/>
+          </a:bodyPr>
+          <a:lstStyle/>
+          <a:p>
+            <a:r>
+              <a:rPr lang="de-DE" sz="2000" u="none" dirty="0">
+                <a:solidFill>
+                  <a:schemeClr val="tx1"/>
+                </a:solidFill>
+                <a:latin typeface="Calibri" panose="020F0502020204030204" pitchFamily="34" charset="0"/>
+                <a:cs typeface="Calibri" panose="020F0502020204030204" pitchFamily="34" charset="0"/>
+              </a:rPr>
+              <a:t>Homographien</a:t>
+            </a:r>
+          </a:p>
+        </p:txBody>
+      </p:sp>
+    </p:spTree>
+    <p:extLst>
+      <p:ext uri="{BB962C8B-B14F-4D97-AF65-F5344CB8AC3E}">
+        <p14:creationId xmlns:p14="http://schemas.microsoft.com/office/powerpoint/2010/main" val="88328310"/>
+      </p:ext>
+    </p:extLst>
+  </p:cSld>
+  <p:clrMapOvr>
+    <a:masterClrMapping/>
+  </p:clrMapOvr>
+</p:sld>
+</file>
+
+<file path=ppt/slides/slide25.xml><?xml version="1.0" encoding="utf-8"?>
+<p:sld xmlns:a="http://schemas.openxmlformats.org/drawingml/2006/main" xmlns:r="http://schemas.openxmlformats.org/officeDocument/2006/relationships" xmlns:p="http://schemas.openxmlformats.org/presentationml/2006/main">
+  <p:cSld>
+    <p:spTree>
+      <p:nvGrpSpPr>
+        <p:cNvPr id="1" name=""/>
+        <p:cNvGrpSpPr/>
+        <p:nvPr/>
+      </p:nvGrpSpPr>
+      <p:grpSpPr>
+        <a:xfrm>
+          <a:off x="0" y="0"/>
+          <a:ext cx="0" cy="0"/>
+          <a:chOff x="0" y="0"/>
+          <a:chExt cx="0" cy="0"/>
+        </a:xfrm>
+      </p:grpSpPr>
+      <p:sp>
+        <p:nvSpPr>
+          <p:cNvPr id="9" name="Title 8">
+            <a:extLst>
+              <a:ext uri="{FF2B5EF4-FFF2-40B4-BE49-F238E27FC236}">
+                <a16:creationId xmlns:a16="http://schemas.microsoft.com/office/drawing/2014/main" id="{C958DD35-CA26-4605-9283-1C48AD4D2871}"/>
+              </a:ext>
+            </a:extLst>
+          </p:cNvPr>
+          <p:cNvSpPr>
+            <a:spLocks noGrp="1"/>
+          </p:cNvSpPr>
+          <p:nvPr>
+            <p:ph type="title"/>
+          </p:nvPr>
+        </p:nvSpPr>
+        <p:spPr/>
+        <p:txBody>
+          <a:bodyPr/>
+          <a:lstStyle/>
+          <a:p>
+            <a:r>
+              <a:rPr lang="de-DE" dirty="0"/>
+              <a:t>BackUpSlides</a:t>
+            </a:r>
+          </a:p>
+        </p:txBody>
+      </p:sp>
+      <p:sp>
+        <p:nvSpPr>
+          <p:cNvPr id="15367" name="Foliennummernplatzhalter 3"/>
+          <p:cNvSpPr>
+            <a:spLocks noGrp="1"/>
+          </p:cNvSpPr>
+          <p:nvPr>
+            <p:ph type="sldNum" sz="quarter" idx="12"/>
+          </p:nvPr>
+        </p:nvSpPr>
+        <p:spPr/>
+        <p:txBody>
+          <a:bodyPr/>
+          <a:lstStyle/>
+          <a:p>
+            <a:fld id="{00A3E6BF-A18C-4ADA-B4DF-837CA5AC6C3B}" type="slidenum">
+              <a:rPr lang="de-DE" smtClean="0"/>
+              <a:pPr/>
+              <a:t>25</a:t>
+            </a:fld>
+            <a:endParaRPr lang="de-DE"/>
+          </a:p>
+        </p:txBody>
+      </p:sp>
+      <p:sp>
+        <p:nvSpPr>
+          <p:cNvPr id="7" name="Footer Placeholder 4">
+            <a:extLst>
+              <a:ext uri="{FF2B5EF4-FFF2-40B4-BE49-F238E27FC236}">
+                <a16:creationId xmlns:a16="http://schemas.microsoft.com/office/drawing/2014/main" id="{C4C146E8-EC73-46FC-8B03-58FA3D7A2538}"/>
+              </a:ext>
+            </a:extLst>
+          </p:cNvPr>
+          <p:cNvSpPr>
+            <a:spLocks noGrp="1"/>
+          </p:cNvSpPr>
+          <p:nvPr>
+            <p:ph type="ftr" sz="quarter" idx="11"/>
+          </p:nvPr>
+        </p:nvSpPr>
+        <p:spPr>
+          <a:xfrm>
+            <a:off x="539750" y="6365875"/>
+            <a:ext cx="2016125" cy="365125"/>
+          </a:xfrm>
+        </p:spPr>
+        <p:txBody>
+          <a:bodyPr/>
+          <a:lstStyle/>
+          <a:p>
+            <a:pPr>
+              <a:defRPr/>
+            </a:pPr>
+            <a:r>
+              <a:rPr lang="de-DE" dirty="0"/>
+              <a:t>Hochschule Furtwangen, </a:t>
+            </a:r>
+          </a:p>
+        </p:txBody>
+      </p:sp>
+      <p:sp>
+        <p:nvSpPr>
+          <p:cNvPr id="10" name="Date Placeholder 3">
+            <a:extLst>
+              <a:ext uri="{FF2B5EF4-FFF2-40B4-BE49-F238E27FC236}">
+                <a16:creationId xmlns:a16="http://schemas.microsoft.com/office/drawing/2014/main" id="{9B700400-1A71-4C80-BEBE-35AB1FB575DB}"/>
+              </a:ext>
+            </a:extLst>
+          </p:cNvPr>
+          <p:cNvSpPr>
+            <a:spLocks noGrp="1"/>
+          </p:cNvSpPr>
+          <p:nvPr>
+            <p:ph type="dt" sz="half" idx="10"/>
+          </p:nvPr>
+        </p:nvSpPr>
+        <p:spPr>
+          <a:xfrm>
+            <a:off x="7667625" y="6378575"/>
+            <a:ext cx="865188" cy="365125"/>
+          </a:xfrm>
+        </p:spPr>
+        <p:txBody>
+          <a:bodyPr/>
+          <a:lstStyle/>
+          <a:p>
+            <a:pPr>
+              <a:defRPr/>
+            </a:pPr>
+            <a:r>
+              <a:rPr lang="de-DE" dirty="0"/>
+              <a:t>04.07.18</a:t>
+            </a:r>
+          </a:p>
+        </p:txBody>
+      </p:sp>
+      <p:sp>
+        <p:nvSpPr>
+          <p:cNvPr id="2" name="TextBox 1">
+            <a:extLst>
+              <a:ext uri="{FF2B5EF4-FFF2-40B4-BE49-F238E27FC236}">
+                <a16:creationId xmlns:a16="http://schemas.microsoft.com/office/drawing/2014/main" id="{F6329C1B-3711-4DAD-A239-6C5455594232}"/>
+              </a:ext>
+            </a:extLst>
+          </p:cNvPr>
+          <p:cNvSpPr txBox="1"/>
+          <p:nvPr/>
+        </p:nvSpPr>
+        <p:spPr>
+          <a:xfrm>
+            <a:off x="1187624" y="1988840"/>
+            <a:ext cx="6624736" cy="344710"/>
+          </a:xfrm>
+          <a:prstGeom prst="rect">
+            <a:avLst/>
+          </a:prstGeom>
+          <a:noFill/>
+        </p:spPr>
+        <p:txBody>
+          <a:bodyPr wrap="square" rtlCol="0">
+            <a:spAutoFit/>
+          </a:bodyPr>
+          <a:lstStyle/>
+          <a:p>
+            <a:r>
+              <a:rPr lang="de-DE" sz="2000" u="none" dirty="0">
+                <a:solidFill>
+                  <a:schemeClr val="tx1"/>
+                </a:solidFill>
+                <a:latin typeface="Calibri" panose="020F0502020204030204" pitchFamily="34" charset="0"/>
+                <a:cs typeface="Calibri" panose="020F0502020204030204" pitchFamily="34" charset="0"/>
+              </a:rPr>
+              <a:t>Homographien</a:t>
+            </a:r>
+          </a:p>
+        </p:txBody>
+      </p:sp>
+    </p:spTree>
+    <p:extLst>
+      <p:ext uri="{BB962C8B-B14F-4D97-AF65-F5344CB8AC3E}">
+        <p14:creationId xmlns:p14="http://schemas.microsoft.com/office/powerpoint/2010/main" val="351409125"/>
+      </p:ext>
+    </p:extLst>
+  </p:cSld>
+  <p:clrMapOvr>
+    <a:masterClrMapping/>
+  </p:clrMapOvr>
+</p:sld>
+</file>
+
 <file path=ppt/slides/slide3.xml><?xml version="1.0" encoding="utf-8"?>
 <p:sld xmlns:a="http://schemas.openxmlformats.org/drawingml/2006/main" xmlns:r="http://schemas.openxmlformats.org/officeDocument/2006/relationships" xmlns:p="http://schemas.openxmlformats.org/presentationml/2006/main">
   <p:cSld>
@@ -7398,7 +14535,12 @@
             <p:ph type="title"/>
           </p:nvPr>
         </p:nvSpPr>
-        <p:spPr/>
+        <p:spPr>
+          <a:xfrm>
+            <a:off x="471488" y="334182"/>
+            <a:ext cx="7772400" cy="533400"/>
+          </a:xfrm>
+        </p:spPr>
         <p:txBody>
           <a:bodyPr/>
           <a:lstStyle/>
@@ -7713,7 +14855,7 @@
         </p:nvSpPr>
         <p:spPr bwMode="auto">
           <a:xfrm>
-            <a:off x="179512" y="1196752"/>
+            <a:off x="179512" y="928688"/>
             <a:ext cx="7056784" cy="1368152"/>
           </a:xfrm>
           <a:prstGeom prst="roundRect">
@@ -7909,8 +15051,8 @@
         </p:nvSpPr>
         <p:spPr bwMode="auto">
           <a:xfrm>
-            <a:off x="1864782" y="2776993"/>
-            <a:ext cx="7056784" cy="907504"/>
+            <a:off x="1851826" y="2367610"/>
+            <a:ext cx="7056784" cy="814286"/>
           </a:xfrm>
           <a:prstGeom prst="roundRect">
             <a:avLst/>
@@ -8051,7 +15193,7 @@
         </p:nvSpPr>
         <p:spPr bwMode="auto">
           <a:xfrm>
-            <a:off x="179512" y="3841767"/>
+            <a:off x="179512" y="3265016"/>
             <a:ext cx="7056784" cy="786421"/>
           </a:xfrm>
           <a:prstGeom prst="roundRect">
@@ -8212,7 +15354,7 @@
         </p:nvSpPr>
         <p:spPr bwMode="auto">
           <a:xfrm>
-            <a:off x="1864782" y="4902606"/>
+            <a:off x="179512" y="4971240"/>
             <a:ext cx="7056784" cy="786421"/>
           </a:xfrm>
           <a:prstGeom prst="roundRect">
@@ -8343,6 +15485,167 @@
                 <a:cs typeface="Calibri" panose="020F0502020204030204" pitchFamily="34" charset="0"/>
               </a:rPr>
               <a:t>Analyse der Szenenrekonstruktion durch Rektifizierung der Bilder</a:t>
+            </a:r>
+            <a:endParaRPr kumimoji="0" lang="de-DE" sz="1800" b="0" i="0" u="none" strike="noStrike" cap="none" normalizeH="0" baseline="0" dirty="0">
+              <a:ln>
+                <a:noFill/>
+              </a:ln>
+              <a:solidFill>
+                <a:schemeClr val="tx1"/>
+              </a:solidFill>
+              <a:effectLst/>
+              <a:latin typeface="Calibri" panose="020F0502020204030204" pitchFamily="34" charset="0"/>
+              <a:ea typeface="ＭＳ Ｐゴシック" pitchFamily="-112" charset="-128"/>
+              <a:cs typeface="Calibri" panose="020F0502020204030204" pitchFamily="34" charset="0"/>
+            </a:endParaRPr>
+          </a:p>
+        </p:txBody>
+      </p:sp>
+      <p:sp>
+        <p:nvSpPr>
+          <p:cNvPr id="14" name="Rectangle: Rounded Corners 13">
+            <a:extLst>
+              <a:ext uri="{FF2B5EF4-FFF2-40B4-BE49-F238E27FC236}">
+                <a16:creationId xmlns:a16="http://schemas.microsoft.com/office/drawing/2014/main" id="{A1539B6D-6D33-4464-904B-11C7AAEF385B}"/>
+              </a:ext>
+            </a:extLst>
+          </p:cNvPr>
+          <p:cNvSpPr/>
+          <p:nvPr/>
+        </p:nvSpPr>
+        <p:spPr bwMode="auto">
+          <a:xfrm>
+            <a:off x="1851826" y="4118128"/>
+            <a:ext cx="7056784" cy="786421"/>
+          </a:xfrm>
+          <a:prstGeom prst="roundRect">
+            <a:avLst/>
+          </a:prstGeom>
+          <a:ln/>
+          <a:extLst>
+            <a:ext uri="{909E8E84-426E-40DD-AFC4-6F175D3DCCD1}">
+              <a14:hiddenFill xmlns:a14="http://schemas.microsoft.com/office/drawing/2010/main">
+                <a:solidFill>
+                  <a:schemeClr val="accent1"/>
+                </a:solidFill>
+              </a14:hiddenFill>
+            </a:ext>
+            <a:ext uri="{91240B29-F687-4F45-9708-019B960494DF}">
+              <a14:hiddenLine xmlns:a14="http://schemas.microsoft.com/office/drawing/2010/main" w="9525" cap="flat" cmpd="sng" algn="ctr">
+                <a:solidFill>
+                  <a:schemeClr val="tx1"/>
+                </a:solidFill>
+                <a:prstDash val="solid"/>
+                <a:round/>
+                <a:headEnd type="none" w="med" len="med"/>
+                <a:tailEnd type="none" w="med" len="med"/>
+              </a14:hiddenLine>
+            </a:ext>
+            <a:ext uri="{AF507438-7753-43E0-B8FC-AC1667EBCBE1}">
+              <a14:hiddenEffects xmlns:a14="http://schemas.microsoft.com/office/drawing/2010/main">
+                <a:effectLst>
+                  <a:outerShdw blurRad="63500" dist="38099" dir="2700000" algn="ctr" rotWithShape="0">
+                    <a:srgbClr val="000000">
+                      <a:alpha val="74998"/>
+                    </a:srgbClr>
+                  </a:outerShdw>
+                </a:effectLst>
+              </a14:hiddenEffects>
+            </a:ext>
+          </a:extLst>
+        </p:spPr>
+        <p:style>
+          <a:lnRef idx="2">
+            <a:schemeClr val="accent2"/>
+          </a:lnRef>
+          <a:fillRef idx="1">
+            <a:schemeClr val="lt1"/>
+          </a:fillRef>
+          <a:effectRef idx="0">
+            <a:schemeClr val="accent2"/>
+          </a:effectRef>
+          <a:fontRef idx="minor">
+            <a:schemeClr val="dk1"/>
+          </a:fontRef>
+        </p:style>
+        <p:txBody>
+          <a:bodyPr vert="horz" wrap="square" lIns="0" tIns="0" rIns="0" bIns="0" numCol="1" rtlCol="0" anchor="t" anchorCtr="0" compatLnSpc="1">
+            <a:prstTxWarp prst="textNoShape">
+              <a:avLst/>
+            </a:prstTxWarp>
+          </a:bodyPr>
+          <a:lstStyle/>
+          <a:p>
+            <a:pPr marL="342900" marR="0" indent="-342900" defTabSz="914400" rtl="0" eaLnBrk="0" fontAlgn="base" latinLnBrk="0" hangingPunct="0">
+              <a:lnSpc>
+                <a:spcPct val="80000"/>
+              </a:lnSpc>
+              <a:spcBef>
+                <a:spcPct val="50000"/>
+              </a:spcBef>
+              <a:spcAft>
+                <a:spcPct val="0"/>
+              </a:spcAft>
+              <a:buClrTx/>
+              <a:buSzTx/>
+              <a:buFontTx/>
+              <a:buNone/>
+              <a:tabLst/>
+            </a:pPr>
+            <a:r>
+              <a:rPr lang="de-DE" sz="2400" b="1" u="none" dirty="0">
+                <a:solidFill>
+                  <a:srgbClr val="C00000"/>
+                </a:solidFill>
+                <a:latin typeface="Calibri" panose="020F0502020204030204" pitchFamily="34" charset="0"/>
+                <a:ea typeface="ＭＳ Ｐゴシック" pitchFamily="-112" charset="-128"/>
+                <a:cs typeface="Calibri" panose="020F0502020204030204" pitchFamily="34" charset="0"/>
+              </a:rPr>
+              <a:t>Auswirkung unterschiedlicher Auflösungen</a:t>
+            </a:r>
+            <a:r>
+              <a:rPr kumimoji="0" lang="de-DE" sz="2400" b="1" i="0" u="none" strike="noStrike" cap="none" normalizeH="0" baseline="0" dirty="0">
+                <a:ln>
+                  <a:noFill/>
+                </a:ln>
+                <a:solidFill>
+                  <a:srgbClr val="C00000"/>
+                </a:solidFill>
+                <a:effectLst/>
+                <a:latin typeface="Calibri" panose="020F0502020204030204" pitchFamily="34" charset="0"/>
+                <a:ea typeface="ＭＳ Ｐゴシック" pitchFamily="-112" charset="-128"/>
+                <a:cs typeface="Calibri" panose="020F0502020204030204" pitchFamily="34" charset="0"/>
+              </a:rPr>
+              <a:t>:</a:t>
+            </a:r>
+          </a:p>
+          <a:p>
+            <a:pPr marL="342900" marR="0" indent="-342900" defTabSz="914400" rtl="0" eaLnBrk="0" fontAlgn="base" latinLnBrk="0" hangingPunct="0">
+              <a:lnSpc>
+                <a:spcPct val="80000"/>
+              </a:lnSpc>
+              <a:spcBef>
+                <a:spcPct val="50000"/>
+              </a:spcBef>
+              <a:spcAft>
+                <a:spcPct val="0"/>
+              </a:spcAft>
+              <a:buClrTx/>
+              <a:buSzTx/>
+              <a:buFont typeface="Arial" panose="020B0604020202020204" pitchFamily="34" charset="0"/>
+              <a:buChar char="•"/>
+              <a:tabLst/>
+            </a:pPr>
+            <a:r>
+              <a:rPr lang="de-DE" sz="1800" u="none" dirty="0">
+                <a:solidFill>
+                  <a:schemeClr val="tx1"/>
+                </a:solidFill>
+                <a:latin typeface="Calibri" panose="020F0502020204030204" pitchFamily="34" charset="0"/>
+                <a:ea typeface="ＭＳ Ｐゴシック" pitchFamily="-112" charset="-128"/>
+                <a:cs typeface="Calibri" panose="020F0502020204030204" pitchFamily="34" charset="0"/>
+              </a:rPr>
+              <a:t>Rekonstruktionsergebnisse bei unterschiedlichen Auflösungen </a:t>
             </a:r>
             <a:endParaRPr kumimoji="0" lang="de-DE" sz="1800" b="0" i="0" u="none" strike="noStrike" cap="none" normalizeH="0" baseline="0" dirty="0">
               <a:ln>
@@ -8493,6 +15796,51 @@
                                           </p:stCondLst>
                                         </p:cTn>
                                         <p:tgtEl>
+                                          <p:spTgt spid="14"/>
+                                        </p:tgtEl>
+                                        <p:attrNameLst>
+                                          <p:attrName>style.visibility</p:attrName>
+                                        </p:attrNameLst>
+                                      </p:cBhvr>
+                                      <p:to>
+                                        <p:strVal val="visible"/>
+                                      </p:to>
+                                    </p:set>
+                                  </p:childTnLst>
+                                </p:cTn>
+                              </p:par>
+                            </p:childTnLst>
+                          </p:cTn>
+                        </p:par>
+                      </p:childTnLst>
+                    </p:cTn>
+                  </p:par>
+                  <p:par>
+                    <p:cTn id="15" fill="hold">
+                      <p:stCondLst>
+                        <p:cond delay="indefinite"/>
+                      </p:stCondLst>
+                      <p:childTnLst>
+                        <p:par>
+                          <p:cTn id="16" fill="hold">
+                            <p:stCondLst>
+                              <p:cond delay="0"/>
+                            </p:stCondLst>
+                            <p:childTnLst>
+                              <p:par>
+                                <p:cTn id="17" presetID="1" presetClass="entr" presetSubtype="0" fill="hold" grpId="0" nodeType="clickEffect">
+                                  <p:stCondLst>
+                                    <p:cond delay="0"/>
+                                  </p:stCondLst>
+                                  <p:childTnLst>
+                                    <p:set>
+                                      <p:cBhvr>
+                                        <p:cTn id="18" dur="1" fill="hold">
+                                          <p:stCondLst>
+                                            <p:cond delay="0"/>
+                                          </p:stCondLst>
+                                        </p:cTn>
+                                        <p:tgtEl>
                                           <p:spTgt spid="13"/>
                                         </p:tgtEl>
                                         <p:attrNameLst>
@@ -8537,6 +15885,7 @@
       <p:bldP spid="11" grpId="0" animBg="1"/>
       <p:bldP spid="12" grpId="0" animBg="1"/>
       <p:bldP spid="13" grpId="0" animBg="1"/>
+      <p:bldP spid="14" grpId="0" animBg="1"/>
     </p:bldLst>
   </p:timing>
 </p:sld>
@@ -9053,7 +16402,7 @@
         <p:spPr>
           <a:xfrm>
             <a:off x="619418" y="2044816"/>
-            <a:ext cx="2520082" cy="2629907"/>
+            <a:ext cx="2550732" cy="2661893"/>
           </a:xfrm>
           <a:prstGeom prst="rect">
             <a:avLst/>
@@ -9087,8 +16436,8 @@
         </p:blipFill>
         <p:spPr>
           <a:xfrm>
-            <a:off x="3393171" y="1909365"/>
-            <a:ext cx="5220072" cy="2672257"/>
+            <a:off x="3419872" y="2044816"/>
+            <a:ext cx="5194666" cy="2659251"/>
           </a:xfrm>
           <a:prstGeom prst="rect">
             <a:avLst/>
@@ -9109,7 +16458,7 @@
         </p:nvGrpSpPr>
         <p:grpSpPr>
           <a:xfrm>
-            <a:off x="231238" y="1787883"/>
+            <a:off x="179512" y="1936442"/>
             <a:ext cx="8681524" cy="3348164"/>
             <a:chOff x="231238" y="1765024"/>
             <a:chExt cx="8681524" cy="3348164"/>
@@ -9891,7 +17240,7 @@
         </p:blipFill>
         <p:spPr>
           <a:xfrm>
-            <a:off x="3195444" y="1844824"/>
+            <a:off x="3196656" y="3096214"/>
             <a:ext cx="2753109" cy="847843"/>
           </a:xfrm>
           <a:prstGeom prst="rect">
@@ -9926,7 +17275,7 @@
         </p:blipFill>
         <p:spPr>
           <a:xfrm>
-            <a:off x="3887921" y="3121329"/>
+            <a:off x="3826011" y="1654297"/>
             <a:ext cx="1368153" cy="1038370"/>
           </a:xfrm>
           <a:prstGeom prst="rect">
@@ -10231,31 +17580,6 @@
       </p:grpSpPr>
       <p:sp>
         <p:nvSpPr>
-          <p:cNvPr id="15" name="Content Placeholder 14">
-            <a:extLst>
-              <a:ext uri="{FF2B5EF4-FFF2-40B4-BE49-F238E27FC236}">
-                <a16:creationId xmlns:a16="http://schemas.microsoft.com/office/drawing/2014/main" id="{8C2E98DE-0644-4CDA-B8EC-1C4E40E7B845}"/>
-              </a:ext>
-            </a:extLst>
-          </p:cNvPr>
-          <p:cNvSpPr>
-            <a:spLocks noGrp="1"/>
-          </p:cNvSpPr>
-          <p:nvPr>
-            <p:ph idx="1"/>
-          </p:nvPr>
-        </p:nvSpPr>
-        <p:spPr/>
-        <p:txBody>
-          <a:bodyPr/>
-          <a:lstStyle/>
-          <a:p>
-            <a:endParaRPr lang="de-DE" dirty="0"/>
-          </a:p>
-        </p:txBody>
-      </p:sp>
-      <p:sp>
-        <p:nvSpPr>
           <p:cNvPr id="15367" name="Foliennummernplatzhalter 3"/>
           <p:cNvSpPr>
             <a:spLocks noGrp="1"/>
@@ -10540,6 +17864,78 @@
           </a:p>
         </p:txBody>
       </p:sp>
+      <p:pic>
+        <p:nvPicPr>
+          <p:cNvPr id="9" name="Picture 8">
+            <a:extLst>
+              <a:ext uri="{FF2B5EF4-FFF2-40B4-BE49-F238E27FC236}">
+                <a16:creationId xmlns:a16="http://schemas.microsoft.com/office/drawing/2014/main" id="{E2952EC4-F9B8-45F5-BFE2-1ADAE0A574A2}"/>
+              </a:ext>
+            </a:extLst>
+          </p:cNvPr>
+          <p:cNvPicPr>
+            <a:picLocks noChangeAspect="1"/>
+          </p:cNvPicPr>
+          <p:nvPr/>
+        </p:nvPicPr>
+        <p:blipFill>
+          <a:blip r:embed="rId3" cstate="print">
+            <a:extLst>
+              <a:ext uri="{28A0092B-C50C-407E-A947-70E740481C1C}">
+                <a14:useLocalDpi xmlns:a14="http://schemas.microsoft.com/office/drawing/2010/main" val="0"/>
+              </a:ext>
+            </a:extLst>
+          </a:blip>
+          <a:stretch>
+            <a:fillRect/>
+          </a:stretch>
+        </p:blipFill>
+        <p:spPr>
+          <a:xfrm>
+            <a:off x="3210855" y="3015723"/>
+            <a:ext cx="5321958" cy="2614508"/>
+          </a:xfrm>
+          <a:prstGeom prst="rect">
+            <a:avLst/>
+          </a:prstGeom>
+        </p:spPr>
+      </p:pic>
+      <p:pic>
+        <p:nvPicPr>
+          <p:cNvPr id="11" name="Picture 10">
+            <a:extLst>
+              <a:ext uri="{FF2B5EF4-FFF2-40B4-BE49-F238E27FC236}">
+                <a16:creationId xmlns:a16="http://schemas.microsoft.com/office/drawing/2014/main" id="{37D7F948-4538-4DF2-96A3-C45F52F7E692}"/>
+              </a:ext>
+            </a:extLst>
+          </p:cNvPr>
+          <p:cNvPicPr>
+            <a:picLocks noChangeAspect="1"/>
+          </p:cNvPicPr>
+          <p:nvPr/>
+        </p:nvPicPr>
+        <p:blipFill>
+          <a:blip r:embed="rId4">
+            <a:extLst>
+              <a:ext uri="{28A0092B-C50C-407E-A947-70E740481C1C}">
+                <a14:useLocalDpi xmlns:a14="http://schemas.microsoft.com/office/drawing/2010/main" val="0"/>
+              </a:ext>
+            </a:extLst>
+          </a:blip>
+          <a:stretch>
+            <a:fillRect/>
+          </a:stretch>
+        </p:blipFill>
+        <p:spPr>
+          <a:xfrm>
+            <a:off x="597326" y="1287531"/>
+            <a:ext cx="4934045" cy="2429336"/>
+          </a:xfrm>
+          <a:prstGeom prst="rect">
+            <a:avLst/>
+          </a:prstGeom>
+        </p:spPr>
+      </p:pic>
     </p:spTree>
     <p:extLst>
       <p:ext uri="{BB962C8B-B14F-4D97-AF65-F5344CB8AC3E}">
